--- a/slides/07-NPCIntro.pptx
+++ b/slides/07-NPCIntro.pptx
@@ -239,7 +239,7 @@
           <a:p>
             <a:fld id="{9A9F7FD5-2840-4607-A4CD-0A8A66D9D61D}" type="datetimeFigureOut">
               <a:rPr lang="en-US" smtClean="0"/>
-              <a:t>9/15/22</a:t>
+              <a:t>11/9/22</a:t>
             </a:fld>
             <a:endParaRPr lang="en-US"/>
           </a:p>
@@ -932,7 +932,7 @@
           <a:p>
             <a:fld id="{088A2421-D2CD-4522-A1BA-E4F59ED821B7}" type="datetime1">
               <a:rPr lang="en-US" smtClean="0"/>
-              <a:t>9/15/22</a:t>
+              <a:t>11/9/22</a:t>
             </a:fld>
             <a:endParaRPr lang="en-US"/>
           </a:p>
@@ -1207,7 +1207,7 @@
           <a:p>
             <a:fld id="{DA91928D-0C55-4D8D-9D16-4C05754E5356}" type="datetime1">
               <a:rPr lang="en-US" smtClean="0"/>
-              <a:t>9/15/22</a:t>
+              <a:t>11/9/22</a:t>
             </a:fld>
             <a:endParaRPr lang="en-US"/>
           </a:p>
@@ -1462,7 +1462,7 @@
           <a:p>
             <a:fld id="{584CEDDD-253B-4C38-A621-35D8BA950C17}" type="datetime1">
               <a:rPr lang="en-US" smtClean="0"/>
-              <a:t>9/15/22</a:t>
+              <a:t>11/9/22</a:t>
             </a:fld>
             <a:endParaRPr lang="en-US"/>
           </a:p>
@@ -1630,7 +1630,7 @@
           <a:p>
             <a:fld id="{BF0967E4-28CB-45C9-B82C-D6B22AD4F0EB}" type="datetime1">
               <a:rPr lang="en-US" smtClean="0"/>
-              <a:t>9/15/22</a:t>
+              <a:t>11/9/22</a:t>
             </a:fld>
             <a:endParaRPr lang="en-US"/>
           </a:p>
@@ -1808,7 +1808,7 @@
           <a:p>
             <a:fld id="{2454C693-B405-44E1-A127-B7CE8B45C1E1}" type="datetime1">
               <a:rPr lang="en-US" smtClean="0"/>
-              <a:t>9/15/22</a:t>
+              <a:t>11/9/22</a:t>
             </a:fld>
             <a:endParaRPr lang="en-US"/>
           </a:p>
@@ -2060,7 +2060,7 @@
           <a:p>
             <a:fld id="{26B28102-2E91-4DD7-8E8B-98B790A12701}" type="datetime1">
               <a:rPr lang="en-US" smtClean="0"/>
-              <a:t>9/15/22</a:t>
+              <a:t>11/9/22</a:t>
             </a:fld>
             <a:endParaRPr lang="en-US"/>
           </a:p>
@@ -2318,7 +2318,7 @@
           <a:p>
             <a:fld id="{0B5AF985-6D44-417A-9881-D208468CBA07}" type="datetime1">
               <a:rPr lang="en-US" smtClean="0"/>
-              <a:t>9/15/22</a:t>
+              <a:t>11/9/22</a:t>
             </a:fld>
             <a:endParaRPr lang="en-US"/>
           </a:p>
@@ -2575,7 +2575,7 @@
           <a:p>
             <a:fld id="{26B28102-2E91-4DD7-8E8B-98B790A12701}" type="datetime1">
               <a:rPr lang="en-US" smtClean="0"/>
-              <a:t>9/15/22</a:t>
+              <a:t>11/9/22</a:t>
             </a:fld>
             <a:endParaRPr lang="en-US"/>
           </a:p>
@@ -2821,7 +2821,7 @@
           <a:p>
             <a:fld id="{3A604A86-E8D2-4E57-8D6D-61E2D175474B}" type="datetime1">
               <a:rPr lang="en-US" smtClean="0"/>
-              <a:t>9/15/22</a:t>
+              <a:t>11/9/22</a:t>
             </a:fld>
             <a:endParaRPr lang="en-US"/>
           </a:p>
@@ -3184,7 +3184,7 @@
           <a:p>
             <a:fld id="{DC921DF3-1FB0-45DC-97EF-461960E13574}" type="datetime1">
               <a:rPr lang="en-US" smtClean="0"/>
-              <a:t>9/15/22</a:t>
+              <a:t>11/9/22</a:t>
             </a:fld>
             <a:endParaRPr lang="en-US"/>
           </a:p>
@@ -3676,7 +3676,7 @@
           <a:p>
             <a:fld id="{092B088E-2809-46D8-B43F-738015D878CC}" type="datetime1">
               <a:rPr lang="en-US" smtClean="0"/>
-              <a:t>9/15/22</a:t>
+              <a:t>11/9/22</a:t>
             </a:fld>
             <a:endParaRPr lang="en-US"/>
           </a:p>
@@ -3871,7 +3871,7 @@
           <a:p>
             <a:fld id="{8208D42A-BC08-426E-9E11-483BA9D61AF6}" type="datetime1">
               <a:rPr lang="en-US" smtClean="0"/>
-              <a:t>9/15/22</a:t>
+              <a:t>11/9/22</a:t>
             </a:fld>
             <a:endParaRPr lang="en-US"/>
           </a:p>
@@ -4071,7 +4071,7 @@
           <a:p>
             <a:fld id="{26B28102-2E91-4DD7-8E8B-98B790A12701}" type="datetime1">
               <a:rPr lang="en-US" smtClean="0"/>
-              <a:t>9/15/22</a:t>
+              <a:t>11/9/22</a:t>
             </a:fld>
             <a:endParaRPr lang="en-US"/>
           </a:p>
@@ -4167,7 +4167,7 @@
           <a:p>
             <a:fld id="{37D5C786-44E1-4BD5-AD14-75F3EA166B5A}" type="datetime1">
               <a:rPr lang="en-US" smtClean="0"/>
-              <a:t>9/15/22</a:t>
+              <a:t>11/9/22</a:t>
             </a:fld>
             <a:endParaRPr lang="en-US"/>
           </a:p>
@@ -4378,7 +4378,7 @@
           <a:p>
             <a:fld id="{26B28102-2E91-4DD7-8E8B-98B790A12701}" type="datetime1">
               <a:rPr lang="en-US" smtClean="0"/>
-              <a:t>9/15/22</a:t>
+              <a:t>11/9/22</a:t>
             </a:fld>
             <a:endParaRPr lang="en-US"/>
           </a:p>
@@ -4915,7 +4915,7 @@
 </file>
 
 <file path=ppt/slides/slide10.xml><?xml version="1.0" encoding="utf-8"?>
-<p:sld xmlns:a="http://schemas.openxmlformats.org/drawingml/2006/main" xmlns:r="http://schemas.openxmlformats.org/officeDocument/2006/relationships" xmlns:p="http://schemas.openxmlformats.org/presentationml/2006/main" show="0">
+<p:sld xmlns:a="http://schemas.openxmlformats.org/drawingml/2006/main" xmlns:r="http://schemas.openxmlformats.org/officeDocument/2006/relationships" xmlns:p="http://schemas.openxmlformats.org/presentationml/2006/main">
   <p:cSld>
     <p:spTree>
       <p:nvGrpSpPr>
@@ -6522,7 +6522,7 @@
 </file>
 
 <file path=ppt/slides/slide11.xml><?xml version="1.0" encoding="utf-8"?>
-<p:sld xmlns:a="http://schemas.openxmlformats.org/drawingml/2006/main" xmlns:r="http://schemas.openxmlformats.org/officeDocument/2006/relationships" xmlns:p="http://schemas.openxmlformats.org/presentationml/2006/main" show="0">
+<p:sld xmlns:a="http://schemas.openxmlformats.org/drawingml/2006/main" xmlns:r="http://schemas.openxmlformats.org/officeDocument/2006/relationships" xmlns:p="http://schemas.openxmlformats.org/presentationml/2006/main">
   <p:cSld>
     <p:spTree>
       <p:nvGrpSpPr>
@@ -8307,7 +8307,7 @@
         </p:nvSpPr>
         <p:spPr>
           <a:xfrm>
-            <a:off x="9695218" y="3273232"/>
+            <a:off x="9695218" y="3352800"/>
             <a:ext cx="1219200" cy="1219200"/>
           </a:xfrm>
           <a:prstGeom prst="ellipse">
@@ -8355,7 +8355,7 @@
         </p:nvSpPr>
         <p:spPr>
           <a:xfrm>
-            <a:off x="10117106" y="3621222"/>
+            <a:off x="10117106" y="3700790"/>
             <a:ext cx="375424" cy="523220"/>
           </a:xfrm>
           <a:prstGeom prst="rect">
@@ -9951,7 +9951,7 @@
         </p:nvSpPr>
         <p:spPr>
           <a:xfrm>
-            <a:off x="9470968" y="4649623"/>
+            <a:off x="9525000" y="4724400"/>
             <a:ext cx="1219200" cy="1219200"/>
           </a:xfrm>
           <a:prstGeom prst="ellipse">
@@ -9999,7 +9999,7 @@
         </p:nvSpPr>
         <p:spPr>
           <a:xfrm>
-            <a:off x="9892856" y="4997613"/>
+            <a:off x="9946888" y="5072390"/>
             <a:ext cx="375424" cy="523220"/>
           </a:xfrm>
           <a:prstGeom prst="rect">
@@ -10057,7 +10057,7 @@
         </p:nvSpPr>
         <p:spPr>
           <a:xfrm>
-            <a:off x="9296400" y="1395193"/>
+            <a:off x="9144000" y="990600"/>
             <a:ext cx="1916084" cy="2819400"/>
           </a:xfrm>
           <a:prstGeom prst="ellipse">
@@ -10102,7 +10102,7 @@
         </p:nvSpPr>
         <p:spPr>
           <a:xfrm>
-            <a:off x="9550487" y="2251153"/>
+            <a:off x="9398087" y="1846560"/>
             <a:ext cx="1435586" cy="523220"/>
           </a:xfrm>
           <a:prstGeom prst="rect">
@@ -10131,7 +10131,7 @@
         </p:nvSpPr>
         <p:spPr>
           <a:xfrm>
-            <a:off x="9574040" y="2715059"/>
+            <a:off x="9421640" y="2310466"/>
             <a:ext cx="1638445" cy="707886"/>
           </a:xfrm>
           <a:prstGeom prst="rect">
@@ -12352,7 +12352,7 @@
         </p:nvSpPr>
         <p:spPr>
           <a:xfrm>
-            <a:off x="8995950" y="3659024"/>
+            <a:off x="8995950" y="3963824"/>
             <a:ext cx="2292734" cy="2292734"/>
           </a:xfrm>
           <a:prstGeom prst="ellipse">
@@ -12409,7 +12409,7 @@
         </p:nvSpPr>
         <p:spPr>
           <a:xfrm>
-            <a:off x="9470968" y="4649623"/>
+            <a:off x="9601200" y="5029200"/>
             <a:ext cx="1219200" cy="1219200"/>
           </a:xfrm>
           <a:prstGeom prst="ellipse">
@@ -12463,7 +12463,7 @@
         </p:nvSpPr>
         <p:spPr>
           <a:xfrm>
-            <a:off x="9892856" y="4997613"/>
+            <a:off x="10023088" y="5377190"/>
             <a:ext cx="375424" cy="523220"/>
           </a:xfrm>
           <a:prstGeom prst="rect">
@@ -12498,7 +12498,7 @@
         </p:nvSpPr>
         <p:spPr>
           <a:xfrm>
-            <a:off x="9857544" y="4209338"/>
+            <a:off x="9857544" y="4514138"/>
             <a:ext cx="612668" cy="523220"/>
           </a:xfrm>
           <a:prstGeom prst="rect">
@@ -12533,7 +12533,7 @@
         </p:nvSpPr>
         <p:spPr>
           <a:xfrm>
-            <a:off x="9296400" y="1395193"/>
+            <a:off x="9220200" y="1295400"/>
             <a:ext cx="1916084" cy="2819400"/>
           </a:xfrm>
           <a:prstGeom prst="ellipse">
@@ -12584,7 +12584,7 @@
         </p:nvSpPr>
         <p:spPr>
           <a:xfrm>
-            <a:off x="9550487" y="2251153"/>
+            <a:off x="9474287" y="2151360"/>
             <a:ext cx="1435586" cy="523220"/>
           </a:xfrm>
           <a:prstGeom prst="rect">
@@ -12619,7 +12619,7 @@
         </p:nvSpPr>
         <p:spPr>
           <a:xfrm>
-            <a:off x="9574040" y="2715059"/>
+            <a:off x="9497840" y="2615266"/>
             <a:ext cx="1638445" cy="707886"/>
           </a:xfrm>
           <a:prstGeom prst="rect">
@@ -12654,7 +12654,7 @@
         </p:nvSpPr>
         <p:spPr>
           <a:xfrm>
-            <a:off x="7711483" y="1395193"/>
+            <a:off x="7916129" y="1524000"/>
             <a:ext cx="923071" cy="618052"/>
           </a:xfrm>
           <a:prstGeom prst="wedgeRoundRectCallout">
@@ -27733,7 +27733,7 @@
 </file>
 
 <file path=ppt/slides/slide7.xml><?xml version="1.0" encoding="utf-8"?>
-<p:sld xmlns:a="http://schemas.openxmlformats.org/drawingml/2006/main" xmlns:r="http://schemas.openxmlformats.org/officeDocument/2006/relationships" xmlns:p="http://schemas.openxmlformats.org/presentationml/2006/main" show="0">
+<p:sld xmlns:a="http://schemas.openxmlformats.org/drawingml/2006/main" xmlns:r="http://schemas.openxmlformats.org/officeDocument/2006/relationships" xmlns:p="http://schemas.openxmlformats.org/presentationml/2006/main">
   <p:cSld>
     <p:spTree>
       <p:nvGrpSpPr>
@@ -29036,7 +29036,7 @@
 </file>
 
 <file path=ppt/slides/slide8.xml><?xml version="1.0" encoding="utf-8"?>
-<p:sld xmlns:a="http://schemas.openxmlformats.org/drawingml/2006/main" xmlns:r="http://schemas.openxmlformats.org/officeDocument/2006/relationships" xmlns:p="http://schemas.openxmlformats.org/presentationml/2006/main" show="0">
+<p:sld xmlns:a="http://schemas.openxmlformats.org/drawingml/2006/main" xmlns:r="http://schemas.openxmlformats.org/officeDocument/2006/relationships" xmlns:p="http://schemas.openxmlformats.org/presentationml/2006/main">
   <p:cSld>
     <p:spTree>
       <p:nvGrpSpPr>
@@ -30493,7 +30493,7 @@
 </file>
 
 <file path=ppt/slides/slide9.xml><?xml version="1.0" encoding="utf-8"?>
-<p:sld xmlns:a="http://schemas.openxmlformats.org/drawingml/2006/main" xmlns:r="http://schemas.openxmlformats.org/officeDocument/2006/relationships" xmlns:p="http://schemas.openxmlformats.org/presentationml/2006/main" show="0">
+<p:sld xmlns:a="http://schemas.openxmlformats.org/drawingml/2006/main" xmlns:r="http://schemas.openxmlformats.org/officeDocument/2006/relationships" xmlns:p="http://schemas.openxmlformats.org/presentationml/2006/main">
   <p:cSld>
     <p:spTree>
       <p:nvGrpSpPr>

--- a/slides/07-NPCIntro.pptx
+++ b/slides/07-NPCIntro.pptx
@@ -5,7 +5,7 @@
     <p:sldMasterId id="2147483660" r:id="rId1"/>
   </p:sldMasterIdLst>
   <p:notesMasterIdLst>
-    <p:notesMasterId r:id="rId34"/>
+    <p:notesMasterId r:id="rId43"/>
   </p:notesMasterIdLst>
   <p:sldIdLst>
     <p:sldId id="645" r:id="rId2"/>
@@ -19,27 +19,36 @@
     <p:sldId id="784" r:id="rId10"/>
     <p:sldId id="785" r:id="rId11"/>
     <p:sldId id="786" r:id="rId12"/>
-    <p:sldId id="789" r:id="rId13"/>
-    <p:sldId id="1098" r:id="rId14"/>
-    <p:sldId id="792" r:id="rId15"/>
-    <p:sldId id="799" r:id="rId16"/>
-    <p:sldId id="794" r:id="rId17"/>
-    <p:sldId id="1102" r:id="rId18"/>
-    <p:sldId id="1103" r:id="rId19"/>
-    <p:sldId id="842" r:id="rId20"/>
-    <p:sldId id="262" r:id="rId21"/>
-    <p:sldId id="850" r:id="rId22"/>
-    <p:sldId id="268" r:id="rId23"/>
-    <p:sldId id="342" r:id="rId24"/>
-    <p:sldId id="846" r:id="rId25"/>
+    <p:sldId id="1109" r:id="rId13"/>
+    <p:sldId id="789" r:id="rId14"/>
+    <p:sldId id="1098" r:id="rId15"/>
+    <p:sldId id="792" r:id="rId16"/>
+    <p:sldId id="799" r:id="rId17"/>
+    <p:sldId id="794" r:id="rId18"/>
+    <p:sldId id="1102" r:id="rId19"/>
+    <p:sldId id="1103" r:id="rId20"/>
+    <p:sldId id="842" r:id="rId21"/>
+    <p:sldId id="268" r:id="rId22"/>
+    <p:sldId id="342" r:id="rId23"/>
+    <p:sldId id="846" r:id="rId24"/>
+    <p:sldId id="1108" r:id="rId25"/>
     <p:sldId id="315" r:id="rId26"/>
     <p:sldId id="851" r:id="rId27"/>
-    <p:sldId id="312" r:id="rId28"/>
-    <p:sldId id="313" r:id="rId29"/>
-    <p:sldId id="852" r:id="rId30"/>
-    <p:sldId id="1105" r:id="rId31"/>
-    <p:sldId id="276" r:id="rId32"/>
-    <p:sldId id="344" r:id="rId33"/>
+    <p:sldId id="322" r:id="rId28"/>
+    <p:sldId id="312" r:id="rId29"/>
+    <p:sldId id="313" r:id="rId30"/>
+    <p:sldId id="337" r:id="rId31"/>
+    <p:sldId id="336" r:id="rId32"/>
+    <p:sldId id="339" r:id="rId33"/>
+    <p:sldId id="341" r:id="rId34"/>
+    <p:sldId id="1106" r:id="rId35"/>
+    <p:sldId id="343" r:id="rId36"/>
+    <p:sldId id="1107" r:id="rId37"/>
+    <p:sldId id="345" r:id="rId38"/>
+    <p:sldId id="852" r:id="rId39"/>
+    <p:sldId id="1105" r:id="rId40"/>
+    <p:sldId id="276" r:id="rId41"/>
+    <p:sldId id="344" r:id="rId42"/>
   </p:sldIdLst>
   <p:sldSz cx="12192000" cy="6858000"/>
   <p:notesSz cx="6858000" cy="9144000"/>
@@ -7929,6 +7938,101 @@
       </p:grpSpPr>
       <p:sp>
         <p:nvSpPr>
+          <p:cNvPr id="5" name="Title 4"/>
+          <p:cNvSpPr>
+            <a:spLocks noGrp="1"/>
+          </p:cNvSpPr>
+          <p:nvPr>
+            <p:ph type="title"/>
+          </p:nvPr>
+        </p:nvSpPr>
+        <p:spPr/>
+        <p:txBody>
+          <a:bodyPr/>
+          <a:lstStyle/>
+          <a:p>
+            <a:r>
+              <a:rPr lang="en-US" dirty="0"/>
+              <a:t>Classes of Problems (P, NP, NP-Hard)</a:t>
+            </a:r>
+          </a:p>
+        </p:txBody>
+      </p:sp>
+      <p:sp>
+        <p:nvSpPr>
+          <p:cNvPr id="6" name="Text Placeholder 5"/>
+          <p:cNvSpPr>
+            <a:spLocks noGrp="1"/>
+          </p:cNvSpPr>
+          <p:nvPr>
+            <p:ph type="body" idx="1"/>
+          </p:nvPr>
+        </p:nvSpPr>
+        <p:spPr/>
+        <p:txBody>
+          <a:bodyPr/>
+          <a:lstStyle/>
+          <a:p>
+            <a:endParaRPr lang="en-US"/>
+          </a:p>
+        </p:txBody>
+      </p:sp>
+      <p:sp>
+        <p:nvSpPr>
+          <p:cNvPr id="4" name="Slide Number Placeholder 3"/>
+          <p:cNvSpPr>
+            <a:spLocks noGrp="1"/>
+          </p:cNvSpPr>
+          <p:nvPr>
+            <p:ph type="sldNum" sz="quarter" idx="12"/>
+          </p:nvPr>
+        </p:nvSpPr>
+        <p:spPr/>
+        <p:txBody>
+          <a:bodyPr/>
+          <a:lstStyle/>
+          <a:p>
+            <a:fld id="{A8D2B1A1-9A82-492A-87A6-500459A044C8}" type="slidenum">
+              <a:rPr lang="en-US" smtClean="0"/>
+              <a:pPr/>
+              <a:t>12</a:t>
+            </a:fld>
+            <a:endParaRPr lang="en-US"/>
+          </a:p>
+        </p:txBody>
+      </p:sp>
+    </p:spTree>
+    <p:extLst>
+      <p:ext uri="{BB962C8B-B14F-4D97-AF65-F5344CB8AC3E}">
+        <p14:creationId xmlns:p14="http://schemas.microsoft.com/office/powerpoint/2010/main" val="3326916435"/>
+      </p:ext>
+    </p:extLst>
+  </p:cSld>
+  <p:clrMapOvr>
+    <a:masterClrMapping/>
+  </p:clrMapOvr>
+</p:sld>
+</file>
+
+<file path=ppt/slides/slide13.xml><?xml version="1.0" encoding="utf-8"?>
+<p:sld xmlns:a="http://schemas.openxmlformats.org/drawingml/2006/main" xmlns:r="http://schemas.openxmlformats.org/officeDocument/2006/relationships" xmlns:p="http://schemas.openxmlformats.org/presentationml/2006/main">
+  <p:cSld>
+    <p:spTree>
+      <p:nvGrpSpPr>
+        <p:cNvPr id="1" name=""/>
+        <p:cNvGrpSpPr/>
+        <p:nvPr/>
+      </p:nvGrpSpPr>
+      <p:grpSpPr>
+        <a:xfrm>
+          <a:off x="0" y="0"/>
+          <a:ext cx="0" cy="0"/>
+          <a:chOff x="0" y="0"/>
+          <a:chExt cx="0" cy="0"/>
+        </a:xfrm>
+      </p:grpSpPr>
+      <p:sp>
+        <p:nvSpPr>
           <p:cNvPr id="7" name="Oval 6"/>
           <p:cNvSpPr/>
           <p:nvPr/>
@@ -8293,7 +8397,7 @@
           <a:p>
             <a:fld id="{86BADE50-950A-4D58-BFB2-FA2C6A8B385D}" type="slidenum">
               <a:rPr lang="en-US" smtClean="0"/>
-              <a:t>12</a:t>
+              <a:t>13</a:t>
             </a:fld>
             <a:endParaRPr lang="en-US"/>
           </a:p>
@@ -8418,7 +8522,7 @@
 </p:sld>
 </file>
 
-<file path=ppt/slides/slide13.xml><?xml version="1.0" encoding="utf-8"?>
+<file path=ppt/slides/slide14.xml><?xml version="1.0" encoding="utf-8"?>
 <p:sld xmlns:a="http://schemas.openxmlformats.org/drawingml/2006/main" xmlns:r="http://schemas.openxmlformats.org/officeDocument/2006/relationships" xmlns:p="http://schemas.openxmlformats.org/presentationml/2006/main">
   <p:cSld>
     <p:spTree>
@@ -8435,8 +8539,8 @@
           <a:chExt cx="0" cy="0"/>
         </a:xfrm>
       </p:grpSpPr>
-      <mc:AlternateContent xmlns:mc="http://schemas.openxmlformats.org/markup-compatibility/2006" xmlns:a14="http://schemas.microsoft.com/office/drawing/2010/main">
-        <mc:Choice Requires="a14">
+      <mc:AlternateContent xmlns:mc="http://schemas.openxmlformats.org/markup-compatibility/2006">
+        <mc:Choice xmlns:a14="http://schemas.microsoft.com/office/drawing/2010/main" Requires="a14">
           <p:sp>
             <p:nvSpPr>
               <p:cNvPr id="2" name="Title 1"/>
@@ -8464,13 +8568,13 @@
                 </a14:m>
                 <a:r>
                   <a:rPr lang="en-US" dirty="0"/>
-                  <a:t>-Independent Set is NP</a:t>
+                  <a:t>-Vertex Cover is NP</a:t>
                 </a:r>
               </a:p>
             </p:txBody>
           </p:sp>
         </mc:Choice>
-        <mc:Fallback xmlns="">
+        <mc:Fallback>
           <p:sp>
             <p:nvSpPr>
               <p:cNvPr id="2" name="Title 1"/>
@@ -8482,10 +8586,10 @@
               </p:nvPr>
             </p:nvSpPr>
             <p:spPr>
-              <a:blipFill rotWithShape="1">
+              <a:blipFill>
                 <a:blip r:embed="rId2"/>
                 <a:stretch>
-                  <a:fillRect b="-8511"/>
+                  <a:fillRect t="-10606" b="-30303"/>
                 </a:stretch>
               </a:blipFill>
             </p:spPr>
@@ -8715,14 +8819,14 @@
           <a:p>
             <a:fld id="{86BADE50-950A-4D58-BFB2-FA2C6A8B385D}" type="slidenum">
               <a:rPr lang="en-US" smtClean="0"/>
-              <a:t>13</a:t>
+              <a:t>14</a:t>
             </a:fld>
             <a:endParaRPr lang="en-US"/>
           </a:p>
         </p:txBody>
       </p:sp>
-      <mc:AlternateContent xmlns:mc="http://schemas.openxmlformats.org/markup-compatibility/2006" xmlns:a14="http://schemas.microsoft.com/office/drawing/2010/main">
-        <mc:Choice Requires="a14">
+      <mc:AlternateContent xmlns:mc="http://schemas.openxmlformats.org/markup-compatibility/2006">
+        <mc:Choice xmlns:a14="http://schemas.microsoft.com/office/drawing/2010/main" Requires="a14">
           <p:sp>
             <p:nvSpPr>
               <p:cNvPr id="30" name="Content Placeholder 2"/>
@@ -8742,7 +8846,7 @@
             </p:spPr>
             <p:txBody>
               <a:bodyPr vert="horz" lIns="91440" tIns="45720" rIns="91440" bIns="45720" rtlCol="0">
-                <a:normAutofit fontScale="92500"/>
+                <a:normAutofit/>
               </a:bodyPr>
               <a:lstStyle>
                 <a:lvl1pPr marL="342900" indent="-342900" algn="l" defTabSz="914400" rtl="0" eaLnBrk="1" latinLnBrk="0" hangingPunct="1">
@@ -8984,7 +9088,7 @@
                 </a14:m>
                 <a:r>
                   <a:rPr lang="en-US" dirty="0"/>
-                  <a:t> is an independent set?  Takes </a:t>
+                  <a:t> is a vertex cover?  Takes </a:t>
                 </a:r>
                 <a14:m>
                   <m:oMath xmlns:m="http://schemas.openxmlformats.org/officeDocument/2006/math">
@@ -9038,7 +9142,7 @@
             </p:txBody>
           </p:sp>
         </mc:Choice>
-        <mc:Fallback xmlns="">
+        <mc:Fallback>
           <p:sp>
             <p:nvSpPr>
               <p:cNvPr id="30" name="Content Placeholder 2"/>
@@ -9058,7 +9162,7 @@
               <a:blipFill>
                 <a:blip r:embed="rId4"/>
                 <a:stretch>
-                  <a:fillRect l="-1783" t="-3425"/>
+                  <a:fillRect l="-1935" t="-4138" b="-6207"/>
                 </a:stretch>
               </a:blipFill>
             </p:spPr>
@@ -9077,8 +9181,8 @@
           </p:sp>
         </mc:Fallback>
       </mc:AlternateContent>
-      <mc:AlternateContent xmlns:mc="http://schemas.openxmlformats.org/markup-compatibility/2006" xmlns:a14="http://schemas.microsoft.com/office/drawing/2010/main">
-        <mc:Choice Requires="a14">
+      <mc:AlternateContent xmlns:mc="http://schemas.openxmlformats.org/markup-compatibility/2006">
+        <mc:Choice xmlns:a14="http://schemas.microsoft.com/office/drawing/2010/main" Requires="a14">
           <p:sp>
             <p:nvSpPr>
               <p:cNvPr id="6" name="Content Placeholder 2">
@@ -9257,7 +9361,7 @@
                 </a:r>
                 <a:r>
                   <a:rPr lang="en-US" b="1" i="1" dirty="0" err="1"/>
-                  <a:t>IndSet</a:t>
+                  <a:t>VertCover</a:t>
                 </a:r>
                 <a:r>
                   <a:rPr lang="en-US" b="1" dirty="0"/>
@@ -9287,7 +9391,7 @@
             </p:txBody>
           </p:sp>
         </mc:Choice>
-        <mc:Fallback xmlns="">
+        <mc:Fallback>
           <p:sp>
             <p:nvSpPr>
               <p:cNvPr id="6" name="Content Placeholder 2">
@@ -9313,7 +9417,7 @@
               <a:blipFill>
                 <a:blip r:embed="rId5"/>
                 <a:stretch>
-                  <a:fillRect l="-1783" t="-7500"/>
+                  <a:fillRect l="-1786" t="-6250"/>
                 </a:stretch>
               </a:blipFill>
             </p:spPr>
@@ -9485,7 +9589,7 @@
 </p:sld>
 </file>
 
-<file path=ppt/slides/slide14.xml><?xml version="1.0" encoding="utf-8"?>
+<file path=ppt/slides/slide15.xml><?xml version="1.0" encoding="utf-8"?>
 <p:sld xmlns:a="http://schemas.openxmlformats.org/drawingml/2006/main" xmlns:r="http://schemas.openxmlformats.org/officeDocument/2006/relationships" xmlns:p="http://schemas.openxmlformats.org/presentationml/2006/main">
   <p:cSld>
     <p:spTree>
@@ -9886,7 +9990,7 @@
           <a:p>
             <a:fld id="{86BADE50-950A-4D58-BFB2-FA2C6A8B385D}" type="slidenum">
               <a:rPr lang="en-US" smtClean="0"/>
-              <a:t>14</a:t>
+              <a:t>15</a:t>
             </a:fld>
             <a:endParaRPr lang="en-US"/>
           </a:p>
@@ -10165,7 +10269,7 @@
 </p:sld>
 </file>
 
-<file path=ppt/slides/slide15.xml><?xml version="1.0" encoding="utf-8"?>
+<file path=ppt/slides/slide16.xml><?xml version="1.0" encoding="utf-8"?>
 <p:sld xmlns:a="http://schemas.openxmlformats.org/drawingml/2006/main" xmlns:r="http://schemas.openxmlformats.org/officeDocument/2006/relationships" xmlns:p="http://schemas.openxmlformats.org/presentationml/2006/main">
   <p:cSld>
     <p:spTree>
@@ -10275,7 +10379,7 @@
           <a:p>
             <a:fld id="{86BADE50-950A-4D58-BFB2-FA2C6A8B385D}" type="slidenum">
               <a:rPr lang="en-US" smtClean="0"/>
-              <a:t>15</a:t>
+              <a:t>16</a:t>
             </a:fld>
             <a:endParaRPr lang="en-US"/>
           </a:p>
@@ -11966,7 +12070,7 @@
 </p:sld>
 </file>
 
-<file path=ppt/slides/slide16.xml><?xml version="1.0" encoding="utf-8"?>
+<file path=ppt/slides/slide17.xml><?xml version="1.0" encoding="utf-8"?>
 <p:sld xmlns:a="http://schemas.openxmlformats.org/drawingml/2006/main" xmlns:r="http://schemas.openxmlformats.org/officeDocument/2006/relationships" xmlns:p="http://schemas.openxmlformats.org/presentationml/2006/main">
   <p:cSld>
     <p:spTree>
@@ -12299,7 +12403,7 @@
           <a:p>
             <a:fld id="{86BADE50-950A-4D58-BFB2-FA2C6A8B385D}" type="slidenum">
               <a:rPr lang="en-US" smtClean="0"/>
-              <a:t>16</a:t>
+              <a:t>17</a:t>
             </a:fld>
             <a:endParaRPr lang="en-US"/>
           </a:p>
@@ -12704,7 +12808,7 @@
 </p:sld>
 </file>
 
-<file path=ppt/slides/slide17.xml><?xml version="1.0" encoding="utf-8"?>
+<file path=ppt/slides/slide18.xml><?xml version="1.0" encoding="utf-8"?>
 <p:sld xmlns:a="http://schemas.openxmlformats.org/drawingml/2006/main" xmlns:r="http://schemas.openxmlformats.org/officeDocument/2006/relationships" xmlns:p="http://schemas.openxmlformats.org/presentationml/2006/main">
   <p:cSld>
     <p:spTree>
@@ -12814,7 +12918,7 @@
           <a:p>
             <a:fld id="{86BADE50-950A-4D58-BFB2-FA2C6A8B385D}" type="slidenum">
               <a:rPr lang="en-US" smtClean="0"/>
-              <a:t>17</a:t>
+              <a:t>18</a:t>
             </a:fld>
             <a:endParaRPr lang="en-US"/>
           </a:p>
@@ -14496,7 +14600,7 @@
 </p:sld>
 </file>
 
-<file path=ppt/slides/slide18.xml><?xml version="1.0" encoding="utf-8"?>
+<file path=ppt/slides/slide19.xml><?xml version="1.0" encoding="utf-8"?>
 <p:sld xmlns:a="http://schemas.openxmlformats.org/drawingml/2006/main" xmlns:r="http://schemas.openxmlformats.org/officeDocument/2006/relationships" xmlns:p="http://schemas.openxmlformats.org/presentationml/2006/main">
   <p:cSld>
     <p:spTree>
@@ -14606,7 +14710,7 @@
           <a:p>
             <a:fld id="{86BADE50-950A-4D58-BFB2-FA2C6A8B385D}" type="slidenum">
               <a:rPr lang="en-US" smtClean="0"/>
-              <a:t>18</a:t>
+              <a:t>19</a:t>
             </a:fld>
             <a:endParaRPr lang="en-US"/>
           </a:p>
@@ -16304,163 +16408,6 @@
 </p:sld>
 </file>
 
-<file path=ppt/slides/slide19.xml><?xml version="1.0" encoding="utf-8"?>
-<p:sld xmlns:a="http://schemas.openxmlformats.org/drawingml/2006/main" xmlns:r="http://schemas.openxmlformats.org/officeDocument/2006/relationships" xmlns:p="http://schemas.openxmlformats.org/presentationml/2006/main">
-  <p:cSld>
-    <p:spTree>
-      <p:nvGrpSpPr>
-        <p:cNvPr id="1" name=""/>
-        <p:cNvGrpSpPr/>
-        <p:nvPr/>
-      </p:nvGrpSpPr>
-      <p:grpSpPr>
-        <a:xfrm>
-          <a:off x="0" y="0"/>
-          <a:ext cx="0" cy="0"/>
-          <a:chOff x="0" y="0"/>
-          <a:chExt cx="0" cy="0"/>
-        </a:xfrm>
-      </p:grpSpPr>
-      <p:sp>
-        <p:nvSpPr>
-          <p:cNvPr id="2" name="Title 1">
-            <a:extLst>
-              <a:ext uri="{FF2B5EF4-FFF2-40B4-BE49-F238E27FC236}">
-                <a16:creationId xmlns:a16="http://schemas.microsoft.com/office/drawing/2014/main" id="{38481A0D-9E7C-E640-8EC7-A5B179DC1DFD}"/>
-              </a:ext>
-            </a:extLst>
-          </p:cNvPr>
-          <p:cNvSpPr>
-            <a:spLocks noGrp="1"/>
-          </p:cNvSpPr>
-          <p:nvPr>
-            <p:ph type="title"/>
-          </p:nvPr>
-        </p:nvSpPr>
-        <p:spPr/>
-        <p:txBody>
-          <a:bodyPr/>
-          <a:lstStyle/>
-          <a:p>
-            <a:r>
-              <a:rPr lang="en-US" dirty="0"/>
-              <a:t>Summary of Where We Are</a:t>
-            </a:r>
-          </a:p>
-        </p:txBody>
-      </p:sp>
-      <p:sp>
-        <p:nvSpPr>
-          <p:cNvPr id="3" name="Content Placeholder 2">
-            <a:extLst>
-              <a:ext uri="{FF2B5EF4-FFF2-40B4-BE49-F238E27FC236}">
-                <a16:creationId xmlns:a16="http://schemas.microsoft.com/office/drawing/2014/main" id="{B677DA0D-9CD8-1C48-96E6-B87F28616D75}"/>
-              </a:ext>
-            </a:extLst>
-          </p:cNvPr>
-          <p:cNvSpPr>
-            <a:spLocks noGrp="1"/>
-          </p:cNvSpPr>
-          <p:nvPr>
-            <p:ph idx="1"/>
-          </p:nvPr>
-        </p:nvSpPr>
-        <p:spPr/>
-        <p:txBody>
-          <a:bodyPr>
-            <a:normAutofit fontScale="92500"/>
-          </a:bodyPr>
-          <a:lstStyle/>
-          <a:p>
-            <a:r>
-              <a:rPr lang="en-US" dirty="0"/>
-              <a:t>Focusing on “hard” problems, those that seem to be exponential</a:t>
-            </a:r>
-          </a:p>
-          <a:p>
-            <a:r>
-              <a:rPr lang="en-US" dirty="0"/>
-              <a:t>Reductions used to show “hardness” relationships between problems</a:t>
-            </a:r>
-          </a:p>
-          <a:p>
-            <a:r>
-              <a:rPr lang="en-US" dirty="0"/>
-              <a:t>Starting to define “classes” of problems based on complexity issues</a:t>
-            </a:r>
-          </a:p>
-          <a:p>
-            <a:pPr lvl="1"/>
-            <a:r>
-              <a:rPr lang="en-US" dirty="0"/>
-              <a:t>P are problems that can be solved in polynomial time</a:t>
-            </a:r>
-          </a:p>
-          <a:p>
-            <a:pPr lvl="1"/>
-            <a:r>
-              <a:rPr lang="en-US" dirty="0"/>
-              <a:t>NP are problems where a solution can be verified in polynomial time</a:t>
-            </a:r>
-          </a:p>
-          <a:p>
-            <a:pPr lvl="1"/>
-            <a:r>
-              <a:rPr lang="en-US" dirty="0"/>
-              <a:t>NP-hard are problems that are at least as hard as anything in NP</a:t>
-            </a:r>
-          </a:p>
-          <a:p>
-            <a:pPr lvl="1"/>
-            <a:r>
-              <a:rPr lang="en-US" dirty="0"/>
-              <a:t>NP-complete are NP-hard problems that “stand or fall together”</a:t>
-            </a:r>
-          </a:p>
-        </p:txBody>
-      </p:sp>
-      <p:sp>
-        <p:nvSpPr>
-          <p:cNvPr id="4" name="Slide Number Placeholder 3">
-            <a:extLst>
-              <a:ext uri="{FF2B5EF4-FFF2-40B4-BE49-F238E27FC236}">
-                <a16:creationId xmlns:a16="http://schemas.microsoft.com/office/drawing/2014/main" id="{9487A024-E923-F243-8856-C4AD8B437C52}"/>
-              </a:ext>
-            </a:extLst>
-          </p:cNvPr>
-          <p:cNvSpPr>
-            <a:spLocks noGrp="1"/>
-          </p:cNvSpPr>
-          <p:nvPr>
-            <p:ph type="sldNum" sz="quarter" idx="12"/>
-          </p:nvPr>
-        </p:nvSpPr>
-        <p:spPr/>
-        <p:txBody>
-          <a:bodyPr/>
-          <a:lstStyle/>
-          <a:p>
-            <a:fld id="{86BADE50-950A-4D58-BFB2-FA2C6A8B385D}" type="slidenum">
-              <a:rPr lang="en-US" smtClean="0"/>
-              <a:t>19</a:t>
-            </a:fld>
-            <a:endParaRPr lang="en-US"/>
-          </a:p>
-        </p:txBody>
-      </p:sp>
-    </p:spTree>
-    <p:extLst>
-      <p:ext uri="{BB962C8B-B14F-4D97-AF65-F5344CB8AC3E}">
-        <p14:creationId xmlns:p14="http://schemas.microsoft.com/office/powerpoint/2010/main" val="1979091358"/>
-      </p:ext>
-    </p:extLst>
-  </p:cSld>
-  <p:clrMapOvr>
-    <a:masterClrMapping/>
-  </p:clrMapOvr>
-</p:sld>
-</file>
-
 <file path=ppt/slides/slide2.xml><?xml version="1.0" encoding="utf-8"?>
 <p:sld xmlns:a="http://schemas.openxmlformats.org/drawingml/2006/main" xmlns:r="http://schemas.openxmlformats.org/officeDocument/2006/relationships" xmlns:p="http://schemas.openxmlformats.org/presentationml/2006/main">
   <p:cSld>
@@ -16654,21 +16601,18 @@
       </p:grpSpPr>
       <p:sp>
         <p:nvSpPr>
-          <p:cNvPr id="17409" name="Rectangle 2">
+          <p:cNvPr id="2" name="Title 1">
             <a:extLst>
               <a:ext uri="{FF2B5EF4-FFF2-40B4-BE49-F238E27FC236}">
-                <a16:creationId xmlns:a16="http://schemas.microsoft.com/office/drawing/2014/main" id="{EB0E06BA-D4D8-2B41-8594-6067164C7E06}"/>
+                <a16:creationId xmlns:a16="http://schemas.microsoft.com/office/drawing/2014/main" id="{38481A0D-9E7C-E640-8EC7-A5B179DC1DFD}"/>
               </a:ext>
             </a:extLst>
           </p:cNvPr>
           <p:cNvSpPr>
-            <a:spLocks noGrp="1" noChangeArrowheads="1"/>
+            <a:spLocks noGrp="1"/>
           </p:cNvSpPr>
           <p:nvPr>
             <p:ph type="title"/>
-            <p:custDataLst>
-              <p:tags r:id="rId1"/>
-            </p:custDataLst>
           </p:nvPr>
         </p:nvSpPr>
         <p:spPr/>
@@ -16677,55 +16621,96 @@
           <a:lstStyle/>
           <a:p>
             <a:r>
-              <a:rPr lang="en-US" altLang="en-US">
-                <a:ea typeface="ＭＳ Ｐゴシック" panose="020B0600070205080204" pitchFamily="34" charset="-128"/>
-              </a:rPr>
-              <a:t>Review: </a:t>
-            </a:r>
-            <a:r>
-              <a:rPr lang="en-US" altLang="en-US" b="1">
-                <a:ea typeface="ＭＳ Ｐゴシック" panose="020B0600070205080204" pitchFamily="34" charset="-128"/>
-              </a:rPr>
-              <a:t>P</a:t>
-            </a:r>
-            <a:r>
-              <a:rPr lang="en-US" altLang="en-US">
-                <a:ea typeface="ＭＳ Ｐゴシック" panose="020B0600070205080204" pitchFamily="34" charset="-128"/>
-              </a:rPr>
-              <a:t> And </a:t>
-            </a:r>
-            <a:r>
-              <a:rPr lang="en-US" altLang="en-US" b="1">
-                <a:ea typeface="ＭＳ Ｐゴシック" panose="020B0600070205080204" pitchFamily="34" charset="-128"/>
-              </a:rPr>
-              <a:t>NP </a:t>
-            </a:r>
-            <a:r>
-              <a:rPr lang="en-US" altLang="en-US">
-                <a:ea typeface="ＭＳ Ｐゴシック" panose="020B0600070205080204" pitchFamily="34" charset="-128"/>
-              </a:rPr>
-              <a:t>Summary</a:t>
+              <a:rPr lang="en-US" dirty="0"/>
+              <a:t>Summary of Where We Are</a:t>
             </a:r>
           </a:p>
         </p:txBody>
       </p:sp>
       <p:sp>
         <p:nvSpPr>
-          <p:cNvPr id="17410" name="Rectangle 3">
+          <p:cNvPr id="3" name="Content Placeholder 2">
             <a:extLst>
               <a:ext uri="{FF2B5EF4-FFF2-40B4-BE49-F238E27FC236}">
-                <a16:creationId xmlns:a16="http://schemas.microsoft.com/office/drawing/2014/main" id="{E7CEC3E4-CE7A-6B48-9D6D-8C715B98B7B2}"/>
+                <a16:creationId xmlns:a16="http://schemas.microsoft.com/office/drawing/2014/main" id="{B677DA0D-9CD8-1C48-96E6-B87F28616D75}"/>
               </a:ext>
             </a:extLst>
           </p:cNvPr>
           <p:cNvSpPr>
-            <a:spLocks noGrp="1" noChangeArrowheads="1"/>
+            <a:spLocks noGrp="1"/>
           </p:cNvSpPr>
           <p:nvPr>
-            <p:ph type="body" idx="1"/>
-            <p:custDataLst>
-              <p:tags r:id="rId2"/>
-            </p:custDataLst>
+            <p:ph idx="1"/>
+          </p:nvPr>
+        </p:nvSpPr>
+        <p:spPr/>
+        <p:txBody>
+          <a:bodyPr>
+            <a:normAutofit fontScale="92500"/>
+          </a:bodyPr>
+          <a:lstStyle/>
+          <a:p>
+            <a:r>
+              <a:rPr lang="en-US" dirty="0"/>
+              <a:t>Focusing on “hard” problems, those that seem to be exponential</a:t>
+            </a:r>
+          </a:p>
+          <a:p>
+            <a:r>
+              <a:rPr lang="en-US" dirty="0"/>
+              <a:t>Reductions used to show “hardness” relationships between problems</a:t>
+            </a:r>
+          </a:p>
+          <a:p>
+            <a:r>
+              <a:rPr lang="en-US" dirty="0"/>
+              <a:t>Starting to define “classes” of problems based on complexity issues</a:t>
+            </a:r>
+          </a:p>
+          <a:p>
+            <a:pPr lvl="1"/>
+            <a:r>
+              <a:rPr lang="en-US" dirty="0"/>
+              <a:t>P are problems that can be solved in polynomial time</a:t>
+            </a:r>
+          </a:p>
+          <a:p>
+            <a:pPr lvl="1"/>
+            <a:r>
+              <a:rPr lang="en-US" dirty="0"/>
+              <a:t>NP are problems where a solution can be verified in polynomial time</a:t>
+            </a:r>
+          </a:p>
+          <a:p>
+            <a:pPr lvl="1"/>
+            <a:r>
+              <a:rPr lang="en-US" dirty="0"/>
+              <a:t>NP-hard are problems that are at least as hard as anything in NP</a:t>
+            </a:r>
+          </a:p>
+          <a:p>
+            <a:pPr lvl="1"/>
+            <a:r>
+              <a:rPr lang="en-US" dirty="0"/>
+              <a:t>NP-complete are NP-hard problems that “stand or fall together”</a:t>
+            </a:r>
+          </a:p>
+        </p:txBody>
+      </p:sp>
+      <p:sp>
+        <p:nvSpPr>
+          <p:cNvPr id="4" name="Slide Number Placeholder 3">
+            <a:extLst>
+              <a:ext uri="{FF2B5EF4-FFF2-40B4-BE49-F238E27FC236}">
+                <a16:creationId xmlns:a16="http://schemas.microsoft.com/office/drawing/2014/main" id="{9487A024-E923-F243-8856-C4AD8B437C52}"/>
+              </a:ext>
+            </a:extLst>
+          </p:cNvPr>
+          <p:cNvSpPr>
+            <a:spLocks noGrp="1"/>
+          </p:cNvSpPr>
+          <p:nvPr>
+            <p:ph type="sldNum" sz="quarter" idx="12"/>
           </p:nvPr>
         </p:nvSpPr>
         <p:spPr/>
@@ -16733,110 +16718,18 @@
           <a:bodyPr/>
           <a:lstStyle/>
           <a:p>
-            <a:r>
-              <a:rPr lang="en-US" altLang="en-US" b="1" dirty="0">
-                <a:ea typeface="ＭＳ Ｐゴシック" panose="020B0600070205080204" pitchFamily="34" charset="-128"/>
-              </a:rPr>
-              <a:t>P</a:t>
-            </a:r>
-            <a:r>
-              <a:rPr lang="en-US" altLang="en-US" dirty="0">
-                <a:ea typeface="ＭＳ Ｐゴシック" panose="020B0600070205080204" pitchFamily="34" charset="-128"/>
-              </a:rPr>
-              <a:t> = set of problems that can be solved in polynomial time</a:t>
-            </a:r>
-          </a:p>
-          <a:p>
-            <a:r>
-              <a:rPr lang="en-US" altLang="en-US" b="1" dirty="0">
-                <a:ea typeface="ＭＳ Ｐゴシック" panose="020B0600070205080204" pitchFamily="34" charset="-128"/>
-              </a:rPr>
-              <a:t>NP</a:t>
-            </a:r>
-            <a:r>
-              <a:rPr lang="en-US" altLang="en-US" dirty="0">
-                <a:ea typeface="ＭＳ Ｐゴシック" panose="020B0600070205080204" pitchFamily="34" charset="-128"/>
-              </a:rPr>
-              <a:t> = set of problems for which a solution can be verified in polynomial time</a:t>
-            </a:r>
-          </a:p>
-          <a:p>
-            <a:pPr lvl="1"/>
-            <a:r>
-              <a:rPr lang="en-US" altLang="en-US" dirty="0">
-                <a:ea typeface="ＭＳ Ｐゴシック" panose="020B0600070205080204" pitchFamily="34" charset="-128"/>
-              </a:rPr>
-              <a:t>Note: this is a more “informal” definition, but it’s fine for CS4102</a:t>
-            </a:r>
-          </a:p>
-          <a:p>
-            <a:pPr lvl="1"/>
-            <a:r>
-              <a:rPr lang="en-US" altLang="en-US" dirty="0">
-                <a:ea typeface="ＭＳ Ｐゴシック" panose="020B0600070205080204" pitchFamily="34" charset="-128"/>
-              </a:rPr>
-              <a:t>See later slide on ”certificates” for more info.</a:t>
-            </a:r>
-          </a:p>
-          <a:p>
-            <a:r>
-              <a:rPr lang="en-US" altLang="en-US" b="1" dirty="0">
-                <a:ea typeface="ＭＳ Ｐゴシック" panose="020B0600070205080204" pitchFamily="34" charset="-128"/>
-              </a:rPr>
-              <a:t>P</a:t>
-            </a:r>
-            <a:r>
-              <a:rPr lang="en-US" altLang="en-US" dirty="0">
-                <a:ea typeface="ＭＳ Ｐゴシック" panose="020B0600070205080204" pitchFamily="34" charset="-128"/>
-              </a:rPr>
-              <a:t> </a:t>
-            </a:r>
-            <a:r>
-              <a:rPr lang="en-US" altLang="en-US" dirty="0">
-                <a:ea typeface="ＭＳ Ｐゴシック" panose="020B0600070205080204" pitchFamily="34" charset="-128"/>
-                <a:sym typeface="Symbol" pitchFamily="2" charset="2"/>
-              </a:rPr>
-              <a:t></a:t>
-            </a:r>
-            <a:r>
-              <a:rPr lang="en-US" altLang="en-US" dirty="0">
-                <a:ea typeface="ＭＳ Ｐゴシック" panose="020B0600070205080204" pitchFamily="34" charset="-128"/>
-              </a:rPr>
-              <a:t> </a:t>
-            </a:r>
-            <a:r>
-              <a:rPr lang="en-US" altLang="en-US" b="1" dirty="0">
-                <a:ea typeface="ＭＳ Ｐゴシック" panose="020B0600070205080204" pitchFamily="34" charset="-128"/>
-              </a:rPr>
-              <a:t>NP</a:t>
-            </a:r>
-          </a:p>
-          <a:p>
-            <a:r>
-              <a:rPr lang="en-US" altLang="en-US" dirty="0">
-                <a:ea typeface="ＭＳ Ｐゴシック" panose="020B0600070205080204" pitchFamily="34" charset="-128"/>
-              </a:rPr>
-              <a:t>Open question: Does</a:t>
-            </a:r>
-            <a:r>
-              <a:rPr lang="en-US" altLang="en-US" b="1" dirty="0">
-                <a:ea typeface="ＭＳ Ｐゴシック" panose="020B0600070205080204" pitchFamily="34" charset="-128"/>
-              </a:rPr>
-              <a:t> P = NP</a:t>
-            </a:r>
-            <a:r>
-              <a:rPr lang="en-US" altLang="en-US" dirty="0">
-                <a:ea typeface="ＭＳ Ｐゴシック" panose="020B0600070205080204" pitchFamily="34" charset="-128"/>
-              </a:rPr>
-              <a:t>?</a:t>
-            </a:r>
+            <a:fld id="{86BADE50-950A-4D58-BFB2-FA2C6A8B385D}" type="slidenum">
+              <a:rPr lang="en-US" smtClean="0"/>
+              <a:t>20</a:t>
+            </a:fld>
+            <a:endParaRPr lang="en-US"/>
           </a:p>
         </p:txBody>
       </p:sp>
     </p:spTree>
     <p:extLst>
       <p:ext uri="{BB962C8B-B14F-4D97-AF65-F5344CB8AC3E}">
-        <p14:creationId xmlns:p14="http://schemas.microsoft.com/office/powerpoint/2010/main" val="2007466718"/>
+        <p14:creationId xmlns:p14="http://schemas.microsoft.com/office/powerpoint/2010/main" val="1979091358"/>
       </p:ext>
     </p:extLst>
   </p:cSld>
@@ -16847,436 +16740,6 @@
 </file>
 
 <file path=ppt/slides/slide21.xml><?xml version="1.0" encoding="utf-8"?>
-<p:sld xmlns:a="http://schemas.openxmlformats.org/drawingml/2006/main" xmlns:r="http://schemas.openxmlformats.org/officeDocument/2006/relationships" xmlns:p="http://schemas.openxmlformats.org/presentationml/2006/main">
-  <p:cSld>
-    <p:spTree>
-      <p:nvGrpSpPr>
-        <p:cNvPr id="1" name=""/>
-        <p:cNvGrpSpPr/>
-        <p:nvPr/>
-      </p:nvGrpSpPr>
-      <p:grpSpPr>
-        <a:xfrm>
-          <a:off x="0" y="0"/>
-          <a:ext cx="0" cy="0"/>
-          <a:chOff x="0" y="0"/>
-          <a:chExt cx="0" cy="0"/>
-        </a:xfrm>
-      </p:grpSpPr>
-      <p:sp>
-        <p:nvSpPr>
-          <p:cNvPr id="19457" name="Rectangle 2">
-            <a:extLst>
-              <a:ext uri="{FF2B5EF4-FFF2-40B4-BE49-F238E27FC236}">
-                <a16:creationId xmlns:a16="http://schemas.microsoft.com/office/drawing/2014/main" id="{2222656C-81CE-2A4C-847B-ECA5E8D394EE}"/>
-              </a:ext>
-            </a:extLst>
-          </p:cNvPr>
-          <p:cNvSpPr>
-            <a:spLocks noGrp="1" noChangeArrowheads="1"/>
-          </p:cNvSpPr>
-          <p:nvPr>
-            <p:ph type="title"/>
-            <p:custDataLst>
-              <p:tags r:id="rId1"/>
-            </p:custDataLst>
-          </p:nvPr>
-        </p:nvSpPr>
-        <p:spPr/>
-        <p:txBody>
-          <a:bodyPr>
-            <a:normAutofit/>
-          </a:bodyPr>
-          <a:lstStyle/>
-          <a:p>
-            <a:r>
-              <a:rPr lang="en-US" altLang="en-US" dirty="0">
-                <a:ea typeface="ＭＳ Ｐゴシック" panose="020B0600070205080204" pitchFamily="34" charset="-128"/>
-              </a:rPr>
-              <a:t>More Reminders and Some Consequences</a:t>
-            </a:r>
-          </a:p>
-        </p:txBody>
-      </p:sp>
-      <p:sp>
-        <p:nvSpPr>
-          <p:cNvPr id="19458" name="Rectangle 3">
-            <a:extLst>
-              <a:ext uri="{FF2B5EF4-FFF2-40B4-BE49-F238E27FC236}">
-                <a16:creationId xmlns:a16="http://schemas.microsoft.com/office/drawing/2014/main" id="{E28EBC3C-B1D5-BB46-A62C-3A49532D8DA7}"/>
-              </a:ext>
-            </a:extLst>
-          </p:cNvPr>
-          <p:cNvSpPr>
-            <a:spLocks noGrp="1" noChangeArrowheads="1"/>
-          </p:cNvSpPr>
-          <p:nvPr>
-            <p:ph type="body" idx="1"/>
-            <p:custDataLst>
-              <p:tags r:id="rId2"/>
-            </p:custDataLst>
-          </p:nvPr>
-        </p:nvSpPr>
-        <p:spPr/>
-        <p:txBody>
-          <a:bodyPr>
-            <a:normAutofit fontScale="92500" lnSpcReduction="20000"/>
-          </a:bodyPr>
-          <a:lstStyle/>
-          <a:p>
-            <a:pPr>
-              <a:lnSpc>
-                <a:spcPct val="90000"/>
-              </a:lnSpc>
-            </a:pPr>
-            <a:r>
-              <a:rPr lang="en-US" altLang="en-US" sz="3600" b="1" dirty="0">
-                <a:ea typeface="ＭＳ Ｐゴシック" panose="020B0600070205080204" pitchFamily="34" charset="-128"/>
-              </a:rPr>
-              <a:t>Definition of NP-Hard and NP-Complete: </a:t>
-            </a:r>
-          </a:p>
-          <a:p>
-            <a:pPr lvl="1">
-              <a:lnSpc>
-                <a:spcPct val="90000"/>
-              </a:lnSpc>
-            </a:pPr>
-            <a:r>
-              <a:rPr lang="en-US" altLang="en-US" sz="3200" dirty="0">
-                <a:ea typeface="ＭＳ Ｐゴシック" panose="020B0600070205080204" pitchFamily="34" charset="-128"/>
-              </a:rPr>
-              <a:t>If all problems A </a:t>
-            </a:r>
-            <a:r>
-              <a:rPr lang="en-US" altLang="en-US" sz="3200" dirty="0">
-                <a:ea typeface="ＭＳ Ｐゴシック" panose="020B0600070205080204" pitchFamily="34" charset="-128"/>
-                <a:sym typeface="Symbol" pitchFamily="2" charset="2"/>
-              </a:rPr>
-              <a:t> </a:t>
-            </a:r>
-            <a:r>
-              <a:rPr lang="en-US" altLang="en-US" sz="3200" b="1" dirty="0">
-                <a:ea typeface="ＭＳ Ｐゴシック" panose="020B0600070205080204" pitchFamily="34" charset="-128"/>
-                <a:sym typeface="Symbol" pitchFamily="2" charset="2"/>
-              </a:rPr>
-              <a:t>NP </a:t>
-            </a:r>
-            <a:r>
-              <a:rPr lang="en-US" altLang="en-US" sz="3200" dirty="0">
-                <a:ea typeface="ＭＳ Ｐゴシック" panose="020B0600070205080204" pitchFamily="34" charset="-128"/>
-                <a:sym typeface="Symbol" pitchFamily="2" charset="2"/>
-              </a:rPr>
-              <a:t>are reducible to B</a:t>
-            </a:r>
-            <a:r>
-              <a:rPr lang="en-US" altLang="en-US" sz="3200" dirty="0">
-                <a:ea typeface="ＭＳ Ｐゴシック" panose="020B0600070205080204" pitchFamily="34" charset="-128"/>
-              </a:rPr>
-              <a:t> </a:t>
-            </a:r>
-            <a:r>
-              <a:rPr lang="en-US" altLang="en-US" sz="3200" dirty="0">
-                <a:ea typeface="ＭＳ Ｐゴシック" panose="020B0600070205080204" pitchFamily="34" charset="-128"/>
-                <a:sym typeface="Symbol" pitchFamily="2" charset="2"/>
-              </a:rPr>
-              <a:t>, then B</a:t>
-            </a:r>
-            <a:r>
-              <a:rPr lang="en-US" altLang="en-US" sz="3200" dirty="0">
-                <a:ea typeface="ＭＳ Ｐゴシック" panose="020B0600070205080204" pitchFamily="34" charset="-128"/>
-              </a:rPr>
-              <a:t> </a:t>
-            </a:r>
-            <a:r>
-              <a:rPr lang="en-US" altLang="en-US" sz="3200" dirty="0">
-                <a:ea typeface="ＭＳ Ｐゴシック" panose="020B0600070205080204" pitchFamily="34" charset="-128"/>
-                <a:sym typeface="Symbol" pitchFamily="2" charset="2"/>
-              </a:rPr>
-              <a:t>is </a:t>
-            </a:r>
-            <a:r>
-              <a:rPr lang="en-US" altLang="en-US" sz="3200" i="1" dirty="0">
-                <a:solidFill>
-                  <a:schemeClr val="tx2"/>
-                </a:solidFill>
-                <a:ea typeface="ＭＳ Ｐゴシック" panose="020B0600070205080204" pitchFamily="34" charset="-128"/>
-                <a:sym typeface="Symbol" pitchFamily="2" charset="2"/>
-              </a:rPr>
-              <a:t>NP-Hard</a:t>
-            </a:r>
-          </a:p>
-          <a:p>
-            <a:pPr lvl="1">
-              <a:lnSpc>
-                <a:spcPct val="90000"/>
-              </a:lnSpc>
-            </a:pPr>
-            <a:r>
-              <a:rPr lang="en-US" altLang="en-US" sz="3200" dirty="0">
-                <a:ea typeface="ＭＳ Ｐゴシック" panose="020B0600070205080204" pitchFamily="34" charset="-128"/>
-                <a:sym typeface="Symbol" pitchFamily="2" charset="2"/>
-              </a:rPr>
-              <a:t>We say B is </a:t>
-            </a:r>
-            <a:r>
-              <a:rPr lang="en-US" altLang="en-US" sz="3200" i="1" dirty="0">
-                <a:solidFill>
-                  <a:schemeClr val="tx2"/>
-                </a:solidFill>
-                <a:ea typeface="ＭＳ Ｐゴシック" panose="020B0600070205080204" pitchFamily="34" charset="-128"/>
-                <a:sym typeface="Symbol" pitchFamily="2" charset="2"/>
-              </a:rPr>
-              <a:t>NP-Complete</a:t>
-            </a:r>
-            <a:r>
-              <a:rPr lang="en-US" altLang="en-US" sz="3200" dirty="0">
-                <a:ea typeface="ＭＳ Ｐゴシック" panose="020B0600070205080204" pitchFamily="34" charset="-128"/>
-                <a:sym typeface="Symbol" pitchFamily="2" charset="2"/>
-              </a:rPr>
-              <a:t> if:</a:t>
-            </a:r>
-          </a:p>
-          <a:p>
-            <a:pPr lvl="2">
-              <a:lnSpc>
-                <a:spcPct val="90000"/>
-              </a:lnSpc>
-            </a:pPr>
-            <a:r>
-              <a:rPr lang="en-US" altLang="en-US" sz="2800" dirty="0">
-                <a:ea typeface="ＭＳ Ｐゴシック" panose="020B0600070205080204" pitchFamily="34" charset="-128"/>
-                <a:sym typeface="Symbol" pitchFamily="2" charset="2"/>
-              </a:rPr>
-              <a:t>B</a:t>
-            </a:r>
-            <a:r>
-              <a:rPr lang="en-US" altLang="en-US" sz="2800" dirty="0">
-                <a:ea typeface="ＭＳ Ｐゴシック" panose="020B0600070205080204" pitchFamily="34" charset="-128"/>
-              </a:rPr>
-              <a:t> </a:t>
-            </a:r>
-            <a:r>
-              <a:rPr lang="en-US" altLang="en-US" sz="2800" dirty="0">
-                <a:ea typeface="ＭＳ Ｐゴシック" panose="020B0600070205080204" pitchFamily="34" charset="-128"/>
-                <a:sym typeface="Symbol" pitchFamily="2" charset="2"/>
-              </a:rPr>
-              <a:t>is NP-Hard</a:t>
-            </a:r>
-            <a:endParaRPr lang="en-US" altLang="en-US" sz="2800" u="sng" dirty="0">
-              <a:ea typeface="ＭＳ Ｐゴシック" panose="020B0600070205080204" pitchFamily="34" charset="-128"/>
-              <a:sym typeface="Symbol" pitchFamily="2" charset="2"/>
-            </a:endParaRPr>
-          </a:p>
-          <a:p>
-            <a:pPr lvl="2">
-              <a:lnSpc>
-                <a:spcPct val="90000"/>
-              </a:lnSpc>
-            </a:pPr>
-            <a:r>
-              <a:rPr lang="en-US" altLang="en-US" sz="2800" u="sng" dirty="0">
-                <a:ea typeface="ＭＳ Ｐゴシック" panose="020B0600070205080204" pitchFamily="34" charset="-128"/>
-                <a:sym typeface="Symbol" pitchFamily="2" charset="2"/>
-              </a:rPr>
-              <a:t>and</a:t>
-            </a:r>
-            <a:r>
-              <a:rPr lang="en-US" altLang="en-US" sz="2800" dirty="0">
-                <a:ea typeface="ＭＳ Ｐゴシック" panose="020B0600070205080204" pitchFamily="34" charset="-128"/>
-                <a:sym typeface="Symbol" pitchFamily="2" charset="2"/>
-              </a:rPr>
-              <a:t> B</a:t>
-            </a:r>
-            <a:r>
-              <a:rPr lang="en-US" altLang="en-US" sz="2800" dirty="0">
-                <a:ea typeface="ＭＳ Ｐゴシック" panose="020B0600070205080204" pitchFamily="34" charset="-128"/>
-              </a:rPr>
-              <a:t> </a:t>
-            </a:r>
-            <a:r>
-              <a:rPr lang="en-US" altLang="en-US" sz="2800" dirty="0">
-                <a:ea typeface="ＭＳ Ｐゴシック" panose="020B0600070205080204" pitchFamily="34" charset="-128"/>
-                <a:sym typeface="Symbol" pitchFamily="2" charset="2"/>
-              </a:rPr>
-              <a:t> </a:t>
-            </a:r>
-            <a:r>
-              <a:rPr lang="en-US" altLang="en-US" sz="2800" b="1" dirty="0">
-                <a:ea typeface="ＭＳ Ｐゴシック" panose="020B0600070205080204" pitchFamily="34" charset="-128"/>
-                <a:sym typeface="Symbol" pitchFamily="2" charset="2"/>
-              </a:rPr>
-              <a:t>NP</a:t>
-            </a:r>
-          </a:p>
-          <a:p>
-            <a:pPr lvl="2">
-              <a:lnSpc>
-                <a:spcPct val="90000"/>
-              </a:lnSpc>
-            </a:pPr>
-            <a:endParaRPr lang="en-US" altLang="en-US" sz="2800" b="1" dirty="0">
-              <a:ea typeface="ＭＳ Ｐゴシック" panose="020B0600070205080204" pitchFamily="34" charset="-128"/>
-              <a:sym typeface="Symbol" pitchFamily="2" charset="2"/>
-            </a:endParaRPr>
-          </a:p>
-          <a:p>
-            <a:pPr>
-              <a:lnSpc>
-                <a:spcPct val="90000"/>
-              </a:lnSpc>
-            </a:pPr>
-            <a:r>
-              <a:rPr lang="en-US" altLang="en-US" sz="3600" dirty="0">
-                <a:ea typeface="ＭＳ Ｐゴシック" panose="020B0600070205080204" pitchFamily="34" charset="-128"/>
-              </a:rPr>
-              <a:t>Any NP-C must reduce to any other NP-C.  Can you see why?</a:t>
-            </a:r>
-            <a:br>
-              <a:rPr lang="en-US" altLang="en-US" sz="3600" dirty="0">
-                <a:ea typeface="ＭＳ Ｐゴシック" panose="020B0600070205080204" pitchFamily="34" charset="-128"/>
-              </a:rPr>
-            </a:br>
-            <a:endParaRPr lang="en-US" altLang="en-US" sz="3600" dirty="0">
-              <a:ea typeface="ＭＳ Ｐゴシック" panose="020B0600070205080204" pitchFamily="34" charset="-128"/>
-            </a:endParaRPr>
-          </a:p>
-          <a:p>
-            <a:pPr>
-              <a:lnSpc>
-                <a:spcPct val="90000"/>
-              </a:lnSpc>
-            </a:pPr>
-            <a:r>
-              <a:rPr lang="en-US" altLang="en-US" sz="3600" dirty="0">
-                <a:ea typeface="ＭＳ Ｐゴシック" panose="020B0600070205080204" pitchFamily="34" charset="-128"/>
-              </a:rPr>
-              <a:t>If B </a:t>
-            </a:r>
-            <a:r>
-              <a:rPr lang="en-US" altLang="en-US" sz="3600" dirty="0">
-                <a:ea typeface="ＭＳ Ｐゴシック" panose="020B0600070205080204" pitchFamily="34" charset="-128"/>
-                <a:sym typeface="Symbol" pitchFamily="2" charset="2"/>
-              </a:rPr>
-              <a:t></a:t>
-            </a:r>
-            <a:r>
-              <a:rPr lang="en-US" altLang="en-US" sz="3600" baseline="-25000" dirty="0">
-                <a:ea typeface="ＭＳ Ｐゴシック" panose="020B0600070205080204" pitchFamily="34" charset="-128"/>
-                <a:sym typeface="Symbol" pitchFamily="2" charset="2"/>
-              </a:rPr>
-              <a:t>p</a:t>
-            </a:r>
-            <a:r>
-              <a:rPr lang="en-US" altLang="en-US" sz="3600" dirty="0">
-                <a:ea typeface="ＭＳ Ｐゴシック" panose="020B0600070205080204" pitchFamily="34" charset="-128"/>
-                <a:sym typeface="Symbol" pitchFamily="2" charset="2"/>
-              </a:rPr>
-              <a:t> C and B</a:t>
-            </a:r>
-            <a:r>
-              <a:rPr lang="en-US" altLang="en-US" sz="3600" dirty="0">
-                <a:ea typeface="ＭＳ Ｐゴシック" panose="020B0600070205080204" pitchFamily="34" charset="-128"/>
-              </a:rPr>
-              <a:t> is NP-Complete, C is also NP-Complete</a:t>
-            </a:r>
-          </a:p>
-          <a:p>
-            <a:pPr lvl="1">
-              <a:lnSpc>
-                <a:spcPct val="90000"/>
-              </a:lnSpc>
-            </a:pPr>
-            <a:r>
-              <a:rPr lang="en-US" altLang="en-US" sz="3200" dirty="0">
-                <a:ea typeface="ＭＳ Ｐゴシック" panose="020B0600070205080204" pitchFamily="34" charset="-128"/>
-              </a:rPr>
-              <a:t>Don’t see why?  We’ll show details in two more slides</a:t>
-            </a:r>
-          </a:p>
-          <a:p>
-            <a:pPr lvl="1">
-              <a:lnSpc>
-                <a:spcPct val="90000"/>
-              </a:lnSpc>
-            </a:pPr>
-            <a:r>
-              <a:rPr lang="en-US" altLang="en-US" sz="3200" dirty="0">
-                <a:ea typeface="ＭＳ Ｐゴシック" panose="020B0600070205080204" pitchFamily="34" charset="-128"/>
-              </a:rPr>
-              <a:t>As long as </a:t>
-            </a:r>
-            <a:r>
-              <a:rPr lang="en-US" altLang="en-US" sz="3200" dirty="0">
-                <a:ea typeface="ＭＳ Ｐゴシック" panose="020B0600070205080204" pitchFamily="34" charset="-128"/>
-                <a:sym typeface="Symbol" pitchFamily="2" charset="2"/>
-              </a:rPr>
-              <a:t>C</a:t>
-            </a:r>
-            <a:r>
-              <a:rPr lang="en-US" altLang="en-US" sz="3200" dirty="0">
-                <a:ea typeface="ＭＳ Ｐゴシック" panose="020B0600070205080204" pitchFamily="34" charset="-128"/>
-              </a:rPr>
-              <a:t> </a:t>
-            </a:r>
-            <a:r>
-              <a:rPr lang="en-US" altLang="en-US" sz="3200" dirty="0">
-                <a:ea typeface="ＭＳ Ｐゴシック" panose="020B0600070205080204" pitchFamily="34" charset="-128"/>
-                <a:sym typeface="Symbol" pitchFamily="2" charset="2"/>
-              </a:rPr>
-              <a:t> </a:t>
-            </a:r>
-            <a:r>
-              <a:rPr lang="en-US" altLang="en-US" sz="3200" b="1" dirty="0">
-                <a:ea typeface="ＭＳ Ｐゴシック" panose="020B0600070205080204" pitchFamily="34" charset="-128"/>
-                <a:sym typeface="Symbol" pitchFamily="2" charset="2"/>
-              </a:rPr>
-              <a:t>NP</a:t>
-            </a:r>
-            <a:r>
-              <a:rPr lang="en-US" altLang="en-US" sz="3200" dirty="0">
-                <a:ea typeface="ＭＳ Ｐゴシック" panose="020B0600070205080204" pitchFamily="34" charset="-128"/>
-                <a:sym typeface="Symbol" pitchFamily="2" charset="2"/>
-              </a:rPr>
-              <a:t>.  Otherwise can only say C</a:t>
-            </a:r>
-            <a:r>
-              <a:rPr lang="en-US" altLang="en-US" sz="3200" dirty="0">
-                <a:ea typeface="ＭＳ Ｐゴシック" panose="020B0600070205080204" pitchFamily="34" charset="-128"/>
-              </a:rPr>
-              <a:t> </a:t>
-            </a:r>
-            <a:r>
-              <a:rPr lang="en-US" altLang="en-US" sz="3200" dirty="0">
-                <a:ea typeface="ＭＳ Ｐゴシック" panose="020B0600070205080204" pitchFamily="34" charset="-128"/>
-                <a:sym typeface="Symbol" pitchFamily="2" charset="2"/>
-              </a:rPr>
-              <a:t> </a:t>
-            </a:r>
-            <a:r>
-              <a:rPr lang="en-US" altLang="en-US" sz="3200" b="1" dirty="0">
-                <a:ea typeface="ＭＳ Ｐゴシック" panose="020B0600070205080204" pitchFamily="34" charset="-128"/>
-                <a:sym typeface="Symbol" pitchFamily="2" charset="2"/>
-              </a:rPr>
-              <a:t>NP-hard.</a:t>
-            </a:r>
-          </a:p>
-        </p:txBody>
-      </p:sp>
-    </p:spTree>
-    <p:extLst>
-      <p:ext uri="{BB962C8B-B14F-4D97-AF65-F5344CB8AC3E}">
-        <p14:creationId xmlns:p14="http://schemas.microsoft.com/office/powerpoint/2010/main" val="3937515160"/>
-      </p:ext>
-    </p:extLst>
-  </p:cSld>
-  <p:clrMapOvr>
-    <a:masterClrMapping/>
-  </p:clrMapOvr>
-</p:sld>
-</file>
-
-<file path=ppt/slides/slide22.xml><?xml version="1.0" encoding="utf-8"?>
 <p:sld xmlns:a="http://schemas.openxmlformats.org/drawingml/2006/main" xmlns:r="http://schemas.openxmlformats.org/officeDocument/2006/relationships" xmlns:p="http://schemas.openxmlformats.org/presentationml/2006/main" showMasterPhAnim="0">
   <p:cSld>
     <p:spTree>
@@ -17347,7 +16810,9 @@
         </p:nvSpPr>
         <p:spPr/>
         <p:txBody>
-          <a:bodyPr/>
+          <a:bodyPr>
+            <a:normAutofit lnSpcReduction="10000"/>
+          </a:bodyPr>
           <a:lstStyle/>
           <a:p>
             <a:pPr>
@@ -17422,6 +16887,12 @@
               <a:rPr lang="en-US" altLang="en-US" dirty="0">
                 <a:ea typeface="ＭＳ Ｐゴシック" panose="020B0600070205080204" pitchFamily="34" charset="-128"/>
               </a:rPr>
+              <a:t>1. </a:t>
+            </a:r>
+            <a:r>
+              <a:rPr lang="en-US" altLang="en-US" b="1" i="1" dirty="0">
+                <a:ea typeface="ＭＳ Ｐゴシック" panose="020B0600070205080204" pitchFamily="34" charset="-128"/>
+              </a:rPr>
               <a:t>Reduce A to B</a:t>
             </a:r>
           </a:p>
@@ -17533,26 +17004,45 @@
               <a:rPr lang="en-US" altLang="en-US" dirty="0">
                 <a:ea typeface="ＭＳ Ｐゴシック" panose="020B0600070205080204" pitchFamily="34" charset="-128"/>
               </a:rPr>
-              <a:t>Oh yeah, prove B </a:t>
+              <a:t>2. Prove </a:t>
+            </a:r>
+            <a:r>
+              <a:rPr lang="en-US" altLang="en-US" b="1" dirty="0">
+                <a:ea typeface="ＭＳ Ｐゴシック" panose="020B0600070205080204" pitchFamily="34" charset="-128"/>
+              </a:rPr>
+              <a:t>B </a:t>
+            </a:r>
+            <a:r>
+              <a:rPr lang="en-US" altLang="en-US" b="1" dirty="0">
+                <a:ea typeface="ＭＳ Ｐゴシック" panose="020B0600070205080204" pitchFamily="34" charset="-128"/>
+                <a:sym typeface="Symbol" pitchFamily="2" charset="2"/>
+              </a:rPr>
+              <a:t></a:t>
             </a:r>
             <a:r>
               <a:rPr lang="en-US" altLang="en-US" dirty="0">
                 <a:ea typeface="ＭＳ Ｐゴシック" panose="020B0600070205080204" pitchFamily="34" charset="-128"/>
-                <a:sym typeface="Symbol" pitchFamily="2" charset="2"/>
-              </a:rPr>
-              <a:t></a:t>
-            </a:r>
+              </a:rPr>
+              <a:t> </a:t>
+            </a:r>
+            <a:r>
+              <a:rPr lang="en-US" altLang="en-US" b="1" dirty="0">
+                <a:ea typeface="ＭＳ Ｐゴシック" panose="020B0600070205080204" pitchFamily="34" charset="-128"/>
+              </a:rPr>
+              <a:t>NP</a:t>
+            </a:r>
+          </a:p>
+          <a:p>
+            <a:pPr lvl="2">
+              <a:lnSpc>
+                <a:spcPct val="90000"/>
+              </a:lnSpc>
+            </a:pPr>
             <a:r>
               <a:rPr lang="en-US" altLang="en-US" dirty="0">
                 <a:ea typeface="ＭＳ Ｐゴシック" panose="020B0600070205080204" pitchFamily="34" charset="-128"/>
               </a:rPr>
-              <a:t> </a:t>
-            </a:r>
-            <a:r>
-              <a:rPr lang="en-US" altLang="en-US" b="1" dirty="0">
-                <a:ea typeface="ＭＳ Ｐゴシック" panose="020B0600070205080204" pitchFamily="34" charset="-128"/>
-              </a:rPr>
-              <a:t>NP</a:t>
+              <a:t>(This one is usually easy)</a:t>
             </a:r>
           </a:p>
         </p:txBody>
@@ -17889,6 +17379,37 @@
                                   </p:childTnLst>
                                 </p:cTn>
                               </p:par>
+                              <p:par>
+                                <p:cTn id="27" presetID="1" presetClass="entr" presetSubtype="0" fill="hold" grpId="0" nodeType="withEffect">
+                                  <p:stCondLst>
+                                    <p:cond delay="0"/>
+                                  </p:stCondLst>
+                                  <p:childTnLst>
+                                    <p:set>
+                                      <p:cBhvr>
+                                        <p:cTn id="28" dur="1" fill="hold">
+                                          <p:stCondLst>
+                                            <p:cond delay="499"/>
+                                          </p:stCondLst>
+                                        </p:cTn>
+                                        <p:tgtEl>
+                                          <p:spTgt spid="1626115">
+                                            <p:txEl>
+                                              <p:pRg st="8" end="8"/>
+                                            </p:txEl>
+                                          </p:spTgt>
+                                        </p:tgtEl>
+                                        <p:attrNameLst>
+                                          <p:attrName>style.visibility</p:attrName>
+                                        </p:attrNameLst>
+                                      </p:cBhvr>
+                                      <p:to>
+                                        <p:strVal val="visible"/>
+                                      </p:to>
+                                    </p:set>
+                                  </p:childTnLst>
+                                </p:cTn>
+                              </p:par>
                             </p:childTnLst>
                           </p:cTn>
                         </p:par>
@@ -17923,7 +17444,7 @@
 </p:sld>
 </file>
 
-<file path=ppt/slides/slide23.xml><?xml version="1.0" encoding="utf-8"?>
+<file path=ppt/slides/slide22.xml><?xml version="1.0" encoding="utf-8"?>
 <p:sld xmlns:a="http://schemas.openxmlformats.org/drawingml/2006/main" xmlns:r="http://schemas.openxmlformats.org/officeDocument/2006/relationships" xmlns:p="http://schemas.openxmlformats.org/presentationml/2006/main">
   <p:cSld>
     <p:spTree>
@@ -18727,7 +18248,7 @@
 </p:sld>
 </file>
 
-<file path=ppt/slides/slide24.xml><?xml version="1.0" encoding="utf-8"?>
+<file path=ppt/slides/slide23.xml><?xml version="1.0" encoding="utf-8"?>
 <p:sld xmlns:a="http://schemas.openxmlformats.org/drawingml/2006/main" xmlns:r="http://schemas.openxmlformats.org/officeDocument/2006/relationships" xmlns:p="http://schemas.openxmlformats.org/presentationml/2006/main">
   <p:cSld>
     <p:spTree>
@@ -18946,7 +18467,7 @@
           <a:p>
             <a:fld id="{86BADE50-950A-4D58-BFB2-FA2C6A8B385D}" type="slidenum">
               <a:rPr lang="en-US" smtClean="0"/>
-              <a:t>24</a:t>
+              <a:t>23</a:t>
             </a:fld>
             <a:endParaRPr lang="en-US"/>
           </a:p>
@@ -18956,6 +18477,101 @@
     <p:extLst>
       <p:ext uri="{BB962C8B-B14F-4D97-AF65-F5344CB8AC3E}">
         <p14:creationId xmlns:p14="http://schemas.microsoft.com/office/powerpoint/2010/main" val="4089660811"/>
+      </p:ext>
+    </p:extLst>
+  </p:cSld>
+  <p:clrMapOvr>
+    <a:masterClrMapping/>
+  </p:clrMapOvr>
+</p:sld>
+</file>
+
+<file path=ppt/slides/slide24.xml><?xml version="1.0" encoding="utf-8"?>
+<p:sld xmlns:a="http://schemas.openxmlformats.org/drawingml/2006/main" xmlns:r="http://schemas.openxmlformats.org/officeDocument/2006/relationships" xmlns:p="http://schemas.openxmlformats.org/presentationml/2006/main">
+  <p:cSld>
+    <p:spTree>
+      <p:nvGrpSpPr>
+        <p:cNvPr id="1" name=""/>
+        <p:cNvGrpSpPr/>
+        <p:nvPr/>
+      </p:nvGrpSpPr>
+      <p:grpSpPr>
+        <a:xfrm>
+          <a:off x="0" y="0"/>
+          <a:ext cx="0" cy="0"/>
+          <a:chOff x="0" y="0"/>
+          <a:chExt cx="0" cy="0"/>
+        </a:xfrm>
+      </p:grpSpPr>
+      <p:sp>
+        <p:nvSpPr>
+          <p:cNvPr id="5" name="Title 4"/>
+          <p:cNvSpPr>
+            <a:spLocks noGrp="1"/>
+          </p:cNvSpPr>
+          <p:nvPr>
+            <p:ph type="title"/>
+          </p:nvPr>
+        </p:nvSpPr>
+        <p:spPr/>
+        <p:txBody>
+          <a:bodyPr/>
+          <a:lstStyle/>
+          <a:p>
+            <a:r>
+              <a:rPr lang="en-US" dirty="0"/>
+              <a:t>What was the first NP-Complete Problem?</a:t>
+            </a:r>
+          </a:p>
+        </p:txBody>
+      </p:sp>
+      <p:sp>
+        <p:nvSpPr>
+          <p:cNvPr id="6" name="Text Placeholder 5"/>
+          <p:cNvSpPr>
+            <a:spLocks noGrp="1"/>
+          </p:cNvSpPr>
+          <p:nvPr>
+            <p:ph type="body" idx="1"/>
+          </p:nvPr>
+        </p:nvSpPr>
+        <p:spPr/>
+        <p:txBody>
+          <a:bodyPr/>
+          <a:lstStyle/>
+          <a:p>
+            <a:endParaRPr lang="en-US"/>
+          </a:p>
+        </p:txBody>
+      </p:sp>
+      <p:sp>
+        <p:nvSpPr>
+          <p:cNvPr id="4" name="Slide Number Placeholder 3"/>
+          <p:cNvSpPr>
+            <a:spLocks noGrp="1"/>
+          </p:cNvSpPr>
+          <p:nvPr>
+            <p:ph type="sldNum" sz="quarter" idx="12"/>
+          </p:nvPr>
+        </p:nvSpPr>
+        <p:spPr/>
+        <p:txBody>
+          <a:bodyPr/>
+          <a:lstStyle/>
+          <a:p>
+            <a:fld id="{A8D2B1A1-9A82-492A-87A6-500459A044C8}" type="slidenum">
+              <a:rPr lang="en-US" smtClean="0"/>
+              <a:pPr/>
+              <a:t>24</a:t>
+            </a:fld>
+            <a:endParaRPr lang="en-US"/>
+          </a:p>
+        </p:txBody>
+      </p:sp>
+    </p:spTree>
+    <p:extLst>
+      <p:ext uri="{BB962C8B-B14F-4D97-AF65-F5344CB8AC3E}">
+        <p14:creationId xmlns:p14="http://schemas.microsoft.com/office/powerpoint/2010/main" val="2171652958"/>
       </p:ext>
     </p:extLst>
   </p:cSld>
@@ -19624,6 +19240,101 @@
       </p:grpSpPr>
       <p:sp>
         <p:nvSpPr>
+          <p:cNvPr id="5" name="Title 4"/>
+          <p:cNvSpPr>
+            <a:spLocks noGrp="1"/>
+          </p:cNvSpPr>
+          <p:nvPr>
+            <p:ph type="title"/>
+          </p:nvPr>
+        </p:nvSpPr>
+        <p:spPr/>
+        <p:txBody>
+          <a:bodyPr/>
+          <a:lstStyle/>
+          <a:p>
+            <a:r>
+              <a:rPr lang="en-US" dirty="0"/>
+              <a:t>3-SAT</a:t>
+            </a:r>
+          </a:p>
+        </p:txBody>
+      </p:sp>
+      <p:sp>
+        <p:nvSpPr>
+          <p:cNvPr id="6" name="Text Placeholder 5"/>
+          <p:cNvSpPr>
+            <a:spLocks noGrp="1"/>
+          </p:cNvSpPr>
+          <p:nvPr>
+            <p:ph type="body" idx="1"/>
+          </p:nvPr>
+        </p:nvSpPr>
+        <p:spPr/>
+        <p:txBody>
+          <a:bodyPr/>
+          <a:lstStyle/>
+          <a:p>
+            <a:endParaRPr lang="en-US"/>
+          </a:p>
+        </p:txBody>
+      </p:sp>
+      <p:sp>
+        <p:nvSpPr>
+          <p:cNvPr id="4" name="Slide Number Placeholder 3"/>
+          <p:cNvSpPr>
+            <a:spLocks noGrp="1"/>
+          </p:cNvSpPr>
+          <p:nvPr>
+            <p:ph type="sldNum" sz="quarter" idx="12"/>
+          </p:nvPr>
+        </p:nvSpPr>
+        <p:spPr/>
+        <p:txBody>
+          <a:bodyPr/>
+          <a:lstStyle/>
+          <a:p>
+            <a:fld id="{A8D2B1A1-9A82-492A-87A6-500459A044C8}" type="slidenum">
+              <a:rPr lang="en-US" smtClean="0"/>
+              <a:pPr/>
+              <a:t>27</a:t>
+            </a:fld>
+            <a:endParaRPr lang="en-US"/>
+          </a:p>
+        </p:txBody>
+      </p:sp>
+    </p:spTree>
+    <p:extLst>
+      <p:ext uri="{BB962C8B-B14F-4D97-AF65-F5344CB8AC3E}">
+        <p14:creationId xmlns:p14="http://schemas.microsoft.com/office/powerpoint/2010/main" val="871683994"/>
+      </p:ext>
+    </p:extLst>
+  </p:cSld>
+  <p:clrMapOvr>
+    <a:masterClrMapping/>
+  </p:clrMapOvr>
+</p:sld>
+</file>
+
+<file path=ppt/slides/slide28.xml><?xml version="1.0" encoding="utf-8"?>
+<p:sld xmlns:a="http://schemas.openxmlformats.org/drawingml/2006/main" xmlns:r="http://schemas.openxmlformats.org/officeDocument/2006/relationships" xmlns:p="http://schemas.openxmlformats.org/presentationml/2006/main">
+  <p:cSld>
+    <p:spTree>
+      <p:nvGrpSpPr>
+        <p:cNvPr id="1" name=""/>
+        <p:cNvGrpSpPr/>
+        <p:nvPr/>
+      </p:nvGrpSpPr>
+      <p:grpSpPr>
+        <a:xfrm>
+          <a:off x="0" y="0"/>
+          <a:ext cx="0" cy="0"/>
+          <a:chOff x="0" y="0"/>
+          <a:chExt cx="0" cy="0"/>
+        </a:xfrm>
+      </p:grpSpPr>
+      <p:sp>
+        <p:nvSpPr>
           <p:cNvPr id="25601" name="Rectangle 2">
             <a:extLst>
               <a:ext uri="{FF2B5EF4-FFF2-40B4-BE49-F238E27FC236}">
@@ -20075,7 +19786,7 @@
 </p:sld>
 </file>
 
-<file path=ppt/slides/slide28.xml><?xml version="1.0" encoding="utf-8"?>
+<file path=ppt/slides/slide29.xml><?xml version="1.0" encoding="utf-8"?>
 <p:sld xmlns:a="http://schemas.openxmlformats.org/drawingml/2006/main" xmlns:r="http://schemas.openxmlformats.org/officeDocument/2006/relationships" xmlns:p="http://schemas.openxmlformats.org/presentationml/2006/main">
   <p:cSld>
     <p:spTree>
@@ -20261,7 +19972,5446 @@
 </p:sld>
 </file>
 
-<file path=ppt/slides/slide29.xml><?xml version="1.0" encoding="utf-8"?>
+<file path=ppt/slides/slide3.xml><?xml version="1.0" encoding="utf-8"?>
+<p:sld xmlns:a="http://schemas.openxmlformats.org/drawingml/2006/main" xmlns:r="http://schemas.openxmlformats.org/officeDocument/2006/relationships" xmlns:p="http://schemas.openxmlformats.org/presentationml/2006/main">
+  <p:cSld>
+    <p:spTree>
+      <p:nvGrpSpPr>
+        <p:cNvPr id="1" name=""/>
+        <p:cNvGrpSpPr/>
+        <p:nvPr/>
+      </p:nvGrpSpPr>
+      <p:grpSpPr>
+        <a:xfrm>
+          <a:off x="0" y="0"/>
+          <a:ext cx="0" cy="0"/>
+          <a:chOff x="0" y="0"/>
+          <a:chExt cx="0" cy="0"/>
+        </a:xfrm>
+      </p:grpSpPr>
+      <p:sp>
+        <p:nvSpPr>
+          <p:cNvPr id="2" name="Title 1"/>
+          <p:cNvSpPr>
+            <a:spLocks noGrp="1"/>
+          </p:cNvSpPr>
+          <p:nvPr>
+            <p:ph type="title"/>
+          </p:nvPr>
+        </p:nvSpPr>
+        <p:spPr/>
+        <p:txBody>
+          <a:bodyPr/>
+          <a:lstStyle/>
+          <a:p>
+            <a:r>
+              <a:rPr lang="en-US" dirty="0"/>
+              <a:t>Forms of the Vertex Cover Problem</a:t>
+            </a:r>
+          </a:p>
+        </p:txBody>
+      </p:sp>
+      <mc:AlternateContent xmlns:mc="http://schemas.openxmlformats.org/markup-compatibility/2006" xmlns:a14="http://schemas.microsoft.com/office/drawing/2010/main">
+        <mc:Choice Requires="a14">
+          <p:sp>
+            <p:nvSpPr>
+              <p:cNvPr id="3" name="Content Placeholder 2"/>
+              <p:cNvSpPr>
+                <a:spLocks noGrp="1"/>
+              </p:cNvSpPr>
+              <p:nvPr>
+                <p:ph idx="1"/>
+              </p:nvPr>
+            </p:nvSpPr>
+            <p:spPr>
+              <a:xfrm>
+                <a:off x="609600" y="1371600"/>
+                <a:ext cx="10972800" cy="4984751"/>
+              </a:xfrm>
+            </p:spPr>
+            <p:txBody>
+              <a:bodyPr anchor="t" anchorCtr="0">
+                <a:normAutofit/>
+              </a:bodyPr>
+              <a:lstStyle/>
+              <a:p>
+                <a:pPr marL="0" indent="0">
+                  <a:buNone/>
+                </a:pPr>
+                <a:r>
+                  <a:rPr lang="en-US" dirty="0"/>
+                  <a:t>Vertex Cover: </a:t>
+                </a:r>
+                <a14:m>
+                  <m:oMath xmlns:m="http://schemas.openxmlformats.org/officeDocument/2006/math">
+                    <m:r>
+                      <a:rPr lang="en-US" b="0" i="1" smtClean="0">
+                        <a:latin typeface="Cambria Math"/>
+                      </a:rPr>
+                      <m:t>𝐶</m:t>
+                    </m:r>
+                    <m:r>
+                      <a:rPr lang="en-US" b="0" i="1" smtClean="0">
+                        <a:latin typeface="Cambria Math"/>
+                      </a:rPr>
+                      <m:t>⊆</m:t>
+                    </m:r>
+                    <m:r>
+                      <a:rPr lang="en-US" b="0" i="1" smtClean="0">
+                        <a:latin typeface="Cambria Math"/>
+                      </a:rPr>
+                      <m:t>𝑉</m:t>
+                    </m:r>
+                  </m:oMath>
+                </a14:m>
+                <a:r>
+                  <a:rPr lang="en-US" dirty="0"/>
+                  <a:t> is a vertex cover if every edge in </a:t>
+                </a:r>
+                <a14:m>
+                  <m:oMath xmlns:m="http://schemas.openxmlformats.org/officeDocument/2006/math">
+                    <m:r>
+                      <a:rPr lang="en-US" b="0" i="1" smtClean="0">
+                        <a:latin typeface="Cambria Math"/>
+                      </a:rPr>
+                      <m:t>𝐸</m:t>
+                    </m:r>
+                  </m:oMath>
+                </a14:m>
+                <a:r>
+                  <a:rPr lang="en-US" dirty="0"/>
+                  <a:t> has one of its endpoints in </a:t>
+                </a:r>
+                <a14:m>
+                  <m:oMath xmlns:m="http://schemas.openxmlformats.org/officeDocument/2006/math">
+                    <m:r>
+                      <a:rPr lang="en-US" b="0" i="1" smtClean="0">
+                        <a:latin typeface="Cambria Math"/>
+                      </a:rPr>
+                      <m:t>𝐶</m:t>
+                    </m:r>
+                  </m:oMath>
+                </a14:m>
+                <a:endParaRPr lang="en-US" dirty="0"/>
+              </a:p>
+              <a:p>
+                <a:r>
+                  <a:rPr lang="en-US" b="1" dirty="0">
+                    <a:solidFill>
+                      <a:schemeClr val="accent1"/>
+                    </a:solidFill>
+                  </a:rPr>
+                  <a:t>Minimum Vertex Cover Problem:</a:t>
+                </a:r>
+                <a:r>
+                  <a:rPr lang="en-US" dirty="0">
+                    <a:solidFill>
+                      <a:schemeClr val="accent1"/>
+                    </a:solidFill>
+                  </a:rPr>
+                  <a:t> </a:t>
+                </a:r>
+                <a:r>
+                  <a:rPr lang="en-US" dirty="0"/>
+                  <a:t>Given a </a:t>
+                </a:r>
+                <a:r>
+                  <a:rPr lang="en-US" dirty="0">
+                    <a:solidFill>
+                      <a:srgbClr val="C00000"/>
+                    </a:solidFill>
+                  </a:rPr>
+                  <a:t>graph </a:t>
+                </a:r>
+                <a14:m>
+                  <m:oMath xmlns:m="http://schemas.openxmlformats.org/officeDocument/2006/math">
+                    <m:r>
+                      <a:rPr lang="en-US" b="0" i="1" smtClean="0">
+                        <a:solidFill>
+                          <a:srgbClr val="C00000"/>
+                        </a:solidFill>
+                        <a:latin typeface="Cambria Math"/>
+                      </a:rPr>
+                      <m:t>𝐺</m:t>
+                    </m:r>
+                    <m:r>
+                      <a:rPr lang="en-US" b="0" i="1" smtClean="0">
+                        <a:solidFill>
+                          <a:srgbClr val="C00000"/>
+                        </a:solidFill>
+                        <a:latin typeface="Cambria Math"/>
+                      </a:rPr>
+                      <m:t>=(</m:t>
+                    </m:r>
+                    <m:r>
+                      <a:rPr lang="en-US" b="0" i="1" smtClean="0">
+                        <a:solidFill>
+                          <a:srgbClr val="C00000"/>
+                        </a:solidFill>
+                        <a:latin typeface="Cambria Math"/>
+                      </a:rPr>
+                      <m:t>𝑉</m:t>
+                    </m:r>
+                    <m:r>
+                      <a:rPr lang="en-US" b="0" i="1" smtClean="0">
+                        <a:solidFill>
+                          <a:srgbClr val="C00000"/>
+                        </a:solidFill>
+                        <a:latin typeface="Cambria Math"/>
+                      </a:rPr>
+                      <m:t>,</m:t>
+                    </m:r>
+                    <m:r>
+                      <a:rPr lang="en-US" b="0" i="1" smtClean="0">
+                        <a:solidFill>
+                          <a:srgbClr val="C00000"/>
+                        </a:solidFill>
+                        <a:latin typeface="Cambria Math"/>
+                      </a:rPr>
+                      <m:t>𝐸</m:t>
+                    </m:r>
+                    <m:r>
+                      <a:rPr lang="en-US" b="0" i="1" smtClean="0">
+                        <a:solidFill>
+                          <a:srgbClr val="C00000"/>
+                        </a:solidFill>
+                        <a:latin typeface="Cambria Math"/>
+                      </a:rPr>
+                      <m:t>)</m:t>
+                    </m:r>
+                  </m:oMath>
+                </a14:m>
+                <a:r>
+                  <a:rPr lang="en-US" dirty="0"/>
+                  <a:t> find the minimum vertex cover </a:t>
+                </a:r>
+                <a14:m>
+                  <m:oMath xmlns:m="http://schemas.openxmlformats.org/officeDocument/2006/math">
+                    <m:r>
+                      <a:rPr lang="en-US" b="0" i="1" smtClean="0">
+                        <a:latin typeface="Cambria Math"/>
+                      </a:rPr>
+                      <m:t>𝐶</m:t>
+                    </m:r>
+                  </m:oMath>
+                </a14:m>
+                <a:endParaRPr lang="en-US" dirty="0"/>
+              </a:p>
+              <a:p>
+                <a:pPr lvl="1"/>
+                <a:r>
+                  <a:rPr lang="en-US" dirty="0"/>
+                  <a:t>Result is C, a set of vertices</a:t>
+                </a:r>
+              </a:p>
+              <a:p>
+                <a14:m>
+                  <m:oMath xmlns:m="http://schemas.openxmlformats.org/officeDocument/2006/math">
+                    <m:r>
+                      <a:rPr lang="en-US" b="1" i="1" smtClean="0">
+                        <a:solidFill>
+                          <a:schemeClr val="accent1"/>
+                        </a:solidFill>
+                        <a:latin typeface="Cambria Math"/>
+                      </a:rPr>
+                      <m:t>𝒌</m:t>
+                    </m:r>
+                    <m:r>
+                      <a:rPr lang="en-US" b="1" i="1" smtClean="0">
+                        <a:solidFill>
+                          <a:schemeClr val="accent1"/>
+                        </a:solidFill>
+                        <a:latin typeface="Cambria Math"/>
+                      </a:rPr>
+                      <m:t> </m:t>
+                    </m:r>
+                  </m:oMath>
+                </a14:m>
+                <a:r>
+                  <a:rPr lang="en-US" b="1" dirty="0">
+                    <a:solidFill>
+                      <a:schemeClr val="accent1"/>
+                    </a:solidFill>
+                  </a:rPr>
+                  <a:t>Vertex Cover Problem:</a:t>
+                </a:r>
+                <a:r>
+                  <a:rPr lang="en-US" dirty="0"/>
+                  <a:t> Given a graph </a:t>
+                </a:r>
+                <a14:m>
+                  <m:oMath xmlns:m="http://schemas.openxmlformats.org/officeDocument/2006/math">
+                    <m:r>
+                      <a:rPr lang="en-US" i="1" smtClean="0">
+                        <a:solidFill>
+                          <a:srgbClr val="C00000"/>
+                        </a:solidFill>
+                        <a:latin typeface="Cambria Math"/>
+                      </a:rPr>
+                      <m:t>𝐺</m:t>
+                    </m:r>
+                    <m:r>
+                      <a:rPr lang="en-US" i="1" smtClean="0">
+                        <a:solidFill>
+                          <a:srgbClr val="C00000"/>
+                        </a:solidFill>
+                        <a:latin typeface="Cambria Math"/>
+                      </a:rPr>
+                      <m:t>=(</m:t>
+                    </m:r>
+                    <m:r>
+                      <a:rPr lang="en-US" i="1" smtClean="0">
+                        <a:solidFill>
+                          <a:srgbClr val="C00000"/>
+                        </a:solidFill>
+                        <a:latin typeface="Cambria Math"/>
+                      </a:rPr>
+                      <m:t>𝑉</m:t>
+                    </m:r>
+                    <m:r>
+                      <a:rPr lang="en-US" i="1" smtClean="0">
+                        <a:solidFill>
+                          <a:srgbClr val="C00000"/>
+                        </a:solidFill>
+                        <a:latin typeface="Cambria Math"/>
+                      </a:rPr>
+                      <m:t>,</m:t>
+                    </m:r>
+                    <m:r>
+                      <a:rPr lang="en-US" i="1" smtClean="0">
+                        <a:solidFill>
+                          <a:srgbClr val="C00000"/>
+                        </a:solidFill>
+                        <a:latin typeface="Cambria Math"/>
+                      </a:rPr>
+                      <m:t>𝐸</m:t>
+                    </m:r>
+                    <m:r>
+                      <a:rPr lang="en-US" i="1" smtClean="0">
+                        <a:solidFill>
+                          <a:srgbClr val="C00000"/>
+                        </a:solidFill>
+                        <a:latin typeface="Cambria Math"/>
+                      </a:rPr>
+                      <m:t>)</m:t>
+                    </m:r>
+                  </m:oMath>
+                </a14:m>
+                <a:r>
+                  <a:rPr lang="en-US" dirty="0"/>
+                  <a:t> </a:t>
+                </a:r>
+                <a:r>
+                  <a:rPr lang="en-US" u="sng" dirty="0"/>
+                  <a:t>and</a:t>
+                </a:r>
+                <a:r>
+                  <a:rPr lang="en-US" dirty="0"/>
+                  <a:t> an </a:t>
+                </a:r>
+                <a:r>
+                  <a:rPr lang="en-US" dirty="0">
+                    <a:solidFill>
+                      <a:srgbClr val="C00000"/>
+                    </a:solidFill>
+                  </a:rPr>
+                  <a:t>integer </a:t>
+                </a:r>
+                <a14:m>
+                  <m:oMath xmlns:m="http://schemas.openxmlformats.org/officeDocument/2006/math">
+                    <m:r>
+                      <a:rPr lang="en-US" i="1">
+                        <a:solidFill>
+                          <a:srgbClr val="C00000"/>
+                        </a:solidFill>
+                        <a:latin typeface="Cambria Math"/>
+                      </a:rPr>
+                      <m:t>𝑘</m:t>
+                    </m:r>
+                  </m:oMath>
+                </a14:m>
+                <a:r>
+                  <a:rPr lang="en-US" dirty="0"/>
+                  <a:t>, </a:t>
+                </a:r>
+                <a:r>
+                  <a:rPr lang="en-US" b="1" dirty="0"/>
+                  <a:t>determine if there is a vertex cover </a:t>
+                </a:r>
+                <a14:m>
+                  <m:oMath xmlns:m="http://schemas.openxmlformats.org/officeDocument/2006/math">
+                    <m:r>
+                      <a:rPr lang="en-US" b="1" i="1">
+                        <a:latin typeface="Cambria Math"/>
+                      </a:rPr>
+                      <m:t>𝑪</m:t>
+                    </m:r>
+                  </m:oMath>
+                </a14:m>
+                <a:r>
+                  <a:rPr lang="en-US" b="1" dirty="0"/>
+                  <a:t> of size </a:t>
+                </a:r>
+                <a14:m>
+                  <m:oMath xmlns:m="http://schemas.openxmlformats.org/officeDocument/2006/math">
+                    <m:r>
+                      <a:rPr lang="en-US" b="1" i="1">
+                        <a:latin typeface="Cambria Math"/>
+                      </a:rPr>
+                      <m:t>𝒌</m:t>
+                    </m:r>
+                  </m:oMath>
+                </a14:m>
+                <a:endParaRPr lang="en-US" b="1" dirty="0"/>
+              </a:p>
+              <a:p>
+                <a:pPr lvl="1"/>
+                <a:r>
+                  <a:rPr lang="en-US" dirty="0"/>
+                  <a:t>Result is True or False</a:t>
+                </a:r>
+              </a:p>
+              <a:p>
+                <a:pPr lvl="1"/>
+                <a:r>
+                  <a:rPr lang="en-US" dirty="0"/>
+                  <a:t>This is the </a:t>
+                </a:r>
+                <a:r>
+                  <a:rPr lang="en-US" b="1" i="1" dirty="0">
+                    <a:solidFill>
+                      <a:schemeClr val="accent1"/>
+                    </a:solidFill>
+                  </a:rPr>
+                  <a:t>decision problem form </a:t>
+                </a:r>
+                <a:r>
+                  <a:rPr lang="en-US" dirty="0"/>
+                  <a:t>of Vertex Cover</a:t>
+                </a:r>
+              </a:p>
+              <a:p>
+                <a:endParaRPr lang="en-US" dirty="0"/>
+              </a:p>
+            </p:txBody>
+          </p:sp>
+        </mc:Choice>
+        <mc:Fallback xmlns="">
+          <p:sp>
+            <p:nvSpPr>
+              <p:cNvPr id="3" name="Content Placeholder 2"/>
+              <p:cNvSpPr>
+                <a:spLocks noGrp="1" noRot="1" noChangeAspect="1" noMove="1" noResize="1" noEditPoints="1" noAdjustHandles="1" noChangeArrowheads="1" noChangeShapeType="1" noTextEdit="1"/>
+              </p:cNvSpPr>
+              <p:nvPr>
+                <p:ph idx="1"/>
+              </p:nvPr>
+            </p:nvSpPr>
+            <p:spPr>
+              <a:xfrm>
+                <a:off x="609600" y="1371600"/>
+                <a:ext cx="10972800" cy="4984751"/>
+              </a:xfrm>
+              <a:blipFill>
+                <a:blip r:embed="rId2"/>
+                <a:stretch>
+                  <a:fillRect l="-1387" t="-1781"/>
+                </a:stretch>
+              </a:blipFill>
+            </p:spPr>
+            <p:txBody>
+              <a:bodyPr/>
+              <a:lstStyle/>
+              <a:p>
+                <a:r>
+                  <a:rPr lang="en-US">
+                    <a:noFill/>
+                  </a:rPr>
+                  <a:t> </a:t>
+                </a:r>
+              </a:p>
+            </p:txBody>
+          </p:sp>
+        </mc:Fallback>
+      </mc:AlternateContent>
+      <p:sp>
+        <p:nvSpPr>
+          <p:cNvPr id="4" name="Slide Number Placeholder 3"/>
+          <p:cNvSpPr>
+            <a:spLocks noGrp="1"/>
+          </p:cNvSpPr>
+          <p:nvPr>
+            <p:ph type="sldNum" sz="quarter" idx="12"/>
+          </p:nvPr>
+        </p:nvSpPr>
+        <p:spPr/>
+        <p:txBody>
+          <a:bodyPr/>
+          <a:lstStyle/>
+          <a:p>
+            <a:fld id="{86BADE50-950A-4D58-BFB2-FA2C6A8B385D}" type="slidenum">
+              <a:rPr lang="en-US" smtClean="0"/>
+              <a:t>3</a:t>
+            </a:fld>
+            <a:endParaRPr lang="en-US"/>
+          </a:p>
+        </p:txBody>
+      </p:sp>
+    </p:spTree>
+    <p:extLst>
+      <p:ext uri="{BB962C8B-B14F-4D97-AF65-F5344CB8AC3E}">
+        <p14:creationId xmlns:p14="http://schemas.microsoft.com/office/powerpoint/2010/main" val="2903503401"/>
+      </p:ext>
+    </p:extLst>
+  </p:cSld>
+  <p:clrMapOvr>
+    <a:masterClrMapping/>
+  </p:clrMapOvr>
+</p:sld>
+</file>
+
+<file path=ppt/slides/slide30.xml><?xml version="1.0" encoding="utf-8"?>
+<p:sld xmlns:a="http://schemas.openxmlformats.org/drawingml/2006/main" xmlns:r="http://schemas.openxmlformats.org/officeDocument/2006/relationships" xmlns:p="http://schemas.openxmlformats.org/presentationml/2006/main">
+  <p:cSld>
+    <p:spTree>
+      <p:nvGrpSpPr>
+        <p:cNvPr id="1" name=""/>
+        <p:cNvGrpSpPr/>
+        <p:nvPr/>
+      </p:nvGrpSpPr>
+      <p:grpSpPr>
+        <a:xfrm>
+          <a:off x="0" y="0"/>
+          <a:ext cx="0" cy="0"/>
+          <a:chOff x="0" y="0"/>
+          <a:chExt cx="0" cy="0"/>
+        </a:xfrm>
+      </p:grpSpPr>
+      <p:sp>
+        <p:nvSpPr>
+          <p:cNvPr id="2" name="Title 1"/>
+          <p:cNvSpPr>
+            <a:spLocks noGrp="1"/>
+          </p:cNvSpPr>
+          <p:nvPr>
+            <p:ph type="title"/>
+          </p:nvPr>
+        </p:nvSpPr>
+        <p:spPr/>
+        <p:txBody>
+          <a:bodyPr/>
+          <a:lstStyle/>
+          <a:p>
+            <a:r>
+              <a:rPr lang="en-US" dirty="0"/>
+              <a:t>Showing 3-SAT is NP-complete</a:t>
+            </a:r>
+          </a:p>
+        </p:txBody>
+      </p:sp>
+      <p:sp>
+        <p:nvSpPr>
+          <p:cNvPr id="4" name="Slide Number Placeholder 3"/>
+          <p:cNvSpPr>
+            <a:spLocks noGrp="1"/>
+          </p:cNvSpPr>
+          <p:nvPr>
+            <p:ph type="sldNum" sz="quarter" idx="12"/>
+          </p:nvPr>
+        </p:nvSpPr>
+        <p:spPr/>
+        <p:txBody>
+          <a:bodyPr/>
+          <a:lstStyle/>
+          <a:p>
+            <a:fld id="{A8D2B1A1-9A82-492A-87A6-500459A044C8}" type="slidenum">
+              <a:rPr lang="en-US" smtClean="0"/>
+              <a:pPr/>
+              <a:t>30</a:t>
+            </a:fld>
+            <a:endParaRPr lang="en-US"/>
+          </a:p>
+        </p:txBody>
+      </p:sp>
+      <p:sp>
+        <p:nvSpPr>
+          <p:cNvPr id="3" name="Content Placeholder 2"/>
+          <p:cNvSpPr>
+            <a:spLocks noGrp="1"/>
+          </p:cNvSpPr>
+          <p:nvPr>
+            <p:ph sz="quarter" idx="1"/>
+          </p:nvPr>
+        </p:nvSpPr>
+        <p:spPr/>
+        <p:txBody>
+          <a:bodyPr>
+            <a:normAutofit fontScale="85000" lnSpcReduction="20000"/>
+          </a:bodyPr>
+          <a:lstStyle/>
+          <a:p>
+            <a:r>
+              <a:rPr lang="en-US" dirty="0"/>
+              <a:t>First, we must show it’s in NP</a:t>
+            </a:r>
+          </a:p>
+          <a:p>
+            <a:pPr lvl="1"/>
+            <a:r>
+              <a:rPr lang="en-US" dirty="0"/>
+              <a:t>A NTM can decide it in polynomial time</a:t>
+            </a:r>
+          </a:p>
+          <a:p>
+            <a:pPr lvl="1"/>
+            <a:r>
+              <a:rPr lang="en-US" dirty="0"/>
+              <a:t>Rephrased: it can be verified by a DTM in polynomial time</a:t>
+            </a:r>
+          </a:p>
+          <a:p>
+            <a:pPr lvl="2"/>
+            <a:r>
+              <a:rPr lang="en-US" dirty="0"/>
+              <a:t>The equivalence of those two statements is on slide 30</a:t>
+            </a:r>
+          </a:p>
+          <a:p>
+            <a:pPr lvl="2"/>
+            <a:r>
+              <a:rPr lang="en-US" dirty="0"/>
+              <a:t>This second one is easy to show</a:t>
+            </a:r>
+          </a:p>
+          <a:p>
+            <a:pPr lvl="2"/>
+            <a:r>
+              <a:rPr lang="en-US" dirty="0"/>
+              <a:t>A formal proof would require showing </a:t>
+            </a:r>
+            <a:r>
+              <a:rPr lang="en-US" i="1" dirty="0"/>
+              <a:t>how</a:t>
+            </a:r>
+            <a:r>
+              <a:rPr lang="en-US" dirty="0"/>
+              <a:t>, which I’ll do verbally</a:t>
+            </a:r>
+          </a:p>
+          <a:p>
+            <a:r>
+              <a:rPr lang="en-US" dirty="0"/>
+              <a:t>Next we must show that 3-SAT is NP-hard: that we can reduce an NP-complete problem </a:t>
+            </a:r>
+            <a:r>
+              <a:rPr lang="en-US" i="1" dirty="0"/>
+              <a:t>to</a:t>
+            </a:r>
+            <a:r>
+              <a:rPr lang="en-US" dirty="0"/>
+              <a:t> 3-SAT</a:t>
+            </a:r>
+          </a:p>
+          <a:p>
+            <a:pPr lvl="1"/>
+            <a:r>
+              <a:rPr lang="en-US" dirty="0"/>
+              <a:t>Not surprisingly, we choose SAT</a:t>
+            </a:r>
+          </a:p>
+          <a:p>
+            <a:pPr lvl="1"/>
+            <a:endParaRPr lang="en-US" dirty="0"/>
+          </a:p>
+          <a:p>
+            <a:r>
+              <a:rPr lang="en-US" dirty="0"/>
+              <a:t>We’ll consider the following formula:</a:t>
+            </a:r>
+          </a:p>
+          <a:p>
+            <a:r>
+              <a:rPr lang="en-US" dirty="0">
+                <a:sym typeface="Symbol"/>
+              </a:rPr>
+              <a:t> = ((x</a:t>
+            </a:r>
+            <a:r>
+              <a:rPr lang="en-US" baseline="-25000" dirty="0">
+                <a:sym typeface="Symbol"/>
+              </a:rPr>
+              <a:t>1</a:t>
+            </a:r>
+            <a:r>
+              <a:rPr lang="en-US" dirty="0">
+                <a:sym typeface="Symbol"/>
+              </a:rPr>
+              <a:t>  x</a:t>
+            </a:r>
+            <a:r>
+              <a:rPr lang="en-US" baseline="-25000" dirty="0">
+                <a:sym typeface="Symbol"/>
+              </a:rPr>
+              <a:t>2</a:t>
+            </a:r>
+            <a:r>
+              <a:rPr lang="en-US" dirty="0">
+                <a:sym typeface="Symbol"/>
+              </a:rPr>
+              <a:t>)  ((x</a:t>
+            </a:r>
+            <a:r>
+              <a:rPr lang="en-US" baseline="-25000" dirty="0">
+                <a:sym typeface="Symbol"/>
+              </a:rPr>
+              <a:t>1</a:t>
+            </a:r>
+            <a:r>
+              <a:rPr lang="en-US" dirty="0">
+                <a:sym typeface="Symbol"/>
+              </a:rPr>
+              <a:t>  x</a:t>
+            </a:r>
+            <a:r>
+              <a:rPr lang="en-US" baseline="-25000" dirty="0">
+                <a:sym typeface="Symbol"/>
+              </a:rPr>
+              <a:t>3</a:t>
+            </a:r>
+            <a:r>
+              <a:rPr lang="en-US" dirty="0">
+                <a:sym typeface="Symbol"/>
+              </a:rPr>
+              <a:t>)  x</a:t>
+            </a:r>
+            <a:r>
+              <a:rPr lang="en-US" baseline="-25000" dirty="0">
+                <a:sym typeface="Symbol"/>
+              </a:rPr>
+              <a:t>4</a:t>
+            </a:r>
+            <a:r>
+              <a:rPr lang="en-US" dirty="0">
+                <a:sym typeface="Symbol"/>
+              </a:rPr>
+              <a:t>))  x</a:t>
+            </a:r>
+            <a:r>
+              <a:rPr lang="en-US" baseline="-25000" dirty="0">
+                <a:sym typeface="Symbol"/>
+              </a:rPr>
+              <a:t>2</a:t>
+            </a:r>
+            <a:r>
+              <a:rPr lang="en-US" dirty="0">
+                <a:sym typeface="Symbol"/>
+              </a:rPr>
+              <a:t> </a:t>
+            </a:r>
+            <a:endParaRPr lang="en-US" dirty="0"/>
+          </a:p>
+          <a:p>
+            <a:endParaRPr lang="en-US" dirty="0"/>
+          </a:p>
+        </p:txBody>
+      </p:sp>
+    </p:spTree>
+    <p:extLst>
+      <p:ext uri="{BB962C8B-B14F-4D97-AF65-F5344CB8AC3E}">
+        <p14:creationId xmlns:p14="http://schemas.microsoft.com/office/powerpoint/2010/main" val="1477414987"/>
+      </p:ext>
+    </p:extLst>
+  </p:cSld>
+  <p:clrMapOvr>
+    <a:masterClrMapping/>
+  </p:clrMapOvr>
+</p:sld>
+</file>
+
+<file path=ppt/slides/slide31.xml><?xml version="1.0" encoding="utf-8"?>
+<p:sld xmlns:a="http://schemas.openxmlformats.org/drawingml/2006/main" xmlns:r="http://schemas.openxmlformats.org/officeDocument/2006/relationships" xmlns:p="http://schemas.openxmlformats.org/presentationml/2006/main">
+  <p:cSld>
+    <p:spTree>
+      <p:nvGrpSpPr>
+        <p:cNvPr id="1" name=""/>
+        <p:cNvGrpSpPr/>
+        <p:nvPr/>
+      </p:nvGrpSpPr>
+      <p:grpSpPr>
+        <a:xfrm>
+          <a:off x="0" y="0"/>
+          <a:ext cx="0" cy="0"/>
+          <a:chOff x="0" y="0"/>
+          <a:chExt cx="0" cy="0"/>
+        </a:xfrm>
+      </p:grpSpPr>
+      <p:sp>
+        <p:nvSpPr>
+          <p:cNvPr id="5" name="Title 4"/>
+          <p:cNvSpPr>
+            <a:spLocks noGrp="1"/>
+          </p:cNvSpPr>
+          <p:nvPr>
+            <p:ph type="title"/>
+          </p:nvPr>
+        </p:nvSpPr>
+        <p:spPr/>
+        <p:txBody>
+          <a:bodyPr/>
+          <a:lstStyle/>
+          <a:p>
+            <a:r>
+              <a:rPr lang="en-US" dirty="0"/>
+              <a:t>Converting SAT to 3-SAT, step 1</a:t>
+            </a:r>
+          </a:p>
+        </p:txBody>
+      </p:sp>
+      <p:sp>
+        <p:nvSpPr>
+          <p:cNvPr id="4" name="Slide Number Placeholder 3"/>
+          <p:cNvSpPr>
+            <a:spLocks noGrp="1"/>
+          </p:cNvSpPr>
+          <p:nvPr>
+            <p:ph type="sldNum" sz="quarter" idx="12"/>
+          </p:nvPr>
+        </p:nvSpPr>
+        <p:spPr/>
+        <p:txBody>
+          <a:bodyPr/>
+          <a:lstStyle/>
+          <a:p>
+            <a:fld id="{A8D2B1A1-9A82-492A-87A6-500459A044C8}" type="slidenum">
+              <a:rPr lang="en-US" smtClean="0"/>
+              <a:pPr/>
+              <a:t>31</a:t>
+            </a:fld>
+            <a:endParaRPr lang="en-US"/>
+          </a:p>
+        </p:txBody>
+      </p:sp>
+      <p:sp>
+        <p:nvSpPr>
+          <p:cNvPr id="6" name="Content Placeholder 5"/>
+          <p:cNvSpPr>
+            <a:spLocks noGrp="1"/>
+          </p:cNvSpPr>
+          <p:nvPr>
+            <p:ph sz="quarter" idx="1"/>
+          </p:nvPr>
+        </p:nvSpPr>
+        <p:spPr>
+          <a:xfrm>
+            <a:off x="304800" y="1904177"/>
+            <a:ext cx="7162800" cy="4496623"/>
+          </a:xfrm>
+        </p:spPr>
+        <p:txBody>
+          <a:bodyPr>
+            <a:normAutofit/>
+          </a:bodyPr>
+          <a:lstStyle/>
+          <a:p>
+            <a:pPr algn="just"/>
+            <a:r>
+              <a:rPr lang="en-US" dirty="0">
+                <a:sym typeface="Symbol"/>
+              </a:rPr>
+              <a:t> = ((x</a:t>
+            </a:r>
+            <a:r>
+              <a:rPr lang="en-US" baseline="-25000" dirty="0">
+                <a:sym typeface="Symbol"/>
+              </a:rPr>
+              <a:t>1</a:t>
+            </a:r>
+            <a:r>
+              <a:rPr lang="en-US" dirty="0">
+                <a:sym typeface="Symbol"/>
+              </a:rPr>
+              <a:t>  x</a:t>
+            </a:r>
+            <a:r>
+              <a:rPr lang="en-US" baseline="-25000" dirty="0">
+                <a:sym typeface="Symbol"/>
+              </a:rPr>
+              <a:t>2</a:t>
+            </a:r>
+            <a:r>
+              <a:rPr lang="en-US" dirty="0">
+                <a:sym typeface="Symbol"/>
+              </a:rPr>
+              <a:t>)  ((x</a:t>
+            </a:r>
+            <a:r>
+              <a:rPr lang="en-US" baseline="-25000" dirty="0">
+                <a:sym typeface="Symbol"/>
+              </a:rPr>
+              <a:t>1</a:t>
+            </a:r>
+            <a:r>
+              <a:rPr lang="en-US" dirty="0">
+                <a:sym typeface="Symbol"/>
+              </a:rPr>
+              <a:t>  x</a:t>
+            </a:r>
+            <a:r>
+              <a:rPr lang="en-US" baseline="-25000" dirty="0">
+                <a:sym typeface="Symbol"/>
+              </a:rPr>
+              <a:t>3</a:t>
+            </a:r>
+            <a:r>
+              <a:rPr lang="en-US" dirty="0">
+                <a:sym typeface="Symbol"/>
+              </a:rPr>
+              <a:t>)  x</a:t>
+            </a:r>
+            <a:r>
+              <a:rPr lang="en-US" baseline="-25000" dirty="0">
+                <a:sym typeface="Symbol"/>
+              </a:rPr>
+              <a:t>4</a:t>
+            </a:r>
+            <a:r>
+              <a:rPr lang="en-US" dirty="0">
+                <a:sym typeface="Symbol"/>
+              </a:rPr>
+              <a:t>))  x</a:t>
+            </a:r>
+            <a:r>
+              <a:rPr lang="en-US" baseline="-25000" dirty="0">
+                <a:sym typeface="Symbol"/>
+              </a:rPr>
+              <a:t>2</a:t>
+            </a:r>
+            <a:r>
+              <a:rPr lang="en-US" dirty="0">
+                <a:sym typeface="Symbol"/>
+              </a:rPr>
+              <a:t> </a:t>
+            </a:r>
+            <a:endParaRPr lang="en-US" dirty="0"/>
+          </a:p>
+          <a:p>
+            <a:pPr algn="just"/>
+            <a:endParaRPr lang="en-US" dirty="0"/>
+          </a:p>
+          <a:p>
+            <a:pPr algn="just"/>
+            <a:endParaRPr lang="en-US" dirty="0"/>
+          </a:p>
+          <a:p>
+            <a:pPr algn="just"/>
+            <a:r>
+              <a:rPr lang="en-US" dirty="0"/>
+              <a:t>We </a:t>
+            </a:r>
+            <a:r>
+              <a:rPr lang="en-US" i="1" dirty="0"/>
+              <a:t>parse</a:t>
+            </a:r>
+            <a:r>
+              <a:rPr lang="en-US" dirty="0"/>
+              <a:t> the expression into an expression tree</a:t>
+            </a:r>
+          </a:p>
+          <a:p>
+            <a:pPr lvl="1" algn="just"/>
+            <a:r>
+              <a:rPr lang="en-US" dirty="0"/>
+              <a:t>Standard Algorithm Applies</a:t>
+            </a:r>
+          </a:p>
+          <a:p>
+            <a:pPr algn="just"/>
+            <a:r>
+              <a:rPr lang="en-US" dirty="0"/>
+              <a:t>Since each operator (other than </a:t>
+            </a:r>
+            <a:r>
+              <a:rPr lang="en-US" dirty="0">
+                <a:sym typeface="Symbol"/>
+              </a:rPr>
+              <a:t></a:t>
+            </a:r>
+            <a:r>
+              <a:rPr lang="en-US" dirty="0"/>
+              <a:t>) is binary, it will be a binary tree</a:t>
+            </a:r>
+          </a:p>
+        </p:txBody>
+      </p:sp>
+      <p:pic>
+        <p:nvPicPr>
+          <p:cNvPr id="8" name="Content Placeholder 7" descr="cormen-fig-34-11.png"/>
+          <p:cNvPicPr>
+            <a:picLocks noGrp="1" noChangeAspect="1"/>
+          </p:cNvPicPr>
+          <p:nvPr>
+            <p:ph sz="quarter" idx="2"/>
+          </p:nvPr>
+        </p:nvPicPr>
+        <p:blipFill>
+          <a:blip r:embed="rId2" cstate="print"/>
+          <a:stretch>
+            <a:fillRect/>
+          </a:stretch>
+        </p:blipFill>
+        <p:spPr>
+          <a:xfrm>
+            <a:off x="7507097" y="2209800"/>
+            <a:ext cx="4041775" cy="3773725"/>
+          </a:xfrm>
+        </p:spPr>
+      </p:pic>
+    </p:spTree>
+    <p:extLst>
+      <p:ext uri="{BB962C8B-B14F-4D97-AF65-F5344CB8AC3E}">
+        <p14:creationId xmlns:p14="http://schemas.microsoft.com/office/powerpoint/2010/main" val="641961724"/>
+      </p:ext>
+    </p:extLst>
+  </p:cSld>
+  <p:clrMapOvr>
+    <a:masterClrMapping/>
+  </p:clrMapOvr>
+</p:sld>
+</file>
+
+<file path=ppt/slides/slide32.xml><?xml version="1.0" encoding="utf-8"?>
+<p:sld xmlns:a="http://schemas.openxmlformats.org/drawingml/2006/main" xmlns:r="http://schemas.openxmlformats.org/officeDocument/2006/relationships" xmlns:p="http://schemas.openxmlformats.org/presentationml/2006/main">
+  <p:cSld>
+    <p:spTree>
+      <p:nvGrpSpPr>
+        <p:cNvPr id="1" name=""/>
+        <p:cNvGrpSpPr/>
+        <p:nvPr/>
+      </p:nvGrpSpPr>
+      <p:grpSpPr>
+        <a:xfrm>
+          <a:off x="0" y="0"/>
+          <a:ext cx="0" cy="0"/>
+          <a:chOff x="0" y="0"/>
+          <a:chExt cx="0" cy="0"/>
+        </a:xfrm>
+      </p:grpSpPr>
+      <p:sp>
+        <p:nvSpPr>
+          <p:cNvPr id="5" name="Title 4"/>
+          <p:cNvSpPr>
+            <a:spLocks noGrp="1"/>
+          </p:cNvSpPr>
+          <p:nvPr>
+            <p:ph type="title"/>
+          </p:nvPr>
+        </p:nvSpPr>
+        <p:spPr/>
+        <p:txBody>
+          <a:bodyPr/>
+          <a:lstStyle/>
+          <a:p>
+            <a:r>
+              <a:rPr lang="en-US" dirty="0"/>
+              <a:t>Converting SAT to 3-SAT, step 2</a:t>
+            </a:r>
+          </a:p>
+        </p:txBody>
+      </p:sp>
+      <p:sp>
+        <p:nvSpPr>
+          <p:cNvPr id="4" name="Slide Number Placeholder 3"/>
+          <p:cNvSpPr>
+            <a:spLocks noGrp="1"/>
+          </p:cNvSpPr>
+          <p:nvPr>
+            <p:ph type="sldNum" sz="quarter" idx="12"/>
+          </p:nvPr>
+        </p:nvSpPr>
+        <p:spPr/>
+        <p:txBody>
+          <a:bodyPr/>
+          <a:lstStyle/>
+          <a:p>
+            <a:fld id="{A8D2B1A1-9A82-492A-87A6-500459A044C8}" type="slidenum">
+              <a:rPr lang="en-US" smtClean="0"/>
+              <a:pPr/>
+              <a:t>32</a:t>
+            </a:fld>
+            <a:endParaRPr lang="en-US"/>
+          </a:p>
+        </p:txBody>
+      </p:sp>
+      <p:sp>
+        <p:nvSpPr>
+          <p:cNvPr id="6" name="Content Placeholder 5"/>
+          <p:cNvSpPr>
+            <a:spLocks noGrp="1"/>
+          </p:cNvSpPr>
+          <p:nvPr>
+            <p:ph sz="quarter" idx="1"/>
+          </p:nvPr>
+        </p:nvSpPr>
+        <p:spPr>
+          <a:xfrm>
+            <a:off x="228600" y="1828800"/>
+            <a:ext cx="7239000" cy="4800600"/>
+          </a:xfrm>
+        </p:spPr>
+        <p:txBody>
+          <a:bodyPr>
+            <a:normAutofit lnSpcReduction="10000"/>
+          </a:bodyPr>
+          <a:lstStyle/>
+          <a:p>
+            <a:pPr algn="just"/>
+            <a:r>
+              <a:rPr lang="en-US" dirty="0">
+                <a:sym typeface="Symbol"/>
+              </a:rPr>
+              <a:t>We introduce a variable </a:t>
+            </a:r>
+            <a:r>
+              <a:rPr lang="en-US" dirty="0" err="1">
+                <a:sym typeface="Symbol"/>
+              </a:rPr>
+              <a:t>y</a:t>
+            </a:r>
+            <a:r>
+              <a:rPr lang="en-US" baseline="-25000" dirty="0" err="1">
+                <a:sym typeface="Symbol"/>
+              </a:rPr>
+              <a:t>i</a:t>
+            </a:r>
+            <a:r>
+              <a:rPr lang="en-US" dirty="0">
+                <a:sym typeface="Symbol"/>
+              </a:rPr>
+              <a:t> for each internal node</a:t>
+            </a:r>
+          </a:p>
+          <a:p>
+            <a:pPr algn="just"/>
+            <a:r>
+              <a:rPr lang="en-US" dirty="0">
+                <a:sym typeface="Symbol"/>
+              </a:rPr>
+              <a:t>We can then re-write our expression:</a:t>
+            </a:r>
+          </a:p>
+          <a:p>
+            <a:pPr algn="just"/>
+            <a:endParaRPr lang="en-US" dirty="0">
+              <a:sym typeface="Symbol"/>
+            </a:endParaRPr>
+          </a:p>
+          <a:p>
+            <a:pPr algn="just"/>
+            <a:r>
+              <a:rPr lang="en-US" dirty="0">
+                <a:sym typeface="Symbol"/>
+              </a:rPr>
+              <a:t>’ = y</a:t>
+            </a:r>
+            <a:r>
+              <a:rPr lang="en-US" baseline="-25000" dirty="0">
+                <a:sym typeface="Symbol"/>
+              </a:rPr>
+              <a:t>1</a:t>
+            </a:r>
+            <a:r>
+              <a:rPr lang="en-US" dirty="0">
+                <a:sym typeface="Symbol"/>
+              </a:rPr>
+              <a:t>  (y</a:t>
+            </a:r>
+            <a:r>
+              <a:rPr lang="en-US" baseline="-25000" dirty="0">
+                <a:sym typeface="Symbol"/>
+              </a:rPr>
+              <a:t>1</a:t>
+            </a:r>
+            <a:r>
+              <a:rPr lang="en-US" dirty="0">
+                <a:sym typeface="Symbol"/>
+              </a:rPr>
+              <a:t>  (y</a:t>
+            </a:r>
+            <a:r>
+              <a:rPr lang="en-US" baseline="-25000" dirty="0">
+                <a:sym typeface="Symbol"/>
+              </a:rPr>
+              <a:t>2</a:t>
+            </a:r>
+            <a:r>
+              <a:rPr lang="en-US" dirty="0">
+                <a:sym typeface="Symbol"/>
+              </a:rPr>
+              <a:t>  x</a:t>
+            </a:r>
+            <a:r>
+              <a:rPr lang="en-US" baseline="-25000" dirty="0">
+                <a:sym typeface="Symbol"/>
+              </a:rPr>
+              <a:t>2</a:t>
+            </a:r>
+            <a:r>
+              <a:rPr lang="en-US" dirty="0">
+                <a:sym typeface="Symbol"/>
+              </a:rPr>
+              <a:t>)</a:t>
+            </a:r>
+          </a:p>
+          <a:p>
+            <a:pPr algn="just">
+              <a:buNone/>
+            </a:pPr>
+            <a:r>
+              <a:rPr lang="en-US" dirty="0">
+                <a:sym typeface="Symbol"/>
+              </a:rPr>
+              <a:t>		  (y</a:t>
+            </a:r>
+            <a:r>
+              <a:rPr lang="en-US" baseline="-25000" dirty="0">
+                <a:sym typeface="Symbol"/>
+              </a:rPr>
+              <a:t>2</a:t>
+            </a:r>
+            <a:r>
+              <a:rPr lang="en-US" dirty="0">
+                <a:sym typeface="Symbol"/>
+              </a:rPr>
+              <a:t>  (y</a:t>
+            </a:r>
+            <a:r>
+              <a:rPr lang="en-US" baseline="-25000" dirty="0">
+                <a:sym typeface="Symbol"/>
+              </a:rPr>
+              <a:t>3</a:t>
+            </a:r>
+            <a:r>
+              <a:rPr lang="en-US" dirty="0">
+                <a:sym typeface="Symbol"/>
+              </a:rPr>
+              <a:t>  y</a:t>
+            </a:r>
+            <a:r>
+              <a:rPr lang="en-US" baseline="-25000" dirty="0">
+                <a:sym typeface="Symbol"/>
+              </a:rPr>
+              <a:t>4</a:t>
+            </a:r>
+            <a:r>
+              <a:rPr lang="en-US" dirty="0">
+                <a:sym typeface="Symbol"/>
+              </a:rPr>
+              <a:t>))</a:t>
+            </a:r>
+          </a:p>
+          <a:p>
+            <a:pPr algn="just">
+              <a:buNone/>
+            </a:pPr>
+            <a:r>
+              <a:rPr lang="en-US" dirty="0">
+                <a:sym typeface="Symbol"/>
+              </a:rPr>
+              <a:t>		  (y</a:t>
+            </a:r>
+            <a:r>
+              <a:rPr lang="en-US" baseline="-25000" dirty="0">
+                <a:sym typeface="Symbol"/>
+              </a:rPr>
+              <a:t>3</a:t>
+            </a:r>
+            <a:r>
+              <a:rPr lang="en-US" dirty="0">
+                <a:sym typeface="Symbol"/>
+              </a:rPr>
+              <a:t>  (x</a:t>
+            </a:r>
+            <a:r>
+              <a:rPr lang="en-US" baseline="-25000" dirty="0">
+                <a:sym typeface="Symbol"/>
+              </a:rPr>
+              <a:t>1</a:t>
+            </a:r>
+            <a:r>
+              <a:rPr lang="en-US" dirty="0">
+                <a:sym typeface="Symbol"/>
+              </a:rPr>
+              <a:t>  x</a:t>
+            </a:r>
+            <a:r>
+              <a:rPr lang="en-US" baseline="-25000" dirty="0">
+                <a:sym typeface="Symbol"/>
+              </a:rPr>
+              <a:t>2</a:t>
+            </a:r>
+            <a:r>
+              <a:rPr lang="en-US" dirty="0">
+                <a:sym typeface="Symbol"/>
+              </a:rPr>
+              <a:t>))</a:t>
+            </a:r>
+          </a:p>
+          <a:p>
+            <a:pPr algn="just">
+              <a:buNone/>
+            </a:pPr>
+            <a:r>
+              <a:rPr lang="en-US" dirty="0">
+                <a:sym typeface="Symbol"/>
+              </a:rPr>
+              <a:t>		  (y</a:t>
+            </a:r>
+            <a:r>
+              <a:rPr lang="en-US" baseline="-25000" dirty="0">
+                <a:sym typeface="Symbol"/>
+              </a:rPr>
+              <a:t>4</a:t>
+            </a:r>
+            <a:r>
+              <a:rPr lang="en-US" dirty="0">
+                <a:sym typeface="Symbol"/>
+              </a:rPr>
+              <a:t>  y</a:t>
+            </a:r>
+            <a:r>
+              <a:rPr lang="en-US" baseline="-25000" dirty="0">
+                <a:sym typeface="Symbol"/>
+              </a:rPr>
+              <a:t>5</a:t>
+            </a:r>
+            <a:r>
+              <a:rPr lang="en-US" dirty="0">
+                <a:sym typeface="Symbol"/>
+              </a:rPr>
+              <a:t>)</a:t>
+            </a:r>
+          </a:p>
+          <a:p>
+            <a:pPr algn="just">
+              <a:buNone/>
+            </a:pPr>
+            <a:r>
+              <a:rPr lang="en-US" dirty="0">
+                <a:sym typeface="Symbol"/>
+              </a:rPr>
+              <a:t>		  (y</a:t>
+            </a:r>
+            <a:r>
+              <a:rPr lang="en-US" baseline="-25000" dirty="0">
+                <a:sym typeface="Symbol"/>
+              </a:rPr>
+              <a:t>5</a:t>
+            </a:r>
+            <a:r>
+              <a:rPr lang="en-US" dirty="0">
+                <a:sym typeface="Symbol"/>
+              </a:rPr>
+              <a:t>  (y</a:t>
+            </a:r>
+            <a:r>
+              <a:rPr lang="en-US" baseline="-25000" dirty="0">
+                <a:sym typeface="Symbol"/>
+              </a:rPr>
+              <a:t>6</a:t>
+            </a:r>
+            <a:r>
+              <a:rPr lang="en-US" dirty="0">
+                <a:sym typeface="Symbol"/>
+              </a:rPr>
+              <a:t>  x</a:t>
+            </a:r>
+            <a:r>
+              <a:rPr lang="en-US" baseline="-25000" dirty="0">
+                <a:sym typeface="Symbol"/>
+              </a:rPr>
+              <a:t>4</a:t>
+            </a:r>
+            <a:r>
+              <a:rPr lang="en-US" dirty="0">
+                <a:sym typeface="Symbol"/>
+              </a:rPr>
+              <a:t>))</a:t>
+            </a:r>
+          </a:p>
+          <a:p>
+            <a:pPr algn="just">
+              <a:buNone/>
+            </a:pPr>
+            <a:r>
+              <a:rPr lang="en-US" dirty="0">
+                <a:sym typeface="Symbol"/>
+              </a:rPr>
+              <a:t>		  (y</a:t>
+            </a:r>
+            <a:r>
+              <a:rPr lang="en-US" baseline="-25000" dirty="0">
+                <a:sym typeface="Symbol"/>
+              </a:rPr>
+              <a:t>6</a:t>
+            </a:r>
+            <a:r>
+              <a:rPr lang="en-US" dirty="0">
+                <a:sym typeface="Symbol"/>
+              </a:rPr>
+              <a:t>  (x</a:t>
+            </a:r>
+            <a:r>
+              <a:rPr lang="en-US" baseline="-25000" dirty="0">
+                <a:sym typeface="Symbol"/>
+              </a:rPr>
+              <a:t>1</a:t>
+            </a:r>
+            <a:r>
+              <a:rPr lang="en-US" dirty="0">
+                <a:sym typeface="Symbol"/>
+              </a:rPr>
+              <a:t>  x</a:t>
+            </a:r>
+            <a:r>
+              <a:rPr lang="en-US" baseline="-25000" dirty="0">
+                <a:sym typeface="Symbol"/>
+              </a:rPr>
+              <a:t>3</a:t>
+            </a:r>
+            <a:r>
+              <a:rPr lang="en-US" dirty="0">
+                <a:sym typeface="Symbol"/>
+              </a:rPr>
+              <a:t>))</a:t>
+            </a:r>
+          </a:p>
+          <a:p>
+            <a:pPr algn="just"/>
+            <a:endParaRPr lang="en-US" dirty="0"/>
+          </a:p>
+        </p:txBody>
+      </p:sp>
+      <p:pic>
+        <p:nvPicPr>
+          <p:cNvPr id="8" name="Content Placeholder 7" descr="cormen-fig-34-11.png"/>
+          <p:cNvPicPr>
+            <a:picLocks noGrp="1" noChangeAspect="1"/>
+          </p:cNvPicPr>
+          <p:nvPr>
+            <p:ph sz="quarter" idx="2"/>
+          </p:nvPr>
+        </p:nvPicPr>
+        <p:blipFill>
+          <a:blip r:embed="rId2" cstate="print"/>
+          <a:stretch>
+            <a:fillRect/>
+          </a:stretch>
+        </p:blipFill>
+        <p:spPr>
+          <a:xfrm>
+            <a:off x="7086600" y="2398475"/>
+            <a:ext cx="4041775" cy="3773725"/>
+          </a:xfrm>
+        </p:spPr>
+      </p:pic>
+    </p:spTree>
+    <p:extLst>
+      <p:ext uri="{BB962C8B-B14F-4D97-AF65-F5344CB8AC3E}">
+        <p14:creationId xmlns:p14="http://schemas.microsoft.com/office/powerpoint/2010/main" val="1392942840"/>
+      </p:ext>
+    </p:extLst>
+  </p:cSld>
+  <p:clrMapOvr>
+    <a:masterClrMapping/>
+  </p:clrMapOvr>
+</p:sld>
+</file>
+
+<file path=ppt/slides/slide33.xml><?xml version="1.0" encoding="utf-8"?>
+<p:sld xmlns:a="http://schemas.openxmlformats.org/drawingml/2006/main" xmlns:r="http://schemas.openxmlformats.org/officeDocument/2006/relationships" xmlns:p="http://schemas.openxmlformats.org/presentationml/2006/main">
+  <p:cSld>
+    <p:spTree>
+      <p:nvGrpSpPr>
+        <p:cNvPr id="1" name=""/>
+        <p:cNvGrpSpPr/>
+        <p:nvPr/>
+      </p:nvGrpSpPr>
+      <p:grpSpPr>
+        <a:xfrm>
+          <a:off x="0" y="0"/>
+          <a:ext cx="0" cy="0"/>
+          <a:chOff x="0" y="0"/>
+          <a:chExt cx="0" cy="0"/>
+        </a:xfrm>
+      </p:grpSpPr>
+      <p:sp>
+        <p:nvSpPr>
+          <p:cNvPr id="2" name="Title 1"/>
+          <p:cNvSpPr>
+            <a:spLocks noGrp="1"/>
+          </p:cNvSpPr>
+          <p:nvPr>
+            <p:ph type="title"/>
+          </p:nvPr>
+        </p:nvSpPr>
+        <p:spPr/>
+        <p:txBody>
+          <a:bodyPr/>
+          <a:lstStyle/>
+          <a:p>
+            <a:r>
+              <a:rPr lang="en-US" dirty="0"/>
+              <a:t>Converting SAT to 3-SAT, step 3</a:t>
+            </a:r>
+          </a:p>
+        </p:txBody>
+      </p:sp>
+      <p:sp>
+        <p:nvSpPr>
+          <p:cNvPr id="5" name="Slide Number Placeholder 4"/>
+          <p:cNvSpPr>
+            <a:spLocks noGrp="1"/>
+          </p:cNvSpPr>
+          <p:nvPr>
+            <p:ph type="sldNum" sz="quarter" idx="12"/>
+          </p:nvPr>
+        </p:nvSpPr>
+        <p:spPr/>
+        <p:txBody>
+          <a:bodyPr/>
+          <a:lstStyle/>
+          <a:p>
+            <a:fld id="{A8D2B1A1-9A82-492A-87A6-500459A044C8}" type="slidenum">
+              <a:rPr lang="en-US" smtClean="0"/>
+              <a:pPr/>
+              <a:t>33</a:t>
+            </a:fld>
+            <a:endParaRPr lang="en-US"/>
+          </a:p>
+        </p:txBody>
+      </p:sp>
+      <p:sp>
+        <p:nvSpPr>
+          <p:cNvPr id="3" name="Content Placeholder 2"/>
+          <p:cNvSpPr>
+            <a:spLocks noGrp="1"/>
+          </p:cNvSpPr>
+          <p:nvPr>
+            <p:ph sz="quarter" idx="1"/>
+          </p:nvPr>
+        </p:nvSpPr>
+        <p:spPr>
+          <a:xfrm>
+            <a:off x="228600" y="1600200"/>
+            <a:ext cx="5791200" cy="5121276"/>
+          </a:xfrm>
+        </p:spPr>
+        <p:txBody>
+          <a:bodyPr>
+            <a:normAutofit/>
+          </a:bodyPr>
+          <a:lstStyle/>
+          <a:p>
+            <a:pPr algn="just"/>
+            <a:r>
+              <a:rPr lang="en-US" dirty="0">
+                <a:sym typeface="Symbol"/>
+              </a:rPr>
+              <a:t>’ = y</a:t>
+            </a:r>
+            <a:r>
+              <a:rPr lang="en-US" baseline="-25000" dirty="0">
+                <a:sym typeface="Symbol"/>
+              </a:rPr>
+              <a:t>1</a:t>
+            </a:r>
+            <a:r>
+              <a:rPr lang="en-US" dirty="0">
+                <a:sym typeface="Symbol"/>
+              </a:rPr>
+              <a:t>  (y</a:t>
+            </a:r>
+            <a:r>
+              <a:rPr lang="en-US" baseline="-25000" dirty="0">
+                <a:sym typeface="Symbol"/>
+              </a:rPr>
+              <a:t>1</a:t>
+            </a:r>
+            <a:r>
+              <a:rPr lang="en-US" dirty="0">
+                <a:sym typeface="Symbol"/>
+              </a:rPr>
+              <a:t>  (y</a:t>
+            </a:r>
+            <a:r>
+              <a:rPr lang="en-US" baseline="-25000" dirty="0">
+                <a:sym typeface="Symbol"/>
+              </a:rPr>
+              <a:t>2</a:t>
+            </a:r>
+            <a:r>
+              <a:rPr lang="en-US" dirty="0">
+                <a:sym typeface="Symbol"/>
+              </a:rPr>
+              <a:t>  x</a:t>
+            </a:r>
+            <a:r>
+              <a:rPr lang="en-US" baseline="-25000" dirty="0">
+                <a:sym typeface="Symbol"/>
+              </a:rPr>
+              <a:t>2</a:t>
+            </a:r>
+            <a:r>
+              <a:rPr lang="en-US" dirty="0">
+                <a:sym typeface="Symbol"/>
+              </a:rPr>
+              <a:t>)</a:t>
+            </a:r>
+          </a:p>
+          <a:p>
+            <a:pPr algn="just">
+              <a:buNone/>
+            </a:pPr>
+            <a:r>
+              <a:rPr lang="en-US" dirty="0">
+                <a:sym typeface="Symbol"/>
+              </a:rPr>
+              <a:t>		  (y</a:t>
+            </a:r>
+            <a:r>
+              <a:rPr lang="en-US" baseline="-25000" dirty="0">
+                <a:sym typeface="Symbol"/>
+              </a:rPr>
+              <a:t>2</a:t>
+            </a:r>
+            <a:r>
+              <a:rPr lang="en-US" dirty="0">
+                <a:sym typeface="Symbol"/>
+              </a:rPr>
+              <a:t>  (y</a:t>
+            </a:r>
+            <a:r>
+              <a:rPr lang="en-US" baseline="-25000" dirty="0">
+                <a:sym typeface="Symbol"/>
+              </a:rPr>
+              <a:t>3</a:t>
+            </a:r>
+            <a:r>
+              <a:rPr lang="en-US" dirty="0">
+                <a:sym typeface="Symbol"/>
+              </a:rPr>
+              <a:t>  y</a:t>
+            </a:r>
+            <a:r>
+              <a:rPr lang="en-US" baseline="-25000" dirty="0">
+                <a:sym typeface="Symbol"/>
+              </a:rPr>
+              <a:t>4</a:t>
+            </a:r>
+            <a:r>
+              <a:rPr lang="en-US" dirty="0">
+                <a:sym typeface="Symbol"/>
+              </a:rPr>
+              <a:t>))</a:t>
+            </a:r>
+          </a:p>
+          <a:p>
+            <a:pPr algn="just">
+              <a:buNone/>
+            </a:pPr>
+            <a:r>
+              <a:rPr lang="en-US" dirty="0">
+                <a:sym typeface="Symbol"/>
+              </a:rPr>
+              <a:t>		  (y</a:t>
+            </a:r>
+            <a:r>
+              <a:rPr lang="en-US" baseline="-25000" dirty="0">
+                <a:sym typeface="Symbol"/>
+              </a:rPr>
+              <a:t>3</a:t>
+            </a:r>
+            <a:r>
+              <a:rPr lang="en-US" dirty="0">
+                <a:sym typeface="Symbol"/>
+              </a:rPr>
+              <a:t>  (x</a:t>
+            </a:r>
+            <a:r>
+              <a:rPr lang="en-US" baseline="-25000" dirty="0">
+                <a:sym typeface="Symbol"/>
+              </a:rPr>
+              <a:t>1</a:t>
+            </a:r>
+            <a:r>
+              <a:rPr lang="en-US" dirty="0">
+                <a:sym typeface="Symbol"/>
+              </a:rPr>
+              <a:t>  x</a:t>
+            </a:r>
+            <a:r>
+              <a:rPr lang="en-US" baseline="-25000" dirty="0">
+                <a:sym typeface="Symbol"/>
+              </a:rPr>
+              <a:t>2</a:t>
+            </a:r>
+            <a:r>
+              <a:rPr lang="en-US" dirty="0">
+                <a:sym typeface="Symbol"/>
+              </a:rPr>
+              <a:t>))</a:t>
+            </a:r>
+          </a:p>
+          <a:p>
+            <a:pPr algn="just">
+              <a:buNone/>
+            </a:pPr>
+            <a:r>
+              <a:rPr lang="en-US" dirty="0">
+                <a:sym typeface="Symbol"/>
+              </a:rPr>
+              <a:t>		  (y</a:t>
+            </a:r>
+            <a:r>
+              <a:rPr lang="en-US" baseline="-25000" dirty="0">
+                <a:sym typeface="Symbol"/>
+              </a:rPr>
+              <a:t>4</a:t>
+            </a:r>
+            <a:r>
+              <a:rPr lang="en-US" dirty="0">
+                <a:sym typeface="Symbol"/>
+              </a:rPr>
+              <a:t>  y</a:t>
+            </a:r>
+            <a:r>
+              <a:rPr lang="en-US" baseline="-25000" dirty="0">
+                <a:sym typeface="Symbol"/>
+              </a:rPr>
+              <a:t>5</a:t>
+            </a:r>
+            <a:r>
+              <a:rPr lang="en-US" dirty="0">
+                <a:sym typeface="Symbol"/>
+              </a:rPr>
+              <a:t>)</a:t>
+            </a:r>
+          </a:p>
+          <a:p>
+            <a:pPr algn="just">
+              <a:buNone/>
+            </a:pPr>
+            <a:r>
+              <a:rPr lang="en-US" dirty="0">
+                <a:sym typeface="Symbol"/>
+              </a:rPr>
+              <a:t>		  (y</a:t>
+            </a:r>
+            <a:r>
+              <a:rPr lang="en-US" baseline="-25000" dirty="0">
+                <a:sym typeface="Symbol"/>
+              </a:rPr>
+              <a:t>5</a:t>
+            </a:r>
+            <a:r>
+              <a:rPr lang="en-US" dirty="0">
+                <a:sym typeface="Symbol"/>
+              </a:rPr>
+              <a:t>  (y</a:t>
+            </a:r>
+            <a:r>
+              <a:rPr lang="en-US" baseline="-25000" dirty="0">
+                <a:sym typeface="Symbol"/>
+              </a:rPr>
+              <a:t>6</a:t>
+            </a:r>
+            <a:r>
+              <a:rPr lang="en-US" dirty="0">
+                <a:sym typeface="Symbol"/>
+              </a:rPr>
+              <a:t>  x</a:t>
+            </a:r>
+            <a:r>
+              <a:rPr lang="en-US" baseline="-25000" dirty="0">
+                <a:sym typeface="Symbol"/>
+              </a:rPr>
+              <a:t>4</a:t>
+            </a:r>
+            <a:r>
+              <a:rPr lang="en-US" dirty="0">
+                <a:sym typeface="Symbol"/>
+              </a:rPr>
+              <a:t>))</a:t>
+            </a:r>
+          </a:p>
+          <a:p>
+            <a:pPr algn="just">
+              <a:buNone/>
+            </a:pPr>
+            <a:r>
+              <a:rPr lang="en-US" dirty="0">
+                <a:sym typeface="Symbol"/>
+              </a:rPr>
+              <a:t>		  (y</a:t>
+            </a:r>
+            <a:r>
+              <a:rPr lang="en-US" baseline="-25000" dirty="0">
+                <a:sym typeface="Symbol"/>
+              </a:rPr>
+              <a:t>6</a:t>
+            </a:r>
+            <a:r>
+              <a:rPr lang="en-US" dirty="0">
+                <a:sym typeface="Symbol"/>
+              </a:rPr>
+              <a:t>  (x</a:t>
+            </a:r>
+            <a:r>
+              <a:rPr lang="en-US" baseline="-25000" dirty="0">
+                <a:sym typeface="Symbol"/>
+              </a:rPr>
+              <a:t>1</a:t>
+            </a:r>
+            <a:r>
+              <a:rPr lang="en-US" dirty="0">
+                <a:sym typeface="Symbol"/>
+              </a:rPr>
+              <a:t>  x</a:t>
+            </a:r>
+            <a:r>
+              <a:rPr lang="en-US" baseline="-25000" dirty="0">
+                <a:sym typeface="Symbol"/>
+              </a:rPr>
+              <a:t>3</a:t>
+            </a:r>
+            <a:r>
+              <a:rPr lang="en-US" dirty="0">
+                <a:sym typeface="Symbol"/>
+              </a:rPr>
+              <a:t>))</a:t>
+            </a:r>
+          </a:p>
+          <a:p>
+            <a:pPr algn="just"/>
+            <a:endParaRPr lang="en-US" dirty="0"/>
+          </a:p>
+          <a:p>
+            <a:r>
+              <a:rPr lang="en-US" dirty="0"/>
+              <a:t>We have an equation with at most 3 literals each</a:t>
+            </a:r>
+          </a:p>
+          <a:p>
+            <a:r>
+              <a:rPr lang="en-US" dirty="0"/>
+              <a:t>But it’s not in CNF!</a:t>
+            </a:r>
+          </a:p>
+        </p:txBody>
+      </p:sp>
+      <p:sp>
+        <p:nvSpPr>
+          <p:cNvPr id="7" name="Content Placeholder 6"/>
+          <p:cNvSpPr>
+            <a:spLocks noGrp="1"/>
+          </p:cNvSpPr>
+          <p:nvPr>
+            <p:ph sz="quarter" idx="2"/>
+          </p:nvPr>
+        </p:nvSpPr>
+        <p:spPr>
+          <a:xfrm>
+            <a:off x="6197600" y="1600201"/>
+            <a:ext cx="5689600" cy="5121275"/>
+          </a:xfrm>
+        </p:spPr>
+        <p:txBody>
+          <a:bodyPr>
+            <a:normAutofit/>
+          </a:bodyPr>
+          <a:lstStyle/>
+          <a:p>
+            <a:pPr algn="just"/>
+            <a:r>
+              <a:rPr lang="en-US" dirty="0"/>
+              <a:t>So we build a truth table for each clause </a:t>
+            </a:r>
+            <a:r>
+              <a:rPr lang="en-US" dirty="0">
+                <a:sym typeface="Symbol"/>
+              </a:rPr>
+              <a:t>’</a:t>
+            </a:r>
+            <a:r>
+              <a:rPr lang="en-US" baseline="-25000" dirty="0" err="1">
+                <a:sym typeface="Symbol"/>
+              </a:rPr>
+              <a:t>i</a:t>
+            </a:r>
+            <a:r>
+              <a:rPr lang="en-US" dirty="0"/>
+              <a:t>:</a:t>
+            </a:r>
+          </a:p>
+        </p:txBody>
+      </p:sp>
+      <p:graphicFrame>
+        <p:nvGraphicFramePr>
+          <p:cNvPr id="8" name="Content Placeholder 5"/>
+          <p:cNvGraphicFramePr>
+            <a:graphicFrameLocks/>
+          </p:cNvGraphicFramePr>
+          <p:nvPr>
+            <p:extLst>
+              <p:ext uri="{D42A27DB-BD31-4B8C-83A1-F6EECF244321}">
+                <p14:modId xmlns:p14="http://schemas.microsoft.com/office/powerpoint/2010/main" val="3973967015"/>
+              </p:ext>
+            </p:extLst>
+          </p:nvPr>
+        </p:nvGraphicFramePr>
+        <p:xfrm>
+          <a:off x="7696200" y="3018791"/>
+          <a:ext cx="3034984" cy="3337560"/>
+        </p:xfrm>
+        <a:graphic>
+          <a:graphicData uri="http://schemas.openxmlformats.org/drawingml/2006/table">
+            <a:tbl>
+              <a:tblPr firstRow="1" bandRow="1">
+                <a:tableStyleId>{5C22544A-7EE6-4342-B048-85BDC9FD1C3A}</a:tableStyleId>
+              </a:tblPr>
+              <a:tblGrid>
+                <a:gridCol w="403543">
+                  <a:extLst>
+                    <a:ext uri="{9D8B030D-6E8A-4147-A177-3AD203B41FA5}">
+                      <a16:colId xmlns:a16="http://schemas.microsoft.com/office/drawing/2014/main" val="20000"/>
+                    </a:ext>
+                  </a:extLst>
+                </a:gridCol>
+                <a:gridCol w="403543">
+                  <a:extLst>
+                    <a:ext uri="{9D8B030D-6E8A-4147-A177-3AD203B41FA5}">
+                      <a16:colId xmlns:a16="http://schemas.microsoft.com/office/drawing/2014/main" val="20001"/>
+                    </a:ext>
+                  </a:extLst>
+                </a:gridCol>
+                <a:gridCol w="403543">
+                  <a:extLst>
+                    <a:ext uri="{9D8B030D-6E8A-4147-A177-3AD203B41FA5}">
+                      <a16:colId xmlns:a16="http://schemas.microsoft.com/office/drawing/2014/main" val="20002"/>
+                    </a:ext>
+                  </a:extLst>
+                </a:gridCol>
+                <a:gridCol w="1824355">
+                  <a:extLst>
+                    <a:ext uri="{9D8B030D-6E8A-4147-A177-3AD203B41FA5}">
+                      <a16:colId xmlns:a16="http://schemas.microsoft.com/office/drawing/2014/main" val="20003"/>
+                    </a:ext>
+                  </a:extLst>
+                </a:gridCol>
+              </a:tblGrid>
+              <a:tr h="370840">
+                <a:tc>
+                  <a:txBody>
+                    <a:bodyPr/>
+                    <a:lstStyle/>
+                    <a:p>
+                      <a:pPr algn="ctr"/>
+                      <a:r>
+                        <a:rPr lang="en-US" dirty="0"/>
+                        <a:t>y</a:t>
+                      </a:r>
+                      <a:r>
+                        <a:rPr lang="en-US" baseline="-25000" dirty="0"/>
+                        <a:t>1</a:t>
+                      </a:r>
+                    </a:p>
+                  </a:txBody>
+                  <a:tcPr/>
+                </a:tc>
+                <a:tc>
+                  <a:txBody>
+                    <a:bodyPr/>
+                    <a:lstStyle/>
+                    <a:p>
+                      <a:pPr algn="ctr"/>
+                      <a:r>
+                        <a:rPr lang="en-US" dirty="0"/>
+                        <a:t>y</a:t>
+                      </a:r>
+                      <a:r>
+                        <a:rPr lang="en-US" baseline="-25000" dirty="0"/>
+                        <a:t>2</a:t>
+                      </a:r>
+                    </a:p>
+                  </a:txBody>
+                  <a:tcPr/>
+                </a:tc>
+                <a:tc>
+                  <a:txBody>
+                    <a:bodyPr/>
+                    <a:lstStyle/>
+                    <a:p>
+                      <a:pPr algn="ctr"/>
+                      <a:r>
+                        <a:rPr lang="en-US" baseline="-25000" dirty="0"/>
+                        <a:t>X2</a:t>
+                      </a:r>
+                    </a:p>
+                  </a:txBody>
+                  <a:tcPr/>
+                </a:tc>
+                <a:tc>
+                  <a:txBody>
+                    <a:bodyPr/>
+                    <a:lstStyle/>
+                    <a:p>
+                      <a:pPr algn="ctr"/>
+                      <a:r>
+                        <a:rPr lang="en-US" dirty="0"/>
+                        <a:t>(y</a:t>
+                      </a:r>
+                      <a:r>
+                        <a:rPr lang="en-US" baseline="-25000" dirty="0"/>
+                        <a:t>1</a:t>
+                      </a:r>
+                      <a:r>
+                        <a:rPr lang="en-US" dirty="0"/>
+                        <a:t> </a:t>
+                      </a:r>
+                      <a:r>
+                        <a:rPr lang="en-US" dirty="0">
+                          <a:sym typeface="Symbol"/>
+                        </a:rPr>
+                        <a:t> (y</a:t>
+                      </a:r>
+                      <a:r>
+                        <a:rPr lang="en-US" baseline="-25000" dirty="0">
+                          <a:sym typeface="Symbol"/>
+                        </a:rPr>
+                        <a:t>2</a:t>
+                      </a:r>
+                      <a:r>
+                        <a:rPr lang="en-US" dirty="0">
+                          <a:sym typeface="Symbol"/>
+                        </a:rPr>
+                        <a:t>  x</a:t>
+                      </a:r>
+                      <a:r>
+                        <a:rPr lang="en-US" baseline="-25000" dirty="0">
+                          <a:sym typeface="Symbol"/>
+                        </a:rPr>
+                        <a:t>2</a:t>
+                      </a:r>
+                      <a:r>
+                        <a:rPr lang="en-US" dirty="0">
+                          <a:sym typeface="Symbol"/>
+                        </a:rPr>
+                        <a:t>))</a:t>
+                      </a:r>
+                      <a:endParaRPr lang="en-US" dirty="0"/>
+                    </a:p>
+                  </a:txBody>
+                  <a:tcPr/>
+                </a:tc>
+                <a:extLst>
+                  <a:ext uri="{0D108BD9-81ED-4DB2-BD59-A6C34878D82A}">
+                    <a16:rowId xmlns:a16="http://schemas.microsoft.com/office/drawing/2014/main" val="10000"/>
+                  </a:ext>
+                </a:extLst>
+              </a:tr>
+              <a:tr h="370840">
+                <a:tc>
+                  <a:txBody>
+                    <a:bodyPr/>
+                    <a:lstStyle/>
+                    <a:p>
+                      <a:pPr algn="ctr"/>
+                      <a:r>
+                        <a:rPr lang="en-US" dirty="0"/>
+                        <a:t>1</a:t>
+                      </a:r>
+                    </a:p>
+                  </a:txBody>
+                  <a:tcPr/>
+                </a:tc>
+                <a:tc>
+                  <a:txBody>
+                    <a:bodyPr/>
+                    <a:lstStyle/>
+                    <a:p>
+                      <a:pPr algn="ctr"/>
+                      <a:r>
+                        <a:rPr lang="en-US" dirty="0"/>
+                        <a:t>1</a:t>
+                      </a:r>
+                    </a:p>
+                  </a:txBody>
+                  <a:tcPr/>
+                </a:tc>
+                <a:tc>
+                  <a:txBody>
+                    <a:bodyPr/>
+                    <a:lstStyle/>
+                    <a:p>
+                      <a:pPr algn="ctr"/>
+                      <a:r>
+                        <a:rPr lang="en-US" dirty="0"/>
+                        <a:t>1</a:t>
+                      </a:r>
+                    </a:p>
+                  </a:txBody>
+                  <a:tcPr/>
+                </a:tc>
+                <a:tc>
+                  <a:txBody>
+                    <a:bodyPr/>
+                    <a:lstStyle/>
+                    <a:p>
+                      <a:pPr algn="ctr"/>
+                      <a:r>
+                        <a:rPr lang="en-US" dirty="0"/>
+                        <a:t>0</a:t>
+                      </a:r>
+                    </a:p>
+                  </a:txBody>
+                  <a:tcPr/>
+                </a:tc>
+                <a:extLst>
+                  <a:ext uri="{0D108BD9-81ED-4DB2-BD59-A6C34878D82A}">
+                    <a16:rowId xmlns:a16="http://schemas.microsoft.com/office/drawing/2014/main" val="10001"/>
+                  </a:ext>
+                </a:extLst>
+              </a:tr>
+              <a:tr h="370840">
+                <a:tc>
+                  <a:txBody>
+                    <a:bodyPr/>
+                    <a:lstStyle/>
+                    <a:p>
+                      <a:pPr algn="ctr"/>
+                      <a:r>
+                        <a:rPr lang="en-US" dirty="0"/>
+                        <a:t>1</a:t>
+                      </a:r>
+                    </a:p>
+                  </a:txBody>
+                  <a:tcPr/>
+                </a:tc>
+                <a:tc>
+                  <a:txBody>
+                    <a:bodyPr/>
+                    <a:lstStyle/>
+                    <a:p>
+                      <a:pPr algn="ctr"/>
+                      <a:r>
+                        <a:rPr lang="en-US" dirty="0"/>
+                        <a:t>1</a:t>
+                      </a:r>
+                    </a:p>
+                  </a:txBody>
+                  <a:tcPr/>
+                </a:tc>
+                <a:tc>
+                  <a:txBody>
+                    <a:bodyPr/>
+                    <a:lstStyle/>
+                    <a:p>
+                      <a:pPr algn="ctr"/>
+                      <a:r>
+                        <a:rPr lang="en-US" dirty="0"/>
+                        <a:t>0</a:t>
+                      </a:r>
+                    </a:p>
+                  </a:txBody>
+                  <a:tcPr/>
+                </a:tc>
+                <a:tc>
+                  <a:txBody>
+                    <a:bodyPr/>
+                    <a:lstStyle/>
+                    <a:p>
+                      <a:pPr algn="ctr"/>
+                      <a:r>
+                        <a:rPr lang="en-US" dirty="0"/>
+                        <a:t>1</a:t>
+                      </a:r>
+                    </a:p>
+                  </a:txBody>
+                  <a:tcPr/>
+                </a:tc>
+                <a:extLst>
+                  <a:ext uri="{0D108BD9-81ED-4DB2-BD59-A6C34878D82A}">
+                    <a16:rowId xmlns:a16="http://schemas.microsoft.com/office/drawing/2014/main" val="10002"/>
+                  </a:ext>
+                </a:extLst>
+              </a:tr>
+              <a:tr h="370840">
+                <a:tc>
+                  <a:txBody>
+                    <a:bodyPr/>
+                    <a:lstStyle/>
+                    <a:p>
+                      <a:pPr algn="ctr"/>
+                      <a:r>
+                        <a:rPr lang="en-US" dirty="0"/>
+                        <a:t>1</a:t>
+                      </a:r>
+                    </a:p>
+                  </a:txBody>
+                  <a:tcPr/>
+                </a:tc>
+                <a:tc>
+                  <a:txBody>
+                    <a:bodyPr/>
+                    <a:lstStyle/>
+                    <a:p>
+                      <a:pPr algn="ctr"/>
+                      <a:r>
+                        <a:rPr lang="en-US" dirty="0"/>
+                        <a:t>0</a:t>
+                      </a:r>
+                    </a:p>
+                  </a:txBody>
+                  <a:tcPr/>
+                </a:tc>
+                <a:tc>
+                  <a:txBody>
+                    <a:bodyPr/>
+                    <a:lstStyle/>
+                    <a:p>
+                      <a:pPr algn="ctr"/>
+                      <a:r>
+                        <a:rPr lang="en-US" dirty="0"/>
+                        <a:t>1</a:t>
+                      </a:r>
+                    </a:p>
+                  </a:txBody>
+                  <a:tcPr/>
+                </a:tc>
+                <a:tc>
+                  <a:txBody>
+                    <a:bodyPr/>
+                    <a:lstStyle/>
+                    <a:p>
+                      <a:pPr algn="ctr"/>
+                      <a:r>
+                        <a:rPr lang="en-US" dirty="0"/>
+                        <a:t>0</a:t>
+                      </a:r>
+                    </a:p>
+                  </a:txBody>
+                  <a:tcPr/>
+                </a:tc>
+                <a:extLst>
+                  <a:ext uri="{0D108BD9-81ED-4DB2-BD59-A6C34878D82A}">
+                    <a16:rowId xmlns:a16="http://schemas.microsoft.com/office/drawing/2014/main" val="10003"/>
+                  </a:ext>
+                </a:extLst>
+              </a:tr>
+              <a:tr h="370840">
+                <a:tc>
+                  <a:txBody>
+                    <a:bodyPr/>
+                    <a:lstStyle/>
+                    <a:p>
+                      <a:pPr algn="ctr"/>
+                      <a:r>
+                        <a:rPr lang="en-US" dirty="0"/>
+                        <a:t>1</a:t>
+                      </a:r>
+                    </a:p>
+                  </a:txBody>
+                  <a:tcPr/>
+                </a:tc>
+                <a:tc>
+                  <a:txBody>
+                    <a:bodyPr/>
+                    <a:lstStyle/>
+                    <a:p>
+                      <a:pPr algn="ctr"/>
+                      <a:r>
+                        <a:rPr lang="en-US" dirty="0"/>
+                        <a:t>0</a:t>
+                      </a:r>
+                    </a:p>
+                  </a:txBody>
+                  <a:tcPr/>
+                </a:tc>
+                <a:tc>
+                  <a:txBody>
+                    <a:bodyPr/>
+                    <a:lstStyle/>
+                    <a:p>
+                      <a:pPr algn="ctr"/>
+                      <a:r>
+                        <a:rPr lang="en-US" dirty="0"/>
+                        <a:t>0</a:t>
+                      </a:r>
+                    </a:p>
+                  </a:txBody>
+                  <a:tcPr/>
+                </a:tc>
+                <a:tc>
+                  <a:txBody>
+                    <a:bodyPr/>
+                    <a:lstStyle/>
+                    <a:p>
+                      <a:pPr algn="ctr"/>
+                      <a:r>
+                        <a:rPr lang="en-US" dirty="0"/>
+                        <a:t>0</a:t>
+                      </a:r>
+                    </a:p>
+                  </a:txBody>
+                  <a:tcPr/>
+                </a:tc>
+                <a:extLst>
+                  <a:ext uri="{0D108BD9-81ED-4DB2-BD59-A6C34878D82A}">
+                    <a16:rowId xmlns:a16="http://schemas.microsoft.com/office/drawing/2014/main" val="10004"/>
+                  </a:ext>
+                </a:extLst>
+              </a:tr>
+              <a:tr h="370840">
+                <a:tc>
+                  <a:txBody>
+                    <a:bodyPr/>
+                    <a:lstStyle/>
+                    <a:p>
+                      <a:pPr algn="ctr"/>
+                      <a:r>
+                        <a:rPr lang="en-US" dirty="0"/>
+                        <a:t>0</a:t>
+                      </a:r>
+                    </a:p>
+                  </a:txBody>
+                  <a:tcPr/>
+                </a:tc>
+                <a:tc>
+                  <a:txBody>
+                    <a:bodyPr/>
+                    <a:lstStyle/>
+                    <a:p>
+                      <a:pPr algn="ctr"/>
+                      <a:r>
+                        <a:rPr lang="en-US" dirty="0"/>
+                        <a:t>1</a:t>
+                      </a:r>
+                    </a:p>
+                  </a:txBody>
+                  <a:tcPr/>
+                </a:tc>
+                <a:tc>
+                  <a:txBody>
+                    <a:bodyPr/>
+                    <a:lstStyle/>
+                    <a:p>
+                      <a:pPr algn="ctr"/>
+                      <a:r>
+                        <a:rPr lang="en-US" dirty="0"/>
+                        <a:t>1</a:t>
+                      </a:r>
+                    </a:p>
+                  </a:txBody>
+                  <a:tcPr/>
+                </a:tc>
+                <a:tc>
+                  <a:txBody>
+                    <a:bodyPr/>
+                    <a:lstStyle/>
+                    <a:p>
+                      <a:pPr algn="ctr"/>
+                      <a:r>
+                        <a:rPr lang="en-US" dirty="0"/>
+                        <a:t>1</a:t>
+                      </a:r>
+                    </a:p>
+                  </a:txBody>
+                  <a:tcPr/>
+                </a:tc>
+                <a:extLst>
+                  <a:ext uri="{0D108BD9-81ED-4DB2-BD59-A6C34878D82A}">
+                    <a16:rowId xmlns:a16="http://schemas.microsoft.com/office/drawing/2014/main" val="10005"/>
+                  </a:ext>
+                </a:extLst>
+              </a:tr>
+              <a:tr h="370840">
+                <a:tc>
+                  <a:txBody>
+                    <a:bodyPr/>
+                    <a:lstStyle/>
+                    <a:p>
+                      <a:pPr algn="ctr"/>
+                      <a:r>
+                        <a:rPr lang="en-US" dirty="0"/>
+                        <a:t>0</a:t>
+                      </a:r>
+                    </a:p>
+                  </a:txBody>
+                  <a:tcPr/>
+                </a:tc>
+                <a:tc>
+                  <a:txBody>
+                    <a:bodyPr/>
+                    <a:lstStyle/>
+                    <a:p>
+                      <a:pPr algn="ctr"/>
+                      <a:r>
+                        <a:rPr lang="en-US" dirty="0"/>
+                        <a:t>1</a:t>
+                      </a:r>
+                    </a:p>
+                  </a:txBody>
+                  <a:tcPr/>
+                </a:tc>
+                <a:tc>
+                  <a:txBody>
+                    <a:bodyPr/>
+                    <a:lstStyle/>
+                    <a:p>
+                      <a:pPr algn="ctr"/>
+                      <a:r>
+                        <a:rPr lang="en-US" dirty="0"/>
+                        <a:t>0</a:t>
+                      </a:r>
+                    </a:p>
+                  </a:txBody>
+                  <a:tcPr/>
+                </a:tc>
+                <a:tc>
+                  <a:txBody>
+                    <a:bodyPr/>
+                    <a:lstStyle/>
+                    <a:p>
+                      <a:pPr algn="ctr"/>
+                      <a:r>
+                        <a:rPr lang="en-US" dirty="0"/>
+                        <a:t>0</a:t>
+                      </a:r>
+                    </a:p>
+                  </a:txBody>
+                  <a:tcPr/>
+                </a:tc>
+                <a:extLst>
+                  <a:ext uri="{0D108BD9-81ED-4DB2-BD59-A6C34878D82A}">
+                    <a16:rowId xmlns:a16="http://schemas.microsoft.com/office/drawing/2014/main" val="10006"/>
+                  </a:ext>
+                </a:extLst>
+              </a:tr>
+              <a:tr h="370840">
+                <a:tc>
+                  <a:txBody>
+                    <a:bodyPr/>
+                    <a:lstStyle/>
+                    <a:p>
+                      <a:pPr algn="ctr"/>
+                      <a:r>
+                        <a:rPr lang="en-US" dirty="0"/>
+                        <a:t>0</a:t>
+                      </a:r>
+                    </a:p>
+                  </a:txBody>
+                  <a:tcPr/>
+                </a:tc>
+                <a:tc>
+                  <a:txBody>
+                    <a:bodyPr/>
+                    <a:lstStyle/>
+                    <a:p>
+                      <a:pPr algn="ctr"/>
+                      <a:r>
+                        <a:rPr lang="en-US" dirty="0"/>
+                        <a:t>0</a:t>
+                      </a:r>
+                    </a:p>
+                  </a:txBody>
+                  <a:tcPr/>
+                </a:tc>
+                <a:tc>
+                  <a:txBody>
+                    <a:bodyPr/>
+                    <a:lstStyle/>
+                    <a:p>
+                      <a:pPr algn="ctr"/>
+                      <a:r>
+                        <a:rPr lang="en-US" dirty="0"/>
+                        <a:t>1</a:t>
+                      </a:r>
+                    </a:p>
+                  </a:txBody>
+                  <a:tcPr/>
+                </a:tc>
+                <a:tc>
+                  <a:txBody>
+                    <a:bodyPr/>
+                    <a:lstStyle/>
+                    <a:p>
+                      <a:pPr algn="ctr"/>
+                      <a:r>
+                        <a:rPr lang="en-US" dirty="0"/>
+                        <a:t>1</a:t>
+                      </a:r>
+                    </a:p>
+                  </a:txBody>
+                  <a:tcPr/>
+                </a:tc>
+                <a:extLst>
+                  <a:ext uri="{0D108BD9-81ED-4DB2-BD59-A6C34878D82A}">
+                    <a16:rowId xmlns:a16="http://schemas.microsoft.com/office/drawing/2014/main" val="10007"/>
+                  </a:ext>
+                </a:extLst>
+              </a:tr>
+              <a:tr h="370840">
+                <a:tc>
+                  <a:txBody>
+                    <a:bodyPr/>
+                    <a:lstStyle/>
+                    <a:p>
+                      <a:pPr algn="ctr"/>
+                      <a:r>
+                        <a:rPr lang="en-US" dirty="0"/>
+                        <a:t>0</a:t>
+                      </a:r>
+                    </a:p>
+                  </a:txBody>
+                  <a:tcPr/>
+                </a:tc>
+                <a:tc>
+                  <a:txBody>
+                    <a:bodyPr/>
+                    <a:lstStyle/>
+                    <a:p>
+                      <a:pPr algn="ctr"/>
+                      <a:r>
+                        <a:rPr lang="en-US" dirty="0"/>
+                        <a:t>0</a:t>
+                      </a:r>
+                    </a:p>
+                  </a:txBody>
+                  <a:tcPr/>
+                </a:tc>
+                <a:tc>
+                  <a:txBody>
+                    <a:bodyPr/>
+                    <a:lstStyle/>
+                    <a:p>
+                      <a:pPr algn="ctr"/>
+                      <a:r>
+                        <a:rPr lang="en-US" dirty="0"/>
+                        <a:t>0</a:t>
+                      </a:r>
+                    </a:p>
+                  </a:txBody>
+                  <a:tcPr/>
+                </a:tc>
+                <a:tc>
+                  <a:txBody>
+                    <a:bodyPr/>
+                    <a:lstStyle/>
+                    <a:p>
+                      <a:pPr algn="ctr"/>
+                      <a:r>
+                        <a:rPr lang="en-US" dirty="0"/>
+                        <a:t>1</a:t>
+                      </a:r>
+                    </a:p>
+                  </a:txBody>
+                  <a:tcPr/>
+                </a:tc>
+                <a:extLst>
+                  <a:ext uri="{0D108BD9-81ED-4DB2-BD59-A6C34878D82A}">
+                    <a16:rowId xmlns:a16="http://schemas.microsoft.com/office/drawing/2014/main" val="10008"/>
+                  </a:ext>
+                </a:extLst>
+              </a:tr>
+            </a:tbl>
+          </a:graphicData>
+        </a:graphic>
+      </p:graphicFrame>
+      <p:sp>
+        <p:nvSpPr>
+          <p:cNvPr id="9" name="Oval 8"/>
+          <p:cNvSpPr/>
+          <p:nvPr/>
+        </p:nvSpPr>
+        <p:spPr>
+          <a:xfrm>
+            <a:off x="1752600" y="1524000"/>
+            <a:ext cx="2952688" cy="685800"/>
+          </a:xfrm>
+          <a:prstGeom prst="ellipse">
+            <a:avLst/>
+          </a:prstGeom>
+          <a:noFill/>
+          <a:ln>
+            <a:solidFill>
+              <a:srgbClr val="FF0000"/>
+            </a:solidFill>
+          </a:ln>
+        </p:spPr>
+        <p:style>
+          <a:lnRef idx="2">
+            <a:schemeClr val="accent1">
+              <a:shade val="50000"/>
+            </a:schemeClr>
+          </a:lnRef>
+          <a:fillRef idx="1">
+            <a:schemeClr val="accent1"/>
+          </a:fillRef>
+          <a:effectRef idx="0">
+            <a:schemeClr val="accent1"/>
+          </a:effectRef>
+          <a:fontRef idx="minor">
+            <a:schemeClr val="lt1"/>
+          </a:fontRef>
+        </p:style>
+        <p:txBody>
+          <a:bodyPr rtlCol="0" anchor="ctr"/>
+          <a:lstStyle/>
+          <a:p>
+            <a:pPr algn="ctr"/>
+            <a:endParaRPr lang="en-US"/>
+          </a:p>
+        </p:txBody>
+      </p:sp>
+      <p:cxnSp>
+        <p:nvCxnSpPr>
+          <p:cNvPr id="11" name="Straight Connector 10"/>
+          <p:cNvCxnSpPr>
+            <a:cxnSpLocks/>
+            <a:stCxn id="9" idx="5"/>
+          </p:cNvCxnSpPr>
+          <p:nvPr/>
+        </p:nvCxnSpPr>
+        <p:spPr>
+          <a:xfrm>
+            <a:off x="4272877" y="2109367"/>
+            <a:ext cx="3423323" cy="909424"/>
+          </a:xfrm>
+          <a:prstGeom prst="line">
+            <a:avLst/>
+          </a:prstGeom>
+          <a:ln w="25400">
+            <a:solidFill>
+              <a:srgbClr val="FF0000"/>
+            </a:solidFill>
+            <a:tailEnd type="triangle" w="lg" len="lg"/>
+          </a:ln>
+        </p:spPr>
+        <p:style>
+          <a:lnRef idx="1">
+            <a:schemeClr val="accent1"/>
+          </a:lnRef>
+          <a:fillRef idx="0">
+            <a:schemeClr val="accent1"/>
+          </a:fillRef>
+          <a:effectRef idx="0">
+            <a:schemeClr val="accent1"/>
+          </a:effectRef>
+          <a:fontRef idx="minor">
+            <a:schemeClr val="tx1"/>
+          </a:fontRef>
+        </p:style>
+      </p:cxnSp>
+    </p:spTree>
+    <p:extLst>
+      <p:ext uri="{BB962C8B-B14F-4D97-AF65-F5344CB8AC3E}">
+        <p14:creationId xmlns:p14="http://schemas.microsoft.com/office/powerpoint/2010/main" val="3814834316"/>
+      </p:ext>
+    </p:extLst>
+  </p:cSld>
+  <p:clrMapOvr>
+    <a:masterClrMapping/>
+  </p:clrMapOvr>
+  <p:timing>
+    <p:tnLst>
+      <p:par>
+        <p:cTn id="1" dur="indefinite" restart="never" nodeType="tmRoot">
+          <p:childTnLst>
+            <p:seq concurrent="1" nextAc="seek">
+              <p:cTn id="2" dur="indefinite" nodeType="mainSeq">
+                <p:childTnLst>
+                  <p:par>
+                    <p:cTn id="3" fill="hold">
+                      <p:stCondLst>
+                        <p:cond delay="indefinite"/>
+                      </p:stCondLst>
+                      <p:childTnLst>
+                        <p:par>
+                          <p:cTn id="4" fill="hold">
+                            <p:stCondLst>
+                              <p:cond delay="0"/>
+                            </p:stCondLst>
+                            <p:childTnLst>
+                              <p:par>
+                                <p:cTn id="5" presetID="1" presetClass="entr" presetSubtype="0" fill="hold" grpId="0" nodeType="clickEffect">
+                                  <p:stCondLst>
+                                    <p:cond delay="0"/>
+                                  </p:stCondLst>
+                                  <p:childTnLst>
+                                    <p:set>
+                                      <p:cBhvr>
+                                        <p:cTn id="6" dur="1" fill="hold">
+                                          <p:stCondLst>
+                                            <p:cond delay="0"/>
+                                          </p:stCondLst>
+                                        </p:cTn>
+                                        <p:tgtEl>
+                                          <p:spTgt spid="9"/>
+                                        </p:tgtEl>
+                                        <p:attrNameLst>
+                                          <p:attrName>style.visibility</p:attrName>
+                                        </p:attrNameLst>
+                                      </p:cBhvr>
+                                      <p:to>
+                                        <p:strVal val="visible"/>
+                                      </p:to>
+                                    </p:set>
+                                  </p:childTnLst>
+                                </p:cTn>
+                              </p:par>
+                              <p:par>
+                                <p:cTn id="7" presetID="1" presetClass="entr" presetSubtype="0" fill="hold" nodeType="withEffect">
+                                  <p:stCondLst>
+                                    <p:cond delay="0"/>
+                                  </p:stCondLst>
+                                  <p:childTnLst>
+                                    <p:set>
+                                      <p:cBhvr>
+                                        <p:cTn id="8" dur="1" fill="hold">
+                                          <p:stCondLst>
+                                            <p:cond delay="0"/>
+                                          </p:stCondLst>
+                                        </p:cTn>
+                                        <p:tgtEl>
+                                          <p:spTgt spid="11"/>
+                                        </p:tgtEl>
+                                        <p:attrNameLst>
+                                          <p:attrName>style.visibility</p:attrName>
+                                        </p:attrNameLst>
+                                      </p:cBhvr>
+                                      <p:to>
+                                        <p:strVal val="visible"/>
+                                      </p:to>
+                                    </p:set>
+                                  </p:childTnLst>
+                                </p:cTn>
+                              </p:par>
+                              <p:par>
+                                <p:cTn id="9" presetID="1" presetClass="entr" presetSubtype="0" fill="hold" nodeType="withEffect">
+                                  <p:stCondLst>
+                                    <p:cond delay="0"/>
+                                  </p:stCondLst>
+                                  <p:childTnLst>
+                                    <p:set>
+                                      <p:cBhvr>
+                                        <p:cTn id="10" dur="1" fill="hold">
+                                          <p:stCondLst>
+                                            <p:cond delay="0"/>
+                                          </p:stCondLst>
+                                        </p:cTn>
+                                        <p:tgtEl>
+                                          <p:spTgt spid="8"/>
+                                        </p:tgtEl>
+                                        <p:attrNameLst>
+                                          <p:attrName>style.visibility</p:attrName>
+                                        </p:attrNameLst>
+                                      </p:cBhvr>
+                                      <p:to>
+                                        <p:strVal val="visible"/>
+                                      </p:to>
+                                    </p:set>
+                                  </p:childTnLst>
+                                </p:cTn>
+                              </p:par>
+                            </p:childTnLst>
+                          </p:cTn>
+                        </p:par>
+                      </p:childTnLst>
+                    </p:cTn>
+                  </p:par>
+                </p:childTnLst>
+              </p:cTn>
+              <p:prevCondLst>
+                <p:cond evt="onPrev" delay="0">
+                  <p:tgtEl>
+                    <p:sldTgt/>
+                  </p:tgtEl>
+                </p:cond>
+              </p:prevCondLst>
+              <p:nextCondLst>
+                <p:cond evt="onNext" delay="0">
+                  <p:tgtEl>
+                    <p:sldTgt/>
+                  </p:tgtEl>
+                </p:cond>
+              </p:nextCondLst>
+            </p:seq>
+          </p:childTnLst>
+        </p:cTn>
+      </p:par>
+    </p:tnLst>
+    <p:bldLst>
+      <p:bldP spid="9" grpId="0" animBg="1"/>
+    </p:bldLst>
+  </p:timing>
+</p:sld>
+</file>
+
+<file path=ppt/slides/slide34.xml><?xml version="1.0" encoding="utf-8"?>
+<p:sld xmlns:a="http://schemas.openxmlformats.org/drawingml/2006/main" xmlns:r="http://schemas.openxmlformats.org/officeDocument/2006/relationships" xmlns:p="http://schemas.openxmlformats.org/presentationml/2006/main">
+  <p:cSld>
+    <p:spTree>
+      <p:nvGrpSpPr>
+        <p:cNvPr id="1" name=""/>
+        <p:cNvGrpSpPr/>
+        <p:nvPr/>
+      </p:nvGrpSpPr>
+      <p:grpSpPr>
+        <a:xfrm>
+          <a:off x="0" y="0"/>
+          <a:ext cx="0" cy="0"/>
+          <a:chOff x="0" y="0"/>
+          <a:chExt cx="0" cy="0"/>
+        </a:xfrm>
+      </p:grpSpPr>
+      <p:sp>
+        <p:nvSpPr>
+          <p:cNvPr id="2" name="Title 1"/>
+          <p:cNvSpPr>
+            <a:spLocks noGrp="1"/>
+          </p:cNvSpPr>
+          <p:nvPr>
+            <p:ph type="title"/>
+          </p:nvPr>
+        </p:nvSpPr>
+        <p:spPr/>
+        <p:txBody>
+          <a:bodyPr/>
+          <a:lstStyle/>
+          <a:p>
+            <a:r>
+              <a:rPr lang="en-US"/>
+              <a:t>Converting SAT to 3-SAT, step 4</a:t>
+            </a:r>
+            <a:endParaRPr lang="en-US" dirty="0"/>
+          </a:p>
+        </p:txBody>
+      </p:sp>
+      <p:sp>
+        <p:nvSpPr>
+          <p:cNvPr id="5" name="Slide Number Placeholder 4"/>
+          <p:cNvSpPr>
+            <a:spLocks noGrp="1"/>
+          </p:cNvSpPr>
+          <p:nvPr>
+            <p:ph type="sldNum" sz="quarter" idx="12"/>
+          </p:nvPr>
+        </p:nvSpPr>
+        <p:spPr/>
+        <p:txBody>
+          <a:bodyPr/>
+          <a:lstStyle/>
+          <a:p>
+            <a:fld id="{A8D2B1A1-9A82-492A-87A6-500459A044C8}" type="slidenum">
+              <a:rPr lang="en-US" smtClean="0"/>
+              <a:pPr/>
+              <a:t>34</a:t>
+            </a:fld>
+            <a:endParaRPr lang="en-US"/>
+          </a:p>
+        </p:txBody>
+      </p:sp>
+      <p:sp>
+        <p:nvSpPr>
+          <p:cNvPr id="3" name="Content Placeholder 2"/>
+          <p:cNvSpPr>
+            <a:spLocks noGrp="1"/>
+          </p:cNvSpPr>
+          <p:nvPr>
+            <p:ph sz="quarter" idx="1"/>
+          </p:nvPr>
+        </p:nvSpPr>
+        <p:spPr>
+          <a:xfrm>
+            <a:off x="228600" y="1600200"/>
+            <a:ext cx="5791200" cy="5029200"/>
+          </a:xfrm>
+        </p:spPr>
+        <p:txBody>
+          <a:bodyPr>
+            <a:normAutofit lnSpcReduction="10000"/>
+          </a:bodyPr>
+          <a:lstStyle/>
+          <a:p>
+            <a:pPr algn="just"/>
+            <a:r>
+              <a:rPr lang="en-US" dirty="0">
+                <a:sym typeface="Symbol"/>
+              </a:rPr>
+              <a:t>For each clause ’</a:t>
+            </a:r>
+            <a:r>
+              <a:rPr lang="en-US" baseline="-25000" dirty="0" err="1">
+                <a:sym typeface="Symbol"/>
+              </a:rPr>
+              <a:t>i</a:t>
+            </a:r>
+            <a:r>
+              <a:rPr lang="en-US" dirty="0">
+                <a:sym typeface="Symbol"/>
+              </a:rPr>
+              <a:t>, we create new DNF (disjunctive normal form) clauses for when it’s </a:t>
+            </a:r>
+            <a:r>
+              <a:rPr lang="en-US" i="1" dirty="0">
+                <a:sym typeface="Symbol"/>
+              </a:rPr>
+              <a:t>false</a:t>
+            </a:r>
+            <a:r>
+              <a:rPr lang="en-US" dirty="0">
+                <a:sym typeface="Symbol"/>
+              </a:rPr>
+              <a:t>:</a:t>
+            </a:r>
+          </a:p>
+          <a:p>
+            <a:pPr algn="just"/>
+            <a:endParaRPr lang="en-US" dirty="0">
+              <a:sym typeface="Symbol"/>
+            </a:endParaRPr>
+          </a:p>
+          <a:p>
+            <a:pPr algn="l"/>
+            <a:r>
+              <a:rPr lang="en-US" dirty="0">
+                <a:sym typeface="Symbol"/>
+              </a:rPr>
+              <a:t>’</a:t>
+            </a:r>
+            <a:r>
+              <a:rPr lang="en-US" baseline="-25000" dirty="0" err="1">
+                <a:sym typeface="Symbol"/>
+              </a:rPr>
+              <a:t>i</a:t>
+            </a:r>
+            <a:r>
+              <a:rPr lang="en-US" dirty="0">
+                <a:sym typeface="Symbol"/>
+              </a:rPr>
+              <a:t> = (y</a:t>
+            </a:r>
+            <a:r>
+              <a:rPr lang="en-US" baseline="-25000" dirty="0">
+                <a:sym typeface="Symbol"/>
+              </a:rPr>
+              <a:t>1</a:t>
+            </a:r>
+            <a:r>
+              <a:rPr lang="en-US" dirty="0">
+                <a:sym typeface="Symbol"/>
+              </a:rPr>
+              <a:t>y</a:t>
+            </a:r>
+            <a:r>
+              <a:rPr lang="en-US" baseline="-25000" dirty="0">
+                <a:sym typeface="Symbol"/>
+              </a:rPr>
+              <a:t>2</a:t>
+            </a:r>
+            <a:r>
+              <a:rPr lang="en-US" dirty="0">
+                <a:sym typeface="Symbol"/>
+              </a:rPr>
+              <a:t>x</a:t>
+            </a:r>
+            <a:r>
+              <a:rPr lang="en-US" baseline="-25000" dirty="0">
+                <a:sym typeface="Symbol"/>
+              </a:rPr>
+              <a:t>2</a:t>
+            </a:r>
+            <a:r>
+              <a:rPr lang="en-US" dirty="0">
+                <a:sym typeface="Symbol"/>
+              </a:rPr>
+              <a:t>)  		(y</a:t>
+            </a:r>
+            <a:r>
+              <a:rPr lang="en-US" baseline="-25000" dirty="0">
+                <a:sym typeface="Symbol"/>
+              </a:rPr>
+              <a:t>1</a:t>
+            </a:r>
+            <a:r>
+              <a:rPr lang="en-US" dirty="0">
+                <a:sym typeface="Symbol"/>
+              </a:rPr>
+              <a:t>y</a:t>
+            </a:r>
+            <a:r>
+              <a:rPr lang="en-US" baseline="-25000" dirty="0">
+                <a:sym typeface="Symbol"/>
+              </a:rPr>
+              <a:t>2</a:t>
+            </a:r>
+            <a:r>
+              <a:rPr lang="en-US" dirty="0">
+                <a:sym typeface="Symbol"/>
+              </a:rPr>
+              <a:t>x</a:t>
+            </a:r>
+            <a:r>
+              <a:rPr lang="en-US" baseline="-25000" dirty="0">
+                <a:sym typeface="Symbol"/>
+              </a:rPr>
+              <a:t>2</a:t>
+            </a:r>
+            <a:r>
+              <a:rPr lang="en-US" dirty="0">
+                <a:sym typeface="Symbol"/>
+              </a:rPr>
+              <a:t>)  	(y</a:t>
+            </a:r>
+            <a:r>
+              <a:rPr lang="en-US" baseline="-25000" dirty="0">
+                <a:sym typeface="Symbol"/>
+              </a:rPr>
+              <a:t>1</a:t>
+            </a:r>
+            <a:r>
+              <a:rPr lang="en-US" dirty="0">
+                <a:sym typeface="Symbol"/>
+              </a:rPr>
+              <a:t>y</a:t>
+            </a:r>
+            <a:r>
+              <a:rPr lang="en-US" baseline="-25000" dirty="0">
+                <a:sym typeface="Symbol"/>
+              </a:rPr>
+              <a:t>2</a:t>
+            </a:r>
+            <a:r>
+              <a:rPr lang="en-US" dirty="0">
+                <a:sym typeface="Symbol"/>
+              </a:rPr>
+              <a:t>x</a:t>
+            </a:r>
+            <a:r>
+              <a:rPr lang="en-US" baseline="-25000" dirty="0">
+                <a:sym typeface="Symbol"/>
+              </a:rPr>
+              <a:t>2</a:t>
+            </a:r>
+            <a:r>
+              <a:rPr lang="en-US" dirty="0">
+                <a:sym typeface="Symbol"/>
+              </a:rPr>
+              <a:t>)  	(y</a:t>
+            </a:r>
+            <a:r>
+              <a:rPr lang="en-US" baseline="-25000" dirty="0">
+                <a:sym typeface="Symbol"/>
+              </a:rPr>
+              <a:t>1</a:t>
+            </a:r>
+            <a:r>
+              <a:rPr lang="en-US" dirty="0">
+                <a:sym typeface="Symbol"/>
+              </a:rPr>
+              <a:t>y</a:t>
+            </a:r>
+            <a:r>
+              <a:rPr lang="en-US" baseline="-25000" dirty="0">
+                <a:sym typeface="Symbol"/>
+              </a:rPr>
+              <a:t>2</a:t>
+            </a:r>
+            <a:r>
+              <a:rPr lang="en-US" dirty="0">
+                <a:sym typeface="Symbol"/>
+              </a:rPr>
+              <a:t>x</a:t>
+            </a:r>
+            <a:r>
+              <a:rPr lang="en-US" baseline="-25000" dirty="0">
+                <a:sym typeface="Symbol"/>
+              </a:rPr>
+              <a:t>2</a:t>
+            </a:r>
+            <a:r>
+              <a:rPr lang="en-US" dirty="0">
+                <a:sym typeface="Symbol"/>
+              </a:rPr>
+              <a:t>)</a:t>
+            </a:r>
+          </a:p>
+          <a:p>
+            <a:endParaRPr lang="en-US" dirty="0">
+              <a:sym typeface="Symbol"/>
+            </a:endParaRPr>
+          </a:p>
+          <a:p>
+            <a:r>
+              <a:rPr lang="en-US" dirty="0">
+                <a:sym typeface="Symbol"/>
+              </a:rPr>
+              <a:t>We then negate that to get when it’s </a:t>
+            </a:r>
+            <a:r>
+              <a:rPr lang="en-US" i="1" dirty="0">
+                <a:sym typeface="Symbol"/>
+              </a:rPr>
+              <a:t>true</a:t>
+            </a:r>
+          </a:p>
+          <a:p>
+            <a:endParaRPr lang="en-US" dirty="0"/>
+          </a:p>
+        </p:txBody>
+      </p:sp>
+      <p:sp>
+        <p:nvSpPr>
+          <p:cNvPr id="7" name="Content Placeholder 6"/>
+          <p:cNvSpPr>
+            <a:spLocks noGrp="1"/>
+          </p:cNvSpPr>
+          <p:nvPr>
+            <p:ph sz="quarter" idx="2"/>
+          </p:nvPr>
+        </p:nvSpPr>
+        <p:spPr/>
+        <p:txBody>
+          <a:bodyPr>
+            <a:normAutofit lnSpcReduction="10000"/>
+          </a:bodyPr>
+          <a:lstStyle/>
+          <a:p>
+            <a:pPr algn="just"/>
+            <a:r>
+              <a:rPr lang="en-US" dirty="0"/>
+              <a:t>So we build a truth table for each clause </a:t>
+            </a:r>
+            <a:r>
+              <a:rPr lang="en-US" dirty="0">
+                <a:sym typeface="Symbol"/>
+              </a:rPr>
+              <a:t>’</a:t>
+            </a:r>
+            <a:r>
+              <a:rPr lang="en-US" baseline="-25000" dirty="0" err="1">
+                <a:sym typeface="Symbol"/>
+              </a:rPr>
+              <a:t>i</a:t>
+            </a:r>
+            <a:r>
+              <a:rPr lang="en-US" dirty="0"/>
+              <a:t>:</a:t>
+            </a:r>
+          </a:p>
+        </p:txBody>
+      </p:sp>
+      <p:graphicFrame>
+        <p:nvGraphicFramePr>
+          <p:cNvPr id="8" name="Content Placeholder 5"/>
+          <p:cNvGraphicFramePr>
+            <a:graphicFrameLocks/>
+          </p:cNvGraphicFramePr>
+          <p:nvPr>
+            <p:extLst>
+              <p:ext uri="{D42A27DB-BD31-4B8C-83A1-F6EECF244321}">
+                <p14:modId xmlns:p14="http://schemas.microsoft.com/office/powerpoint/2010/main" val="3047738055"/>
+              </p:ext>
+            </p:extLst>
+          </p:nvPr>
+        </p:nvGraphicFramePr>
+        <p:xfrm>
+          <a:off x="7696200" y="2788604"/>
+          <a:ext cx="3034984" cy="3337560"/>
+        </p:xfrm>
+        <a:graphic>
+          <a:graphicData uri="http://schemas.openxmlformats.org/drawingml/2006/table">
+            <a:tbl>
+              <a:tblPr firstRow="1" bandRow="1">
+                <a:tableStyleId>{5C22544A-7EE6-4342-B048-85BDC9FD1C3A}</a:tableStyleId>
+              </a:tblPr>
+              <a:tblGrid>
+                <a:gridCol w="403543">
+                  <a:extLst>
+                    <a:ext uri="{9D8B030D-6E8A-4147-A177-3AD203B41FA5}">
+                      <a16:colId xmlns:a16="http://schemas.microsoft.com/office/drawing/2014/main" val="20000"/>
+                    </a:ext>
+                  </a:extLst>
+                </a:gridCol>
+                <a:gridCol w="403543">
+                  <a:extLst>
+                    <a:ext uri="{9D8B030D-6E8A-4147-A177-3AD203B41FA5}">
+                      <a16:colId xmlns:a16="http://schemas.microsoft.com/office/drawing/2014/main" val="20001"/>
+                    </a:ext>
+                  </a:extLst>
+                </a:gridCol>
+                <a:gridCol w="403543">
+                  <a:extLst>
+                    <a:ext uri="{9D8B030D-6E8A-4147-A177-3AD203B41FA5}">
+                      <a16:colId xmlns:a16="http://schemas.microsoft.com/office/drawing/2014/main" val="20002"/>
+                    </a:ext>
+                  </a:extLst>
+                </a:gridCol>
+                <a:gridCol w="1824355">
+                  <a:extLst>
+                    <a:ext uri="{9D8B030D-6E8A-4147-A177-3AD203B41FA5}">
+                      <a16:colId xmlns:a16="http://schemas.microsoft.com/office/drawing/2014/main" val="20003"/>
+                    </a:ext>
+                  </a:extLst>
+                </a:gridCol>
+              </a:tblGrid>
+              <a:tr h="370840">
+                <a:tc>
+                  <a:txBody>
+                    <a:bodyPr/>
+                    <a:lstStyle/>
+                    <a:p>
+                      <a:pPr algn="ctr"/>
+                      <a:r>
+                        <a:rPr lang="en-US" dirty="0"/>
+                        <a:t>y</a:t>
+                      </a:r>
+                      <a:r>
+                        <a:rPr lang="en-US" baseline="-25000" dirty="0"/>
+                        <a:t>1</a:t>
+                      </a:r>
+                    </a:p>
+                  </a:txBody>
+                  <a:tcPr/>
+                </a:tc>
+                <a:tc>
+                  <a:txBody>
+                    <a:bodyPr/>
+                    <a:lstStyle/>
+                    <a:p>
+                      <a:pPr algn="ctr"/>
+                      <a:r>
+                        <a:rPr lang="en-US" dirty="0"/>
+                        <a:t>y</a:t>
+                      </a:r>
+                      <a:r>
+                        <a:rPr lang="en-US" baseline="-25000" dirty="0"/>
+                        <a:t>2</a:t>
+                      </a:r>
+                    </a:p>
+                  </a:txBody>
+                  <a:tcPr/>
+                </a:tc>
+                <a:tc>
+                  <a:txBody>
+                    <a:bodyPr/>
+                    <a:lstStyle/>
+                    <a:p>
+                      <a:pPr algn="ctr"/>
+                      <a:r>
+                        <a:rPr lang="en-US" dirty="0"/>
+                        <a:t>x</a:t>
+                      </a:r>
+                      <a:r>
+                        <a:rPr lang="en-US" baseline="-25000" dirty="0"/>
+                        <a:t>2</a:t>
+                      </a:r>
+                    </a:p>
+                  </a:txBody>
+                  <a:tcPr/>
+                </a:tc>
+                <a:tc>
+                  <a:txBody>
+                    <a:bodyPr/>
+                    <a:lstStyle/>
+                    <a:p>
+                      <a:pPr algn="ctr"/>
+                      <a:r>
+                        <a:rPr lang="en-US" dirty="0"/>
+                        <a:t>(y</a:t>
+                      </a:r>
+                      <a:r>
+                        <a:rPr lang="en-US" baseline="-25000" dirty="0"/>
+                        <a:t>1</a:t>
+                      </a:r>
+                      <a:r>
+                        <a:rPr lang="en-US" dirty="0"/>
+                        <a:t> </a:t>
+                      </a:r>
+                      <a:r>
+                        <a:rPr lang="en-US" dirty="0">
+                          <a:sym typeface="Symbol"/>
+                        </a:rPr>
+                        <a:t> (y</a:t>
+                      </a:r>
+                      <a:r>
+                        <a:rPr lang="en-US" baseline="-25000" dirty="0">
+                          <a:sym typeface="Symbol"/>
+                        </a:rPr>
+                        <a:t>2</a:t>
+                      </a:r>
+                      <a:r>
+                        <a:rPr lang="en-US" dirty="0">
+                          <a:sym typeface="Symbol"/>
+                        </a:rPr>
+                        <a:t>  x</a:t>
+                      </a:r>
+                      <a:r>
+                        <a:rPr lang="en-US" baseline="-25000" dirty="0">
+                          <a:sym typeface="Symbol"/>
+                        </a:rPr>
+                        <a:t>2</a:t>
+                      </a:r>
+                      <a:r>
+                        <a:rPr lang="en-US" dirty="0">
+                          <a:sym typeface="Symbol"/>
+                        </a:rPr>
+                        <a:t>))</a:t>
+                      </a:r>
+                      <a:endParaRPr lang="en-US" dirty="0"/>
+                    </a:p>
+                  </a:txBody>
+                  <a:tcPr/>
+                </a:tc>
+                <a:extLst>
+                  <a:ext uri="{0D108BD9-81ED-4DB2-BD59-A6C34878D82A}">
+                    <a16:rowId xmlns:a16="http://schemas.microsoft.com/office/drawing/2014/main" val="10000"/>
+                  </a:ext>
+                </a:extLst>
+              </a:tr>
+              <a:tr h="370840">
+                <a:tc>
+                  <a:txBody>
+                    <a:bodyPr/>
+                    <a:lstStyle/>
+                    <a:p>
+                      <a:pPr algn="ctr"/>
+                      <a:r>
+                        <a:rPr lang="en-US" dirty="0"/>
+                        <a:t>1</a:t>
+                      </a:r>
+                    </a:p>
+                  </a:txBody>
+                  <a:tcPr/>
+                </a:tc>
+                <a:tc>
+                  <a:txBody>
+                    <a:bodyPr/>
+                    <a:lstStyle/>
+                    <a:p>
+                      <a:pPr algn="ctr"/>
+                      <a:r>
+                        <a:rPr lang="en-US" dirty="0"/>
+                        <a:t>1</a:t>
+                      </a:r>
+                    </a:p>
+                  </a:txBody>
+                  <a:tcPr/>
+                </a:tc>
+                <a:tc>
+                  <a:txBody>
+                    <a:bodyPr/>
+                    <a:lstStyle/>
+                    <a:p>
+                      <a:pPr algn="ctr"/>
+                      <a:r>
+                        <a:rPr lang="en-US" dirty="0"/>
+                        <a:t>1</a:t>
+                      </a:r>
+                    </a:p>
+                  </a:txBody>
+                  <a:tcPr/>
+                </a:tc>
+                <a:tc>
+                  <a:txBody>
+                    <a:bodyPr/>
+                    <a:lstStyle/>
+                    <a:p>
+                      <a:pPr algn="ctr"/>
+                      <a:r>
+                        <a:rPr lang="en-US" dirty="0"/>
+                        <a:t>0</a:t>
+                      </a:r>
+                    </a:p>
+                  </a:txBody>
+                  <a:tcPr/>
+                </a:tc>
+                <a:extLst>
+                  <a:ext uri="{0D108BD9-81ED-4DB2-BD59-A6C34878D82A}">
+                    <a16:rowId xmlns:a16="http://schemas.microsoft.com/office/drawing/2014/main" val="10001"/>
+                  </a:ext>
+                </a:extLst>
+              </a:tr>
+              <a:tr h="370840">
+                <a:tc>
+                  <a:txBody>
+                    <a:bodyPr/>
+                    <a:lstStyle/>
+                    <a:p>
+                      <a:pPr algn="ctr"/>
+                      <a:r>
+                        <a:rPr lang="en-US" dirty="0"/>
+                        <a:t>1</a:t>
+                      </a:r>
+                    </a:p>
+                  </a:txBody>
+                  <a:tcPr/>
+                </a:tc>
+                <a:tc>
+                  <a:txBody>
+                    <a:bodyPr/>
+                    <a:lstStyle/>
+                    <a:p>
+                      <a:pPr algn="ctr"/>
+                      <a:r>
+                        <a:rPr lang="en-US" dirty="0"/>
+                        <a:t>1</a:t>
+                      </a:r>
+                    </a:p>
+                  </a:txBody>
+                  <a:tcPr/>
+                </a:tc>
+                <a:tc>
+                  <a:txBody>
+                    <a:bodyPr/>
+                    <a:lstStyle/>
+                    <a:p>
+                      <a:pPr algn="ctr"/>
+                      <a:r>
+                        <a:rPr lang="en-US" dirty="0"/>
+                        <a:t>0</a:t>
+                      </a:r>
+                    </a:p>
+                  </a:txBody>
+                  <a:tcPr/>
+                </a:tc>
+                <a:tc>
+                  <a:txBody>
+                    <a:bodyPr/>
+                    <a:lstStyle/>
+                    <a:p>
+                      <a:pPr algn="ctr"/>
+                      <a:r>
+                        <a:rPr lang="en-US" dirty="0"/>
+                        <a:t>1</a:t>
+                      </a:r>
+                    </a:p>
+                  </a:txBody>
+                  <a:tcPr/>
+                </a:tc>
+                <a:extLst>
+                  <a:ext uri="{0D108BD9-81ED-4DB2-BD59-A6C34878D82A}">
+                    <a16:rowId xmlns:a16="http://schemas.microsoft.com/office/drawing/2014/main" val="10002"/>
+                  </a:ext>
+                </a:extLst>
+              </a:tr>
+              <a:tr h="370840">
+                <a:tc>
+                  <a:txBody>
+                    <a:bodyPr/>
+                    <a:lstStyle/>
+                    <a:p>
+                      <a:pPr algn="ctr"/>
+                      <a:r>
+                        <a:rPr lang="en-US" dirty="0"/>
+                        <a:t>1</a:t>
+                      </a:r>
+                    </a:p>
+                  </a:txBody>
+                  <a:tcPr/>
+                </a:tc>
+                <a:tc>
+                  <a:txBody>
+                    <a:bodyPr/>
+                    <a:lstStyle/>
+                    <a:p>
+                      <a:pPr algn="ctr"/>
+                      <a:r>
+                        <a:rPr lang="en-US" dirty="0"/>
+                        <a:t>0</a:t>
+                      </a:r>
+                    </a:p>
+                  </a:txBody>
+                  <a:tcPr/>
+                </a:tc>
+                <a:tc>
+                  <a:txBody>
+                    <a:bodyPr/>
+                    <a:lstStyle/>
+                    <a:p>
+                      <a:pPr algn="ctr"/>
+                      <a:r>
+                        <a:rPr lang="en-US" dirty="0"/>
+                        <a:t>1</a:t>
+                      </a:r>
+                    </a:p>
+                  </a:txBody>
+                  <a:tcPr/>
+                </a:tc>
+                <a:tc>
+                  <a:txBody>
+                    <a:bodyPr/>
+                    <a:lstStyle/>
+                    <a:p>
+                      <a:pPr algn="ctr"/>
+                      <a:r>
+                        <a:rPr lang="en-US" dirty="0"/>
+                        <a:t>0</a:t>
+                      </a:r>
+                    </a:p>
+                  </a:txBody>
+                  <a:tcPr/>
+                </a:tc>
+                <a:extLst>
+                  <a:ext uri="{0D108BD9-81ED-4DB2-BD59-A6C34878D82A}">
+                    <a16:rowId xmlns:a16="http://schemas.microsoft.com/office/drawing/2014/main" val="10003"/>
+                  </a:ext>
+                </a:extLst>
+              </a:tr>
+              <a:tr h="370840">
+                <a:tc>
+                  <a:txBody>
+                    <a:bodyPr/>
+                    <a:lstStyle/>
+                    <a:p>
+                      <a:pPr algn="ctr"/>
+                      <a:r>
+                        <a:rPr lang="en-US" dirty="0"/>
+                        <a:t>1</a:t>
+                      </a:r>
+                    </a:p>
+                  </a:txBody>
+                  <a:tcPr/>
+                </a:tc>
+                <a:tc>
+                  <a:txBody>
+                    <a:bodyPr/>
+                    <a:lstStyle/>
+                    <a:p>
+                      <a:pPr algn="ctr"/>
+                      <a:r>
+                        <a:rPr lang="en-US" dirty="0"/>
+                        <a:t>0</a:t>
+                      </a:r>
+                    </a:p>
+                  </a:txBody>
+                  <a:tcPr/>
+                </a:tc>
+                <a:tc>
+                  <a:txBody>
+                    <a:bodyPr/>
+                    <a:lstStyle/>
+                    <a:p>
+                      <a:pPr algn="ctr"/>
+                      <a:r>
+                        <a:rPr lang="en-US" dirty="0"/>
+                        <a:t>0</a:t>
+                      </a:r>
+                    </a:p>
+                  </a:txBody>
+                  <a:tcPr/>
+                </a:tc>
+                <a:tc>
+                  <a:txBody>
+                    <a:bodyPr/>
+                    <a:lstStyle/>
+                    <a:p>
+                      <a:pPr algn="ctr"/>
+                      <a:r>
+                        <a:rPr lang="en-US" dirty="0"/>
+                        <a:t>0</a:t>
+                      </a:r>
+                    </a:p>
+                  </a:txBody>
+                  <a:tcPr/>
+                </a:tc>
+                <a:extLst>
+                  <a:ext uri="{0D108BD9-81ED-4DB2-BD59-A6C34878D82A}">
+                    <a16:rowId xmlns:a16="http://schemas.microsoft.com/office/drawing/2014/main" val="10004"/>
+                  </a:ext>
+                </a:extLst>
+              </a:tr>
+              <a:tr h="370840">
+                <a:tc>
+                  <a:txBody>
+                    <a:bodyPr/>
+                    <a:lstStyle/>
+                    <a:p>
+                      <a:pPr algn="ctr"/>
+                      <a:r>
+                        <a:rPr lang="en-US" dirty="0"/>
+                        <a:t>0</a:t>
+                      </a:r>
+                    </a:p>
+                  </a:txBody>
+                  <a:tcPr/>
+                </a:tc>
+                <a:tc>
+                  <a:txBody>
+                    <a:bodyPr/>
+                    <a:lstStyle/>
+                    <a:p>
+                      <a:pPr algn="ctr"/>
+                      <a:r>
+                        <a:rPr lang="en-US" dirty="0"/>
+                        <a:t>1</a:t>
+                      </a:r>
+                    </a:p>
+                  </a:txBody>
+                  <a:tcPr/>
+                </a:tc>
+                <a:tc>
+                  <a:txBody>
+                    <a:bodyPr/>
+                    <a:lstStyle/>
+                    <a:p>
+                      <a:pPr algn="ctr"/>
+                      <a:r>
+                        <a:rPr lang="en-US" dirty="0"/>
+                        <a:t>1</a:t>
+                      </a:r>
+                    </a:p>
+                  </a:txBody>
+                  <a:tcPr/>
+                </a:tc>
+                <a:tc>
+                  <a:txBody>
+                    <a:bodyPr/>
+                    <a:lstStyle/>
+                    <a:p>
+                      <a:pPr algn="ctr"/>
+                      <a:r>
+                        <a:rPr lang="en-US" dirty="0"/>
+                        <a:t>1</a:t>
+                      </a:r>
+                    </a:p>
+                  </a:txBody>
+                  <a:tcPr/>
+                </a:tc>
+                <a:extLst>
+                  <a:ext uri="{0D108BD9-81ED-4DB2-BD59-A6C34878D82A}">
+                    <a16:rowId xmlns:a16="http://schemas.microsoft.com/office/drawing/2014/main" val="10005"/>
+                  </a:ext>
+                </a:extLst>
+              </a:tr>
+              <a:tr h="370840">
+                <a:tc>
+                  <a:txBody>
+                    <a:bodyPr/>
+                    <a:lstStyle/>
+                    <a:p>
+                      <a:pPr algn="ctr"/>
+                      <a:r>
+                        <a:rPr lang="en-US" dirty="0"/>
+                        <a:t>0</a:t>
+                      </a:r>
+                    </a:p>
+                  </a:txBody>
+                  <a:tcPr/>
+                </a:tc>
+                <a:tc>
+                  <a:txBody>
+                    <a:bodyPr/>
+                    <a:lstStyle/>
+                    <a:p>
+                      <a:pPr algn="ctr"/>
+                      <a:r>
+                        <a:rPr lang="en-US" dirty="0"/>
+                        <a:t>1</a:t>
+                      </a:r>
+                    </a:p>
+                  </a:txBody>
+                  <a:tcPr/>
+                </a:tc>
+                <a:tc>
+                  <a:txBody>
+                    <a:bodyPr/>
+                    <a:lstStyle/>
+                    <a:p>
+                      <a:pPr algn="ctr"/>
+                      <a:r>
+                        <a:rPr lang="en-US" dirty="0"/>
+                        <a:t>0</a:t>
+                      </a:r>
+                    </a:p>
+                  </a:txBody>
+                  <a:tcPr/>
+                </a:tc>
+                <a:tc>
+                  <a:txBody>
+                    <a:bodyPr/>
+                    <a:lstStyle/>
+                    <a:p>
+                      <a:pPr algn="ctr"/>
+                      <a:r>
+                        <a:rPr lang="en-US" dirty="0"/>
+                        <a:t>0</a:t>
+                      </a:r>
+                    </a:p>
+                  </a:txBody>
+                  <a:tcPr/>
+                </a:tc>
+                <a:extLst>
+                  <a:ext uri="{0D108BD9-81ED-4DB2-BD59-A6C34878D82A}">
+                    <a16:rowId xmlns:a16="http://schemas.microsoft.com/office/drawing/2014/main" val="10006"/>
+                  </a:ext>
+                </a:extLst>
+              </a:tr>
+              <a:tr h="370840">
+                <a:tc>
+                  <a:txBody>
+                    <a:bodyPr/>
+                    <a:lstStyle/>
+                    <a:p>
+                      <a:pPr algn="ctr"/>
+                      <a:r>
+                        <a:rPr lang="en-US" dirty="0"/>
+                        <a:t>0</a:t>
+                      </a:r>
+                    </a:p>
+                  </a:txBody>
+                  <a:tcPr/>
+                </a:tc>
+                <a:tc>
+                  <a:txBody>
+                    <a:bodyPr/>
+                    <a:lstStyle/>
+                    <a:p>
+                      <a:pPr algn="ctr"/>
+                      <a:r>
+                        <a:rPr lang="en-US" dirty="0"/>
+                        <a:t>0</a:t>
+                      </a:r>
+                    </a:p>
+                  </a:txBody>
+                  <a:tcPr/>
+                </a:tc>
+                <a:tc>
+                  <a:txBody>
+                    <a:bodyPr/>
+                    <a:lstStyle/>
+                    <a:p>
+                      <a:pPr algn="ctr"/>
+                      <a:r>
+                        <a:rPr lang="en-US" dirty="0"/>
+                        <a:t>1</a:t>
+                      </a:r>
+                    </a:p>
+                  </a:txBody>
+                  <a:tcPr/>
+                </a:tc>
+                <a:tc>
+                  <a:txBody>
+                    <a:bodyPr/>
+                    <a:lstStyle/>
+                    <a:p>
+                      <a:pPr algn="ctr"/>
+                      <a:r>
+                        <a:rPr lang="en-US" dirty="0"/>
+                        <a:t>1</a:t>
+                      </a:r>
+                    </a:p>
+                  </a:txBody>
+                  <a:tcPr/>
+                </a:tc>
+                <a:extLst>
+                  <a:ext uri="{0D108BD9-81ED-4DB2-BD59-A6C34878D82A}">
+                    <a16:rowId xmlns:a16="http://schemas.microsoft.com/office/drawing/2014/main" val="10007"/>
+                  </a:ext>
+                </a:extLst>
+              </a:tr>
+              <a:tr h="370840">
+                <a:tc>
+                  <a:txBody>
+                    <a:bodyPr/>
+                    <a:lstStyle/>
+                    <a:p>
+                      <a:pPr algn="ctr"/>
+                      <a:r>
+                        <a:rPr lang="en-US" dirty="0"/>
+                        <a:t>0</a:t>
+                      </a:r>
+                    </a:p>
+                  </a:txBody>
+                  <a:tcPr/>
+                </a:tc>
+                <a:tc>
+                  <a:txBody>
+                    <a:bodyPr/>
+                    <a:lstStyle/>
+                    <a:p>
+                      <a:pPr algn="ctr"/>
+                      <a:r>
+                        <a:rPr lang="en-US" dirty="0"/>
+                        <a:t>0</a:t>
+                      </a:r>
+                    </a:p>
+                  </a:txBody>
+                  <a:tcPr/>
+                </a:tc>
+                <a:tc>
+                  <a:txBody>
+                    <a:bodyPr/>
+                    <a:lstStyle/>
+                    <a:p>
+                      <a:pPr algn="ctr"/>
+                      <a:r>
+                        <a:rPr lang="en-US" dirty="0"/>
+                        <a:t>0</a:t>
+                      </a:r>
+                    </a:p>
+                  </a:txBody>
+                  <a:tcPr/>
+                </a:tc>
+                <a:tc>
+                  <a:txBody>
+                    <a:bodyPr/>
+                    <a:lstStyle/>
+                    <a:p>
+                      <a:pPr algn="ctr"/>
+                      <a:r>
+                        <a:rPr lang="en-US" dirty="0"/>
+                        <a:t>1</a:t>
+                      </a:r>
+                    </a:p>
+                  </a:txBody>
+                  <a:tcPr/>
+                </a:tc>
+                <a:extLst>
+                  <a:ext uri="{0D108BD9-81ED-4DB2-BD59-A6C34878D82A}">
+                    <a16:rowId xmlns:a16="http://schemas.microsoft.com/office/drawing/2014/main" val="10008"/>
+                  </a:ext>
+                </a:extLst>
+              </a:tr>
+            </a:tbl>
+          </a:graphicData>
+        </a:graphic>
+      </p:graphicFrame>
+    </p:spTree>
+    <p:extLst>
+      <p:ext uri="{BB962C8B-B14F-4D97-AF65-F5344CB8AC3E}">
+        <p14:creationId xmlns:p14="http://schemas.microsoft.com/office/powerpoint/2010/main" val="3187199578"/>
+      </p:ext>
+    </p:extLst>
+  </p:cSld>
+  <p:clrMapOvr>
+    <a:masterClrMapping/>
+  </p:clrMapOvr>
+</p:sld>
+</file>
+
+<file path=ppt/slides/slide35.xml><?xml version="1.0" encoding="utf-8"?>
+<p:sld xmlns:a="http://schemas.openxmlformats.org/drawingml/2006/main" xmlns:r="http://schemas.openxmlformats.org/officeDocument/2006/relationships" xmlns:p="http://schemas.openxmlformats.org/presentationml/2006/main">
+  <p:cSld>
+    <p:spTree>
+      <p:nvGrpSpPr>
+        <p:cNvPr id="1" name=""/>
+        <p:cNvGrpSpPr/>
+        <p:nvPr/>
+      </p:nvGrpSpPr>
+      <p:grpSpPr>
+        <a:xfrm>
+          <a:off x="0" y="0"/>
+          <a:ext cx="0" cy="0"/>
+          <a:chOff x="0" y="0"/>
+          <a:chExt cx="0" cy="0"/>
+        </a:xfrm>
+      </p:grpSpPr>
+      <p:sp>
+        <p:nvSpPr>
+          <p:cNvPr id="2" name="Title 1"/>
+          <p:cNvSpPr>
+            <a:spLocks noGrp="1"/>
+          </p:cNvSpPr>
+          <p:nvPr>
+            <p:ph type="title"/>
+          </p:nvPr>
+        </p:nvSpPr>
+        <p:spPr/>
+        <p:txBody>
+          <a:bodyPr/>
+          <a:lstStyle/>
+          <a:p>
+            <a:r>
+              <a:rPr lang="en-US" dirty="0"/>
+              <a:t>Converting SAT to 3-SAT, step 5</a:t>
+            </a:r>
+          </a:p>
+        </p:txBody>
+      </p:sp>
+      <p:sp>
+        <p:nvSpPr>
+          <p:cNvPr id="5" name="Slide Number Placeholder 4"/>
+          <p:cNvSpPr>
+            <a:spLocks noGrp="1"/>
+          </p:cNvSpPr>
+          <p:nvPr>
+            <p:ph type="sldNum" sz="quarter" idx="12"/>
+          </p:nvPr>
+        </p:nvSpPr>
+        <p:spPr/>
+        <p:txBody>
+          <a:bodyPr/>
+          <a:lstStyle/>
+          <a:p>
+            <a:fld id="{A8D2B1A1-9A82-492A-87A6-500459A044C8}" type="slidenum">
+              <a:rPr lang="en-US" smtClean="0"/>
+              <a:pPr/>
+              <a:t>35</a:t>
+            </a:fld>
+            <a:endParaRPr lang="en-US"/>
+          </a:p>
+        </p:txBody>
+      </p:sp>
+      <p:sp>
+        <p:nvSpPr>
+          <p:cNvPr id="3" name="Content Placeholder 2"/>
+          <p:cNvSpPr>
+            <a:spLocks noGrp="1"/>
+          </p:cNvSpPr>
+          <p:nvPr>
+            <p:ph sz="quarter" idx="1"/>
+          </p:nvPr>
+        </p:nvSpPr>
+        <p:spPr>
+          <a:xfrm>
+            <a:off x="152400" y="1600200"/>
+            <a:ext cx="6400800" cy="5121276"/>
+          </a:xfrm>
+        </p:spPr>
+        <p:txBody>
+          <a:bodyPr>
+            <a:normAutofit/>
+          </a:bodyPr>
+          <a:lstStyle/>
+          <a:p>
+            <a:pPr algn="l"/>
+            <a:r>
+              <a:rPr lang="en-US" dirty="0">
+                <a:sym typeface="Symbol"/>
+              </a:rPr>
+              <a:t>’</a:t>
+            </a:r>
+            <a:r>
+              <a:rPr lang="en-US" baseline="-25000" dirty="0" err="1">
+                <a:sym typeface="Symbol"/>
+              </a:rPr>
+              <a:t>i</a:t>
+            </a:r>
+            <a:r>
+              <a:rPr lang="en-US" dirty="0">
+                <a:sym typeface="Symbol"/>
+              </a:rPr>
+              <a:t> = (y</a:t>
+            </a:r>
+            <a:r>
+              <a:rPr lang="en-US" baseline="-25000" dirty="0">
+                <a:sym typeface="Symbol"/>
+              </a:rPr>
+              <a:t>1</a:t>
+            </a:r>
+            <a:r>
+              <a:rPr lang="en-US" dirty="0">
+                <a:sym typeface="Symbol"/>
+              </a:rPr>
+              <a:t>y</a:t>
+            </a:r>
+            <a:r>
+              <a:rPr lang="en-US" baseline="-25000" dirty="0">
+                <a:sym typeface="Symbol"/>
+              </a:rPr>
+              <a:t>2</a:t>
+            </a:r>
+            <a:r>
+              <a:rPr lang="en-US" dirty="0">
+                <a:sym typeface="Symbol"/>
+              </a:rPr>
+              <a:t>x</a:t>
+            </a:r>
+            <a:r>
+              <a:rPr lang="en-US" baseline="-25000" dirty="0">
+                <a:sym typeface="Symbol"/>
+              </a:rPr>
+              <a:t>2</a:t>
+            </a:r>
+            <a:r>
+              <a:rPr lang="en-US" dirty="0">
+                <a:sym typeface="Symbol"/>
+              </a:rPr>
+              <a:t>)  		(y</a:t>
+            </a:r>
+            <a:r>
+              <a:rPr lang="en-US" baseline="-25000" dirty="0">
+                <a:sym typeface="Symbol"/>
+              </a:rPr>
+              <a:t>1</a:t>
+            </a:r>
+            <a:r>
+              <a:rPr lang="en-US" dirty="0">
+                <a:sym typeface="Symbol"/>
+              </a:rPr>
+              <a:t>y</a:t>
+            </a:r>
+            <a:r>
+              <a:rPr lang="en-US" baseline="-25000" dirty="0">
+                <a:sym typeface="Symbol"/>
+              </a:rPr>
+              <a:t>2</a:t>
+            </a:r>
+            <a:r>
+              <a:rPr lang="en-US" dirty="0">
+                <a:sym typeface="Symbol"/>
+              </a:rPr>
+              <a:t>x</a:t>
+            </a:r>
+            <a:r>
+              <a:rPr lang="en-US" baseline="-25000" dirty="0">
+                <a:sym typeface="Symbol"/>
+              </a:rPr>
+              <a:t>2</a:t>
+            </a:r>
+            <a:r>
+              <a:rPr lang="en-US" dirty="0">
+                <a:sym typeface="Symbol"/>
+              </a:rPr>
+              <a:t>)  (y</a:t>
+            </a:r>
+            <a:r>
+              <a:rPr lang="en-US" baseline="-25000" dirty="0">
+                <a:sym typeface="Symbol"/>
+              </a:rPr>
+              <a:t>1</a:t>
+            </a:r>
+            <a:r>
+              <a:rPr lang="en-US" dirty="0">
+                <a:sym typeface="Symbol"/>
+              </a:rPr>
+              <a:t>y</a:t>
+            </a:r>
+            <a:r>
+              <a:rPr lang="en-US" baseline="-25000" dirty="0">
+                <a:sym typeface="Symbol"/>
+              </a:rPr>
+              <a:t>2</a:t>
+            </a:r>
+            <a:r>
+              <a:rPr lang="en-US" dirty="0">
+                <a:sym typeface="Symbol"/>
+              </a:rPr>
+              <a:t>x</a:t>
+            </a:r>
+            <a:r>
+              <a:rPr lang="en-US" baseline="-25000" dirty="0">
+                <a:sym typeface="Symbol"/>
+              </a:rPr>
+              <a:t>2</a:t>
+            </a:r>
+            <a:r>
+              <a:rPr lang="en-US" dirty="0">
+                <a:sym typeface="Symbol"/>
+              </a:rPr>
+              <a:t>)  	(y</a:t>
+            </a:r>
+            <a:r>
+              <a:rPr lang="en-US" baseline="-25000" dirty="0">
+                <a:sym typeface="Symbol"/>
+              </a:rPr>
+              <a:t>1</a:t>
+            </a:r>
+            <a:r>
+              <a:rPr lang="en-US" dirty="0">
+                <a:sym typeface="Symbol"/>
+              </a:rPr>
+              <a:t>y</a:t>
+            </a:r>
+            <a:r>
+              <a:rPr lang="en-US" baseline="-25000" dirty="0">
+                <a:sym typeface="Symbol"/>
+              </a:rPr>
+              <a:t>2</a:t>
+            </a:r>
+            <a:r>
+              <a:rPr lang="en-US" dirty="0">
+                <a:sym typeface="Symbol"/>
+              </a:rPr>
+              <a:t>x</a:t>
+            </a:r>
+            <a:r>
+              <a:rPr lang="en-US" baseline="-25000" dirty="0">
+                <a:sym typeface="Symbol"/>
+              </a:rPr>
+              <a:t>2</a:t>
+            </a:r>
+            <a:r>
+              <a:rPr lang="en-US" dirty="0">
+                <a:sym typeface="Symbol"/>
+              </a:rPr>
+              <a:t>)</a:t>
+            </a:r>
+          </a:p>
+          <a:p>
+            <a:pPr algn="just"/>
+            <a:endParaRPr lang="en-US" dirty="0">
+              <a:sym typeface="Symbol"/>
+            </a:endParaRPr>
+          </a:p>
+          <a:p>
+            <a:pPr algn="just"/>
+            <a:r>
+              <a:rPr lang="en-US" dirty="0">
+                <a:sym typeface="Symbol"/>
+              </a:rPr>
+              <a:t>Then the negation (</a:t>
+            </a:r>
+            <a:r>
+              <a:rPr lang="en-US" dirty="0" err="1">
+                <a:sym typeface="Symbol"/>
+              </a:rPr>
+              <a:t>DeMorgan’s</a:t>
+            </a:r>
+            <a:r>
+              <a:rPr lang="en-US" dirty="0">
+                <a:sym typeface="Symbol"/>
+              </a:rPr>
+              <a:t> law!) is:</a:t>
+            </a:r>
+          </a:p>
+          <a:p>
+            <a:pPr algn="l"/>
+            <a:r>
+              <a:rPr lang="en-US" dirty="0">
+                <a:sym typeface="Symbol"/>
+              </a:rPr>
+              <a:t>’</a:t>
+            </a:r>
+            <a:r>
+              <a:rPr lang="en-US" baseline="-25000" dirty="0" err="1">
+                <a:sym typeface="Symbol"/>
+              </a:rPr>
+              <a:t>i</a:t>
+            </a:r>
+            <a:r>
+              <a:rPr lang="en-US" dirty="0">
+                <a:sym typeface="Symbol"/>
+              </a:rPr>
+              <a:t> = (y</a:t>
+            </a:r>
+            <a:r>
+              <a:rPr lang="en-US" baseline="-25000" dirty="0">
+                <a:sym typeface="Symbol"/>
+              </a:rPr>
+              <a:t>1</a:t>
+            </a:r>
+            <a:r>
+              <a:rPr lang="en-US" dirty="0">
+                <a:sym typeface="Symbol"/>
+              </a:rPr>
+              <a:t>y</a:t>
+            </a:r>
+            <a:r>
+              <a:rPr lang="en-US" baseline="-25000" dirty="0">
+                <a:sym typeface="Symbol"/>
+              </a:rPr>
+              <a:t>2</a:t>
+            </a:r>
+            <a:r>
+              <a:rPr lang="en-US" dirty="0">
+                <a:sym typeface="Symbol"/>
+              </a:rPr>
+              <a:t>x</a:t>
+            </a:r>
+            <a:r>
+              <a:rPr lang="en-US" baseline="-25000" dirty="0">
+                <a:sym typeface="Symbol"/>
+              </a:rPr>
+              <a:t>2</a:t>
+            </a:r>
+            <a:r>
+              <a:rPr lang="en-US" dirty="0">
+                <a:sym typeface="Symbol"/>
+              </a:rPr>
+              <a:t>) 	(y</a:t>
+            </a:r>
+            <a:r>
+              <a:rPr lang="en-US" baseline="-25000" dirty="0">
+                <a:sym typeface="Symbol"/>
+              </a:rPr>
+              <a:t>1</a:t>
+            </a:r>
+            <a:r>
+              <a:rPr lang="en-US" dirty="0">
+                <a:sym typeface="Symbol"/>
+              </a:rPr>
+              <a:t>y</a:t>
+            </a:r>
+            <a:r>
+              <a:rPr lang="en-US" baseline="-25000" dirty="0">
+                <a:sym typeface="Symbol"/>
+              </a:rPr>
+              <a:t>2</a:t>
+            </a:r>
+            <a:r>
+              <a:rPr lang="en-US" dirty="0">
+                <a:sym typeface="Symbol"/>
+              </a:rPr>
+              <a:t>x</a:t>
+            </a:r>
+            <a:r>
+              <a:rPr lang="en-US" baseline="-25000" dirty="0">
+                <a:sym typeface="Symbol"/>
+              </a:rPr>
+              <a:t>2</a:t>
+            </a:r>
+            <a:r>
+              <a:rPr lang="en-US" dirty="0">
+                <a:sym typeface="Symbol"/>
+              </a:rPr>
+              <a:t>)  	(y</a:t>
+            </a:r>
+            <a:r>
+              <a:rPr lang="en-US" baseline="-25000" dirty="0">
+                <a:sym typeface="Symbol"/>
+              </a:rPr>
+              <a:t>1</a:t>
+            </a:r>
+            <a:r>
+              <a:rPr lang="en-US" dirty="0">
+                <a:sym typeface="Symbol"/>
+              </a:rPr>
+              <a:t>y</a:t>
+            </a:r>
+            <a:r>
+              <a:rPr lang="en-US" baseline="-25000" dirty="0">
+                <a:sym typeface="Symbol"/>
+              </a:rPr>
+              <a:t>2</a:t>
+            </a:r>
+            <a:r>
+              <a:rPr lang="en-US" dirty="0">
+                <a:sym typeface="Symbol"/>
+              </a:rPr>
+              <a:t>x</a:t>
+            </a:r>
+            <a:r>
+              <a:rPr lang="en-US" baseline="-25000" dirty="0">
+                <a:sym typeface="Symbol"/>
+              </a:rPr>
+              <a:t>2</a:t>
+            </a:r>
+            <a:r>
+              <a:rPr lang="en-US" dirty="0">
+                <a:sym typeface="Symbol"/>
+              </a:rPr>
+              <a:t>)  (y</a:t>
+            </a:r>
+            <a:r>
+              <a:rPr lang="en-US" baseline="-25000" dirty="0">
+                <a:sym typeface="Symbol"/>
+              </a:rPr>
+              <a:t>1</a:t>
+            </a:r>
+            <a:r>
+              <a:rPr lang="en-US" dirty="0">
+                <a:sym typeface="Symbol"/>
+              </a:rPr>
+              <a:t>y</a:t>
+            </a:r>
+            <a:r>
+              <a:rPr lang="en-US" baseline="-25000" dirty="0">
+                <a:sym typeface="Symbol"/>
+              </a:rPr>
+              <a:t>2</a:t>
+            </a:r>
+            <a:r>
+              <a:rPr lang="en-US" dirty="0">
+                <a:sym typeface="Symbol"/>
+              </a:rPr>
+              <a:t>x</a:t>
+            </a:r>
+            <a:r>
+              <a:rPr lang="en-US" baseline="-25000" dirty="0">
+                <a:sym typeface="Symbol"/>
+              </a:rPr>
+              <a:t>2</a:t>
+            </a:r>
+            <a:r>
+              <a:rPr lang="en-US" dirty="0">
+                <a:sym typeface="Symbol"/>
+              </a:rPr>
+              <a:t>)</a:t>
+            </a:r>
+          </a:p>
+        </p:txBody>
+      </p:sp>
+      <p:sp>
+        <p:nvSpPr>
+          <p:cNvPr id="7" name="Content Placeholder 6"/>
+          <p:cNvSpPr>
+            <a:spLocks noGrp="1"/>
+          </p:cNvSpPr>
+          <p:nvPr>
+            <p:ph sz="quarter" idx="2"/>
+          </p:nvPr>
+        </p:nvSpPr>
+        <p:spPr>
+          <a:xfrm>
+            <a:off x="6705600" y="1600201"/>
+            <a:ext cx="5181600" cy="5029199"/>
+          </a:xfrm>
+        </p:spPr>
+        <p:txBody>
+          <a:bodyPr>
+            <a:normAutofit/>
+          </a:bodyPr>
+          <a:lstStyle/>
+          <a:p>
+            <a:pPr algn="just"/>
+            <a:r>
+              <a:rPr lang="en-US" dirty="0"/>
+              <a:t>So we build a truth table for each clause </a:t>
+            </a:r>
+            <a:r>
+              <a:rPr lang="en-US" dirty="0">
+                <a:sym typeface="Symbol"/>
+              </a:rPr>
+              <a:t>’</a:t>
+            </a:r>
+            <a:r>
+              <a:rPr lang="en-US" baseline="-25000" dirty="0" err="1">
+                <a:sym typeface="Symbol"/>
+              </a:rPr>
+              <a:t>i</a:t>
+            </a:r>
+            <a:r>
+              <a:rPr lang="en-US" dirty="0"/>
+              <a:t>:</a:t>
+            </a:r>
+          </a:p>
+        </p:txBody>
+      </p:sp>
+      <p:graphicFrame>
+        <p:nvGraphicFramePr>
+          <p:cNvPr id="8" name="Content Placeholder 5"/>
+          <p:cNvGraphicFramePr>
+            <a:graphicFrameLocks/>
+          </p:cNvGraphicFramePr>
+          <p:nvPr>
+            <p:extLst>
+              <p:ext uri="{D42A27DB-BD31-4B8C-83A1-F6EECF244321}">
+                <p14:modId xmlns:p14="http://schemas.microsoft.com/office/powerpoint/2010/main" val="1174165725"/>
+              </p:ext>
+            </p:extLst>
+          </p:nvPr>
+        </p:nvGraphicFramePr>
+        <p:xfrm>
+          <a:off x="8060944" y="3018791"/>
+          <a:ext cx="3034984" cy="3337560"/>
+        </p:xfrm>
+        <a:graphic>
+          <a:graphicData uri="http://schemas.openxmlformats.org/drawingml/2006/table">
+            <a:tbl>
+              <a:tblPr firstRow="1" bandRow="1">
+                <a:tableStyleId>{5C22544A-7EE6-4342-B048-85BDC9FD1C3A}</a:tableStyleId>
+              </a:tblPr>
+              <a:tblGrid>
+                <a:gridCol w="403543">
+                  <a:extLst>
+                    <a:ext uri="{9D8B030D-6E8A-4147-A177-3AD203B41FA5}">
+                      <a16:colId xmlns:a16="http://schemas.microsoft.com/office/drawing/2014/main" val="20000"/>
+                    </a:ext>
+                  </a:extLst>
+                </a:gridCol>
+                <a:gridCol w="403543">
+                  <a:extLst>
+                    <a:ext uri="{9D8B030D-6E8A-4147-A177-3AD203B41FA5}">
+                      <a16:colId xmlns:a16="http://schemas.microsoft.com/office/drawing/2014/main" val="20001"/>
+                    </a:ext>
+                  </a:extLst>
+                </a:gridCol>
+                <a:gridCol w="403543">
+                  <a:extLst>
+                    <a:ext uri="{9D8B030D-6E8A-4147-A177-3AD203B41FA5}">
+                      <a16:colId xmlns:a16="http://schemas.microsoft.com/office/drawing/2014/main" val="20002"/>
+                    </a:ext>
+                  </a:extLst>
+                </a:gridCol>
+                <a:gridCol w="1824355">
+                  <a:extLst>
+                    <a:ext uri="{9D8B030D-6E8A-4147-A177-3AD203B41FA5}">
+                      <a16:colId xmlns:a16="http://schemas.microsoft.com/office/drawing/2014/main" val="20003"/>
+                    </a:ext>
+                  </a:extLst>
+                </a:gridCol>
+              </a:tblGrid>
+              <a:tr h="370840">
+                <a:tc>
+                  <a:txBody>
+                    <a:bodyPr/>
+                    <a:lstStyle/>
+                    <a:p>
+                      <a:pPr algn="ctr"/>
+                      <a:r>
+                        <a:rPr lang="en-US" dirty="0"/>
+                        <a:t>y</a:t>
+                      </a:r>
+                      <a:r>
+                        <a:rPr lang="en-US" baseline="-25000" dirty="0"/>
+                        <a:t>1</a:t>
+                      </a:r>
+                    </a:p>
+                  </a:txBody>
+                  <a:tcPr/>
+                </a:tc>
+                <a:tc>
+                  <a:txBody>
+                    <a:bodyPr/>
+                    <a:lstStyle/>
+                    <a:p>
+                      <a:pPr algn="ctr"/>
+                      <a:r>
+                        <a:rPr lang="en-US" dirty="0"/>
+                        <a:t>y</a:t>
+                      </a:r>
+                      <a:r>
+                        <a:rPr lang="en-US" baseline="-25000" dirty="0"/>
+                        <a:t>2</a:t>
+                      </a:r>
+                    </a:p>
+                  </a:txBody>
+                  <a:tcPr/>
+                </a:tc>
+                <a:tc>
+                  <a:txBody>
+                    <a:bodyPr/>
+                    <a:lstStyle/>
+                    <a:p>
+                      <a:pPr algn="ctr"/>
+                      <a:r>
+                        <a:rPr lang="en-US" dirty="0"/>
+                        <a:t>x</a:t>
+                      </a:r>
+                      <a:r>
+                        <a:rPr lang="en-US" baseline="-25000" dirty="0"/>
+                        <a:t>2</a:t>
+                      </a:r>
+                    </a:p>
+                  </a:txBody>
+                  <a:tcPr/>
+                </a:tc>
+                <a:tc>
+                  <a:txBody>
+                    <a:bodyPr/>
+                    <a:lstStyle/>
+                    <a:p>
+                      <a:pPr algn="ctr"/>
+                      <a:r>
+                        <a:rPr lang="en-US" dirty="0"/>
+                        <a:t>(y</a:t>
+                      </a:r>
+                      <a:r>
+                        <a:rPr lang="en-US" baseline="-25000" dirty="0"/>
+                        <a:t>1</a:t>
+                      </a:r>
+                      <a:r>
+                        <a:rPr lang="en-US" dirty="0"/>
+                        <a:t> </a:t>
+                      </a:r>
+                      <a:r>
+                        <a:rPr lang="en-US" dirty="0">
+                          <a:sym typeface="Symbol"/>
+                        </a:rPr>
+                        <a:t> (y</a:t>
+                      </a:r>
+                      <a:r>
+                        <a:rPr lang="en-US" baseline="-25000" dirty="0">
+                          <a:sym typeface="Symbol"/>
+                        </a:rPr>
+                        <a:t>2</a:t>
+                      </a:r>
+                      <a:r>
+                        <a:rPr lang="en-US" dirty="0">
+                          <a:sym typeface="Symbol"/>
+                        </a:rPr>
+                        <a:t>  x</a:t>
+                      </a:r>
+                      <a:r>
+                        <a:rPr lang="en-US" baseline="-25000" dirty="0">
+                          <a:sym typeface="Symbol"/>
+                        </a:rPr>
+                        <a:t>2</a:t>
+                      </a:r>
+                      <a:r>
+                        <a:rPr lang="en-US" dirty="0">
+                          <a:sym typeface="Symbol"/>
+                        </a:rPr>
+                        <a:t>))</a:t>
+                      </a:r>
+                      <a:endParaRPr lang="en-US" dirty="0"/>
+                    </a:p>
+                  </a:txBody>
+                  <a:tcPr/>
+                </a:tc>
+                <a:extLst>
+                  <a:ext uri="{0D108BD9-81ED-4DB2-BD59-A6C34878D82A}">
+                    <a16:rowId xmlns:a16="http://schemas.microsoft.com/office/drawing/2014/main" val="10000"/>
+                  </a:ext>
+                </a:extLst>
+              </a:tr>
+              <a:tr h="370840">
+                <a:tc>
+                  <a:txBody>
+                    <a:bodyPr/>
+                    <a:lstStyle/>
+                    <a:p>
+                      <a:pPr algn="ctr"/>
+                      <a:r>
+                        <a:rPr lang="en-US" dirty="0"/>
+                        <a:t>1</a:t>
+                      </a:r>
+                    </a:p>
+                  </a:txBody>
+                  <a:tcPr/>
+                </a:tc>
+                <a:tc>
+                  <a:txBody>
+                    <a:bodyPr/>
+                    <a:lstStyle/>
+                    <a:p>
+                      <a:pPr algn="ctr"/>
+                      <a:r>
+                        <a:rPr lang="en-US" dirty="0"/>
+                        <a:t>1</a:t>
+                      </a:r>
+                    </a:p>
+                  </a:txBody>
+                  <a:tcPr/>
+                </a:tc>
+                <a:tc>
+                  <a:txBody>
+                    <a:bodyPr/>
+                    <a:lstStyle/>
+                    <a:p>
+                      <a:pPr algn="ctr"/>
+                      <a:r>
+                        <a:rPr lang="en-US" dirty="0"/>
+                        <a:t>1</a:t>
+                      </a:r>
+                    </a:p>
+                  </a:txBody>
+                  <a:tcPr/>
+                </a:tc>
+                <a:tc>
+                  <a:txBody>
+                    <a:bodyPr/>
+                    <a:lstStyle/>
+                    <a:p>
+                      <a:pPr algn="ctr"/>
+                      <a:r>
+                        <a:rPr lang="en-US" dirty="0"/>
+                        <a:t>0</a:t>
+                      </a:r>
+                    </a:p>
+                  </a:txBody>
+                  <a:tcPr/>
+                </a:tc>
+                <a:extLst>
+                  <a:ext uri="{0D108BD9-81ED-4DB2-BD59-A6C34878D82A}">
+                    <a16:rowId xmlns:a16="http://schemas.microsoft.com/office/drawing/2014/main" val="10001"/>
+                  </a:ext>
+                </a:extLst>
+              </a:tr>
+              <a:tr h="370840">
+                <a:tc>
+                  <a:txBody>
+                    <a:bodyPr/>
+                    <a:lstStyle/>
+                    <a:p>
+                      <a:pPr algn="ctr"/>
+                      <a:r>
+                        <a:rPr lang="en-US" dirty="0"/>
+                        <a:t>1</a:t>
+                      </a:r>
+                    </a:p>
+                  </a:txBody>
+                  <a:tcPr/>
+                </a:tc>
+                <a:tc>
+                  <a:txBody>
+                    <a:bodyPr/>
+                    <a:lstStyle/>
+                    <a:p>
+                      <a:pPr algn="ctr"/>
+                      <a:r>
+                        <a:rPr lang="en-US" dirty="0"/>
+                        <a:t>1</a:t>
+                      </a:r>
+                    </a:p>
+                  </a:txBody>
+                  <a:tcPr/>
+                </a:tc>
+                <a:tc>
+                  <a:txBody>
+                    <a:bodyPr/>
+                    <a:lstStyle/>
+                    <a:p>
+                      <a:pPr algn="ctr"/>
+                      <a:r>
+                        <a:rPr lang="en-US" dirty="0"/>
+                        <a:t>0</a:t>
+                      </a:r>
+                    </a:p>
+                  </a:txBody>
+                  <a:tcPr/>
+                </a:tc>
+                <a:tc>
+                  <a:txBody>
+                    <a:bodyPr/>
+                    <a:lstStyle/>
+                    <a:p>
+                      <a:pPr algn="ctr"/>
+                      <a:r>
+                        <a:rPr lang="en-US" dirty="0"/>
+                        <a:t>1</a:t>
+                      </a:r>
+                    </a:p>
+                  </a:txBody>
+                  <a:tcPr/>
+                </a:tc>
+                <a:extLst>
+                  <a:ext uri="{0D108BD9-81ED-4DB2-BD59-A6C34878D82A}">
+                    <a16:rowId xmlns:a16="http://schemas.microsoft.com/office/drawing/2014/main" val="10002"/>
+                  </a:ext>
+                </a:extLst>
+              </a:tr>
+              <a:tr h="370840">
+                <a:tc>
+                  <a:txBody>
+                    <a:bodyPr/>
+                    <a:lstStyle/>
+                    <a:p>
+                      <a:pPr algn="ctr"/>
+                      <a:r>
+                        <a:rPr lang="en-US" dirty="0"/>
+                        <a:t>1</a:t>
+                      </a:r>
+                    </a:p>
+                  </a:txBody>
+                  <a:tcPr/>
+                </a:tc>
+                <a:tc>
+                  <a:txBody>
+                    <a:bodyPr/>
+                    <a:lstStyle/>
+                    <a:p>
+                      <a:pPr algn="ctr"/>
+                      <a:r>
+                        <a:rPr lang="en-US" dirty="0"/>
+                        <a:t>0</a:t>
+                      </a:r>
+                    </a:p>
+                  </a:txBody>
+                  <a:tcPr/>
+                </a:tc>
+                <a:tc>
+                  <a:txBody>
+                    <a:bodyPr/>
+                    <a:lstStyle/>
+                    <a:p>
+                      <a:pPr algn="ctr"/>
+                      <a:r>
+                        <a:rPr lang="en-US" dirty="0"/>
+                        <a:t>1</a:t>
+                      </a:r>
+                    </a:p>
+                  </a:txBody>
+                  <a:tcPr/>
+                </a:tc>
+                <a:tc>
+                  <a:txBody>
+                    <a:bodyPr/>
+                    <a:lstStyle/>
+                    <a:p>
+                      <a:pPr algn="ctr"/>
+                      <a:r>
+                        <a:rPr lang="en-US" dirty="0"/>
+                        <a:t>0</a:t>
+                      </a:r>
+                    </a:p>
+                  </a:txBody>
+                  <a:tcPr/>
+                </a:tc>
+                <a:extLst>
+                  <a:ext uri="{0D108BD9-81ED-4DB2-BD59-A6C34878D82A}">
+                    <a16:rowId xmlns:a16="http://schemas.microsoft.com/office/drawing/2014/main" val="10003"/>
+                  </a:ext>
+                </a:extLst>
+              </a:tr>
+              <a:tr h="370840">
+                <a:tc>
+                  <a:txBody>
+                    <a:bodyPr/>
+                    <a:lstStyle/>
+                    <a:p>
+                      <a:pPr algn="ctr"/>
+                      <a:r>
+                        <a:rPr lang="en-US" dirty="0"/>
+                        <a:t>1</a:t>
+                      </a:r>
+                    </a:p>
+                  </a:txBody>
+                  <a:tcPr/>
+                </a:tc>
+                <a:tc>
+                  <a:txBody>
+                    <a:bodyPr/>
+                    <a:lstStyle/>
+                    <a:p>
+                      <a:pPr algn="ctr"/>
+                      <a:r>
+                        <a:rPr lang="en-US" dirty="0"/>
+                        <a:t>0</a:t>
+                      </a:r>
+                    </a:p>
+                  </a:txBody>
+                  <a:tcPr/>
+                </a:tc>
+                <a:tc>
+                  <a:txBody>
+                    <a:bodyPr/>
+                    <a:lstStyle/>
+                    <a:p>
+                      <a:pPr algn="ctr"/>
+                      <a:r>
+                        <a:rPr lang="en-US" dirty="0"/>
+                        <a:t>0</a:t>
+                      </a:r>
+                    </a:p>
+                  </a:txBody>
+                  <a:tcPr/>
+                </a:tc>
+                <a:tc>
+                  <a:txBody>
+                    <a:bodyPr/>
+                    <a:lstStyle/>
+                    <a:p>
+                      <a:pPr algn="ctr"/>
+                      <a:r>
+                        <a:rPr lang="en-US" dirty="0"/>
+                        <a:t>0</a:t>
+                      </a:r>
+                    </a:p>
+                  </a:txBody>
+                  <a:tcPr/>
+                </a:tc>
+                <a:extLst>
+                  <a:ext uri="{0D108BD9-81ED-4DB2-BD59-A6C34878D82A}">
+                    <a16:rowId xmlns:a16="http://schemas.microsoft.com/office/drawing/2014/main" val="10004"/>
+                  </a:ext>
+                </a:extLst>
+              </a:tr>
+              <a:tr h="370840">
+                <a:tc>
+                  <a:txBody>
+                    <a:bodyPr/>
+                    <a:lstStyle/>
+                    <a:p>
+                      <a:pPr algn="ctr"/>
+                      <a:r>
+                        <a:rPr lang="en-US" dirty="0"/>
+                        <a:t>0</a:t>
+                      </a:r>
+                    </a:p>
+                  </a:txBody>
+                  <a:tcPr/>
+                </a:tc>
+                <a:tc>
+                  <a:txBody>
+                    <a:bodyPr/>
+                    <a:lstStyle/>
+                    <a:p>
+                      <a:pPr algn="ctr"/>
+                      <a:r>
+                        <a:rPr lang="en-US" dirty="0"/>
+                        <a:t>1</a:t>
+                      </a:r>
+                    </a:p>
+                  </a:txBody>
+                  <a:tcPr/>
+                </a:tc>
+                <a:tc>
+                  <a:txBody>
+                    <a:bodyPr/>
+                    <a:lstStyle/>
+                    <a:p>
+                      <a:pPr algn="ctr"/>
+                      <a:r>
+                        <a:rPr lang="en-US" dirty="0"/>
+                        <a:t>1</a:t>
+                      </a:r>
+                    </a:p>
+                  </a:txBody>
+                  <a:tcPr/>
+                </a:tc>
+                <a:tc>
+                  <a:txBody>
+                    <a:bodyPr/>
+                    <a:lstStyle/>
+                    <a:p>
+                      <a:pPr algn="ctr"/>
+                      <a:r>
+                        <a:rPr lang="en-US" dirty="0"/>
+                        <a:t>1</a:t>
+                      </a:r>
+                    </a:p>
+                  </a:txBody>
+                  <a:tcPr/>
+                </a:tc>
+                <a:extLst>
+                  <a:ext uri="{0D108BD9-81ED-4DB2-BD59-A6C34878D82A}">
+                    <a16:rowId xmlns:a16="http://schemas.microsoft.com/office/drawing/2014/main" val="10005"/>
+                  </a:ext>
+                </a:extLst>
+              </a:tr>
+              <a:tr h="370840">
+                <a:tc>
+                  <a:txBody>
+                    <a:bodyPr/>
+                    <a:lstStyle/>
+                    <a:p>
+                      <a:pPr algn="ctr"/>
+                      <a:r>
+                        <a:rPr lang="en-US" dirty="0"/>
+                        <a:t>0</a:t>
+                      </a:r>
+                    </a:p>
+                  </a:txBody>
+                  <a:tcPr/>
+                </a:tc>
+                <a:tc>
+                  <a:txBody>
+                    <a:bodyPr/>
+                    <a:lstStyle/>
+                    <a:p>
+                      <a:pPr algn="ctr"/>
+                      <a:r>
+                        <a:rPr lang="en-US" dirty="0"/>
+                        <a:t>1</a:t>
+                      </a:r>
+                    </a:p>
+                  </a:txBody>
+                  <a:tcPr/>
+                </a:tc>
+                <a:tc>
+                  <a:txBody>
+                    <a:bodyPr/>
+                    <a:lstStyle/>
+                    <a:p>
+                      <a:pPr algn="ctr"/>
+                      <a:r>
+                        <a:rPr lang="en-US" dirty="0"/>
+                        <a:t>0</a:t>
+                      </a:r>
+                    </a:p>
+                  </a:txBody>
+                  <a:tcPr/>
+                </a:tc>
+                <a:tc>
+                  <a:txBody>
+                    <a:bodyPr/>
+                    <a:lstStyle/>
+                    <a:p>
+                      <a:pPr algn="ctr"/>
+                      <a:r>
+                        <a:rPr lang="en-US" dirty="0"/>
+                        <a:t>0</a:t>
+                      </a:r>
+                    </a:p>
+                  </a:txBody>
+                  <a:tcPr/>
+                </a:tc>
+                <a:extLst>
+                  <a:ext uri="{0D108BD9-81ED-4DB2-BD59-A6C34878D82A}">
+                    <a16:rowId xmlns:a16="http://schemas.microsoft.com/office/drawing/2014/main" val="10006"/>
+                  </a:ext>
+                </a:extLst>
+              </a:tr>
+              <a:tr h="370840">
+                <a:tc>
+                  <a:txBody>
+                    <a:bodyPr/>
+                    <a:lstStyle/>
+                    <a:p>
+                      <a:pPr algn="ctr"/>
+                      <a:r>
+                        <a:rPr lang="en-US" dirty="0"/>
+                        <a:t>0</a:t>
+                      </a:r>
+                    </a:p>
+                  </a:txBody>
+                  <a:tcPr/>
+                </a:tc>
+                <a:tc>
+                  <a:txBody>
+                    <a:bodyPr/>
+                    <a:lstStyle/>
+                    <a:p>
+                      <a:pPr algn="ctr"/>
+                      <a:r>
+                        <a:rPr lang="en-US" dirty="0"/>
+                        <a:t>0</a:t>
+                      </a:r>
+                    </a:p>
+                  </a:txBody>
+                  <a:tcPr/>
+                </a:tc>
+                <a:tc>
+                  <a:txBody>
+                    <a:bodyPr/>
+                    <a:lstStyle/>
+                    <a:p>
+                      <a:pPr algn="ctr"/>
+                      <a:r>
+                        <a:rPr lang="en-US" dirty="0"/>
+                        <a:t>1</a:t>
+                      </a:r>
+                    </a:p>
+                  </a:txBody>
+                  <a:tcPr/>
+                </a:tc>
+                <a:tc>
+                  <a:txBody>
+                    <a:bodyPr/>
+                    <a:lstStyle/>
+                    <a:p>
+                      <a:pPr algn="ctr"/>
+                      <a:r>
+                        <a:rPr lang="en-US" dirty="0"/>
+                        <a:t>1</a:t>
+                      </a:r>
+                    </a:p>
+                  </a:txBody>
+                  <a:tcPr/>
+                </a:tc>
+                <a:extLst>
+                  <a:ext uri="{0D108BD9-81ED-4DB2-BD59-A6C34878D82A}">
+                    <a16:rowId xmlns:a16="http://schemas.microsoft.com/office/drawing/2014/main" val="10007"/>
+                  </a:ext>
+                </a:extLst>
+              </a:tr>
+              <a:tr h="370840">
+                <a:tc>
+                  <a:txBody>
+                    <a:bodyPr/>
+                    <a:lstStyle/>
+                    <a:p>
+                      <a:pPr algn="ctr"/>
+                      <a:r>
+                        <a:rPr lang="en-US" dirty="0"/>
+                        <a:t>0</a:t>
+                      </a:r>
+                    </a:p>
+                  </a:txBody>
+                  <a:tcPr/>
+                </a:tc>
+                <a:tc>
+                  <a:txBody>
+                    <a:bodyPr/>
+                    <a:lstStyle/>
+                    <a:p>
+                      <a:pPr algn="ctr"/>
+                      <a:r>
+                        <a:rPr lang="en-US" dirty="0"/>
+                        <a:t>0</a:t>
+                      </a:r>
+                    </a:p>
+                  </a:txBody>
+                  <a:tcPr/>
+                </a:tc>
+                <a:tc>
+                  <a:txBody>
+                    <a:bodyPr/>
+                    <a:lstStyle/>
+                    <a:p>
+                      <a:pPr algn="ctr"/>
+                      <a:r>
+                        <a:rPr lang="en-US" dirty="0"/>
+                        <a:t>0</a:t>
+                      </a:r>
+                    </a:p>
+                  </a:txBody>
+                  <a:tcPr/>
+                </a:tc>
+                <a:tc>
+                  <a:txBody>
+                    <a:bodyPr/>
+                    <a:lstStyle/>
+                    <a:p>
+                      <a:pPr algn="ctr"/>
+                      <a:r>
+                        <a:rPr lang="en-US" dirty="0"/>
+                        <a:t>1</a:t>
+                      </a:r>
+                    </a:p>
+                  </a:txBody>
+                  <a:tcPr/>
+                </a:tc>
+                <a:extLst>
+                  <a:ext uri="{0D108BD9-81ED-4DB2-BD59-A6C34878D82A}">
+                    <a16:rowId xmlns:a16="http://schemas.microsoft.com/office/drawing/2014/main" val="10008"/>
+                  </a:ext>
+                </a:extLst>
+              </a:tr>
+            </a:tbl>
+          </a:graphicData>
+        </a:graphic>
+      </p:graphicFrame>
+    </p:spTree>
+    <p:extLst>
+      <p:ext uri="{BB962C8B-B14F-4D97-AF65-F5344CB8AC3E}">
+        <p14:creationId xmlns:p14="http://schemas.microsoft.com/office/powerpoint/2010/main" val="2785586319"/>
+      </p:ext>
+    </p:extLst>
+  </p:cSld>
+  <p:clrMapOvr>
+    <a:masterClrMapping/>
+  </p:clrMapOvr>
+</p:sld>
+</file>
+
+<file path=ppt/slides/slide36.xml><?xml version="1.0" encoding="utf-8"?>
+<p:sld xmlns:a="http://schemas.openxmlformats.org/drawingml/2006/main" xmlns:r="http://schemas.openxmlformats.org/officeDocument/2006/relationships" xmlns:p="http://schemas.openxmlformats.org/presentationml/2006/main">
+  <p:cSld>
+    <p:spTree>
+      <p:nvGrpSpPr>
+        <p:cNvPr id="1" name=""/>
+        <p:cNvGrpSpPr/>
+        <p:nvPr/>
+      </p:nvGrpSpPr>
+      <p:grpSpPr>
+        <a:xfrm>
+          <a:off x="0" y="0"/>
+          <a:ext cx="0" cy="0"/>
+          <a:chOff x="0" y="0"/>
+          <a:chExt cx="0" cy="0"/>
+        </a:xfrm>
+      </p:grpSpPr>
+      <p:sp>
+        <p:nvSpPr>
+          <p:cNvPr id="6" name="Title 5"/>
+          <p:cNvSpPr>
+            <a:spLocks noGrp="1"/>
+          </p:cNvSpPr>
+          <p:nvPr>
+            <p:ph type="title"/>
+          </p:nvPr>
+        </p:nvSpPr>
+        <p:spPr/>
+        <p:txBody>
+          <a:bodyPr/>
+          <a:lstStyle/>
+          <a:p>
+            <a:r>
+              <a:rPr lang="en-US"/>
+              <a:t>Converting SAT to 3-SAT, step 6</a:t>
+            </a:r>
+            <a:endParaRPr lang="en-US" dirty="0"/>
+          </a:p>
+        </p:txBody>
+      </p:sp>
+      <p:sp>
+        <p:nvSpPr>
+          <p:cNvPr id="5" name="Slide Number Placeholder 4"/>
+          <p:cNvSpPr>
+            <a:spLocks noGrp="1"/>
+          </p:cNvSpPr>
+          <p:nvPr>
+            <p:ph type="sldNum" sz="quarter" idx="12"/>
+          </p:nvPr>
+        </p:nvSpPr>
+        <p:spPr/>
+        <p:txBody>
+          <a:bodyPr/>
+          <a:lstStyle/>
+          <a:p>
+            <a:fld id="{A8D2B1A1-9A82-492A-87A6-500459A044C8}" type="slidenum">
+              <a:rPr lang="en-US" smtClean="0"/>
+              <a:pPr/>
+              <a:t>36</a:t>
+            </a:fld>
+            <a:endParaRPr lang="en-US"/>
+          </a:p>
+        </p:txBody>
+      </p:sp>
+      <p:sp>
+        <p:nvSpPr>
+          <p:cNvPr id="7" name="Content Placeholder 6"/>
+          <p:cNvSpPr>
+            <a:spLocks noGrp="1"/>
+          </p:cNvSpPr>
+          <p:nvPr>
+            <p:ph sz="quarter" idx="1"/>
+          </p:nvPr>
+        </p:nvSpPr>
+        <p:spPr/>
+        <p:txBody>
+          <a:bodyPr/>
+          <a:lstStyle/>
+          <a:p>
+            <a:r>
+              <a:rPr lang="en-US" dirty="0"/>
+              <a:t>Three cases can occur for all the CNF clauses </a:t>
+            </a:r>
+            <a:r>
+              <a:rPr lang="en-US" dirty="0" err="1"/>
+              <a:t>C</a:t>
+            </a:r>
+            <a:r>
+              <a:rPr lang="en-US" baseline="-25000" dirty="0" err="1"/>
+              <a:t>i</a:t>
+            </a:r>
+            <a:r>
+              <a:rPr lang="en-US" dirty="0"/>
+              <a:t>:</a:t>
+            </a:r>
+          </a:p>
+          <a:p>
+            <a:pPr lvl="1"/>
+            <a:r>
+              <a:rPr lang="en-US" dirty="0" err="1"/>
+              <a:t>C</a:t>
+            </a:r>
+            <a:r>
+              <a:rPr lang="en-US" baseline="-25000" dirty="0" err="1"/>
+              <a:t>i</a:t>
+            </a:r>
+            <a:r>
+              <a:rPr lang="en-US" dirty="0"/>
+              <a:t> has 3 literals: then we include it in the final formula</a:t>
+            </a:r>
+          </a:p>
+          <a:p>
+            <a:pPr lvl="1"/>
+            <a:r>
+              <a:rPr lang="en-US" dirty="0" err="1"/>
+              <a:t>C</a:t>
+            </a:r>
+            <a:r>
+              <a:rPr lang="en-US" baseline="-25000" dirty="0" err="1"/>
+              <a:t>i</a:t>
+            </a:r>
+            <a:r>
+              <a:rPr lang="en-US" dirty="0"/>
+              <a:t> has 2 literals (l</a:t>
+            </a:r>
+            <a:r>
+              <a:rPr lang="en-US" baseline="-25000" dirty="0"/>
+              <a:t>1</a:t>
+            </a:r>
+            <a:r>
+              <a:rPr lang="en-US" dirty="0"/>
+              <a:t> and l</a:t>
+            </a:r>
+            <a:r>
+              <a:rPr lang="en-US" baseline="-25000" dirty="0"/>
+              <a:t>2</a:t>
+            </a:r>
+            <a:r>
+              <a:rPr lang="en-US" dirty="0"/>
+              <a:t>): we include (l</a:t>
+            </a:r>
+            <a:r>
+              <a:rPr lang="en-US" baseline="-25000" dirty="0">
+                <a:sym typeface="Symbol"/>
+              </a:rPr>
+              <a:t>1</a:t>
+            </a:r>
+            <a:r>
+              <a:rPr lang="en-US" dirty="0"/>
+              <a:t> </a:t>
+            </a:r>
+            <a:r>
+              <a:rPr lang="en-US" dirty="0">
+                <a:sym typeface="Symbol"/>
+              </a:rPr>
+              <a:t> l</a:t>
+            </a:r>
+            <a:r>
+              <a:rPr lang="en-US" baseline="-25000" dirty="0">
+                <a:sym typeface="Symbol"/>
+              </a:rPr>
+              <a:t>2</a:t>
+            </a:r>
+            <a:r>
+              <a:rPr lang="en-US" dirty="0">
+                <a:sym typeface="Symbol"/>
+              </a:rPr>
+              <a:t>  p)  (l</a:t>
+            </a:r>
+            <a:r>
+              <a:rPr lang="en-US" baseline="-25000" dirty="0">
+                <a:sym typeface="Symbol"/>
+              </a:rPr>
+              <a:t>1</a:t>
+            </a:r>
+            <a:r>
+              <a:rPr lang="en-US" dirty="0">
+                <a:sym typeface="Symbol"/>
+              </a:rPr>
+              <a:t>  l</a:t>
+            </a:r>
+            <a:r>
+              <a:rPr lang="en-US" baseline="-25000" dirty="0">
+                <a:sym typeface="Symbol"/>
+              </a:rPr>
+              <a:t>2</a:t>
+            </a:r>
+            <a:r>
+              <a:rPr lang="en-US" dirty="0">
+                <a:sym typeface="Symbol"/>
+              </a:rPr>
+              <a:t>  p)</a:t>
+            </a:r>
+          </a:p>
+          <a:p>
+            <a:pPr lvl="2"/>
+            <a:r>
+              <a:rPr lang="en-US" dirty="0">
+                <a:sym typeface="Symbol"/>
+              </a:rPr>
+              <a:t>It doesn’t matter whether p is true or false; one clause will evaluate to true, the other to </a:t>
+            </a:r>
+            <a:r>
+              <a:rPr lang="en-US" dirty="0"/>
+              <a:t>l</a:t>
+            </a:r>
+            <a:r>
+              <a:rPr lang="en-US" baseline="-25000" dirty="0">
+                <a:sym typeface="Symbol"/>
+              </a:rPr>
+              <a:t>1</a:t>
+            </a:r>
+            <a:r>
+              <a:rPr lang="en-US" dirty="0"/>
+              <a:t> </a:t>
+            </a:r>
+            <a:r>
+              <a:rPr lang="en-US" dirty="0">
+                <a:sym typeface="Symbol"/>
+              </a:rPr>
+              <a:t> l</a:t>
+            </a:r>
+            <a:r>
+              <a:rPr lang="en-US" baseline="-25000" dirty="0">
+                <a:sym typeface="Symbol"/>
+              </a:rPr>
+              <a:t>2</a:t>
+            </a:r>
+            <a:r>
+              <a:rPr lang="en-US" dirty="0">
+                <a:sym typeface="Symbol"/>
+              </a:rPr>
+              <a:t> </a:t>
+            </a:r>
+          </a:p>
+          <a:p>
+            <a:pPr lvl="1"/>
+            <a:r>
+              <a:rPr lang="en-US" dirty="0"/>
+              <a:t>C</a:t>
+            </a:r>
+            <a:r>
+              <a:rPr lang="en-US" baseline="-25000" dirty="0"/>
+              <a:t>i</a:t>
+            </a:r>
+            <a:r>
+              <a:rPr lang="en-US" dirty="0"/>
+              <a:t> has just one literal (l): we include the following:</a:t>
+            </a:r>
+          </a:p>
+          <a:p>
+            <a:pPr lvl="2"/>
+            <a:r>
+              <a:rPr lang="en-US" dirty="0"/>
+              <a:t>(l </a:t>
+            </a:r>
+            <a:r>
+              <a:rPr lang="en-US" dirty="0">
+                <a:sym typeface="Symbol"/>
+              </a:rPr>
+              <a:t> p  q)  </a:t>
+            </a:r>
+            <a:r>
+              <a:rPr lang="en-US" dirty="0"/>
+              <a:t>(l </a:t>
+            </a:r>
+            <a:r>
+              <a:rPr lang="en-US" dirty="0">
+                <a:sym typeface="Symbol"/>
+              </a:rPr>
+              <a:t> p  q)  </a:t>
+            </a:r>
+            <a:r>
+              <a:rPr lang="en-US" dirty="0"/>
+              <a:t>(l </a:t>
+            </a:r>
+            <a:r>
+              <a:rPr lang="en-US" dirty="0">
+                <a:sym typeface="Symbol"/>
+              </a:rPr>
+              <a:t> p  q)  </a:t>
+            </a:r>
+            <a:r>
+              <a:rPr lang="en-US" dirty="0"/>
+              <a:t>(l </a:t>
+            </a:r>
+            <a:r>
+              <a:rPr lang="en-US" dirty="0">
+                <a:sym typeface="Symbol"/>
+              </a:rPr>
+              <a:t> p  q)</a:t>
+            </a:r>
+          </a:p>
+          <a:p>
+            <a:pPr lvl="2"/>
+            <a:r>
+              <a:rPr lang="en-US" dirty="0">
+                <a:sym typeface="Symbol"/>
+              </a:rPr>
+              <a:t>Regardless of what p and q are, 3 clauses will evaluate to true, and the other one to l</a:t>
+            </a:r>
+            <a:endParaRPr lang="en-US" dirty="0"/>
+          </a:p>
+          <a:p>
+            <a:pPr lvl="2"/>
+            <a:endParaRPr lang="en-US" dirty="0"/>
+          </a:p>
+        </p:txBody>
+      </p:sp>
+    </p:spTree>
+    <p:extLst>
+      <p:ext uri="{BB962C8B-B14F-4D97-AF65-F5344CB8AC3E}">
+        <p14:creationId xmlns:p14="http://schemas.microsoft.com/office/powerpoint/2010/main" val="2252333174"/>
+      </p:ext>
+    </p:extLst>
+  </p:cSld>
+  <p:clrMapOvr>
+    <a:masterClrMapping/>
+  </p:clrMapOvr>
+</p:sld>
+</file>
+
+<file path=ppt/slides/slide37.xml><?xml version="1.0" encoding="utf-8"?>
+<p:sld xmlns:a="http://schemas.openxmlformats.org/drawingml/2006/main" xmlns:r="http://schemas.openxmlformats.org/officeDocument/2006/relationships" xmlns:p="http://schemas.openxmlformats.org/presentationml/2006/main">
+  <p:cSld>
+    <p:spTree>
+      <p:nvGrpSpPr>
+        <p:cNvPr id="1" name=""/>
+        <p:cNvGrpSpPr/>
+        <p:nvPr/>
+      </p:nvGrpSpPr>
+      <p:grpSpPr>
+        <a:xfrm>
+          <a:off x="0" y="0"/>
+          <a:ext cx="0" cy="0"/>
+          <a:chOff x="0" y="0"/>
+          <a:chExt cx="0" cy="0"/>
+        </a:xfrm>
+      </p:grpSpPr>
+      <p:sp>
+        <p:nvSpPr>
+          <p:cNvPr id="2" name="Title 1"/>
+          <p:cNvSpPr>
+            <a:spLocks noGrp="1"/>
+          </p:cNvSpPr>
+          <p:nvPr>
+            <p:ph type="title"/>
+          </p:nvPr>
+        </p:nvSpPr>
+        <p:spPr/>
+        <p:txBody>
+          <a:bodyPr/>
+          <a:lstStyle/>
+          <a:p>
+            <a:r>
+              <a:rPr lang="en-US" dirty="0"/>
+              <a:t>We’re done!</a:t>
+            </a:r>
+          </a:p>
+        </p:txBody>
+      </p:sp>
+      <p:sp>
+        <p:nvSpPr>
+          <p:cNvPr id="4" name="Slide Number Placeholder 3"/>
+          <p:cNvSpPr>
+            <a:spLocks noGrp="1"/>
+          </p:cNvSpPr>
+          <p:nvPr>
+            <p:ph type="sldNum" sz="quarter" idx="12"/>
+          </p:nvPr>
+        </p:nvSpPr>
+        <p:spPr/>
+        <p:txBody>
+          <a:bodyPr/>
+          <a:lstStyle/>
+          <a:p>
+            <a:fld id="{A8D2B1A1-9A82-492A-87A6-500459A044C8}" type="slidenum">
+              <a:rPr lang="en-US" smtClean="0"/>
+              <a:pPr/>
+              <a:t>37</a:t>
+            </a:fld>
+            <a:endParaRPr lang="en-US"/>
+          </a:p>
+        </p:txBody>
+      </p:sp>
+      <p:sp>
+        <p:nvSpPr>
+          <p:cNvPr id="3" name="Content Placeholder 2"/>
+          <p:cNvSpPr>
+            <a:spLocks noGrp="1"/>
+          </p:cNvSpPr>
+          <p:nvPr>
+            <p:ph sz="quarter" idx="1"/>
+          </p:nvPr>
+        </p:nvSpPr>
+        <p:spPr/>
+        <p:txBody>
+          <a:bodyPr/>
+          <a:lstStyle/>
+          <a:p>
+            <a:r>
+              <a:rPr lang="en-US" dirty="0"/>
+              <a:t>Whew!</a:t>
+            </a:r>
+          </a:p>
+          <a:p>
+            <a:r>
+              <a:rPr lang="en-US" dirty="0"/>
+              <a:t>Note that each step of converting SAT to 3-SAT was in polynomial time</a:t>
+            </a:r>
+          </a:p>
+          <a:p>
+            <a:pPr lvl="1"/>
+            <a:r>
+              <a:rPr lang="en-US" dirty="0"/>
+              <a:t>And thus the entire thing in polynomial time</a:t>
+            </a:r>
+          </a:p>
+        </p:txBody>
+      </p:sp>
+    </p:spTree>
+    <p:extLst>
+      <p:ext uri="{BB962C8B-B14F-4D97-AF65-F5344CB8AC3E}">
+        <p14:creationId xmlns:p14="http://schemas.microsoft.com/office/powerpoint/2010/main" val="10528960"/>
+      </p:ext>
+    </p:extLst>
+  </p:cSld>
+  <p:clrMapOvr>
+    <a:masterClrMapping/>
+  </p:clrMapOvr>
+</p:sld>
+</file>
+
+<file path=ppt/slides/slide38.xml><?xml version="1.0" encoding="utf-8"?>
 <p:sld xmlns:a="http://schemas.openxmlformats.org/drawingml/2006/main" xmlns:r="http://schemas.openxmlformats.org/officeDocument/2006/relationships" xmlns:p="http://schemas.openxmlformats.org/presentationml/2006/main">
   <p:cSld>
     <p:spTree>
@@ -22014,505 +27164,7 @@
 </p:sld>
 </file>
 
-<file path=ppt/slides/slide3.xml><?xml version="1.0" encoding="utf-8"?>
-<p:sld xmlns:a="http://schemas.openxmlformats.org/drawingml/2006/main" xmlns:r="http://schemas.openxmlformats.org/officeDocument/2006/relationships" xmlns:p="http://schemas.openxmlformats.org/presentationml/2006/main">
-  <p:cSld>
-    <p:spTree>
-      <p:nvGrpSpPr>
-        <p:cNvPr id="1" name=""/>
-        <p:cNvGrpSpPr/>
-        <p:nvPr/>
-      </p:nvGrpSpPr>
-      <p:grpSpPr>
-        <a:xfrm>
-          <a:off x="0" y="0"/>
-          <a:ext cx="0" cy="0"/>
-          <a:chOff x="0" y="0"/>
-          <a:chExt cx="0" cy="0"/>
-        </a:xfrm>
-      </p:grpSpPr>
-      <p:sp>
-        <p:nvSpPr>
-          <p:cNvPr id="2" name="Title 1"/>
-          <p:cNvSpPr>
-            <a:spLocks noGrp="1"/>
-          </p:cNvSpPr>
-          <p:nvPr>
-            <p:ph type="title"/>
-          </p:nvPr>
-        </p:nvSpPr>
-        <p:spPr/>
-        <p:txBody>
-          <a:bodyPr/>
-          <a:lstStyle/>
-          <a:p>
-            <a:r>
-              <a:rPr lang="en-US" dirty="0"/>
-              <a:t>Forms of the Vertex Cover Problem</a:t>
-            </a:r>
-          </a:p>
-        </p:txBody>
-      </p:sp>
-      <mc:AlternateContent xmlns:mc="http://schemas.openxmlformats.org/markup-compatibility/2006" xmlns:a14="http://schemas.microsoft.com/office/drawing/2010/main">
-        <mc:Choice Requires="a14">
-          <p:sp>
-            <p:nvSpPr>
-              <p:cNvPr id="3" name="Content Placeholder 2"/>
-              <p:cNvSpPr>
-                <a:spLocks noGrp="1"/>
-              </p:cNvSpPr>
-              <p:nvPr>
-                <p:ph idx="1"/>
-              </p:nvPr>
-            </p:nvSpPr>
-            <p:spPr>
-              <a:xfrm>
-                <a:off x="609600" y="1371600"/>
-                <a:ext cx="10972800" cy="4984751"/>
-              </a:xfrm>
-            </p:spPr>
-            <p:txBody>
-              <a:bodyPr anchor="t" anchorCtr="0">
-                <a:normAutofit/>
-              </a:bodyPr>
-              <a:lstStyle/>
-              <a:p>
-                <a:pPr marL="0" indent="0">
-                  <a:buNone/>
-                </a:pPr>
-                <a:r>
-                  <a:rPr lang="en-US" dirty="0"/>
-                  <a:t>Vertex Cover: </a:t>
-                </a:r>
-                <a14:m>
-                  <m:oMath xmlns:m="http://schemas.openxmlformats.org/officeDocument/2006/math">
-                    <m:r>
-                      <a:rPr lang="en-US" b="0" i="1" smtClean="0">
-                        <a:latin typeface="Cambria Math"/>
-                      </a:rPr>
-                      <m:t>𝐶</m:t>
-                    </m:r>
-                    <m:r>
-                      <a:rPr lang="en-US" b="0" i="1" smtClean="0">
-                        <a:latin typeface="Cambria Math"/>
-                      </a:rPr>
-                      <m:t>⊆</m:t>
-                    </m:r>
-                    <m:r>
-                      <a:rPr lang="en-US" b="0" i="1" smtClean="0">
-                        <a:latin typeface="Cambria Math"/>
-                      </a:rPr>
-                      <m:t>𝑉</m:t>
-                    </m:r>
-                  </m:oMath>
-                </a14:m>
-                <a:r>
-                  <a:rPr lang="en-US" dirty="0"/>
-                  <a:t> is a vertex cover if every edge in </a:t>
-                </a:r>
-                <a14:m>
-                  <m:oMath xmlns:m="http://schemas.openxmlformats.org/officeDocument/2006/math">
-                    <m:r>
-                      <a:rPr lang="en-US" b="0" i="1" smtClean="0">
-                        <a:latin typeface="Cambria Math"/>
-                      </a:rPr>
-                      <m:t>𝐸</m:t>
-                    </m:r>
-                  </m:oMath>
-                </a14:m>
-                <a:r>
-                  <a:rPr lang="en-US" dirty="0"/>
-                  <a:t> has one of its endpoints in </a:t>
-                </a:r>
-                <a14:m>
-                  <m:oMath xmlns:m="http://schemas.openxmlformats.org/officeDocument/2006/math">
-                    <m:r>
-                      <a:rPr lang="en-US" b="0" i="1" smtClean="0">
-                        <a:latin typeface="Cambria Math"/>
-                      </a:rPr>
-                      <m:t>𝐶</m:t>
-                    </m:r>
-                  </m:oMath>
-                </a14:m>
-                <a:endParaRPr lang="en-US" dirty="0"/>
-              </a:p>
-              <a:p>
-                <a:r>
-                  <a:rPr lang="en-US" b="1" dirty="0">
-                    <a:solidFill>
-                      <a:schemeClr val="accent1"/>
-                    </a:solidFill>
-                  </a:rPr>
-                  <a:t>Minimum Vertex Cover Problem:</a:t>
-                </a:r>
-                <a:r>
-                  <a:rPr lang="en-US" dirty="0">
-                    <a:solidFill>
-                      <a:schemeClr val="accent1"/>
-                    </a:solidFill>
-                  </a:rPr>
-                  <a:t> </a:t>
-                </a:r>
-                <a:r>
-                  <a:rPr lang="en-US" dirty="0"/>
-                  <a:t>Given a </a:t>
-                </a:r>
-                <a:r>
-                  <a:rPr lang="en-US" dirty="0">
-                    <a:solidFill>
-                      <a:srgbClr val="C00000"/>
-                    </a:solidFill>
-                  </a:rPr>
-                  <a:t>graph </a:t>
-                </a:r>
-                <a14:m>
-                  <m:oMath xmlns:m="http://schemas.openxmlformats.org/officeDocument/2006/math">
-                    <m:r>
-                      <a:rPr lang="en-US" b="0" i="1" smtClean="0">
-                        <a:solidFill>
-                          <a:srgbClr val="C00000"/>
-                        </a:solidFill>
-                        <a:latin typeface="Cambria Math"/>
-                      </a:rPr>
-                      <m:t>𝐺</m:t>
-                    </m:r>
-                    <m:r>
-                      <a:rPr lang="en-US" b="0" i="1" smtClean="0">
-                        <a:solidFill>
-                          <a:srgbClr val="C00000"/>
-                        </a:solidFill>
-                        <a:latin typeface="Cambria Math"/>
-                      </a:rPr>
-                      <m:t>=(</m:t>
-                    </m:r>
-                    <m:r>
-                      <a:rPr lang="en-US" b="0" i="1" smtClean="0">
-                        <a:solidFill>
-                          <a:srgbClr val="C00000"/>
-                        </a:solidFill>
-                        <a:latin typeface="Cambria Math"/>
-                      </a:rPr>
-                      <m:t>𝑉</m:t>
-                    </m:r>
-                    <m:r>
-                      <a:rPr lang="en-US" b="0" i="1" smtClean="0">
-                        <a:solidFill>
-                          <a:srgbClr val="C00000"/>
-                        </a:solidFill>
-                        <a:latin typeface="Cambria Math"/>
-                      </a:rPr>
-                      <m:t>,</m:t>
-                    </m:r>
-                    <m:r>
-                      <a:rPr lang="en-US" b="0" i="1" smtClean="0">
-                        <a:solidFill>
-                          <a:srgbClr val="C00000"/>
-                        </a:solidFill>
-                        <a:latin typeface="Cambria Math"/>
-                      </a:rPr>
-                      <m:t>𝐸</m:t>
-                    </m:r>
-                    <m:r>
-                      <a:rPr lang="en-US" b="0" i="1" smtClean="0">
-                        <a:solidFill>
-                          <a:srgbClr val="C00000"/>
-                        </a:solidFill>
-                        <a:latin typeface="Cambria Math"/>
-                      </a:rPr>
-                      <m:t>)</m:t>
-                    </m:r>
-                  </m:oMath>
-                </a14:m>
-                <a:r>
-                  <a:rPr lang="en-US" dirty="0"/>
-                  <a:t> find the minimum vertex cover </a:t>
-                </a:r>
-                <a14:m>
-                  <m:oMath xmlns:m="http://schemas.openxmlformats.org/officeDocument/2006/math">
-                    <m:r>
-                      <a:rPr lang="en-US" b="0" i="1" smtClean="0">
-                        <a:latin typeface="Cambria Math"/>
-                      </a:rPr>
-                      <m:t>𝐶</m:t>
-                    </m:r>
-                  </m:oMath>
-                </a14:m>
-                <a:endParaRPr lang="en-US" dirty="0"/>
-              </a:p>
-              <a:p>
-                <a:pPr lvl="1"/>
-                <a:r>
-                  <a:rPr lang="en-US" dirty="0"/>
-                  <a:t>Result is C, a set of vertices</a:t>
-                </a:r>
-              </a:p>
-              <a:p>
-                <a14:m>
-                  <m:oMath xmlns:m="http://schemas.openxmlformats.org/officeDocument/2006/math">
-                    <m:r>
-                      <a:rPr lang="en-US" b="1" i="1" smtClean="0">
-                        <a:solidFill>
-                          <a:schemeClr val="accent1"/>
-                        </a:solidFill>
-                        <a:latin typeface="Cambria Math"/>
-                      </a:rPr>
-                      <m:t>𝒌</m:t>
-                    </m:r>
-                    <m:r>
-                      <a:rPr lang="en-US" b="1" i="1" smtClean="0">
-                        <a:solidFill>
-                          <a:schemeClr val="accent1"/>
-                        </a:solidFill>
-                        <a:latin typeface="Cambria Math"/>
-                      </a:rPr>
-                      <m:t> </m:t>
-                    </m:r>
-                  </m:oMath>
-                </a14:m>
-                <a:r>
-                  <a:rPr lang="en-US" b="1" dirty="0">
-                    <a:solidFill>
-                      <a:schemeClr val="accent1"/>
-                    </a:solidFill>
-                  </a:rPr>
-                  <a:t>Vertex Cover Problem:</a:t>
-                </a:r>
-                <a:r>
-                  <a:rPr lang="en-US" dirty="0"/>
-                  <a:t> Given a graph </a:t>
-                </a:r>
-                <a14:m>
-                  <m:oMath xmlns:m="http://schemas.openxmlformats.org/officeDocument/2006/math">
-                    <m:r>
-                      <a:rPr lang="en-US" i="1" smtClean="0">
-                        <a:solidFill>
-                          <a:srgbClr val="C00000"/>
-                        </a:solidFill>
-                        <a:latin typeface="Cambria Math"/>
-                      </a:rPr>
-                      <m:t>𝐺</m:t>
-                    </m:r>
-                    <m:r>
-                      <a:rPr lang="en-US" i="1" smtClean="0">
-                        <a:solidFill>
-                          <a:srgbClr val="C00000"/>
-                        </a:solidFill>
-                        <a:latin typeface="Cambria Math"/>
-                      </a:rPr>
-                      <m:t>=(</m:t>
-                    </m:r>
-                    <m:r>
-                      <a:rPr lang="en-US" i="1" smtClean="0">
-                        <a:solidFill>
-                          <a:srgbClr val="C00000"/>
-                        </a:solidFill>
-                        <a:latin typeface="Cambria Math"/>
-                      </a:rPr>
-                      <m:t>𝑉</m:t>
-                    </m:r>
-                    <m:r>
-                      <a:rPr lang="en-US" i="1" smtClean="0">
-                        <a:solidFill>
-                          <a:srgbClr val="C00000"/>
-                        </a:solidFill>
-                        <a:latin typeface="Cambria Math"/>
-                      </a:rPr>
-                      <m:t>,</m:t>
-                    </m:r>
-                    <m:r>
-                      <a:rPr lang="en-US" i="1" smtClean="0">
-                        <a:solidFill>
-                          <a:srgbClr val="C00000"/>
-                        </a:solidFill>
-                        <a:latin typeface="Cambria Math"/>
-                      </a:rPr>
-                      <m:t>𝐸</m:t>
-                    </m:r>
-                    <m:r>
-                      <a:rPr lang="en-US" i="1" smtClean="0">
-                        <a:solidFill>
-                          <a:srgbClr val="C00000"/>
-                        </a:solidFill>
-                        <a:latin typeface="Cambria Math"/>
-                      </a:rPr>
-                      <m:t>)</m:t>
-                    </m:r>
-                  </m:oMath>
-                </a14:m>
-                <a:r>
-                  <a:rPr lang="en-US" dirty="0"/>
-                  <a:t> </a:t>
-                </a:r>
-                <a:r>
-                  <a:rPr lang="en-US" u="sng" dirty="0"/>
-                  <a:t>and</a:t>
-                </a:r>
-                <a:r>
-                  <a:rPr lang="en-US" dirty="0"/>
-                  <a:t> an </a:t>
-                </a:r>
-                <a:r>
-                  <a:rPr lang="en-US" dirty="0">
-                    <a:solidFill>
-                      <a:srgbClr val="C00000"/>
-                    </a:solidFill>
-                  </a:rPr>
-                  <a:t>integer </a:t>
-                </a:r>
-                <a14:m>
-                  <m:oMath xmlns:m="http://schemas.openxmlformats.org/officeDocument/2006/math">
-                    <m:r>
-                      <a:rPr lang="en-US" i="1">
-                        <a:solidFill>
-                          <a:srgbClr val="C00000"/>
-                        </a:solidFill>
-                        <a:latin typeface="Cambria Math"/>
-                      </a:rPr>
-                      <m:t>𝑘</m:t>
-                    </m:r>
-                  </m:oMath>
-                </a14:m>
-                <a:r>
-                  <a:rPr lang="en-US" dirty="0"/>
-                  <a:t>, </a:t>
-                </a:r>
-                <a:r>
-                  <a:rPr lang="en-US" b="1" dirty="0"/>
-                  <a:t>determine if there is a vertex cover </a:t>
-                </a:r>
-                <a14:m>
-                  <m:oMath xmlns:m="http://schemas.openxmlformats.org/officeDocument/2006/math">
-                    <m:r>
-                      <a:rPr lang="en-US" b="1" i="1">
-                        <a:latin typeface="Cambria Math"/>
-                      </a:rPr>
-                      <m:t>𝑪</m:t>
-                    </m:r>
-                  </m:oMath>
-                </a14:m>
-                <a:r>
-                  <a:rPr lang="en-US" b="1" dirty="0"/>
-                  <a:t> of size </a:t>
-                </a:r>
-                <a14:m>
-                  <m:oMath xmlns:m="http://schemas.openxmlformats.org/officeDocument/2006/math">
-                    <m:r>
-                      <a:rPr lang="en-US" b="1" i="1">
-                        <a:latin typeface="Cambria Math"/>
-                      </a:rPr>
-                      <m:t>𝒌</m:t>
-                    </m:r>
-                  </m:oMath>
-                </a14:m>
-                <a:endParaRPr lang="en-US" b="1" dirty="0"/>
-              </a:p>
-              <a:p>
-                <a:pPr lvl="1"/>
-                <a:r>
-                  <a:rPr lang="en-US" dirty="0"/>
-                  <a:t>Result is True or False</a:t>
-                </a:r>
-              </a:p>
-              <a:p>
-                <a:pPr lvl="1"/>
-                <a:r>
-                  <a:rPr lang="en-US" dirty="0"/>
-                  <a:t>This is the </a:t>
-                </a:r>
-                <a:r>
-                  <a:rPr lang="en-US" b="1" i="1" dirty="0">
-                    <a:solidFill>
-                      <a:schemeClr val="accent1"/>
-                    </a:solidFill>
-                  </a:rPr>
-                  <a:t>decision problem form </a:t>
-                </a:r>
-                <a:r>
-                  <a:rPr lang="en-US" dirty="0"/>
-                  <a:t>of Vertex Cover</a:t>
-                </a:r>
-              </a:p>
-              <a:p>
-                <a:endParaRPr lang="en-US" dirty="0"/>
-              </a:p>
-            </p:txBody>
-          </p:sp>
-        </mc:Choice>
-        <mc:Fallback xmlns="">
-          <p:sp>
-            <p:nvSpPr>
-              <p:cNvPr id="3" name="Content Placeholder 2"/>
-              <p:cNvSpPr>
-                <a:spLocks noGrp="1" noRot="1" noChangeAspect="1" noMove="1" noResize="1" noEditPoints="1" noAdjustHandles="1" noChangeArrowheads="1" noChangeShapeType="1" noTextEdit="1"/>
-              </p:cNvSpPr>
-              <p:nvPr>
-                <p:ph idx="1"/>
-              </p:nvPr>
-            </p:nvSpPr>
-            <p:spPr>
-              <a:xfrm>
-                <a:off x="609600" y="1371600"/>
-                <a:ext cx="10972800" cy="4984751"/>
-              </a:xfrm>
-              <a:blipFill>
-                <a:blip r:embed="rId2"/>
-                <a:stretch>
-                  <a:fillRect l="-1387" t="-1781"/>
-                </a:stretch>
-              </a:blipFill>
-            </p:spPr>
-            <p:txBody>
-              <a:bodyPr/>
-              <a:lstStyle/>
-              <a:p>
-                <a:r>
-                  <a:rPr lang="en-US">
-                    <a:noFill/>
-                  </a:rPr>
-                  <a:t> </a:t>
-                </a:r>
-              </a:p>
-            </p:txBody>
-          </p:sp>
-        </mc:Fallback>
-      </mc:AlternateContent>
-      <p:sp>
-        <p:nvSpPr>
-          <p:cNvPr id="4" name="Slide Number Placeholder 3"/>
-          <p:cNvSpPr>
-            <a:spLocks noGrp="1"/>
-          </p:cNvSpPr>
-          <p:nvPr>
-            <p:ph type="sldNum" sz="quarter" idx="12"/>
-          </p:nvPr>
-        </p:nvSpPr>
-        <p:spPr/>
-        <p:txBody>
-          <a:bodyPr/>
-          <a:lstStyle/>
-          <a:p>
-            <a:fld id="{86BADE50-950A-4D58-BFB2-FA2C6A8B385D}" type="slidenum">
-              <a:rPr lang="en-US" smtClean="0"/>
-              <a:t>3</a:t>
-            </a:fld>
-            <a:endParaRPr lang="en-US"/>
-          </a:p>
-        </p:txBody>
-      </p:sp>
-    </p:spTree>
-    <p:extLst>
-      <p:ext uri="{BB962C8B-B14F-4D97-AF65-F5344CB8AC3E}">
-        <p14:creationId xmlns:p14="http://schemas.microsoft.com/office/powerpoint/2010/main" val="2903503401"/>
-      </p:ext>
-    </p:extLst>
-  </p:cSld>
-  <p:clrMapOvr>
-    <a:masterClrMapping/>
-  </p:clrMapOvr>
-</p:sld>
-</file>
-
-<file path=ppt/slides/slide30.xml><?xml version="1.0" encoding="utf-8"?>
+<file path=ppt/slides/slide39.xml><?xml version="1.0" encoding="utf-8"?>
 <p:sld xmlns:a="http://schemas.openxmlformats.org/drawingml/2006/main" xmlns:r="http://schemas.openxmlformats.org/officeDocument/2006/relationships" xmlns:p="http://schemas.openxmlformats.org/presentationml/2006/main">
   <p:cSld>
     <p:spTree>
@@ -22602,7 +27254,7 @@
           <a:p>
             <a:fld id="{86BADE50-950A-4D58-BFB2-FA2C6A8B385D}" type="slidenum">
               <a:rPr lang="en-US" smtClean="0"/>
-              <a:t>30</a:t>
+              <a:t>39</a:t>
             </a:fld>
             <a:endParaRPr lang="en-US"/>
           </a:p>
@@ -22612,628 +27264,6 @@
     <p:extLst>
       <p:ext uri="{BB962C8B-B14F-4D97-AF65-F5344CB8AC3E}">
         <p14:creationId xmlns:p14="http://schemas.microsoft.com/office/powerpoint/2010/main" val="3407134460"/>
-      </p:ext>
-    </p:extLst>
-  </p:cSld>
-  <p:clrMapOvr>
-    <a:masterClrMapping/>
-  </p:clrMapOvr>
-</p:sld>
-</file>
-
-<file path=ppt/slides/slide31.xml><?xml version="1.0" encoding="utf-8"?>
-<p:sld xmlns:a="http://schemas.openxmlformats.org/drawingml/2006/main" xmlns:r="http://schemas.openxmlformats.org/officeDocument/2006/relationships" xmlns:p="http://schemas.openxmlformats.org/presentationml/2006/main">
-  <p:cSld>
-    <p:spTree>
-      <p:nvGrpSpPr>
-        <p:cNvPr id="1" name=""/>
-        <p:cNvGrpSpPr/>
-        <p:nvPr/>
-      </p:nvGrpSpPr>
-      <p:grpSpPr>
-        <a:xfrm>
-          <a:off x="0" y="0"/>
-          <a:ext cx="0" cy="0"/>
-          <a:chOff x="0" y="0"/>
-          <a:chExt cx="0" cy="0"/>
-        </a:xfrm>
-      </p:grpSpPr>
-      <p:sp>
-        <p:nvSpPr>
-          <p:cNvPr id="44035" name="Rectangle 2"/>
-          <p:cNvSpPr>
-            <a:spLocks noGrp="1" noChangeArrowheads="1"/>
-          </p:cNvSpPr>
-          <p:nvPr>
-            <p:ph type="title"/>
-            <p:custDataLst>
-              <p:tags r:id="rId1"/>
-            </p:custDataLst>
-          </p:nvPr>
-        </p:nvSpPr>
-        <p:spPr/>
-        <p:txBody>
-          <a:bodyPr/>
-          <a:lstStyle/>
-          <a:p>
-            <a:r>
-              <a:rPr lang="en-US" dirty="0">
-                <a:latin typeface="Tahoma" charset="0"/>
-              </a:rPr>
-              <a:t>“Consequences” of NP-Completeness</a:t>
-            </a:r>
-          </a:p>
-        </p:txBody>
-      </p:sp>
-      <p:sp>
-        <p:nvSpPr>
-          <p:cNvPr id="44036" name="Rectangle 3"/>
-          <p:cNvSpPr>
-            <a:spLocks noGrp="1" noChangeArrowheads="1"/>
-          </p:cNvSpPr>
-          <p:nvPr>
-            <p:ph type="body" idx="1"/>
-            <p:custDataLst>
-              <p:tags r:id="rId2"/>
-            </p:custDataLst>
-          </p:nvPr>
-        </p:nvSpPr>
-        <p:spPr/>
-        <p:txBody>
-          <a:bodyPr>
-            <a:normAutofit lnSpcReduction="10000"/>
-          </a:bodyPr>
-          <a:lstStyle/>
-          <a:p>
-            <a:r>
-              <a:rPr lang="en-US" sz="2800" dirty="0">
-                <a:latin typeface="Tahoma" charset="0"/>
-              </a:rPr>
-              <a:t>NP-Complete is the set of </a:t>
-            </a:r>
-            <a:r>
-              <a:rPr lang="ja-JP" altLang="en-US" sz="2800">
-                <a:latin typeface="Tahoma" charset="0"/>
-              </a:rPr>
-              <a:t>“</a:t>
-            </a:r>
-            <a:r>
-              <a:rPr lang="en-US" sz="2800" dirty="0">
-                <a:latin typeface="Tahoma" charset="0"/>
-              </a:rPr>
-              <a:t>hardest</a:t>
-            </a:r>
-            <a:r>
-              <a:rPr lang="ja-JP" altLang="en-US" sz="2800" dirty="0">
-                <a:latin typeface="Tahoma" charset="0"/>
-              </a:rPr>
-              <a:t>”</a:t>
-            </a:r>
-            <a:r>
-              <a:rPr lang="en-US" sz="2800" dirty="0">
-                <a:latin typeface="Tahoma" charset="0"/>
-              </a:rPr>
-              <a:t> problems in NP, with these important properties:</a:t>
-            </a:r>
-          </a:p>
-          <a:p>
-            <a:pPr lvl="1"/>
-            <a:r>
-              <a:rPr lang="en-US" sz="2400" dirty="0">
-                <a:latin typeface="Tahoma" charset="0"/>
-                <a:ea typeface="ＭＳ Ｐゴシック" charset="0"/>
-              </a:rPr>
-              <a:t>If any </a:t>
-            </a:r>
-            <a:r>
-              <a:rPr lang="en-US" sz="2400" i="1" dirty="0">
-                <a:latin typeface="Tahoma" charset="0"/>
-                <a:ea typeface="ＭＳ Ｐゴシック" charset="0"/>
-              </a:rPr>
-              <a:t>one </a:t>
-            </a:r>
-            <a:r>
-              <a:rPr lang="en-US" sz="2400" dirty="0">
-                <a:latin typeface="Tahoma" charset="0"/>
-                <a:ea typeface="ＭＳ Ｐゴシック" charset="0"/>
-              </a:rPr>
-              <a:t> NP-Complete problem can be solved in polynomial time…</a:t>
-            </a:r>
-          </a:p>
-          <a:p>
-            <a:pPr lvl="1"/>
-            <a:r>
-              <a:rPr lang="en-US" sz="2400" dirty="0">
-                <a:latin typeface="Tahoma" charset="0"/>
-                <a:ea typeface="ＭＳ Ｐゴシック" charset="0"/>
-              </a:rPr>
-              <a:t>…then </a:t>
-            </a:r>
-            <a:r>
-              <a:rPr lang="en-US" sz="2400" i="1" dirty="0">
-                <a:latin typeface="Tahoma" charset="0"/>
-                <a:ea typeface="ＭＳ Ｐゴシック" charset="0"/>
-              </a:rPr>
-              <a:t>every  </a:t>
-            </a:r>
-            <a:r>
-              <a:rPr lang="en-US" sz="2400" dirty="0">
-                <a:latin typeface="Tahoma" charset="0"/>
-                <a:ea typeface="ＭＳ Ｐゴシック" charset="0"/>
-              </a:rPr>
-              <a:t>NP-Complete problem can be solved in polynomial time…</a:t>
-            </a:r>
-          </a:p>
-          <a:p>
-            <a:pPr lvl="1"/>
-            <a:r>
-              <a:rPr lang="en-US" sz="2400" dirty="0">
-                <a:latin typeface="Tahoma" charset="0"/>
-                <a:ea typeface="ＭＳ Ｐゴシック" charset="0"/>
-              </a:rPr>
-              <a:t>…and in fact </a:t>
-            </a:r>
-            <a:r>
-              <a:rPr lang="en-US" sz="2400" i="1" dirty="0">
-                <a:latin typeface="Tahoma" charset="0"/>
-                <a:ea typeface="ＭＳ Ｐゴシック" charset="0"/>
-              </a:rPr>
-              <a:t>every </a:t>
-            </a:r>
-            <a:r>
-              <a:rPr lang="en-US" sz="2400" dirty="0">
-                <a:latin typeface="Tahoma" charset="0"/>
-                <a:ea typeface="ＭＳ Ｐゴシック" charset="0"/>
-              </a:rPr>
-              <a:t>problem in </a:t>
-            </a:r>
-            <a:r>
-              <a:rPr lang="en-US" sz="2400" b="1" dirty="0">
-                <a:latin typeface="Tahoma" charset="0"/>
-                <a:ea typeface="ＭＳ Ｐゴシック" charset="0"/>
-              </a:rPr>
-              <a:t>NP</a:t>
-            </a:r>
-            <a:r>
-              <a:rPr lang="en-US" sz="2400" dirty="0">
-                <a:latin typeface="Tahoma" charset="0"/>
-                <a:ea typeface="ＭＳ Ｐゴシック" charset="0"/>
-              </a:rPr>
-              <a:t> can be solved in polynomial time (which would show </a:t>
-            </a:r>
-            <a:r>
-              <a:rPr lang="en-US" sz="2400" b="1" dirty="0">
-                <a:latin typeface="Tahoma" charset="0"/>
-                <a:ea typeface="ＭＳ Ｐゴシック" charset="0"/>
-              </a:rPr>
-              <a:t>P = NP</a:t>
-            </a:r>
-            <a:r>
-              <a:rPr lang="en-US" sz="2400" dirty="0">
-                <a:latin typeface="Tahoma" charset="0"/>
-                <a:ea typeface="ＭＳ Ｐゴシック" charset="0"/>
-              </a:rPr>
-              <a:t>)</a:t>
-            </a:r>
-          </a:p>
-          <a:p>
-            <a:pPr lvl="1"/>
-            <a:r>
-              <a:rPr lang="en-US" sz="2400" dirty="0">
-                <a:latin typeface="Tahoma" charset="0"/>
-                <a:ea typeface="ＭＳ Ｐゴシック" charset="0"/>
-              </a:rPr>
-              <a:t>Or, prove an exponential lower-bound for </a:t>
-            </a:r>
-            <a:r>
-              <a:rPr lang="en-US" sz="2400" i="1" dirty="0">
-                <a:latin typeface="Tahoma" charset="0"/>
-                <a:ea typeface="ＭＳ Ｐゴシック" charset="0"/>
-              </a:rPr>
-              <a:t>any single</a:t>
-            </a:r>
-            <a:r>
-              <a:rPr lang="en-US" sz="2400" dirty="0">
-                <a:latin typeface="Tahoma" charset="0"/>
-                <a:ea typeface="ＭＳ Ｐゴシック" charset="0"/>
-              </a:rPr>
-              <a:t> </a:t>
-            </a:r>
-            <a:r>
-              <a:rPr lang="en-US" sz="2400" b="1" dirty="0">
-                <a:latin typeface="Tahoma" charset="0"/>
-                <a:ea typeface="ＭＳ Ｐゴシック" charset="0"/>
-              </a:rPr>
-              <a:t>NP-hard</a:t>
-            </a:r>
-            <a:r>
-              <a:rPr lang="en-US" sz="2400" dirty="0">
-                <a:latin typeface="Tahoma" charset="0"/>
-                <a:ea typeface="ＭＳ Ｐゴシック" charset="0"/>
-              </a:rPr>
-              <a:t> problem, then </a:t>
-            </a:r>
-            <a:r>
-              <a:rPr lang="en-US" sz="2400" i="1" dirty="0">
-                <a:latin typeface="Tahoma" charset="0"/>
-                <a:ea typeface="ＭＳ Ｐゴシック" charset="0"/>
-              </a:rPr>
-              <a:t>every</a:t>
-            </a:r>
-            <a:r>
-              <a:rPr lang="en-US" sz="2400" dirty="0">
-                <a:latin typeface="Tahoma" charset="0"/>
-                <a:ea typeface="ＭＳ Ｐゴシック" charset="0"/>
-              </a:rPr>
-              <a:t>  </a:t>
-            </a:r>
-            <a:r>
-              <a:rPr lang="en-US" sz="2400" b="1" dirty="0">
-                <a:latin typeface="Tahoma" charset="0"/>
-                <a:ea typeface="ＭＳ Ｐゴシック" charset="0"/>
-              </a:rPr>
-              <a:t>NP-hard</a:t>
-            </a:r>
-            <a:r>
-              <a:rPr lang="en-US" sz="2400" dirty="0">
-                <a:latin typeface="Tahoma" charset="0"/>
-                <a:ea typeface="ＭＳ Ｐゴシック" charset="0"/>
-              </a:rPr>
-              <a:t> problem (including </a:t>
-            </a:r>
-            <a:r>
-              <a:rPr lang="en-US" sz="2400" b="1" dirty="0">
-                <a:latin typeface="Tahoma" charset="0"/>
-                <a:ea typeface="ＭＳ Ｐゴシック" charset="0"/>
-              </a:rPr>
-              <a:t>NP-C</a:t>
-            </a:r>
-            <a:r>
-              <a:rPr lang="en-US" sz="2400" dirty="0">
-                <a:latin typeface="Tahoma" charset="0"/>
-                <a:ea typeface="ＭＳ Ｐゴシック" charset="0"/>
-              </a:rPr>
-              <a:t>) is exponential</a:t>
-            </a:r>
-          </a:p>
-          <a:p>
-            <a:pPr marL="457200" lvl="1" indent="0">
-              <a:buNone/>
-            </a:pPr>
-            <a:endParaRPr lang="en-US" sz="2400" dirty="0">
-              <a:latin typeface="Tahoma" charset="0"/>
-              <a:ea typeface="ＭＳ Ｐゴシック" charset="0"/>
-            </a:endParaRPr>
-          </a:p>
-          <a:p>
-            <a:pPr marL="457200" lvl="1" indent="0">
-              <a:buNone/>
-            </a:pPr>
-            <a:r>
-              <a:rPr lang="en-US" sz="2400" dirty="0">
-                <a:latin typeface="Tahoma" charset="0"/>
-                <a:ea typeface="ＭＳ Ｐゴシック" charset="0"/>
-              </a:rPr>
-              <a:t>Therefore: solve (say) traveling salesperson problem in O(</a:t>
-            </a:r>
-            <a:r>
-              <a:rPr lang="en-US" sz="2400" i="1" dirty="0">
-                <a:latin typeface="Tahoma" charset="0"/>
-                <a:ea typeface="ＭＳ Ｐゴシック" charset="0"/>
-              </a:rPr>
-              <a:t>n</a:t>
-            </a:r>
-            <a:r>
-              <a:rPr lang="en-US" sz="2400" baseline="30000" dirty="0">
-                <a:latin typeface="Tahoma" charset="0"/>
-                <a:ea typeface="ＭＳ Ｐゴシック" charset="0"/>
-              </a:rPr>
-              <a:t>100</a:t>
-            </a:r>
-            <a:r>
-              <a:rPr lang="en-US" sz="2400" dirty="0">
-                <a:latin typeface="Tahoma" charset="0"/>
-                <a:ea typeface="ＭＳ Ｐゴシック" charset="0"/>
-              </a:rPr>
-              <a:t>) time, you</a:t>
-            </a:r>
-            <a:r>
-              <a:rPr lang="fr-FR" altLang="ja-JP" sz="2400" dirty="0">
-                <a:latin typeface="Tahoma" charset="0"/>
-                <a:ea typeface="ＭＳ Ｐゴシック" charset="0"/>
-              </a:rPr>
-              <a:t>'</a:t>
-            </a:r>
-            <a:r>
-              <a:rPr lang="en-US" sz="2400" dirty="0" err="1">
-                <a:latin typeface="Tahoma" charset="0"/>
-                <a:ea typeface="ＭＳ Ｐゴシック" charset="0"/>
-              </a:rPr>
-              <a:t>ve</a:t>
-            </a:r>
-            <a:r>
-              <a:rPr lang="en-US" sz="2400" dirty="0">
-                <a:latin typeface="Tahoma" charset="0"/>
-                <a:ea typeface="ＭＳ Ｐゴシック" charset="0"/>
-              </a:rPr>
-              <a:t> proved that </a:t>
-            </a:r>
-            <a:r>
-              <a:rPr lang="en-US" sz="2400" b="1" dirty="0">
-                <a:latin typeface="Tahoma" charset="0"/>
-                <a:ea typeface="ＭＳ Ｐゴシック" charset="0"/>
-              </a:rPr>
-              <a:t>P = NP</a:t>
-            </a:r>
-            <a:r>
-              <a:rPr lang="en-US" sz="2400" dirty="0">
-                <a:latin typeface="Tahoma" charset="0"/>
-                <a:ea typeface="ＭＳ Ｐゴシック" charset="0"/>
-              </a:rPr>
-              <a:t>.  Retire rich &amp; famous!</a:t>
-            </a:r>
-          </a:p>
-        </p:txBody>
-      </p:sp>
-    </p:spTree>
-    <p:extLst>
-      <p:ext uri="{BB962C8B-B14F-4D97-AF65-F5344CB8AC3E}">
-        <p14:creationId xmlns:p14="http://schemas.microsoft.com/office/powerpoint/2010/main" val="1641680258"/>
-      </p:ext>
-    </p:extLst>
-  </p:cSld>
-  <p:clrMapOvr>
-    <a:masterClrMapping/>
-  </p:clrMapOvr>
-</p:sld>
-</file>
-
-<file path=ppt/slides/slide32.xml><?xml version="1.0" encoding="utf-8"?>
-<p:sld xmlns:a="http://schemas.openxmlformats.org/drawingml/2006/main" xmlns:r="http://schemas.openxmlformats.org/officeDocument/2006/relationships" xmlns:p="http://schemas.openxmlformats.org/presentationml/2006/main">
-  <p:cSld>
-    <p:spTree>
-      <p:nvGrpSpPr>
-        <p:cNvPr id="1" name=""/>
-        <p:cNvGrpSpPr/>
-        <p:nvPr/>
-      </p:nvGrpSpPr>
-      <p:grpSpPr>
-        <a:xfrm>
-          <a:off x="0" y="0"/>
-          <a:ext cx="0" cy="0"/>
-          <a:chOff x="0" y="0"/>
-          <a:chExt cx="0" cy="0"/>
-        </a:xfrm>
-      </p:grpSpPr>
-      <p:sp>
-        <p:nvSpPr>
-          <p:cNvPr id="22529" name="Rectangle 2">
-            <a:extLst>
-              <a:ext uri="{FF2B5EF4-FFF2-40B4-BE49-F238E27FC236}">
-                <a16:creationId xmlns:a16="http://schemas.microsoft.com/office/drawing/2014/main" id="{AB0B5365-AE68-B449-80E5-97D49E233821}"/>
-              </a:ext>
-            </a:extLst>
-          </p:cNvPr>
-          <p:cNvSpPr>
-            <a:spLocks noGrp="1" noChangeArrowheads="1"/>
-          </p:cNvSpPr>
-          <p:nvPr>
-            <p:ph type="title"/>
-            <p:custDataLst>
-              <p:tags r:id="rId1"/>
-            </p:custDataLst>
-          </p:nvPr>
-        </p:nvSpPr>
-        <p:spPr/>
-        <p:txBody>
-          <a:bodyPr/>
-          <a:lstStyle/>
-          <a:p>
-            <a:r>
-              <a:rPr lang="en-US" altLang="en-US" sz="3200">
-                <a:ea typeface="ＭＳ Ｐゴシック" panose="020B0600070205080204" pitchFamily="34" charset="-128"/>
-              </a:rPr>
-              <a:t>Can a Problem be NP-Hard but not NP-C?</a:t>
-            </a:r>
-          </a:p>
-        </p:txBody>
-      </p:sp>
-      <p:sp>
-        <p:nvSpPr>
-          <p:cNvPr id="22530" name="Rectangle 3">
-            <a:extLst>
-              <a:ext uri="{FF2B5EF4-FFF2-40B4-BE49-F238E27FC236}">
-                <a16:creationId xmlns:a16="http://schemas.microsoft.com/office/drawing/2014/main" id="{DA1A36A9-9BC7-074D-ADE3-7D8289286D70}"/>
-              </a:ext>
-            </a:extLst>
-          </p:cNvPr>
-          <p:cNvSpPr>
-            <a:spLocks noGrp="1" noChangeArrowheads="1"/>
-          </p:cNvSpPr>
-          <p:nvPr>
-            <p:ph type="body" idx="1"/>
-            <p:custDataLst>
-              <p:tags r:id="rId2"/>
-            </p:custDataLst>
-          </p:nvPr>
-        </p:nvSpPr>
-        <p:spPr>
-          <a:xfrm>
-            <a:off x="762000" y="1524000"/>
-            <a:ext cx="9677400" cy="4724400"/>
-          </a:xfrm>
-        </p:spPr>
-        <p:txBody>
-          <a:bodyPr>
-            <a:normAutofit lnSpcReduction="10000"/>
-          </a:bodyPr>
-          <a:lstStyle/>
-          <a:p>
-            <a:pPr>
-              <a:lnSpc>
-                <a:spcPct val="90000"/>
-              </a:lnSpc>
-            </a:pPr>
-            <a:r>
-              <a:rPr lang="en-US" altLang="en-US" sz="2800" dirty="0">
-                <a:ea typeface="ＭＳ Ｐゴシック" panose="020B0600070205080204" pitchFamily="34" charset="-128"/>
-              </a:rPr>
-              <a:t>So, find a reduction and then try to prove B </a:t>
-            </a:r>
-            <a:r>
-              <a:rPr lang="en-US" altLang="en-US" sz="2800" dirty="0">
-                <a:ea typeface="ＭＳ Ｐゴシック" panose="020B0600070205080204" pitchFamily="34" charset="-128"/>
-                <a:sym typeface="Symbol" pitchFamily="2" charset="2"/>
-              </a:rPr>
-              <a:t></a:t>
-            </a:r>
-            <a:r>
-              <a:rPr lang="en-US" altLang="en-US" sz="2800" dirty="0">
-                <a:ea typeface="ＭＳ Ｐゴシック" panose="020B0600070205080204" pitchFamily="34" charset="-128"/>
-              </a:rPr>
-              <a:t> </a:t>
-            </a:r>
-            <a:r>
-              <a:rPr lang="en-US" altLang="en-US" sz="2800" b="1" dirty="0">
-                <a:ea typeface="ＭＳ Ｐゴシック" panose="020B0600070205080204" pitchFamily="34" charset="-128"/>
-              </a:rPr>
-              <a:t>NP</a:t>
-            </a:r>
-          </a:p>
-          <a:p>
-            <a:pPr lvl="1">
-              <a:lnSpc>
-                <a:spcPct val="90000"/>
-              </a:lnSpc>
-            </a:pPr>
-            <a:r>
-              <a:rPr lang="en-US" altLang="en-US" sz="2400" i="1" dirty="0">
-                <a:solidFill>
-                  <a:schemeClr val="accent1"/>
-                </a:solidFill>
-                <a:ea typeface="ＭＳ Ｐゴシック" panose="020B0600070205080204" pitchFamily="34" charset="-128"/>
-              </a:rPr>
-              <a:t>What if you can</a:t>
-            </a:r>
-            <a:r>
-              <a:rPr lang="ja-JP" altLang="en-US" sz="2400" i="1">
-                <a:solidFill>
-                  <a:schemeClr val="accent1"/>
-                </a:solidFill>
-                <a:ea typeface="ＭＳ Ｐゴシック" panose="020B0600070205080204" pitchFamily="34" charset="-128"/>
-              </a:rPr>
-              <a:t>’</a:t>
-            </a:r>
-            <a:r>
-              <a:rPr lang="en-US" altLang="ja-JP" sz="2400" i="1" dirty="0">
-                <a:solidFill>
-                  <a:schemeClr val="accent1"/>
-                </a:solidFill>
-                <a:ea typeface="ＭＳ Ｐゴシック" panose="020B0600070205080204" pitchFamily="34" charset="-128"/>
-              </a:rPr>
-              <a:t>t?</a:t>
-            </a:r>
-            <a:endParaRPr lang="en-US" altLang="ja-JP" sz="2400" dirty="0">
-              <a:ea typeface="ＭＳ Ｐゴシック" panose="020B0600070205080204" pitchFamily="34" charset="-128"/>
-            </a:endParaRPr>
-          </a:p>
-          <a:p>
-            <a:pPr>
-              <a:lnSpc>
-                <a:spcPct val="90000"/>
-              </a:lnSpc>
-            </a:pPr>
-            <a:r>
-              <a:rPr lang="en-US" altLang="en-US" sz="2800" dirty="0">
-                <a:ea typeface="ＭＳ Ｐゴシック" panose="020B0600070205080204" pitchFamily="34" charset="-128"/>
-              </a:rPr>
-              <a:t>Are there any problems B that are NP-hard but not NP-complete?  This means:</a:t>
-            </a:r>
-          </a:p>
-          <a:p>
-            <a:pPr lvl="1">
-              <a:lnSpc>
-                <a:spcPct val="90000"/>
-              </a:lnSpc>
-            </a:pPr>
-            <a:r>
-              <a:rPr lang="en-US" altLang="en-US" sz="2400" dirty="0">
-                <a:ea typeface="ＭＳ Ｐゴシック" panose="020B0600070205080204" pitchFamily="34" charset="-128"/>
-              </a:rPr>
-              <a:t>All problems in NP reduce to B .  (A known NP-Hard problem can be reduced to B.)</a:t>
-            </a:r>
-          </a:p>
-          <a:p>
-            <a:pPr lvl="1">
-              <a:lnSpc>
-                <a:spcPct val="90000"/>
-              </a:lnSpc>
-            </a:pPr>
-            <a:r>
-              <a:rPr lang="en-US" altLang="en-US" sz="2400" dirty="0">
-                <a:ea typeface="ＭＳ Ｐゴシック" panose="020B0600070205080204" pitchFamily="34" charset="-128"/>
-              </a:rPr>
-              <a:t>But, B cannot be proved to be in NP</a:t>
-            </a:r>
-          </a:p>
-          <a:p>
-            <a:pPr>
-              <a:lnSpc>
-                <a:spcPct val="90000"/>
-              </a:lnSpc>
-            </a:pPr>
-            <a:r>
-              <a:rPr lang="en-US" altLang="en-US" sz="2800" dirty="0">
-                <a:ea typeface="ＭＳ Ｐゴシック" panose="020B0600070205080204" pitchFamily="34" charset="-128"/>
-              </a:rPr>
-              <a:t>Yes!  Some examples:</a:t>
-            </a:r>
-          </a:p>
-          <a:p>
-            <a:pPr lvl="1">
-              <a:lnSpc>
-                <a:spcPct val="90000"/>
-              </a:lnSpc>
-            </a:pPr>
-            <a:r>
-              <a:rPr lang="en-US" altLang="en-US" sz="2400" dirty="0">
-                <a:ea typeface="ＭＳ Ｐゴシック" panose="020B0600070205080204" pitchFamily="34" charset="-128"/>
-              </a:rPr>
-              <a:t>Non-decision forms of known NP-Cs (e.g. TSP)</a:t>
-            </a:r>
-          </a:p>
-          <a:p>
-            <a:pPr lvl="1">
-              <a:lnSpc>
-                <a:spcPct val="90000"/>
-              </a:lnSpc>
-            </a:pPr>
-            <a:r>
-              <a:rPr lang="en-US" altLang="en-US" sz="2400" dirty="0">
-                <a:ea typeface="ＭＳ Ｐゴシック" panose="020B0600070205080204" pitchFamily="34" charset="-128"/>
-              </a:rPr>
-              <a:t>The halting problem. (Transform a SAT expression to a Turing machine.)</a:t>
-            </a:r>
-          </a:p>
-          <a:p>
-            <a:pPr lvl="1">
-              <a:lnSpc>
-                <a:spcPct val="90000"/>
-              </a:lnSpc>
-            </a:pPr>
-            <a:r>
-              <a:rPr lang="en-US" altLang="en-US" sz="2400" dirty="0">
-                <a:ea typeface="ＭＳ Ｐゴシック" panose="020B0600070205080204" pitchFamily="34" charset="-128"/>
-              </a:rPr>
-              <a:t>Others.</a:t>
-            </a:r>
-          </a:p>
-        </p:txBody>
-      </p:sp>
-    </p:spTree>
-    <p:extLst>
-      <p:ext uri="{BB962C8B-B14F-4D97-AF65-F5344CB8AC3E}">
-        <p14:creationId xmlns:p14="http://schemas.microsoft.com/office/powerpoint/2010/main" val="3147059245"/>
       </p:ext>
     </p:extLst>
   </p:cSld>
@@ -26135,6 +30165,589 @@
 </p:sld>
 </file>
 
+<file path=ppt/slides/slide40.xml><?xml version="1.0" encoding="utf-8"?>
+<p:sld xmlns:a="http://schemas.openxmlformats.org/drawingml/2006/main" xmlns:r="http://schemas.openxmlformats.org/officeDocument/2006/relationships" xmlns:p="http://schemas.openxmlformats.org/presentationml/2006/main">
+  <p:cSld>
+    <p:spTree>
+      <p:nvGrpSpPr>
+        <p:cNvPr id="1" name=""/>
+        <p:cNvGrpSpPr/>
+        <p:nvPr/>
+      </p:nvGrpSpPr>
+      <p:grpSpPr>
+        <a:xfrm>
+          <a:off x="0" y="0"/>
+          <a:ext cx="0" cy="0"/>
+          <a:chOff x="0" y="0"/>
+          <a:chExt cx="0" cy="0"/>
+        </a:xfrm>
+      </p:grpSpPr>
+      <p:sp>
+        <p:nvSpPr>
+          <p:cNvPr id="44035" name="Rectangle 2"/>
+          <p:cNvSpPr>
+            <a:spLocks noGrp="1" noChangeArrowheads="1"/>
+          </p:cNvSpPr>
+          <p:nvPr>
+            <p:ph type="title"/>
+            <p:custDataLst>
+              <p:tags r:id="rId1"/>
+            </p:custDataLst>
+          </p:nvPr>
+        </p:nvSpPr>
+        <p:spPr/>
+        <p:txBody>
+          <a:bodyPr/>
+          <a:lstStyle/>
+          <a:p>
+            <a:r>
+              <a:rPr lang="en-US" dirty="0">
+                <a:latin typeface="Tahoma" charset="0"/>
+              </a:rPr>
+              <a:t>“Consequences” of NP-Completeness</a:t>
+            </a:r>
+          </a:p>
+        </p:txBody>
+      </p:sp>
+      <p:sp>
+        <p:nvSpPr>
+          <p:cNvPr id="44036" name="Rectangle 3"/>
+          <p:cNvSpPr>
+            <a:spLocks noGrp="1" noChangeArrowheads="1"/>
+          </p:cNvSpPr>
+          <p:nvPr>
+            <p:ph type="body" idx="1"/>
+            <p:custDataLst>
+              <p:tags r:id="rId2"/>
+            </p:custDataLst>
+          </p:nvPr>
+        </p:nvSpPr>
+        <p:spPr/>
+        <p:txBody>
+          <a:bodyPr>
+            <a:normAutofit lnSpcReduction="10000"/>
+          </a:bodyPr>
+          <a:lstStyle/>
+          <a:p>
+            <a:r>
+              <a:rPr lang="en-US" sz="2800" dirty="0">
+                <a:latin typeface="Tahoma" charset="0"/>
+              </a:rPr>
+              <a:t>NP-Complete is the set of </a:t>
+            </a:r>
+            <a:r>
+              <a:rPr lang="ja-JP" altLang="en-US" sz="2800">
+                <a:latin typeface="Tahoma" charset="0"/>
+              </a:rPr>
+              <a:t>“</a:t>
+            </a:r>
+            <a:r>
+              <a:rPr lang="en-US" sz="2800" dirty="0">
+                <a:latin typeface="Tahoma" charset="0"/>
+              </a:rPr>
+              <a:t>hardest</a:t>
+            </a:r>
+            <a:r>
+              <a:rPr lang="ja-JP" altLang="en-US" sz="2800" dirty="0">
+                <a:latin typeface="Tahoma" charset="0"/>
+              </a:rPr>
+              <a:t>”</a:t>
+            </a:r>
+            <a:r>
+              <a:rPr lang="en-US" sz="2800" dirty="0">
+                <a:latin typeface="Tahoma" charset="0"/>
+              </a:rPr>
+              <a:t> problems in NP, with these important properties:</a:t>
+            </a:r>
+          </a:p>
+          <a:p>
+            <a:pPr lvl="1"/>
+            <a:r>
+              <a:rPr lang="en-US" sz="2400" dirty="0">
+                <a:latin typeface="Tahoma" charset="0"/>
+                <a:ea typeface="ＭＳ Ｐゴシック" charset="0"/>
+              </a:rPr>
+              <a:t>If any </a:t>
+            </a:r>
+            <a:r>
+              <a:rPr lang="en-US" sz="2400" i="1" dirty="0">
+                <a:latin typeface="Tahoma" charset="0"/>
+                <a:ea typeface="ＭＳ Ｐゴシック" charset="0"/>
+              </a:rPr>
+              <a:t>one </a:t>
+            </a:r>
+            <a:r>
+              <a:rPr lang="en-US" sz="2400" dirty="0">
+                <a:latin typeface="Tahoma" charset="0"/>
+                <a:ea typeface="ＭＳ Ｐゴシック" charset="0"/>
+              </a:rPr>
+              <a:t> NP-Complete problem can be solved in polynomial time…</a:t>
+            </a:r>
+          </a:p>
+          <a:p>
+            <a:pPr lvl="1"/>
+            <a:r>
+              <a:rPr lang="en-US" sz="2400" dirty="0">
+                <a:latin typeface="Tahoma" charset="0"/>
+                <a:ea typeface="ＭＳ Ｐゴシック" charset="0"/>
+              </a:rPr>
+              <a:t>…then </a:t>
+            </a:r>
+            <a:r>
+              <a:rPr lang="en-US" sz="2400" i="1" dirty="0">
+                <a:latin typeface="Tahoma" charset="0"/>
+                <a:ea typeface="ＭＳ Ｐゴシック" charset="0"/>
+              </a:rPr>
+              <a:t>every  </a:t>
+            </a:r>
+            <a:r>
+              <a:rPr lang="en-US" sz="2400" dirty="0">
+                <a:latin typeface="Tahoma" charset="0"/>
+                <a:ea typeface="ＭＳ Ｐゴシック" charset="0"/>
+              </a:rPr>
+              <a:t>NP-Complete problem can be solved in polynomial time…</a:t>
+            </a:r>
+          </a:p>
+          <a:p>
+            <a:pPr lvl="1"/>
+            <a:r>
+              <a:rPr lang="en-US" sz="2400" dirty="0">
+                <a:latin typeface="Tahoma" charset="0"/>
+                <a:ea typeface="ＭＳ Ｐゴシック" charset="0"/>
+              </a:rPr>
+              <a:t>…and in fact </a:t>
+            </a:r>
+            <a:r>
+              <a:rPr lang="en-US" sz="2400" i="1" dirty="0">
+                <a:latin typeface="Tahoma" charset="0"/>
+                <a:ea typeface="ＭＳ Ｐゴシック" charset="0"/>
+              </a:rPr>
+              <a:t>every </a:t>
+            </a:r>
+            <a:r>
+              <a:rPr lang="en-US" sz="2400" dirty="0">
+                <a:latin typeface="Tahoma" charset="0"/>
+                <a:ea typeface="ＭＳ Ｐゴシック" charset="0"/>
+              </a:rPr>
+              <a:t>problem in </a:t>
+            </a:r>
+            <a:r>
+              <a:rPr lang="en-US" sz="2400" b="1" dirty="0">
+                <a:latin typeface="Tahoma" charset="0"/>
+                <a:ea typeface="ＭＳ Ｐゴシック" charset="0"/>
+              </a:rPr>
+              <a:t>NP</a:t>
+            </a:r>
+            <a:r>
+              <a:rPr lang="en-US" sz="2400" dirty="0">
+                <a:latin typeface="Tahoma" charset="0"/>
+                <a:ea typeface="ＭＳ Ｐゴシック" charset="0"/>
+              </a:rPr>
+              <a:t> can be solved in polynomial time (which would show </a:t>
+            </a:r>
+            <a:r>
+              <a:rPr lang="en-US" sz="2400" b="1" dirty="0">
+                <a:latin typeface="Tahoma" charset="0"/>
+                <a:ea typeface="ＭＳ Ｐゴシック" charset="0"/>
+              </a:rPr>
+              <a:t>P = NP</a:t>
+            </a:r>
+            <a:r>
+              <a:rPr lang="en-US" sz="2400" dirty="0">
+                <a:latin typeface="Tahoma" charset="0"/>
+                <a:ea typeface="ＭＳ Ｐゴシック" charset="0"/>
+              </a:rPr>
+              <a:t>)</a:t>
+            </a:r>
+          </a:p>
+          <a:p>
+            <a:pPr lvl="1"/>
+            <a:r>
+              <a:rPr lang="en-US" sz="2400" dirty="0">
+                <a:latin typeface="Tahoma" charset="0"/>
+                <a:ea typeface="ＭＳ Ｐゴシック" charset="0"/>
+              </a:rPr>
+              <a:t>Or, prove an exponential lower-bound for </a:t>
+            </a:r>
+            <a:r>
+              <a:rPr lang="en-US" sz="2400" i="1" dirty="0">
+                <a:latin typeface="Tahoma" charset="0"/>
+                <a:ea typeface="ＭＳ Ｐゴシック" charset="0"/>
+              </a:rPr>
+              <a:t>any single</a:t>
+            </a:r>
+            <a:r>
+              <a:rPr lang="en-US" sz="2400" dirty="0">
+                <a:latin typeface="Tahoma" charset="0"/>
+                <a:ea typeface="ＭＳ Ｐゴシック" charset="0"/>
+              </a:rPr>
+              <a:t> </a:t>
+            </a:r>
+            <a:r>
+              <a:rPr lang="en-US" sz="2400" b="1" dirty="0">
+                <a:latin typeface="Tahoma" charset="0"/>
+                <a:ea typeface="ＭＳ Ｐゴシック" charset="0"/>
+              </a:rPr>
+              <a:t>NP-hard</a:t>
+            </a:r>
+            <a:r>
+              <a:rPr lang="en-US" sz="2400" dirty="0">
+                <a:latin typeface="Tahoma" charset="0"/>
+                <a:ea typeface="ＭＳ Ｐゴシック" charset="0"/>
+              </a:rPr>
+              <a:t> problem, then </a:t>
+            </a:r>
+            <a:r>
+              <a:rPr lang="en-US" sz="2400" i="1" dirty="0">
+                <a:latin typeface="Tahoma" charset="0"/>
+                <a:ea typeface="ＭＳ Ｐゴシック" charset="0"/>
+              </a:rPr>
+              <a:t>every</a:t>
+            </a:r>
+            <a:r>
+              <a:rPr lang="en-US" sz="2400" dirty="0">
+                <a:latin typeface="Tahoma" charset="0"/>
+                <a:ea typeface="ＭＳ Ｐゴシック" charset="0"/>
+              </a:rPr>
+              <a:t>  </a:t>
+            </a:r>
+            <a:r>
+              <a:rPr lang="en-US" sz="2400" b="1" dirty="0">
+                <a:latin typeface="Tahoma" charset="0"/>
+                <a:ea typeface="ＭＳ Ｐゴシック" charset="0"/>
+              </a:rPr>
+              <a:t>NP-hard</a:t>
+            </a:r>
+            <a:r>
+              <a:rPr lang="en-US" sz="2400" dirty="0">
+                <a:latin typeface="Tahoma" charset="0"/>
+                <a:ea typeface="ＭＳ Ｐゴシック" charset="0"/>
+              </a:rPr>
+              <a:t> problem (including </a:t>
+            </a:r>
+            <a:r>
+              <a:rPr lang="en-US" sz="2400" b="1" dirty="0">
+                <a:latin typeface="Tahoma" charset="0"/>
+                <a:ea typeface="ＭＳ Ｐゴシック" charset="0"/>
+              </a:rPr>
+              <a:t>NP-C</a:t>
+            </a:r>
+            <a:r>
+              <a:rPr lang="en-US" sz="2400" dirty="0">
+                <a:latin typeface="Tahoma" charset="0"/>
+                <a:ea typeface="ＭＳ Ｐゴシック" charset="0"/>
+              </a:rPr>
+              <a:t>) is exponential</a:t>
+            </a:r>
+          </a:p>
+          <a:p>
+            <a:pPr marL="457200" lvl="1" indent="0">
+              <a:buNone/>
+            </a:pPr>
+            <a:endParaRPr lang="en-US" sz="2400" dirty="0">
+              <a:latin typeface="Tahoma" charset="0"/>
+              <a:ea typeface="ＭＳ Ｐゴシック" charset="0"/>
+            </a:endParaRPr>
+          </a:p>
+          <a:p>
+            <a:pPr marL="457200" lvl="1" indent="0">
+              <a:buNone/>
+            </a:pPr>
+            <a:r>
+              <a:rPr lang="en-US" sz="2400" dirty="0">
+                <a:latin typeface="Tahoma" charset="0"/>
+                <a:ea typeface="ＭＳ Ｐゴシック" charset="0"/>
+              </a:rPr>
+              <a:t>Therefore: solve (say) traveling salesperson problem in O(</a:t>
+            </a:r>
+            <a:r>
+              <a:rPr lang="en-US" sz="2400" i="1" dirty="0">
+                <a:latin typeface="Tahoma" charset="0"/>
+                <a:ea typeface="ＭＳ Ｐゴシック" charset="0"/>
+              </a:rPr>
+              <a:t>n</a:t>
+            </a:r>
+            <a:r>
+              <a:rPr lang="en-US" sz="2400" baseline="30000" dirty="0">
+                <a:latin typeface="Tahoma" charset="0"/>
+                <a:ea typeface="ＭＳ Ｐゴシック" charset="0"/>
+              </a:rPr>
+              <a:t>100</a:t>
+            </a:r>
+            <a:r>
+              <a:rPr lang="en-US" sz="2400" dirty="0">
+                <a:latin typeface="Tahoma" charset="0"/>
+                <a:ea typeface="ＭＳ Ｐゴシック" charset="0"/>
+              </a:rPr>
+              <a:t>) time, you</a:t>
+            </a:r>
+            <a:r>
+              <a:rPr lang="fr-FR" altLang="ja-JP" sz="2400" dirty="0">
+                <a:latin typeface="Tahoma" charset="0"/>
+                <a:ea typeface="ＭＳ Ｐゴシック" charset="0"/>
+              </a:rPr>
+              <a:t>'</a:t>
+            </a:r>
+            <a:r>
+              <a:rPr lang="en-US" sz="2400" dirty="0" err="1">
+                <a:latin typeface="Tahoma" charset="0"/>
+                <a:ea typeface="ＭＳ Ｐゴシック" charset="0"/>
+              </a:rPr>
+              <a:t>ve</a:t>
+            </a:r>
+            <a:r>
+              <a:rPr lang="en-US" sz="2400" dirty="0">
+                <a:latin typeface="Tahoma" charset="0"/>
+                <a:ea typeface="ＭＳ Ｐゴシック" charset="0"/>
+              </a:rPr>
+              <a:t> proved that </a:t>
+            </a:r>
+            <a:r>
+              <a:rPr lang="en-US" sz="2400" b="1" dirty="0">
+                <a:latin typeface="Tahoma" charset="0"/>
+                <a:ea typeface="ＭＳ Ｐゴシック" charset="0"/>
+              </a:rPr>
+              <a:t>P = NP</a:t>
+            </a:r>
+            <a:r>
+              <a:rPr lang="en-US" sz="2400" dirty="0">
+                <a:latin typeface="Tahoma" charset="0"/>
+                <a:ea typeface="ＭＳ Ｐゴシック" charset="0"/>
+              </a:rPr>
+              <a:t>.  Retire rich &amp; famous!</a:t>
+            </a:r>
+          </a:p>
+        </p:txBody>
+      </p:sp>
+    </p:spTree>
+    <p:extLst>
+      <p:ext uri="{BB962C8B-B14F-4D97-AF65-F5344CB8AC3E}">
+        <p14:creationId xmlns:p14="http://schemas.microsoft.com/office/powerpoint/2010/main" val="1641680258"/>
+      </p:ext>
+    </p:extLst>
+  </p:cSld>
+  <p:clrMapOvr>
+    <a:masterClrMapping/>
+  </p:clrMapOvr>
+</p:sld>
+</file>
+
+<file path=ppt/slides/slide41.xml><?xml version="1.0" encoding="utf-8"?>
+<p:sld xmlns:a="http://schemas.openxmlformats.org/drawingml/2006/main" xmlns:r="http://schemas.openxmlformats.org/officeDocument/2006/relationships" xmlns:p="http://schemas.openxmlformats.org/presentationml/2006/main">
+  <p:cSld>
+    <p:spTree>
+      <p:nvGrpSpPr>
+        <p:cNvPr id="1" name=""/>
+        <p:cNvGrpSpPr/>
+        <p:nvPr/>
+      </p:nvGrpSpPr>
+      <p:grpSpPr>
+        <a:xfrm>
+          <a:off x="0" y="0"/>
+          <a:ext cx="0" cy="0"/>
+          <a:chOff x="0" y="0"/>
+          <a:chExt cx="0" cy="0"/>
+        </a:xfrm>
+      </p:grpSpPr>
+      <p:sp>
+        <p:nvSpPr>
+          <p:cNvPr id="22529" name="Rectangle 2">
+            <a:extLst>
+              <a:ext uri="{FF2B5EF4-FFF2-40B4-BE49-F238E27FC236}">
+                <a16:creationId xmlns:a16="http://schemas.microsoft.com/office/drawing/2014/main" id="{AB0B5365-AE68-B449-80E5-97D49E233821}"/>
+              </a:ext>
+            </a:extLst>
+          </p:cNvPr>
+          <p:cNvSpPr>
+            <a:spLocks noGrp="1" noChangeArrowheads="1"/>
+          </p:cNvSpPr>
+          <p:nvPr>
+            <p:ph type="title"/>
+            <p:custDataLst>
+              <p:tags r:id="rId1"/>
+            </p:custDataLst>
+          </p:nvPr>
+        </p:nvSpPr>
+        <p:spPr/>
+        <p:txBody>
+          <a:bodyPr/>
+          <a:lstStyle/>
+          <a:p>
+            <a:r>
+              <a:rPr lang="en-US" altLang="en-US" sz="3200">
+                <a:ea typeface="ＭＳ Ｐゴシック" panose="020B0600070205080204" pitchFamily="34" charset="-128"/>
+              </a:rPr>
+              <a:t>Can a Problem be NP-Hard but not NP-C?</a:t>
+            </a:r>
+          </a:p>
+        </p:txBody>
+      </p:sp>
+      <p:sp>
+        <p:nvSpPr>
+          <p:cNvPr id="22530" name="Rectangle 3">
+            <a:extLst>
+              <a:ext uri="{FF2B5EF4-FFF2-40B4-BE49-F238E27FC236}">
+                <a16:creationId xmlns:a16="http://schemas.microsoft.com/office/drawing/2014/main" id="{DA1A36A9-9BC7-074D-ADE3-7D8289286D70}"/>
+              </a:ext>
+            </a:extLst>
+          </p:cNvPr>
+          <p:cNvSpPr>
+            <a:spLocks noGrp="1" noChangeArrowheads="1"/>
+          </p:cNvSpPr>
+          <p:nvPr>
+            <p:ph type="body" idx="1"/>
+            <p:custDataLst>
+              <p:tags r:id="rId2"/>
+            </p:custDataLst>
+          </p:nvPr>
+        </p:nvSpPr>
+        <p:spPr>
+          <a:xfrm>
+            <a:off x="762000" y="1524000"/>
+            <a:ext cx="9677400" cy="4724400"/>
+          </a:xfrm>
+        </p:spPr>
+        <p:txBody>
+          <a:bodyPr>
+            <a:normAutofit/>
+          </a:bodyPr>
+          <a:lstStyle/>
+          <a:p>
+            <a:pPr>
+              <a:lnSpc>
+                <a:spcPct val="90000"/>
+              </a:lnSpc>
+            </a:pPr>
+            <a:r>
+              <a:rPr lang="en-US" altLang="en-US" sz="2800" dirty="0">
+                <a:ea typeface="ＭＳ Ｐゴシック" panose="020B0600070205080204" pitchFamily="34" charset="-128"/>
+              </a:rPr>
+              <a:t>So, find a reduction and then try to prove B </a:t>
+            </a:r>
+            <a:r>
+              <a:rPr lang="en-US" altLang="en-US" sz="2800" dirty="0">
+                <a:ea typeface="ＭＳ Ｐゴシック" panose="020B0600070205080204" pitchFamily="34" charset="-128"/>
+                <a:sym typeface="Symbol" pitchFamily="2" charset="2"/>
+              </a:rPr>
+              <a:t></a:t>
+            </a:r>
+            <a:r>
+              <a:rPr lang="en-US" altLang="en-US" sz="2800" dirty="0">
+                <a:ea typeface="ＭＳ Ｐゴシック" panose="020B0600070205080204" pitchFamily="34" charset="-128"/>
+              </a:rPr>
+              <a:t> </a:t>
+            </a:r>
+            <a:r>
+              <a:rPr lang="en-US" altLang="en-US" sz="2800" b="1" dirty="0">
+                <a:ea typeface="ＭＳ Ｐゴシック" panose="020B0600070205080204" pitchFamily="34" charset="-128"/>
+              </a:rPr>
+              <a:t>NP</a:t>
+            </a:r>
+          </a:p>
+          <a:p>
+            <a:pPr lvl="1">
+              <a:lnSpc>
+                <a:spcPct val="90000"/>
+              </a:lnSpc>
+            </a:pPr>
+            <a:r>
+              <a:rPr lang="en-US" altLang="en-US" sz="2400" i="1" dirty="0">
+                <a:solidFill>
+                  <a:schemeClr val="accent1"/>
+                </a:solidFill>
+                <a:ea typeface="ＭＳ Ｐゴシック" panose="020B0600070205080204" pitchFamily="34" charset="-128"/>
+              </a:rPr>
+              <a:t>What if you can</a:t>
+            </a:r>
+            <a:r>
+              <a:rPr lang="ja-JP" altLang="en-US" sz="2400" i="1">
+                <a:solidFill>
+                  <a:schemeClr val="accent1"/>
+                </a:solidFill>
+                <a:ea typeface="ＭＳ Ｐゴシック" panose="020B0600070205080204" pitchFamily="34" charset="-128"/>
+              </a:rPr>
+              <a:t>’</a:t>
+            </a:r>
+            <a:r>
+              <a:rPr lang="en-US" altLang="ja-JP" sz="2400" i="1" dirty="0">
+                <a:solidFill>
+                  <a:schemeClr val="accent1"/>
+                </a:solidFill>
+                <a:ea typeface="ＭＳ Ｐゴシック" panose="020B0600070205080204" pitchFamily="34" charset="-128"/>
+              </a:rPr>
+              <a:t>t?</a:t>
+            </a:r>
+            <a:endParaRPr lang="en-US" altLang="ja-JP" sz="2400" dirty="0">
+              <a:ea typeface="ＭＳ Ｐゴシック" panose="020B0600070205080204" pitchFamily="34" charset="-128"/>
+            </a:endParaRPr>
+          </a:p>
+          <a:p>
+            <a:pPr>
+              <a:lnSpc>
+                <a:spcPct val="90000"/>
+              </a:lnSpc>
+            </a:pPr>
+            <a:r>
+              <a:rPr lang="en-US" altLang="en-US" sz="2800" dirty="0">
+                <a:ea typeface="ＭＳ Ｐゴシック" panose="020B0600070205080204" pitchFamily="34" charset="-128"/>
+              </a:rPr>
+              <a:t>Are there any problems B that are NP-hard but not NP-complete?  This means:</a:t>
+            </a:r>
+          </a:p>
+          <a:p>
+            <a:pPr lvl="1">
+              <a:lnSpc>
+                <a:spcPct val="90000"/>
+              </a:lnSpc>
+            </a:pPr>
+            <a:r>
+              <a:rPr lang="en-US" altLang="en-US" sz="2400" dirty="0">
+                <a:ea typeface="ＭＳ Ｐゴシック" panose="020B0600070205080204" pitchFamily="34" charset="-128"/>
+              </a:rPr>
+              <a:t>All problems in NP reduce to B .  (A known NP-Hard problem can be reduced to B.)</a:t>
+            </a:r>
+          </a:p>
+          <a:p>
+            <a:pPr lvl="1">
+              <a:lnSpc>
+                <a:spcPct val="90000"/>
+              </a:lnSpc>
+            </a:pPr>
+            <a:r>
+              <a:rPr lang="en-US" altLang="en-US" sz="2400" dirty="0">
+                <a:ea typeface="ＭＳ Ｐゴシック" panose="020B0600070205080204" pitchFamily="34" charset="-128"/>
+              </a:rPr>
+              <a:t>But, B cannot be proved to be in NP</a:t>
+            </a:r>
+          </a:p>
+          <a:p>
+            <a:pPr>
+              <a:lnSpc>
+                <a:spcPct val="90000"/>
+              </a:lnSpc>
+            </a:pPr>
+            <a:r>
+              <a:rPr lang="en-US" altLang="en-US" sz="2800" dirty="0">
+                <a:ea typeface="ＭＳ Ｐゴシック" panose="020B0600070205080204" pitchFamily="34" charset="-128"/>
+              </a:rPr>
+              <a:t>Yes!  Of course!</a:t>
+            </a:r>
+          </a:p>
+        </p:txBody>
+      </p:sp>
+    </p:spTree>
+    <p:extLst>
+      <p:ext uri="{BB962C8B-B14F-4D97-AF65-F5344CB8AC3E}">
+        <p14:creationId xmlns:p14="http://schemas.microsoft.com/office/powerpoint/2010/main" val="3147059245"/>
+      </p:ext>
+    </p:extLst>
+  </p:cSld>
+  <p:clrMapOvr>
+    <a:masterClrMapping/>
+  </p:clrMapOvr>
+</p:sld>
+</file>
+
 <file path=ppt/slides/slide5.xml><?xml version="1.0" encoding="utf-8"?>
 <p:sld xmlns:a="http://schemas.openxmlformats.org/drawingml/2006/main" xmlns:r="http://schemas.openxmlformats.org/officeDocument/2006/relationships" xmlns:p="http://schemas.openxmlformats.org/presentationml/2006/main">
   <p:cSld>
@@ -32189,30 +36802,6 @@
 </p:tagLst>
 </file>
 
-<file path=ppt/tags/tag33.xml><?xml version="1.0" encoding="utf-8"?>
-<p:tagLst xmlns:a="http://schemas.openxmlformats.org/drawingml/2006/main" xmlns:r="http://schemas.openxmlformats.org/officeDocument/2006/relationships" xmlns:p="http://schemas.openxmlformats.org/presentationml/2006/main">
-  <p:tag name="_INSTRUCTOR VIEW19C14C36-AC8E-43BC-9DB6-C2AAF774C7DC|PANE__TAG" val="_"/>
-</p:tagLst>
-</file>
-
-<file path=ppt/tags/tag34.xml><?xml version="1.0" encoding="utf-8"?>
-<p:tagLst xmlns:a="http://schemas.openxmlformats.org/drawingml/2006/main" xmlns:r="http://schemas.openxmlformats.org/officeDocument/2006/relationships" xmlns:p="http://schemas.openxmlformats.org/presentationml/2006/main">
-  <p:tag name="_INSTRUCTOR VIEW19C14C36-AC8E-43BC-9DB6-C2AAF774C7DC|PANE__TAG" val="_"/>
-</p:tagLst>
-</file>
-
-<file path=ppt/tags/tag35.xml><?xml version="1.0" encoding="utf-8"?>
-<p:tagLst xmlns:a="http://schemas.openxmlformats.org/drawingml/2006/main" xmlns:r="http://schemas.openxmlformats.org/officeDocument/2006/relationships" xmlns:p="http://schemas.openxmlformats.org/presentationml/2006/main">
-  <p:tag name="_INSTRUCTOR VIEW19C14C36-AC8E-43BC-9DB6-C2AAF774C7DC|PANE__TAG" val="_"/>
-</p:tagLst>
-</file>
-
-<file path=ppt/tags/tag36.xml><?xml version="1.0" encoding="utf-8"?>
-<p:tagLst xmlns:a="http://schemas.openxmlformats.org/drawingml/2006/main" xmlns:r="http://schemas.openxmlformats.org/officeDocument/2006/relationships" xmlns:p="http://schemas.openxmlformats.org/presentationml/2006/main">
-  <p:tag name="_INSTRUCTOR VIEW19C14C36-AC8E-43BC-9DB6-C2AAF774C7DC|PANE__TAG" val="_"/>
-</p:tagLst>
-</file>
-
 <file path=ppt/tags/tag4.xml><?xml version="1.0" encoding="utf-8"?>
 <p:tagLst xmlns:a="http://schemas.openxmlformats.org/drawingml/2006/main" xmlns:r="http://schemas.openxmlformats.org/officeDocument/2006/relationships" xmlns:p="http://schemas.openxmlformats.org/presentationml/2006/main">
   <p:tag name="_INSTRUCTOR VIEW19C14C36-AC8E-43BC-9DB6-C2AAF774C7DC|PANE__TAG" val="_"/>

--- a/slides/07-NPCIntro.pptx
+++ b/slides/07-NPCIntro.pptx
@@ -5,7 +5,7 @@
     <p:sldMasterId id="2147483660" r:id="rId1"/>
   </p:sldMasterIdLst>
   <p:notesMasterIdLst>
-    <p:notesMasterId r:id="rId43"/>
+    <p:notesMasterId r:id="rId44"/>
   </p:notesMasterIdLst>
   <p:sldIdLst>
     <p:sldId id="645" r:id="rId2"/>
@@ -18,37 +18,38 @@
     <p:sldId id="783" r:id="rId9"/>
     <p:sldId id="784" r:id="rId10"/>
     <p:sldId id="785" r:id="rId11"/>
-    <p:sldId id="786" r:id="rId12"/>
-    <p:sldId id="1109" r:id="rId13"/>
-    <p:sldId id="789" r:id="rId14"/>
-    <p:sldId id="1098" r:id="rId15"/>
-    <p:sldId id="792" r:id="rId16"/>
-    <p:sldId id="799" r:id="rId17"/>
-    <p:sldId id="794" r:id="rId18"/>
-    <p:sldId id="1102" r:id="rId19"/>
-    <p:sldId id="1103" r:id="rId20"/>
-    <p:sldId id="842" r:id="rId21"/>
-    <p:sldId id="268" r:id="rId22"/>
-    <p:sldId id="342" r:id="rId23"/>
-    <p:sldId id="846" r:id="rId24"/>
-    <p:sldId id="1108" r:id="rId25"/>
-    <p:sldId id="315" r:id="rId26"/>
-    <p:sldId id="851" r:id="rId27"/>
-    <p:sldId id="322" r:id="rId28"/>
-    <p:sldId id="312" r:id="rId29"/>
-    <p:sldId id="313" r:id="rId30"/>
-    <p:sldId id="337" r:id="rId31"/>
-    <p:sldId id="336" r:id="rId32"/>
-    <p:sldId id="339" r:id="rId33"/>
-    <p:sldId id="341" r:id="rId34"/>
-    <p:sldId id="1106" r:id="rId35"/>
-    <p:sldId id="343" r:id="rId36"/>
-    <p:sldId id="1107" r:id="rId37"/>
-    <p:sldId id="345" r:id="rId38"/>
-    <p:sldId id="852" r:id="rId39"/>
-    <p:sldId id="1105" r:id="rId40"/>
-    <p:sldId id="276" r:id="rId41"/>
-    <p:sldId id="344" r:id="rId42"/>
+    <p:sldId id="1110" r:id="rId12"/>
+    <p:sldId id="786" r:id="rId13"/>
+    <p:sldId id="1109" r:id="rId14"/>
+    <p:sldId id="789" r:id="rId15"/>
+    <p:sldId id="1098" r:id="rId16"/>
+    <p:sldId id="792" r:id="rId17"/>
+    <p:sldId id="799" r:id="rId18"/>
+    <p:sldId id="794" r:id="rId19"/>
+    <p:sldId id="1102" r:id="rId20"/>
+    <p:sldId id="1103" r:id="rId21"/>
+    <p:sldId id="842" r:id="rId22"/>
+    <p:sldId id="268" r:id="rId23"/>
+    <p:sldId id="342" r:id="rId24"/>
+    <p:sldId id="846" r:id="rId25"/>
+    <p:sldId id="1108" r:id="rId26"/>
+    <p:sldId id="315" r:id="rId27"/>
+    <p:sldId id="851" r:id="rId28"/>
+    <p:sldId id="322" r:id="rId29"/>
+    <p:sldId id="312" r:id="rId30"/>
+    <p:sldId id="313" r:id="rId31"/>
+    <p:sldId id="337" r:id="rId32"/>
+    <p:sldId id="336" r:id="rId33"/>
+    <p:sldId id="339" r:id="rId34"/>
+    <p:sldId id="341" r:id="rId35"/>
+    <p:sldId id="1106" r:id="rId36"/>
+    <p:sldId id="343" r:id="rId37"/>
+    <p:sldId id="1107" r:id="rId38"/>
+    <p:sldId id="345" r:id="rId39"/>
+    <p:sldId id="852" r:id="rId40"/>
+    <p:sldId id="1105" r:id="rId41"/>
+    <p:sldId id="276" r:id="rId42"/>
+    <p:sldId id="344" r:id="rId43"/>
   </p:sldIdLst>
   <p:sldSz cx="12192000" cy="6858000"/>
   <p:notesSz cx="6858000" cy="9144000"/>
@@ -248,7 +249,7 @@
           <a:p>
             <a:fld id="{9A9F7FD5-2840-4607-A4CD-0A8A66D9D61D}" type="datetimeFigureOut">
               <a:rPr lang="en-US" smtClean="0"/>
-              <a:t>11/9/22</a:t>
+              <a:t>11/10/22</a:t>
             </a:fld>
             <a:endParaRPr lang="en-US"/>
           </a:p>
@@ -941,7 +942,7 @@
           <a:p>
             <a:fld id="{088A2421-D2CD-4522-A1BA-E4F59ED821B7}" type="datetime1">
               <a:rPr lang="en-US" smtClean="0"/>
-              <a:t>11/9/22</a:t>
+              <a:t>11/10/22</a:t>
             </a:fld>
             <a:endParaRPr lang="en-US"/>
           </a:p>
@@ -1216,7 +1217,7 @@
           <a:p>
             <a:fld id="{DA91928D-0C55-4D8D-9D16-4C05754E5356}" type="datetime1">
               <a:rPr lang="en-US" smtClean="0"/>
-              <a:t>11/9/22</a:t>
+              <a:t>11/10/22</a:t>
             </a:fld>
             <a:endParaRPr lang="en-US"/>
           </a:p>
@@ -1471,7 +1472,7 @@
           <a:p>
             <a:fld id="{584CEDDD-253B-4C38-A621-35D8BA950C17}" type="datetime1">
               <a:rPr lang="en-US" smtClean="0"/>
-              <a:t>11/9/22</a:t>
+              <a:t>11/10/22</a:t>
             </a:fld>
             <a:endParaRPr lang="en-US"/>
           </a:p>
@@ -1639,7 +1640,7 @@
           <a:p>
             <a:fld id="{BF0967E4-28CB-45C9-B82C-D6B22AD4F0EB}" type="datetime1">
               <a:rPr lang="en-US" smtClean="0"/>
-              <a:t>11/9/22</a:t>
+              <a:t>11/10/22</a:t>
             </a:fld>
             <a:endParaRPr lang="en-US"/>
           </a:p>
@@ -1817,7 +1818,7 @@
           <a:p>
             <a:fld id="{2454C693-B405-44E1-A127-B7CE8B45C1E1}" type="datetime1">
               <a:rPr lang="en-US" smtClean="0"/>
-              <a:t>11/9/22</a:t>
+              <a:t>11/10/22</a:t>
             </a:fld>
             <a:endParaRPr lang="en-US"/>
           </a:p>
@@ -2069,7 +2070,7 @@
           <a:p>
             <a:fld id="{26B28102-2E91-4DD7-8E8B-98B790A12701}" type="datetime1">
               <a:rPr lang="en-US" smtClean="0"/>
-              <a:t>11/9/22</a:t>
+              <a:t>11/10/22</a:t>
             </a:fld>
             <a:endParaRPr lang="en-US"/>
           </a:p>
@@ -2327,7 +2328,7 @@
           <a:p>
             <a:fld id="{0B5AF985-6D44-417A-9881-D208468CBA07}" type="datetime1">
               <a:rPr lang="en-US" smtClean="0"/>
-              <a:t>11/9/22</a:t>
+              <a:t>11/10/22</a:t>
             </a:fld>
             <a:endParaRPr lang="en-US"/>
           </a:p>
@@ -2584,7 +2585,7 @@
           <a:p>
             <a:fld id="{26B28102-2E91-4DD7-8E8B-98B790A12701}" type="datetime1">
               <a:rPr lang="en-US" smtClean="0"/>
-              <a:t>11/9/22</a:t>
+              <a:t>11/10/22</a:t>
             </a:fld>
             <a:endParaRPr lang="en-US"/>
           </a:p>
@@ -2830,7 +2831,7 @@
           <a:p>
             <a:fld id="{3A604A86-E8D2-4E57-8D6D-61E2D175474B}" type="datetime1">
               <a:rPr lang="en-US" smtClean="0"/>
-              <a:t>11/9/22</a:t>
+              <a:t>11/10/22</a:t>
             </a:fld>
             <a:endParaRPr lang="en-US"/>
           </a:p>
@@ -3193,7 +3194,7 @@
           <a:p>
             <a:fld id="{DC921DF3-1FB0-45DC-97EF-461960E13574}" type="datetime1">
               <a:rPr lang="en-US" smtClean="0"/>
-              <a:t>11/9/22</a:t>
+              <a:t>11/10/22</a:t>
             </a:fld>
             <a:endParaRPr lang="en-US"/>
           </a:p>
@@ -3685,7 +3686,7 @@
           <a:p>
             <a:fld id="{092B088E-2809-46D8-B43F-738015D878CC}" type="datetime1">
               <a:rPr lang="en-US" smtClean="0"/>
-              <a:t>11/9/22</a:t>
+              <a:t>11/10/22</a:t>
             </a:fld>
             <a:endParaRPr lang="en-US"/>
           </a:p>
@@ -3880,7 +3881,7 @@
           <a:p>
             <a:fld id="{8208D42A-BC08-426E-9E11-483BA9D61AF6}" type="datetime1">
               <a:rPr lang="en-US" smtClean="0"/>
-              <a:t>11/9/22</a:t>
+              <a:t>11/10/22</a:t>
             </a:fld>
             <a:endParaRPr lang="en-US"/>
           </a:p>
@@ -4080,7 +4081,7 @@
           <a:p>
             <a:fld id="{26B28102-2E91-4DD7-8E8B-98B790A12701}" type="datetime1">
               <a:rPr lang="en-US" smtClean="0"/>
-              <a:t>11/9/22</a:t>
+              <a:t>11/10/22</a:t>
             </a:fld>
             <a:endParaRPr lang="en-US"/>
           </a:p>
@@ -4176,7 +4177,7 @@
           <a:p>
             <a:fld id="{37D5C786-44E1-4BD5-AD14-75F3EA166B5A}" type="datetime1">
               <a:rPr lang="en-US" smtClean="0"/>
-              <a:t>11/9/22</a:t>
+              <a:t>11/10/22</a:t>
             </a:fld>
             <a:endParaRPr lang="en-US"/>
           </a:p>
@@ -4387,7 +4388,7 @@
           <a:p>
             <a:fld id="{26B28102-2E91-4DD7-8E8B-98B790A12701}" type="datetime1">
               <a:rPr lang="en-US" smtClean="0"/>
-              <a:t>11/9/22</a:t>
+              <a:t>11/10/22</a:t>
             </a:fld>
             <a:endParaRPr lang="en-US"/>
           </a:p>
@@ -4940,8 +4941,8 @@
           <a:chExt cx="0" cy="0"/>
         </a:xfrm>
       </p:grpSpPr>
-      <mc:AlternateContent xmlns:mc="http://schemas.openxmlformats.org/markup-compatibility/2006" xmlns:a14="http://schemas.microsoft.com/office/drawing/2010/main">
-        <mc:Choice Requires="a14">
+      <mc:AlternateContent xmlns:mc="http://schemas.openxmlformats.org/markup-compatibility/2006">
+        <mc:Choice xmlns:a14="http://schemas.microsoft.com/office/drawing/2010/main" Requires="a14">
           <p:sp>
             <p:nvSpPr>
               <p:cNvPr id="2" name="Title 1"/>
@@ -4963,7 +4964,7 @@
                   <m:oMath xmlns:m="http://schemas.openxmlformats.org/officeDocument/2006/math">
                     <m:r>
                       <a:rPr lang="en-US" b="0" i="1" smtClean="0">
-                        <a:latin typeface="Cambria Math"/>
+                        <a:latin typeface="Cambria Math" panose="02040503050406030204" pitchFamily="18" charset="0"/>
                       </a:rPr>
                       <m:t>3</m:t>
                     </m:r>
@@ -4977,7 +4978,7 @@
             </p:txBody>
           </p:sp>
         </mc:Choice>
-        <mc:Fallback xmlns="">
+        <mc:Fallback>
           <p:sp>
             <p:nvSpPr>
               <p:cNvPr id="2" name="Title 1"/>
@@ -4989,10 +4990,10 @@
               </p:nvPr>
             </p:nvSpPr>
             <p:spPr>
-              <a:blipFill rotWithShape="1">
+              <a:blipFill>
                 <a:blip r:embed="rId2"/>
                 <a:stretch>
-                  <a:fillRect b="-8511"/>
+                  <a:fillRect t="-10606" b="-30303"/>
                 </a:stretch>
               </a:blipFill>
             </p:spPr>
@@ -5042,16 +5043,17 @@
         </p:nvGrpSpPr>
         <p:grpSpPr>
           <a:xfrm>
-            <a:off x="2181226" y="1481300"/>
-            <a:ext cx="5514975" cy="4914248"/>
-            <a:chOff x="657225" y="1481300"/>
-            <a:chExt cx="5514975" cy="4914248"/>
+            <a:off x="3349488" y="1481300"/>
+            <a:ext cx="4346713" cy="4914248"/>
+            <a:chOff x="1825487" y="1481300"/>
+            <a:chExt cx="4346713" cy="4914248"/>
           </a:xfrm>
         </p:grpSpPr>
         <p:cxnSp>
           <p:nvCxnSpPr>
             <p:cNvPr id="14" name="Straight Connector 13"/>
             <p:cNvCxnSpPr>
+              <a:cxnSpLocks/>
               <a:stCxn id="8" idx="1"/>
               <a:endCxn id="23" idx="2"/>
             </p:cNvCxnSpPr>
@@ -5090,6 +5092,7 @@
           <p:nvCxnSpPr>
             <p:cNvPr id="15" name="Straight Connector 14"/>
             <p:cNvCxnSpPr>
+              <a:cxnSpLocks/>
               <a:stCxn id="10" idx="2"/>
               <a:endCxn id="8" idx="3"/>
             </p:cNvCxnSpPr>
@@ -5128,6 +5131,7 @@
           <p:nvCxnSpPr>
             <p:cNvPr id="18" name="Straight Connector 17"/>
             <p:cNvCxnSpPr>
+              <a:cxnSpLocks/>
               <a:stCxn id="23" idx="1"/>
               <a:endCxn id="10" idx="3"/>
             </p:cNvCxnSpPr>
@@ -5164,196 +5168,9 @@
         </p:cxnSp>
         <p:cxnSp>
           <p:nvCxnSpPr>
-            <p:cNvPr id="21" name="Straight Connector 20"/>
-            <p:cNvCxnSpPr>
-              <a:stCxn id="28" idx="2"/>
-              <a:endCxn id="10" idx="0"/>
-            </p:cNvCxnSpPr>
-            <p:nvPr/>
-          </p:nvCxnSpPr>
-          <p:spPr>
-            <a:xfrm>
-              <a:off x="885825" y="3032235"/>
-              <a:ext cx="1168262" cy="1692165"/>
-            </a:xfrm>
-            <a:prstGeom prst="line">
-              <a:avLst/>
-            </a:prstGeom>
-            <a:solidFill>
-              <a:schemeClr val="tx2">
-                <a:lumMod val="60000"/>
-                <a:lumOff val="40000"/>
-                <a:alpha val="60000"/>
-              </a:schemeClr>
-            </a:solidFill>
-            <a:ln w="76200">
-              <a:solidFill>
-                <a:schemeClr val="tx1">
-                  <a:alpha val="28000"/>
-                </a:schemeClr>
-              </a:solidFill>
-            </a:ln>
-          </p:spPr>
-          <p:style>
-            <a:lnRef idx="1">
-              <a:schemeClr val="accent1"/>
-            </a:lnRef>
-            <a:fillRef idx="0">
-              <a:schemeClr val="accent1"/>
-            </a:fillRef>
-            <a:effectRef idx="0">
-              <a:schemeClr val="accent1"/>
-            </a:effectRef>
-            <a:fontRef idx="minor">
-              <a:schemeClr val="tx1"/>
-            </a:fontRef>
-          </p:style>
-        </p:cxnSp>
-        <p:cxnSp>
-          <p:nvCxnSpPr>
-            <p:cNvPr id="37" name="Straight Connector 36"/>
-            <p:cNvCxnSpPr>
-              <a:stCxn id="28" idx="3"/>
-              <a:endCxn id="29" idx="1"/>
-            </p:cNvCxnSpPr>
-            <p:nvPr/>
-          </p:nvCxnSpPr>
-          <p:spPr>
-            <a:xfrm flipV="1">
-              <a:off x="1114425" y="2447104"/>
-              <a:ext cx="1734926" cy="356531"/>
-            </a:xfrm>
-            <a:prstGeom prst="line">
-              <a:avLst/>
-            </a:prstGeom>
-            <a:solidFill>
-              <a:schemeClr val="tx2">
-                <a:lumMod val="60000"/>
-                <a:lumOff val="40000"/>
-                <a:alpha val="60000"/>
-              </a:schemeClr>
-            </a:solidFill>
-            <a:ln w="76200">
-              <a:solidFill>
-                <a:schemeClr val="tx1">
-                  <a:alpha val="28000"/>
-                </a:schemeClr>
-              </a:solidFill>
-            </a:ln>
-          </p:spPr>
-          <p:style>
-            <a:lnRef idx="1">
-              <a:schemeClr val="accent1"/>
-            </a:lnRef>
-            <a:fillRef idx="0">
-              <a:schemeClr val="accent1"/>
-            </a:fillRef>
-            <a:effectRef idx="0">
-              <a:schemeClr val="accent1"/>
-            </a:effectRef>
-            <a:fontRef idx="minor">
-              <a:schemeClr val="tx1"/>
-            </a:fontRef>
-          </p:style>
-        </p:cxnSp>
-        <p:cxnSp>
-          <p:nvCxnSpPr>
-            <p:cNvPr id="40" name="Straight Connector 39"/>
-            <p:cNvCxnSpPr>
-              <a:stCxn id="29" idx="3"/>
-              <a:endCxn id="26" idx="1"/>
-            </p:cNvCxnSpPr>
-            <p:nvPr/>
-          </p:nvCxnSpPr>
-          <p:spPr>
-            <a:xfrm>
-              <a:off x="3306551" y="2447104"/>
-              <a:ext cx="2408449" cy="586773"/>
-            </a:xfrm>
-            <a:prstGeom prst="line">
-              <a:avLst/>
-            </a:prstGeom>
-            <a:solidFill>
-              <a:schemeClr val="tx2">
-                <a:lumMod val="60000"/>
-                <a:lumOff val="40000"/>
-                <a:alpha val="60000"/>
-              </a:schemeClr>
-            </a:solidFill>
-            <a:ln w="76200">
-              <a:solidFill>
-                <a:schemeClr val="tx1">
-                  <a:alpha val="28000"/>
-                </a:schemeClr>
-              </a:solidFill>
-            </a:ln>
-          </p:spPr>
-          <p:style>
-            <a:lnRef idx="1">
-              <a:schemeClr val="accent1"/>
-            </a:lnRef>
-            <a:fillRef idx="0">
-              <a:schemeClr val="accent1"/>
-            </a:fillRef>
-            <a:effectRef idx="0">
-              <a:schemeClr val="accent1"/>
-            </a:effectRef>
-            <a:fontRef idx="minor">
-              <a:schemeClr val="tx1"/>
-            </a:fontRef>
-          </p:style>
-        </p:cxnSp>
-        <p:cxnSp>
-          <p:nvCxnSpPr>
-            <p:cNvPr id="43" name="Straight Connector 42"/>
-            <p:cNvCxnSpPr>
-              <a:stCxn id="29" idx="2"/>
-              <a:endCxn id="27" idx="0"/>
-            </p:cNvCxnSpPr>
-            <p:nvPr/>
-          </p:nvCxnSpPr>
-          <p:spPr>
-            <a:xfrm flipH="1">
-              <a:off x="2613080" y="2675704"/>
-              <a:ext cx="464871" cy="786795"/>
-            </a:xfrm>
-            <a:prstGeom prst="line">
-              <a:avLst/>
-            </a:prstGeom>
-            <a:solidFill>
-              <a:schemeClr val="tx2">
-                <a:lumMod val="60000"/>
-                <a:lumOff val="40000"/>
-                <a:alpha val="60000"/>
-              </a:schemeClr>
-            </a:solidFill>
-            <a:ln w="76200">
-              <a:solidFill>
-                <a:schemeClr val="tx1">
-                  <a:alpha val="28000"/>
-                </a:schemeClr>
-              </a:solidFill>
-            </a:ln>
-          </p:spPr>
-          <p:style>
-            <a:lnRef idx="1">
-              <a:schemeClr val="accent1"/>
-            </a:lnRef>
-            <a:fillRef idx="0">
-              <a:schemeClr val="accent1"/>
-            </a:fillRef>
-            <a:effectRef idx="0">
-              <a:schemeClr val="accent1"/>
-            </a:effectRef>
-            <a:fontRef idx="minor">
-              <a:schemeClr val="tx1"/>
-            </a:fontRef>
-          </p:style>
-        </p:cxnSp>
-        <p:cxnSp>
-          <p:nvCxnSpPr>
             <p:cNvPr id="46" name="Straight Connector 45"/>
             <p:cNvCxnSpPr>
+              <a:cxnSpLocks/>
               <a:stCxn id="27" idx="3"/>
               <a:endCxn id="30" idx="1"/>
             </p:cNvCxnSpPr>
@@ -5392,6 +5209,7 @@
           <p:nvCxnSpPr>
             <p:cNvPr id="49" name="Straight Connector 48"/>
             <p:cNvCxnSpPr>
+              <a:cxnSpLocks/>
               <a:stCxn id="26" idx="2"/>
               <a:endCxn id="30" idx="0"/>
             </p:cNvCxnSpPr>
@@ -5430,7 +5248,7 @@
           <p:nvCxnSpPr>
             <p:cNvPr id="73" name="Straight Connector 72"/>
             <p:cNvCxnSpPr>
-              <a:stCxn id="29" idx="3"/>
+              <a:cxnSpLocks/>
               <a:endCxn id="63" idx="1"/>
             </p:cNvCxnSpPr>
             <p:nvPr/>
@@ -5477,6 +5295,7 @@
           <p:nvCxnSpPr>
             <p:cNvPr id="76" name="Straight Connector 75"/>
             <p:cNvCxnSpPr>
+              <a:cxnSpLocks/>
               <a:stCxn id="26" idx="0"/>
               <a:endCxn id="63" idx="3"/>
             </p:cNvCxnSpPr>
@@ -5524,6 +5343,7 @@
           <p:nvCxnSpPr>
             <p:cNvPr id="81" name="Straight Connector 80"/>
             <p:cNvCxnSpPr>
+              <a:cxnSpLocks/>
               <a:stCxn id="23" idx="0"/>
               <a:endCxn id="30" idx="2"/>
             </p:cNvCxnSpPr>
@@ -5562,6 +5382,7 @@
           <p:nvCxnSpPr>
             <p:cNvPr id="84" name="Straight Connector 83"/>
             <p:cNvCxnSpPr>
+              <a:cxnSpLocks/>
               <a:stCxn id="23" idx="0"/>
               <a:endCxn id="26" idx="2"/>
             </p:cNvCxnSpPr>
@@ -5943,113 +5764,6 @@
         </p:sp>
         <p:sp>
           <p:nvSpPr>
-            <p:cNvPr id="28" name="Rectangle 27"/>
-            <p:cNvSpPr/>
-            <p:nvPr/>
-          </p:nvSpPr>
-          <p:spPr>
-            <a:xfrm>
-              <a:off x="657225" y="2575035"/>
-              <a:ext cx="457200" cy="457200"/>
-            </a:xfrm>
-            <a:prstGeom prst="rect">
-              <a:avLst/>
-            </a:prstGeom>
-            <a:solidFill>
-              <a:schemeClr val="tx2">
-                <a:lumMod val="60000"/>
-                <a:lumOff val="40000"/>
-                <a:alpha val="60000"/>
-              </a:schemeClr>
-            </a:solidFill>
-            <a:ln>
-              <a:solidFill>
-                <a:schemeClr val="tx1">
-                  <a:alpha val="28000"/>
-                </a:schemeClr>
-              </a:solidFill>
-            </a:ln>
-          </p:spPr>
-          <p:style>
-            <a:lnRef idx="2">
-              <a:schemeClr val="accent1">
-                <a:shade val="50000"/>
-              </a:schemeClr>
-            </a:lnRef>
-            <a:fillRef idx="1">
-              <a:schemeClr val="accent1"/>
-            </a:fillRef>
-            <a:effectRef idx="0">
-              <a:schemeClr val="accent1"/>
-            </a:effectRef>
-            <a:fontRef idx="minor">
-              <a:schemeClr val="lt1"/>
-            </a:fontRef>
-          </p:style>
-          <p:txBody>
-            <a:bodyPr rtlCol="0" anchor="ctr"/>
-            <a:lstStyle/>
-            <a:p>
-              <a:pPr algn="ctr"/>
-              <a:endParaRPr lang="en-US"/>
-            </a:p>
-          </p:txBody>
-        </p:sp>
-        <p:sp>
-          <p:nvSpPr>
-            <p:cNvPr id="29" name="Rectangle 28"/>
-            <p:cNvSpPr/>
-            <p:nvPr/>
-          </p:nvSpPr>
-          <p:spPr>
-            <a:xfrm>
-              <a:off x="2849351" y="2218504"/>
-              <a:ext cx="457200" cy="457200"/>
-            </a:xfrm>
-            <a:prstGeom prst="rect">
-              <a:avLst/>
-            </a:prstGeom>
-            <a:solidFill>
-              <a:srgbClr val="FF0000">
-                <a:alpha val="60000"/>
-              </a:srgbClr>
-            </a:solidFill>
-            <a:ln>
-              <a:solidFill>
-                <a:schemeClr val="tx2">
-                  <a:lumMod val="60000"/>
-                  <a:lumOff val="40000"/>
-                </a:schemeClr>
-              </a:solidFill>
-            </a:ln>
-          </p:spPr>
-          <p:style>
-            <a:lnRef idx="2">
-              <a:schemeClr val="accent1">
-                <a:shade val="50000"/>
-              </a:schemeClr>
-            </a:lnRef>
-            <a:fillRef idx="1">
-              <a:schemeClr val="accent1"/>
-            </a:fillRef>
-            <a:effectRef idx="0">
-              <a:schemeClr val="accent1"/>
-            </a:effectRef>
-            <a:fontRef idx="minor">
-              <a:schemeClr val="lt1"/>
-            </a:fontRef>
-          </p:style>
-          <p:txBody>
-            <a:bodyPr rtlCol="0" anchor="ctr"/>
-            <a:lstStyle/>
-            <a:p>
-              <a:pPr algn="ctr"/>
-              <a:endParaRPr lang="en-US"/>
-            </a:p>
-          </p:txBody>
-        </p:sp>
-        <p:sp>
-          <p:nvSpPr>
             <p:cNvPr id="30" name="Rectangle 29"/>
             <p:cNvSpPr/>
             <p:nvPr/>
@@ -6157,8 +5871,8 @@
           </p:txBody>
         </p:sp>
       </p:grpSp>
-      <mc:AlternateContent xmlns:mc="http://schemas.openxmlformats.org/markup-compatibility/2006" xmlns:a14="http://schemas.microsoft.com/office/drawing/2010/main">
-        <mc:Choice Requires="a14">
+      <mc:AlternateContent xmlns:mc="http://schemas.openxmlformats.org/markup-compatibility/2006">
+        <mc:Choice xmlns:a14="http://schemas.microsoft.com/office/drawing/2010/main" Requires="a14">
           <p:sp>
             <p:nvSpPr>
               <p:cNvPr id="90" name="TextBox 89"/>
@@ -6167,7 +5881,7 @@
             </p:nvSpPr>
             <p:spPr>
               <a:xfrm>
-                <a:off x="6629400" y="1158135"/>
+                <a:off x="7543800" y="1348773"/>
                 <a:ext cx="4038600" cy="830997"/>
               </a:xfrm>
               <a:prstGeom prst="rect">
@@ -6188,8 +5902,8 @@
                 <a14:m>
                   <m:oMath xmlns:m="http://schemas.openxmlformats.org/officeDocument/2006/math">
                     <m:r>
-                      <a:rPr lang="en-US" sz="2400" i="1">
-                        <a:latin typeface="Cambria Math"/>
+                      <a:rPr lang="en-US" sz="2400" b="0" i="1" smtClean="0">
+                        <a:latin typeface="Cambria Math" panose="02040503050406030204" pitchFamily="18" charset="0"/>
                       </a:rPr>
                       <m:t>3</m:t>
                     </m:r>
@@ -6203,7 +5917,7 @@
             </p:txBody>
           </p:sp>
         </mc:Choice>
-        <mc:Fallback xmlns="">
+        <mc:Fallback>
           <p:sp>
             <p:nvSpPr>
               <p:cNvPr id="90" name="TextBox 89"/>
@@ -6214,7 +5928,7 @@
             </p:nvSpPr>
             <p:spPr>
               <a:xfrm>
-                <a:off x="6629400" y="1158135"/>
+                <a:off x="7543800" y="1348773"/>
                 <a:ext cx="4038600" cy="830997"/>
               </a:xfrm>
               <a:prstGeom prst="rect">
@@ -6250,8 +5964,8 @@
         </p:nvSpPr>
         <p:spPr>
           <a:xfrm>
-            <a:off x="8648700" y="1987672"/>
-            <a:ext cx="1066800" cy="461665"/>
+            <a:off x="8238066" y="2641506"/>
+            <a:ext cx="3572934" cy="3785652"/>
           </a:xfrm>
           <a:prstGeom prst="rect">
             <a:avLst/>
@@ -6266,20 +5980,45 @@
           <a:p>
             <a:r>
               <a:rPr lang="en-US" sz="2400" dirty="0"/>
-              <a:t>No!</a:t>
+              <a:t>Yes!</a:t>
+            </a:r>
+          </a:p>
+          <a:p>
+            <a:endParaRPr lang="en-US" sz="2400" dirty="0"/>
+          </a:p>
+          <a:p>
+            <a:r>
+              <a:rPr lang="en-US" sz="2400" i="1" dirty="0"/>
+              <a:t>This node IS in the vertex cover!</a:t>
+            </a:r>
+          </a:p>
+          <a:p>
+            <a:endParaRPr lang="en-US" sz="2400" i="1" dirty="0"/>
+          </a:p>
+          <a:p>
+            <a:r>
+              <a:rPr lang="en-US" sz="2400" i="1" dirty="0"/>
+              <a:t>Wait, what!? </a:t>
+            </a:r>
+            <a:br>
+              <a:rPr lang="en-US" sz="2400" i="1" dirty="0"/>
+            </a:br>
+            <a:r>
+              <a:rPr lang="en-US" sz="2400" i="1" dirty="0"/>
+              <a:t>Actually, this blue node is in SOME vertex cover of size 4 so algorithm still works.</a:t>
             </a:r>
           </a:p>
         </p:txBody>
       </p:sp>
       <p:sp>
         <p:nvSpPr>
-          <p:cNvPr id="3" name="&quot;No&quot; Symbol 2"/>
+          <p:cNvPr id="33" name="&quot;No&quot; Symbol 32"/>
           <p:cNvSpPr/>
           <p:nvPr/>
         </p:nvSpPr>
         <p:spPr>
           <a:xfrm>
-            <a:off x="2055848" y="2451300"/>
+            <a:off x="5638801" y="1349446"/>
             <a:ext cx="707955" cy="707955"/>
           </a:xfrm>
           <a:prstGeom prst="noSmoking">
@@ -6327,29 +6066,80 @@
           </a:p>
         </p:txBody>
       </p:sp>
+      <p:cxnSp>
+        <p:nvCxnSpPr>
+          <p:cNvPr id="34" name="Straight Connector 33">
+            <a:extLst>
+              <a:ext uri="{FF2B5EF4-FFF2-40B4-BE49-F238E27FC236}">
+                <a16:creationId xmlns:a16="http://schemas.microsoft.com/office/drawing/2014/main" id="{6076086A-E8D6-A448-B3DB-31A6F2EC7580}"/>
+              </a:ext>
+            </a:extLst>
+          </p:cNvPr>
+          <p:cNvCxnSpPr>
+            <a:stCxn id="39" idx="2"/>
+          </p:cNvCxnSpPr>
+          <p:nvPr/>
+        </p:nvCxnSpPr>
+        <p:spPr>
+          <a:xfrm>
+            <a:off x="2409826" y="3032235"/>
+            <a:ext cx="1168262" cy="1692165"/>
+          </a:xfrm>
+          <a:prstGeom prst="line">
+            <a:avLst/>
+          </a:prstGeom>
+          <a:ln w="76200">
+            <a:solidFill>
+              <a:schemeClr val="tx1"/>
+            </a:solidFill>
+          </a:ln>
+        </p:spPr>
+        <p:style>
+          <a:lnRef idx="1">
+            <a:schemeClr val="accent1"/>
+          </a:lnRef>
+          <a:fillRef idx="0">
+            <a:schemeClr val="accent1"/>
+          </a:fillRef>
+          <a:effectRef idx="0">
+            <a:schemeClr val="accent1"/>
+          </a:effectRef>
+          <a:fontRef idx="minor">
+            <a:schemeClr val="tx1"/>
+          </a:fontRef>
+        </p:style>
+      </p:cxnSp>
       <p:sp>
         <p:nvSpPr>
-          <p:cNvPr id="32" name="&quot;No&quot; Symbol 31"/>
+          <p:cNvPr id="39" name="Rectangle 38">
+            <a:extLst>
+              <a:ext uri="{FF2B5EF4-FFF2-40B4-BE49-F238E27FC236}">
+                <a16:creationId xmlns:a16="http://schemas.microsoft.com/office/drawing/2014/main" id="{6D62542A-36C2-9848-ABA1-148A7B7EEC8E}"/>
+              </a:ext>
+            </a:extLst>
+          </p:cNvPr>
           <p:cNvSpPr/>
           <p:nvPr/>
         </p:nvSpPr>
         <p:spPr>
           <a:xfrm>
-            <a:off x="4247974" y="2100419"/>
-            <a:ext cx="707955" cy="707955"/>
+            <a:off x="2181226" y="2575035"/>
+            <a:ext cx="457200" cy="457200"/>
           </a:xfrm>
-          <a:prstGeom prst="noSmoking">
-            <a:avLst>
-              <a:gd name="adj" fmla="val 9278"/>
-            </a:avLst>
+          <a:prstGeom prst="rect">
+            <a:avLst/>
           </a:prstGeom>
           <a:solidFill>
-            <a:srgbClr val="FFFF00"/>
+            <a:schemeClr val="tx2">
+              <a:lumMod val="60000"/>
+              <a:lumOff val="40000"/>
+            </a:schemeClr>
           </a:solidFill>
           <a:ln>
             <a:solidFill>
-              <a:schemeClr val="accent6">
-                <a:lumMod val="75000"/>
+              <a:schemeClr val="tx2">
+                <a:lumMod val="60000"/>
+                <a:lumOff val="40000"/>
               </a:schemeClr>
             </a:solidFill>
           </a:ln>
@@ -6375,23 +6165,240 @@
           <a:lstStyle/>
           <a:p>
             <a:pPr algn="ctr"/>
-            <a:endParaRPr lang="en-US">
-              <a:solidFill>
-                <a:schemeClr val="tx1"/>
-              </a:solidFill>
-            </a:endParaRPr>
+            <a:endParaRPr lang="en-US" dirty="0"/>
           </a:p>
         </p:txBody>
       </p:sp>
+      <p:cxnSp>
+        <p:nvCxnSpPr>
+          <p:cNvPr id="44" name="Straight Connector 43">
+            <a:extLst>
+              <a:ext uri="{FF2B5EF4-FFF2-40B4-BE49-F238E27FC236}">
+                <a16:creationId xmlns:a16="http://schemas.microsoft.com/office/drawing/2014/main" id="{21FF04B3-F975-EB43-8A13-73C4476B02EA}"/>
+              </a:ext>
+            </a:extLst>
+          </p:cNvPr>
+          <p:cNvCxnSpPr>
+            <a:stCxn id="47" idx="3"/>
+          </p:cNvCxnSpPr>
+          <p:nvPr/>
+        </p:nvCxnSpPr>
+        <p:spPr>
+          <a:xfrm>
+            <a:off x="4830552" y="2447104"/>
+            <a:ext cx="2408449" cy="586773"/>
+          </a:xfrm>
+          <a:prstGeom prst="line">
+            <a:avLst/>
+          </a:prstGeom>
+          <a:solidFill>
+            <a:schemeClr val="tx2">
+              <a:lumMod val="60000"/>
+              <a:lumOff val="40000"/>
+              <a:alpha val="60000"/>
+            </a:schemeClr>
+          </a:solidFill>
+          <a:ln w="76200">
+            <a:solidFill>
+              <a:schemeClr val="tx1">
+                <a:alpha val="28000"/>
+              </a:schemeClr>
+            </a:solidFill>
+          </a:ln>
+        </p:spPr>
+        <p:style>
+          <a:lnRef idx="1">
+            <a:schemeClr val="accent1"/>
+          </a:lnRef>
+          <a:fillRef idx="0">
+            <a:schemeClr val="accent1"/>
+          </a:fillRef>
+          <a:effectRef idx="0">
+            <a:schemeClr val="accent1"/>
+          </a:effectRef>
+          <a:fontRef idx="minor">
+            <a:schemeClr val="tx1"/>
+          </a:fontRef>
+        </p:style>
+      </p:cxnSp>
+      <p:cxnSp>
+        <p:nvCxnSpPr>
+          <p:cNvPr id="45" name="Straight Connector 44">
+            <a:extLst>
+              <a:ext uri="{FF2B5EF4-FFF2-40B4-BE49-F238E27FC236}">
+                <a16:creationId xmlns:a16="http://schemas.microsoft.com/office/drawing/2014/main" id="{E42C82F3-C509-A542-AB6C-4E7DF14EEAFD}"/>
+              </a:ext>
+            </a:extLst>
+          </p:cNvPr>
+          <p:cNvCxnSpPr>
+            <a:stCxn id="47" idx="2"/>
+          </p:cNvCxnSpPr>
+          <p:nvPr/>
+        </p:nvCxnSpPr>
+        <p:spPr>
+          <a:xfrm flipH="1">
+            <a:off x="4137081" y="2675704"/>
+            <a:ext cx="464871" cy="786795"/>
+          </a:xfrm>
+          <a:prstGeom prst="line">
+            <a:avLst/>
+          </a:prstGeom>
+          <a:solidFill>
+            <a:schemeClr val="tx2">
+              <a:lumMod val="60000"/>
+              <a:lumOff val="40000"/>
+              <a:alpha val="60000"/>
+            </a:schemeClr>
+          </a:solidFill>
+          <a:ln w="76200">
+            <a:solidFill>
+              <a:schemeClr val="tx1">
+                <a:alpha val="28000"/>
+              </a:schemeClr>
+            </a:solidFill>
+          </a:ln>
+        </p:spPr>
+        <p:style>
+          <a:lnRef idx="1">
+            <a:schemeClr val="accent1"/>
+          </a:lnRef>
+          <a:fillRef idx="0">
+            <a:schemeClr val="accent1"/>
+          </a:fillRef>
+          <a:effectRef idx="0">
+            <a:schemeClr val="accent1"/>
+          </a:effectRef>
+          <a:fontRef idx="minor">
+            <a:schemeClr val="tx1"/>
+          </a:fontRef>
+        </p:style>
+      </p:cxnSp>
       <p:sp>
         <p:nvSpPr>
-          <p:cNvPr id="33" name="&quot;No&quot; Symbol 32"/>
+          <p:cNvPr id="47" name="Rectangle 46">
+            <a:extLst>
+              <a:ext uri="{FF2B5EF4-FFF2-40B4-BE49-F238E27FC236}">
+                <a16:creationId xmlns:a16="http://schemas.microsoft.com/office/drawing/2014/main" id="{82052DEB-D612-3A4B-90BE-1DEEACD1F320}"/>
+              </a:ext>
+            </a:extLst>
+          </p:cNvPr>
           <p:cNvSpPr/>
           <p:nvPr/>
         </p:nvSpPr>
         <p:spPr>
           <a:xfrm>
-            <a:off x="5638801" y="1349446"/>
+            <a:off x="4373352" y="2218504"/>
+            <a:ext cx="457200" cy="457200"/>
+          </a:xfrm>
+          <a:prstGeom prst="rect">
+            <a:avLst/>
+          </a:prstGeom>
+          <a:solidFill>
+            <a:srgbClr val="FF0000">
+              <a:alpha val="60000"/>
+            </a:srgbClr>
+          </a:solidFill>
+          <a:ln>
+            <a:solidFill>
+              <a:schemeClr val="tx1">
+                <a:alpha val="28000"/>
+              </a:schemeClr>
+            </a:solidFill>
+          </a:ln>
+        </p:spPr>
+        <p:style>
+          <a:lnRef idx="2">
+            <a:schemeClr val="accent1">
+              <a:shade val="50000"/>
+            </a:schemeClr>
+          </a:lnRef>
+          <a:fillRef idx="1">
+            <a:schemeClr val="accent1"/>
+          </a:fillRef>
+          <a:effectRef idx="0">
+            <a:schemeClr val="accent1"/>
+          </a:effectRef>
+          <a:fontRef idx="minor">
+            <a:schemeClr val="lt1"/>
+          </a:fontRef>
+        </p:style>
+        <p:txBody>
+          <a:bodyPr rtlCol="0" anchor="ctr"/>
+          <a:lstStyle/>
+          <a:p>
+            <a:pPr algn="ctr"/>
+            <a:r>
+              <a:rPr lang="en-US" dirty="0"/>
+              <a:t>     </a:t>
+            </a:r>
+          </a:p>
+        </p:txBody>
+      </p:sp>
+      <p:cxnSp>
+        <p:nvCxnSpPr>
+          <p:cNvPr id="48" name="Straight Connector 47">
+            <a:extLst>
+              <a:ext uri="{FF2B5EF4-FFF2-40B4-BE49-F238E27FC236}">
+                <a16:creationId xmlns:a16="http://schemas.microsoft.com/office/drawing/2014/main" id="{5B913DE9-569F-9846-8BD1-30B9A7F7968C}"/>
+              </a:ext>
+            </a:extLst>
+          </p:cNvPr>
+          <p:cNvCxnSpPr/>
+          <p:nvPr/>
+        </p:nvCxnSpPr>
+        <p:spPr>
+          <a:xfrm flipV="1">
+            <a:off x="2638426" y="2447104"/>
+            <a:ext cx="1734926" cy="356531"/>
+          </a:xfrm>
+          <a:prstGeom prst="line">
+            <a:avLst/>
+          </a:prstGeom>
+          <a:solidFill>
+            <a:schemeClr val="tx2">
+              <a:lumMod val="60000"/>
+              <a:lumOff val="40000"/>
+              <a:alpha val="60000"/>
+            </a:schemeClr>
+          </a:solidFill>
+          <a:ln w="76200">
+            <a:solidFill>
+              <a:schemeClr val="tx1">
+                <a:alpha val="23000"/>
+              </a:schemeClr>
+            </a:solidFill>
+          </a:ln>
+        </p:spPr>
+        <p:style>
+          <a:lnRef idx="1">
+            <a:schemeClr val="accent1"/>
+          </a:lnRef>
+          <a:fillRef idx="0">
+            <a:schemeClr val="accent1"/>
+          </a:fillRef>
+          <a:effectRef idx="0">
+            <a:schemeClr val="accent1"/>
+          </a:effectRef>
+          <a:fontRef idx="minor">
+            <a:schemeClr val="tx1"/>
+          </a:fontRef>
+        </p:style>
+      </p:cxnSp>
+      <p:sp>
+        <p:nvSpPr>
+          <p:cNvPr id="42" name="&quot;No&quot; Symbol 41">
+            <a:extLst>
+              <a:ext uri="{FF2B5EF4-FFF2-40B4-BE49-F238E27FC236}">
+                <a16:creationId xmlns:a16="http://schemas.microsoft.com/office/drawing/2014/main" id="{6135002A-1BC8-C941-A65D-AEFEE1EA4C0A}"/>
+              </a:ext>
+            </a:extLst>
+          </p:cNvPr>
+          <p:cNvSpPr/>
+          <p:nvPr/>
+        </p:nvSpPr>
+        <p:spPr>
+          <a:xfrm>
+            <a:off x="4247974" y="2100419"/>
             <a:ext cx="707955" cy="707955"/>
           </a:xfrm>
           <a:prstGeom prst="noSmoking">
@@ -6549,6 +6556,131 @@
       </p:grpSpPr>
       <p:sp>
         <p:nvSpPr>
+          <p:cNvPr id="2" name="Title 1"/>
+          <p:cNvSpPr>
+            <a:spLocks noGrp="1"/>
+          </p:cNvSpPr>
+          <p:nvPr>
+            <p:ph type="title"/>
+          </p:nvPr>
+        </p:nvSpPr>
+        <p:spPr/>
+        <p:txBody>
+          <a:bodyPr>
+            <a:normAutofit/>
+          </a:bodyPr>
+          <a:lstStyle/>
+          <a:p>
+            <a:r>
+              <a:rPr lang="en-US" dirty="0"/>
+              <a:t>Why does this work?</a:t>
+            </a:r>
+          </a:p>
+        </p:txBody>
+      </p:sp>
+      <p:sp>
+        <p:nvSpPr>
+          <p:cNvPr id="3" name="Content Placeholder 2"/>
+          <p:cNvSpPr>
+            <a:spLocks noGrp="1"/>
+          </p:cNvSpPr>
+          <p:nvPr>
+            <p:ph idx="1"/>
+          </p:nvPr>
+        </p:nvSpPr>
+        <p:spPr/>
+        <p:txBody>
+          <a:bodyPr/>
+          <a:lstStyle/>
+          <a:p>
+            <a:pPr marL="0" indent="0">
+              <a:buNone/>
+            </a:pPr>
+            <a:r>
+              <a:rPr lang="en-US" b="1" i="1" u="sng" dirty="0"/>
+              <a:t>If node ‘v’ IS in any VC</a:t>
+            </a:r>
+            <a:r>
+              <a:rPr lang="en-US" dirty="0"/>
+              <a:t>: Then ‘v’ covers its incident edges and k-1 nodes can be used to cover the rest (use decider to find out). Node can safely be removed because it has already been “counted”</a:t>
+            </a:r>
+          </a:p>
+          <a:p>
+            <a:pPr marL="0" indent="0">
+              <a:buNone/>
+            </a:pPr>
+            <a:endParaRPr lang="en-US" dirty="0"/>
+          </a:p>
+          <a:p>
+            <a:pPr marL="0" indent="0">
+              <a:buNone/>
+            </a:pPr>
+            <a:r>
+              <a:rPr lang="en-US" b="1" i="1" u="sng" dirty="0"/>
+              <a:t>If node ‘v’ NOT in any VC</a:t>
+            </a:r>
+            <a:r>
+              <a:rPr lang="en-US" dirty="0"/>
+              <a:t>: Then another node needs to cover it’s edges, but it won’t be usable with k = i-1 (not enough nodes)</a:t>
+            </a:r>
+          </a:p>
+        </p:txBody>
+      </p:sp>
+      <p:sp>
+        <p:nvSpPr>
+          <p:cNvPr id="4" name="Slide Number Placeholder 3"/>
+          <p:cNvSpPr>
+            <a:spLocks noGrp="1"/>
+          </p:cNvSpPr>
+          <p:nvPr>
+            <p:ph type="sldNum" sz="quarter" idx="12"/>
+          </p:nvPr>
+        </p:nvSpPr>
+        <p:spPr/>
+        <p:txBody>
+          <a:bodyPr/>
+          <a:lstStyle/>
+          <a:p>
+            <a:fld id="{86BADE50-950A-4D58-BFB2-FA2C6A8B385D}" type="slidenum">
+              <a:rPr lang="en-US" smtClean="0"/>
+              <a:t>11</a:t>
+            </a:fld>
+            <a:endParaRPr lang="en-US"/>
+          </a:p>
+        </p:txBody>
+      </p:sp>
+    </p:spTree>
+    <p:extLst>
+      <p:ext uri="{BB962C8B-B14F-4D97-AF65-F5344CB8AC3E}">
+        <p14:creationId xmlns:p14="http://schemas.microsoft.com/office/powerpoint/2010/main" val="2146393"/>
+      </p:ext>
+    </p:extLst>
+  </p:cSld>
+  <p:clrMapOvr>
+    <a:masterClrMapping/>
+  </p:clrMapOvr>
+</p:sld>
+</file>
+
+<file path=ppt/slides/slide12.xml><?xml version="1.0" encoding="utf-8"?>
+<p:sld xmlns:a="http://schemas.openxmlformats.org/drawingml/2006/main" xmlns:r="http://schemas.openxmlformats.org/officeDocument/2006/relationships" xmlns:p="http://schemas.openxmlformats.org/presentationml/2006/main">
+  <p:cSld>
+    <p:spTree>
+      <p:nvGrpSpPr>
+        <p:cNvPr id="1" name=""/>
+        <p:cNvGrpSpPr/>
+        <p:nvPr/>
+      </p:nvGrpSpPr>
+      <p:grpSpPr>
+        <a:xfrm>
+          <a:off x="0" y="0"/>
+          <a:ext cx="0" cy="0"/>
+          <a:chOff x="0" y="0"/>
+          <a:chExt cx="0" cy="0"/>
+        </a:xfrm>
+      </p:grpSpPr>
+      <p:sp>
+        <p:nvSpPr>
           <p:cNvPr id="34" name="Rectangle 33"/>
           <p:cNvSpPr/>
           <p:nvPr/>
@@ -6638,7 +6770,7 @@
           <a:p>
             <a:fld id="{86BADE50-950A-4D58-BFB2-FA2C6A8B385D}" type="slidenum">
               <a:rPr lang="en-US" smtClean="0"/>
-              <a:t>11</a:t>
+              <a:t>12</a:t>
             </a:fld>
             <a:endParaRPr lang="en-US"/>
           </a:p>
@@ -7919,7 +8051,7 @@
 </p:sld>
 </file>
 
-<file path=ppt/slides/slide12.xml><?xml version="1.0" encoding="utf-8"?>
+<file path=ppt/slides/slide13.xml><?xml version="1.0" encoding="utf-8"?>
 <p:sld xmlns:a="http://schemas.openxmlformats.org/drawingml/2006/main" xmlns:r="http://schemas.openxmlformats.org/officeDocument/2006/relationships" xmlns:p="http://schemas.openxmlformats.org/presentationml/2006/main">
   <p:cSld>
     <p:spTree>
@@ -7995,7 +8127,7 @@
             <a:fld id="{A8D2B1A1-9A82-492A-87A6-500459A044C8}" type="slidenum">
               <a:rPr lang="en-US" smtClean="0"/>
               <a:pPr/>
-              <a:t>12</a:t>
+              <a:t>13</a:t>
             </a:fld>
             <a:endParaRPr lang="en-US"/>
           </a:p>
@@ -8014,7 +8146,7 @@
 </p:sld>
 </file>
 
-<file path=ppt/slides/slide13.xml><?xml version="1.0" encoding="utf-8"?>
+<file path=ppt/slides/slide14.xml><?xml version="1.0" encoding="utf-8"?>
 <p:sld xmlns:a="http://schemas.openxmlformats.org/drawingml/2006/main" xmlns:r="http://schemas.openxmlformats.org/officeDocument/2006/relationships" xmlns:p="http://schemas.openxmlformats.org/presentationml/2006/main">
   <p:cSld>
     <p:spTree>
@@ -8397,7 +8529,7 @@
           <a:p>
             <a:fld id="{86BADE50-950A-4D58-BFB2-FA2C6A8B385D}" type="slidenum">
               <a:rPr lang="en-US" smtClean="0"/>
-              <a:t>13</a:t>
+              <a:t>14</a:t>
             </a:fld>
             <a:endParaRPr lang="en-US"/>
           </a:p>
@@ -8522,7 +8654,7 @@
 </p:sld>
 </file>
 
-<file path=ppt/slides/slide14.xml><?xml version="1.0" encoding="utf-8"?>
+<file path=ppt/slides/slide15.xml><?xml version="1.0" encoding="utf-8"?>
 <p:sld xmlns:a="http://schemas.openxmlformats.org/drawingml/2006/main" xmlns:r="http://schemas.openxmlformats.org/officeDocument/2006/relationships" xmlns:p="http://schemas.openxmlformats.org/presentationml/2006/main">
   <p:cSld>
     <p:spTree>
@@ -8539,8 +8671,8 @@
           <a:chExt cx="0" cy="0"/>
         </a:xfrm>
       </p:grpSpPr>
-      <mc:AlternateContent xmlns:mc="http://schemas.openxmlformats.org/markup-compatibility/2006">
-        <mc:Choice xmlns:a14="http://schemas.microsoft.com/office/drawing/2010/main" Requires="a14">
+      <mc:AlternateContent xmlns:mc="http://schemas.openxmlformats.org/markup-compatibility/2006" xmlns:a14="http://schemas.microsoft.com/office/drawing/2010/main">
+        <mc:Choice Requires="a14">
           <p:sp>
             <p:nvSpPr>
               <p:cNvPr id="2" name="Title 1"/>
@@ -8574,7 +8706,7 @@
             </p:txBody>
           </p:sp>
         </mc:Choice>
-        <mc:Fallback>
+        <mc:Fallback xmlns="">
           <p:sp>
             <p:nvSpPr>
               <p:cNvPr id="2" name="Title 1"/>
@@ -8819,14 +8951,14 @@
           <a:p>
             <a:fld id="{86BADE50-950A-4D58-BFB2-FA2C6A8B385D}" type="slidenum">
               <a:rPr lang="en-US" smtClean="0"/>
-              <a:t>14</a:t>
+              <a:t>15</a:t>
             </a:fld>
             <a:endParaRPr lang="en-US"/>
           </a:p>
         </p:txBody>
       </p:sp>
-      <mc:AlternateContent xmlns:mc="http://schemas.openxmlformats.org/markup-compatibility/2006">
-        <mc:Choice xmlns:a14="http://schemas.microsoft.com/office/drawing/2010/main" Requires="a14">
+      <mc:AlternateContent xmlns:mc="http://schemas.openxmlformats.org/markup-compatibility/2006" xmlns:a14="http://schemas.microsoft.com/office/drawing/2010/main">
+        <mc:Choice Requires="a14">
           <p:sp>
             <p:nvSpPr>
               <p:cNvPr id="30" name="Content Placeholder 2"/>
@@ -9142,7 +9274,7 @@
             </p:txBody>
           </p:sp>
         </mc:Choice>
-        <mc:Fallback>
+        <mc:Fallback xmlns="">
           <p:sp>
             <p:nvSpPr>
               <p:cNvPr id="30" name="Content Placeholder 2"/>
@@ -9181,8 +9313,8 @@
           </p:sp>
         </mc:Fallback>
       </mc:AlternateContent>
-      <mc:AlternateContent xmlns:mc="http://schemas.openxmlformats.org/markup-compatibility/2006">
-        <mc:Choice xmlns:a14="http://schemas.microsoft.com/office/drawing/2010/main" Requires="a14">
+      <mc:AlternateContent xmlns:mc="http://schemas.openxmlformats.org/markup-compatibility/2006" xmlns:a14="http://schemas.microsoft.com/office/drawing/2010/main">
+        <mc:Choice Requires="a14">
           <p:sp>
             <p:nvSpPr>
               <p:cNvPr id="6" name="Content Placeholder 2">
@@ -9391,7 +9523,7 @@
             </p:txBody>
           </p:sp>
         </mc:Choice>
-        <mc:Fallback>
+        <mc:Fallback xmlns="">
           <p:sp>
             <p:nvSpPr>
               <p:cNvPr id="6" name="Content Placeholder 2">
@@ -9589,7 +9721,7 @@
 </p:sld>
 </file>
 
-<file path=ppt/slides/slide15.xml><?xml version="1.0" encoding="utf-8"?>
+<file path=ppt/slides/slide16.xml><?xml version="1.0" encoding="utf-8"?>
 <p:sld xmlns:a="http://schemas.openxmlformats.org/drawingml/2006/main" xmlns:r="http://schemas.openxmlformats.org/officeDocument/2006/relationships" xmlns:p="http://schemas.openxmlformats.org/presentationml/2006/main">
   <p:cSld>
     <p:spTree>
@@ -9990,7 +10122,7 @@
           <a:p>
             <a:fld id="{86BADE50-950A-4D58-BFB2-FA2C6A8B385D}" type="slidenum">
               <a:rPr lang="en-US" smtClean="0"/>
-              <a:t>15</a:t>
+              <a:t>16</a:t>
             </a:fld>
             <a:endParaRPr lang="en-US"/>
           </a:p>
@@ -10269,7 +10401,7 @@
 </p:sld>
 </file>
 
-<file path=ppt/slides/slide16.xml><?xml version="1.0" encoding="utf-8"?>
+<file path=ppt/slides/slide17.xml><?xml version="1.0" encoding="utf-8"?>
 <p:sld xmlns:a="http://schemas.openxmlformats.org/drawingml/2006/main" xmlns:r="http://schemas.openxmlformats.org/officeDocument/2006/relationships" xmlns:p="http://schemas.openxmlformats.org/presentationml/2006/main">
   <p:cSld>
     <p:spTree>
@@ -10379,7 +10511,7 @@
           <a:p>
             <a:fld id="{86BADE50-950A-4D58-BFB2-FA2C6A8B385D}" type="slidenum">
               <a:rPr lang="en-US" smtClean="0"/>
-              <a:t>16</a:t>
+              <a:t>17</a:t>
             </a:fld>
             <a:endParaRPr lang="en-US"/>
           </a:p>
@@ -12070,7 +12202,7 @@
 </p:sld>
 </file>
 
-<file path=ppt/slides/slide17.xml><?xml version="1.0" encoding="utf-8"?>
+<file path=ppt/slides/slide18.xml><?xml version="1.0" encoding="utf-8"?>
 <p:sld xmlns:a="http://schemas.openxmlformats.org/drawingml/2006/main" xmlns:r="http://schemas.openxmlformats.org/officeDocument/2006/relationships" xmlns:p="http://schemas.openxmlformats.org/presentationml/2006/main">
   <p:cSld>
     <p:spTree>
@@ -12403,7 +12535,7 @@
           <a:p>
             <a:fld id="{86BADE50-950A-4D58-BFB2-FA2C6A8B385D}" type="slidenum">
               <a:rPr lang="en-US" smtClean="0"/>
-              <a:t>17</a:t>
+              <a:t>18</a:t>
             </a:fld>
             <a:endParaRPr lang="en-US"/>
           </a:p>
@@ -12808,7 +12940,7 @@
 </p:sld>
 </file>
 
-<file path=ppt/slides/slide18.xml><?xml version="1.0" encoding="utf-8"?>
+<file path=ppt/slides/slide19.xml><?xml version="1.0" encoding="utf-8"?>
 <p:sld xmlns:a="http://schemas.openxmlformats.org/drawingml/2006/main" xmlns:r="http://schemas.openxmlformats.org/officeDocument/2006/relationships" xmlns:p="http://schemas.openxmlformats.org/presentationml/2006/main">
   <p:cSld>
     <p:spTree>
@@ -12918,7 +13050,7 @@
           <a:p>
             <a:fld id="{86BADE50-950A-4D58-BFB2-FA2C6A8B385D}" type="slidenum">
               <a:rPr lang="en-US" smtClean="0"/>
-              <a:t>18</a:t>
+              <a:t>19</a:t>
             </a:fld>
             <a:endParaRPr lang="en-US"/>
           </a:p>
@@ -14600,7 +14732,181 @@
 </p:sld>
 </file>
 
-<file path=ppt/slides/slide19.xml><?xml version="1.0" encoding="utf-8"?>
+<file path=ppt/slides/slide2.xml><?xml version="1.0" encoding="utf-8"?>
+<p:sld xmlns:a="http://schemas.openxmlformats.org/drawingml/2006/main" xmlns:r="http://schemas.openxmlformats.org/officeDocument/2006/relationships" xmlns:p="http://schemas.openxmlformats.org/presentationml/2006/main">
+  <p:cSld>
+    <p:spTree>
+      <p:nvGrpSpPr>
+        <p:cNvPr id="1" name=""/>
+        <p:cNvGrpSpPr/>
+        <p:nvPr/>
+      </p:nvGrpSpPr>
+      <p:grpSpPr>
+        <a:xfrm>
+          <a:off x="0" y="0"/>
+          <a:ext cx="0" cy="0"/>
+          <a:chOff x="0" y="0"/>
+          <a:chExt cx="0" cy="0"/>
+        </a:xfrm>
+      </p:grpSpPr>
+      <p:sp>
+        <p:nvSpPr>
+          <p:cNvPr id="2" name="Title 1">
+            <a:extLst>
+              <a:ext uri="{FF2B5EF4-FFF2-40B4-BE49-F238E27FC236}">
+                <a16:creationId xmlns:a16="http://schemas.microsoft.com/office/drawing/2014/main" id="{7F398ADC-F6F6-C043-8CC0-36C31B64D1C1}"/>
+              </a:ext>
+            </a:extLst>
+          </p:cNvPr>
+          <p:cNvSpPr>
+            <a:spLocks noGrp="1"/>
+          </p:cNvSpPr>
+          <p:nvPr>
+            <p:ph type="title"/>
+          </p:nvPr>
+        </p:nvSpPr>
+        <p:spPr/>
+        <p:txBody>
+          <a:bodyPr/>
+          <a:lstStyle/>
+          <a:p>
+            <a:r>
+              <a:rPr lang="en-US" dirty="0"/>
+              <a:t>Some Preliminaries</a:t>
+            </a:r>
+          </a:p>
+        </p:txBody>
+      </p:sp>
+      <p:sp>
+        <p:nvSpPr>
+          <p:cNvPr id="3" name="Content Placeholder 2">
+            <a:extLst>
+              <a:ext uri="{FF2B5EF4-FFF2-40B4-BE49-F238E27FC236}">
+                <a16:creationId xmlns:a16="http://schemas.microsoft.com/office/drawing/2014/main" id="{A60538D5-BB5F-F043-9A7C-1C14D0119429}"/>
+              </a:ext>
+            </a:extLst>
+          </p:cNvPr>
+          <p:cNvSpPr>
+            <a:spLocks noGrp="1"/>
+          </p:cNvSpPr>
+          <p:nvPr>
+            <p:ph idx="1"/>
+          </p:nvPr>
+        </p:nvSpPr>
+        <p:spPr>
+          <a:xfrm>
+            <a:off x="609600" y="1600200"/>
+            <a:ext cx="10972800" cy="4756151"/>
+          </a:xfrm>
+        </p:spPr>
+        <p:txBody>
+          <a:bodyPr anchor="t" anchorCtr="0">
+            <a:normAutofit fontScale="92500"/>
+          </a:bodyPr>
+          <a:lstStyle/>
+          <a:p>
+            <a:pPr marL="0" indent="0">
+              <a:buNone/>
+            </a:pPr>
+            <a:r>
+              <a:rPr lang="en-US" dirty="0"/>
+              <a:t>Before we go further on this topic….</a:t>
+            </a:r>
+          </a:p>
+          <a:p>
+            <a:r>
+              <a:rPr lang="en-US" dirty="0"/>
+              <a:t>This is a complex (and interesting!) topic in CS theory</a:t>
+            </a:r>
+          </a:p>
+          <a:p>
+            <a:r>
+              <a:rPr lang="en-US" dirty="0"/>
+              <a:t>In our few lectures, we may approach things from a simpler viewpoint than you’d get in a CS theory course</a:t>
+            </a:r>
+          </a:p>
+          <a:p>
+            <a:endParaRPr lang="en-US" dirty="0"/>
+          </a:p>
+          <a:p>
+            <a:r>
+              <a:rPr lang="en-US" dirty="0"/>
+              <a:t>The math and theory related to NP-complete problems starts with </a:t>
+            </a:r>
+            <a:r>
+              <a:rPr lang="en-US" b="1" i="1" dirty="0"/>
+              <a:t>decision problems</a:t>
+            </a:r>
+          </a:p>
+          <a:p>
+            <a:pPr lvl="1"/>
+            <a:r>
+              <a:rPr lang="en-US" dirty="0"/>
+              <a:t>What’s that?  Let’s use vertex cover as an example</a:t>
+            </a:r>
+          </a:p>
+          <a:p>
+            <a:pPr lvl="1"/>
+            <a:r>
+              <a:rPr lang="en-US" dirty="0"/>
+              <a:t>What’s described next applies to any optimization problems we’ve seen</a:t>
+            </a:r>
+          </a:p>
+          <a:p>
+            <a:endParaRPr lang="en-US" dirty="0"/>
+          </a:p>
+          <a:p>
+            <a:endParaRPr lang="en-US" dirty="0"/>
+          </a:p>
+          <a:p>
+            <a:pPr lvl="1"/>
+            <a:endParaRPr lang="en-US" dirty="0"/>
+          </a:p>
+        </p:txBody>
+      </p:sp>
+      <p:sp>
+        <p:nvSpPr>
+          <p:cNvPr id="4" name="Slide Number Placeholder 3">
+            <a:extLst>
+              <a:ext uri="{FF2B5EF4-FFF2-40B4-BE49-F238E27FC236}">
+                <a16:creationId xmlns:a16="http://schemas.microsoft.com/office/drawing/2014/main" id="{77C09992-77A5-DF4B-9481-0C319EF9A4C4}"/>
+              </a:ext>
+            </a:extLst>
+          </p:cNvPr>
+          <p:cNvSpPr>
+            <a:spLocks noGrp="1"/>
+          </p:cNvSpPr>
+          <p:nvPr>
+            <p:ph type="sldNum" sz="quarter" idx="12"/>
+          </p:nvPr>
+        </p:nvSpPr>
+        <p:spPr/>
+        <p:txBody>
+          <a:bodyPr/>
+          <a:lstStyle/>
+          <a:p>
+            <a:fld id="{86BADE50-950A-4D58-BFB2-FA2C6A8B385D}" type="slidenum">
+              <a:rPr lang="en-US" smtClean="0"/>
+              <a:t>2</a:t>
+            </a:fld>
+            <a:endParaRPr lang="en-US"/>
+          </a:p>
+        </p:txBody>
+      </p:sp>
+    </p:spTree>
+    <p:extLst>
+      <p:ext uri="{BB962C8B-B14F-4D97-AF65-F5344CB8AC3E}">
+        <p14:creationId xmlns:p14="http://schemas.microsoft.com/office/powerpoint/2010/main" val="2247289439"/>
+      </p:ext>
+    </p:extLst>
+  </p:cSld>
+  <p:clrMapOvr>
+    <a:masterClrMapping/>
+  </p:clrMapOvr>
+</p:sld>
+</file>
+
+<file path=ppt/slides/slide20.xml><?xml version="1.0" encoding="utf-8"?>
 <p:sld xmlns:a="http://schemas.openxmlformats.org/drawingml/2006/main" xmlns:r="http://schemas.openxmlformats.org/officeDocument/2006/relationships" xmlns:p="http://schemas.openxmlformats.org/presentationml/2006/main">
   <p:cSld>
     <p:spTree>
@@ -14710,7 +15016,7 @@
           <a:p>
             <a:fld id="{86BADE50-950A-4D58-BFB2-FA2C6A8B385D}" type="slidenum">
               <a:rPr lang="en-US" smtClean="0"/>
-              <a:t>19</a:t>
+              <a:t>20</a:t>
             </a:fld>
             <a:endParaRPr lang="en-US"/>
           </a:p>
@@ -16408,181 +16714,7 @@
 </p:sld>
 </file>
 
-<file path=ppt/slides/slide2.xml><?xml version="1.0" encoding="utf-8"?>
-<p:sld xmlns:a="http://schemas.openxmlformats.org/drawingml/2006/main" xmlns:r="http://schemas.openxmlformats.org/officeDocument/2006/relationships" xmlns:p="http://schemas.openxmlformats.org/presentationml/2006/main">
-  <p:cSld>
-    <p:spTree>
-      <p:nvGrpSpPr>
-        <p:cNvPr id="1" name=""/>
-        <p:cNvGrpSpPr/>
-        <p:nvPr/>
-      </p:nvGrpSpPr>
-      <p:grpSpPr>
-        <a:xfrm>
-          <a:off x="0" y="0"/>
-          <a:ext cx="0" cy="0"/>
-          <a:chOff x="0" y="0"/>
-          <a:chExt cx="0" cy="0"/>
-        </a:xfrm>
-      </p:grpSpPr>
-      <p:sp>
-        <p:nvSpPr>
-          <p:cNvPr id="2" name="Title 1">
-            <a:extLst>
-              <a:ext uri="{FF2B5EF4-FFF2-40B4-BE49-F238E27FC236}">
-                <a16:creationId xmlns:a16="http://schemas.microsoft.com/office/drawing/2014/main" id="{7F398ADC-F6F6-C043-8CC0-36C31B64D1C1}"/>
-              </a:ext>
-            </a:extLst>
-          </p:cNvPr>
-          <p:cNvSpPr>
-            <a:spLocks noGrp="1"/>
-          </p:cNvSpPr>
-          <p:nvPr>
-            <p:ph type="title"/>
-          </p:nvPr>
-        </p:nvSpPr>
-        <p:spPr/>
-        <p:txBody>
-          <a:bodyPr/>
-          <a:lstStyle/>
-          <a:p>
-            <a:r>
-              <a:rPr lang="en-US" dirty="0"/>
-              <a:t>Some Preliminaries</a:t>
-            </a:r>
-          </a:p>
-        </p:txBody>
-      </p:sp>
-      <p:sp>
-        <p:nvSpPr>
-          <p:cNvPr id="3" name="Content Placeholder 2">
-            <a:extLst>
-              <a:ext uri="{FF2B5EF4-FFF2-40B4-BE49-F238E27FC236}">
-                <a16:creationId xmlns:a16="http://schemas.microsoft.com/office/drawing/2014/main" id="{A60538D5-BB5F-F043-9A7C-1C14D0119429}"/>
-              </a:ext>
-            </a:extLst>
-          </p:cNvPr>
-          <p:cNvSpPr>
-            <a:spLocks noGrp="1"/>
-          </p:cNvSpPr>
-          <p:nvPr>
-            <p:ph idx="1"/>
-          </p:nvPr>
-        </p:nvSpPr>
-        <p:spPr>
-          <a:xfrm>
-            <a:off x="609600" y="1600200"/>
-            <a:ext cx="10972800" cy="4756151"/>
-          </a:xfrm>
-        </p:spPr>
-        <p:txBody>
-          <a:bodyPr anchor="t" anchorCtr="0">
-            <a:normAutofit fontScale="92500"/>
-          </a:bodyPr>
-          <a:lstStyle/>
-          <a:p>
-            <a:pPr marL="0" indent="0">
-              <a:buNone/>
-            </a:pPr>
-            <a:r>
-              <a:rPr lang="en-US" dirty="0"/>
-              <a:t>Before we go further on this topic….</a:t>
-            </a:r>
-          </a:p>
-          <a:p>
-            <a:r>
-              <a:rPr lang="en-US" dirty="0"/>
-              <a:t>This is a complex (and interesting!) topic in CS theory</a:t>
-            </a:r>
-          </a:p>
-          <a:p>
-            <a:r>
-              <a:rPr lang="en-US" dirty="0"/>
-              <a:t>In our few lectures, we may approach things from a simpler viewpoint than you’d get in a CS theory course</a:t>
-            </a:r>
-          </a:p>
-          <a:p>
-            <a:endParaRPr lang="en-US" dirty="0"/>
-          </a:p>
-          <a:p>
-            <a:r>
-              <a:rPr lang="en-US" dirty="0"/>
-              <a:t>The math and theory related to NP-complete problems starts with </a:t>
-            </a:r>
-            <a:r>
-              <a:rPr lang="en-US" b="1" i="1" dirty="0"/>
-              <a:t>decision problems</a:t>
-            </a:r>
-          </a:p>
-          <a:p>
-            <a:pPr lvl="1"/>
-            <a:r>
-              <a:rPr lang="en-US" dirty="0"/>
-              <a:t>What’s that?  Let’s use vertex cover as an example</a:t>
-            </a:r>
-          </a:p>
-          <a:p>
-            <a:pPr lvl="1"/>
-            <a:r>
-              <a:rPr lang="en-US" dirty="0"/>
-              <a:t>What’s described next applies to any optimization problems we’ve seen</a:t>
-            </a:r>
-          </a:p>
-          <a:p>
-            <a:endParaRPr lang="en-US" dirty="0"/>
-          </a:p>
-          <a:p>
-            <a:endParaRPr lang="en-US" dirty="0"/>
-          </a:p>
-          <a:p>
-            <a:pPr lvl="1"/>
-            <a:endParaRPr lang="en-US" dirty="0"/>
-          </a:p>
-        </p:txBody>
-      </p:sp>
-      <p:sp>
-        <p:nvSpPr>
-          <p:cNvPr id="4" name="Slide Number Placeholder 3">
-            <a:extLst>
-              <a:ext uri="{FF2B5EF4-FFF2-40B4-BE49-F238E27FC236}">
-                <a16:creationId xmlns:a16="http://schemas.microsoft.com/office/drawing/2014/main" id="{77C09992-77A5-DF4B-9481-0C319EF9A4C4}"/>
-              </a:ext>
-            </a:extLst>
-          </p:cNvPr>
-          <p:cNvSpPr>
-            <a:spLocks noGrp="1"/>
-          </p:cNvSpPr>
-          <p:nvPr>
-            <p:ph type="sldNum" sz="quarter" idx="12"/>
-          </p:nvPr>
-        </p:nvSpPr>
-        <p:spPr/>
-        <p:txBody>
-          <a:bodyPr/>
-          <a:lstStyle/>
-          <a:p>
-            <a:fld id="{86BADE50-950A-4D58-BFB2-FA2C6A8B385D}" type="slidenum">
-              <a:rPr lang="en-US" smtClean="0"/>
-              <a:t>2</a:t>
-            </a:fld>
-            <a:endParaRPr lang="en-US"/>
-          </a:p>
-        </p:txBody>
-      </p:sp>
-    </p:spTree>
-    <p:extLst>
-      <p:ext uri="{BB962C8B-B14F-4D97-AF65-F5344CB8AC3E}">
-        <p14:creationId xmlns:p14="http://schemas.microsoft.com/office/powerpoint/2010/main" val="2247289439"/>
-      </p:ext>
-    </p:extLst>
-  </p:cSld>
-  <p:clrMapOvr>
-    <a:masterClrMapping/>
-  </p:clrMapOvr>
-</p:sld>
-</file>
-
-<file path=ppt/slides/slide20.xml><?xml version="1.0" encoding="utf-8"?>
+<file path=ppt/slides/slide21.xml><?xml version="1.0" encoding="utf-8"?>
 <p:sld xmlns:a="http://schemas.openxmlformats.org/drawingml/2006/main" xmlns:r="http://schemas.openxmlformats.org/officeDocument/2006/relationships" xmlns:p="http://schemas.openxmlformats.org/presentationml/2006/main">
   <p:cSld>
     <p:spTree>
@@ -16720,7 +16852,7 @@
           <a:p>
             <a:fld id="{86BADE50-950A-4D58-BFB2-FA2C6A8B385D}" type="slidenum">
               <a:rPr lang="en-US" smtClean="0"/>
-              <a:t>20</a:t>
+              <a:t>21</a:t>
             </a:fld>
             <a:endParaRPr lang="en-US"/>
           </a:p>
@@ -16739,7 +16871,7 @@
 </p:sld>
 </file>
 
-<file path=ppt/slides/slide21.xml><?xml version="1.0" encoding="utf-8"?>
+<file path=ppt/slides/slide22.xml><?xml version="1.0" encoding="utf-8"?>
 <p:sld xmlns:a="http://schemas.openxmlformats.org/drawingml/2006/main" xmlns:r="http://schemas.openxmlformats.org/officeDocument/2006/relationships" xmlns:p="http://schemas.openxmlformats.org/presentationml/2006/main" showMasterPhAnim="0">
   <p:cSld>
     <p:spTree>
@@ -17444,7 +17576,7 @@
 </p:sld>
 </file>
 
-<file path=ppt/slides/slide22.xml><?xml version="1.0" encoding="utf-8"?>
+<file path=ppt/slides/slide23.xml><?xml version="1.0" encoding="utf-8"?>
 <p:sld xmlns:a="http://schemas.openxmlformats.org/drawingml/2006/main" xmlns:r="http://schemas.openxmlformats.org/officeDocument/2006/relationships" xmlns:p="http://schemas.openxmlformats.org/presentationml/2006/main">
   <p:cSld>
     <p:spTree>
@@ -18248,7 +18380,7 @@
 </p:sld>
 </file>
 
-<file path=ppt/slides/slide23.xml><?xml version="1.0" encoding="utf-8"?>
+<file path=ppt/slides/slide24.xml><?xml version="1.0" encoding="utf-8"?>
 <p:sld xmlns:a="http://schemas.openxmlformats.org/drawingml/2006/main" xmlns:r="http://schemas.openxmlformats.org/officeDocument/2006/relationships" xmlns:p="http://schemas.openxmlformats.org/presentationml/2006/main">
   <p:cSld>
     <p:spTree>
@@ -18467,7 +18599,7 @@
           <a:p>
             <a:fld id="{86BADE50-950A-4D58-BFB2-FA2C6A8B385D}" type="slidenum">
               <a:rPr lang="en-US" smtClean="0"/>
-              <a:t>23</a:t>
+              <a:t>24</a:t>
             </a:fld>
             <a:endParaRPr lang="en-US"/>
           </a:p>
@@ -18486,7 +18618,7 @@
 </p:sld>
 </file>
 
-<file path=ppt/slides/slide24.xml><?xml version="1.0" encoding="utf-8"?>
+<file path=ppt/slides/slide25.xml><?xml version="1.0" encoding="utf-8"?>
 <p:sld xmlns:a="http://schemas.openxmlformats.org/drawingml/2006/main" xmlns:r="http://schemas.openxmlformats.org/officeDocument/2006/relationships" xmlns:p="http://schemas.openxmlformats.org/presentationml/2006/main">
   <p:cSld>
     <p:spTree>
@@ -18562,7 +18694,7 @@
             <a:fld id="{A8D2B1A1-9A82-492A-87A6-500459A044C8}" type="slidenum">
               <a:rPr lang="en-US" smtClean="0"/>
               <a:pPr/>
-              <a:t>24</a:t>
+              <a:t>25</a:t>
             </a:fld>
             <a:endParaRPr lang="en-US"/>
           </a:p>
@@ -18581,7 +18713,7 @@
 </p:sld>
 </file>
 
-<file path=ppt/slides/slide25.xml><?xml version="1.0" encoding="utf-8"?>
+<file path=ppt/slides/slide26.xml><?xml version="1.0" encoding="utf-8"?>
 <p:sld xmlns:a="http://schemas.openxmlformats.org/drawingml/2006/main" xmlns:r="http://schemas.openxmlformats.org/officeDocument/2006/relationships" xmlns:p="http://schemas.openxmlformats.org/presentationml/2006/main">
   <p:cSld>
     <p:spTree>
@@ -18866,7 +18998,7 @@
 </p:sld>
 </file>
 
-<file path=ppt/slides/slide26.xml><?xml version="1.0" encoding="utf-8"?>
+<file path=ppt/slides/slide27.xml><?xml version="1.0" encoding="utf-8"?>
 <p:sld xmlns:a="http://schemas.openxmlformats.org/drawingml/2006/main" xmlns:r="http://schemas.openxmlformats.org/officeDocument/2006/relationships" xmlns:p="http://schemas.openxmlformats.org/presentationml/2006/main">
   <p:cSld>
     <p:spTree>
@@ -19221,7 +19353,7 @@
 </p:sld>
 </file>
 
-<file path=ppt/slides/slide27.xml><?xml version="1.0" encoding="utf-8"?>
+<file path=ppt/slides/slide28.xml><?xml version="1.0" encoding="utf-8"?>
 <p:sld xmlns:a="http://schemas.openxmlformats.org/drawingml/2006/main" xmlns:r="http://schemas.openxmlformats.org/officeDocument/2006/relationships" xmlns:p="http://schemas.openxmlformats.org/presentationml/2006/main">
   <p:cSld>
     <p:spTree>
@@ -19297,7 +19429,7 @@
             <a:fld id="{A8D2B1A1-9A82-492A-87A6-500459A044C8}" type="slidenum">
               <a:rPr lang="en-US" smtClean="0"/>
               <a:pPr/>
-              <a:t>27</a:t>
+              <a:t>28</a:t>
             </a:fld>
             <a:endParaRPr lang="en-US"/>
           </a:p>
@@ -19316,7 +19448,7 @@
 </p:sld>
 </file>
 
-<file path=ppt/slides/slide28.xml><?xml version="1.0" encoding="utf-8"?>
+<file path=ppt/slides/slide29.xml><?xml version="1.0" encoding="utf-8"?>
 <p:sld xmlns:a="http://schemas.openxmlformats.org/drawingml/2006/main" xmlns:r="http://schemas.openxmlformats.org/officeDocument/2006/relationships" xmlns:p="http://schemas.openxmlformats.org/presentationml/2006/main">
   <p:cSld>
     <p:spTree>
@@ -19777,192 +19909,6 @@
     <p:extLst>
       <p:ext uri="{BB962C8B-B14F-4D97-AF65-F5344CB8AC3E}">
         <p14:creationId xmlns:p14="http://schemas.microsoft.com/office/powerpoint/2010/main" val="915470115"/>
-      </p:ext>
-    </p:extLst>
-  </p:cSld>
-  <p:clrMapOvr>
-    <a:masterClrMapping/>
-  </p:clrMapOvr>
-</p:sld>
-</file>
-
-<file path=ppt/slides/slide29.xml><?xml version="1.0" encoding="utf-8"?>
-<p:sld xmlns:a="http://schemas.openxmlformats.org/drawingml/2006/main" xmlns:r="http://schemas.openxmlformats.org/officeDocument/2006/relationships" xmlns:p="http://schemas.openxmlformats.org/presentationml/2006/main">
-  <p:cSld>
-    <p:spTree>
-      <p:nvGrpSpPr>
-        <p:cNvPr id="1" name=""/>
-        <p:cNvGrpSpPr/>
-        <p:nvPr/>
-      </p:nvGrpSpPr>
-      <p:grpSpPr>
-        <a:xfrm>
-          <a:off x="0" y="0"/>
-          <a:ext cx="0" cy="0"/>
-          <a:chOff x="0" y="0"/>
-          <a:chExt cx="0" cy="0"/>
-        </a:xfrm>
-      </p:grpSpPr>
-      <p:sp>
-        <p:nvSpPr>
-          <p:cNvPr id="26625" name="Rectangle 2">
-            <a:extLst>
-              <a:ext uri="{FF2B5EF4-FFF2-40B4-BE49-F238E27FC236}">
-                <a16:creationId xmlns:a16="http://schemas.microsoft.com/office/drawing/2014/main" id="{F080C729-7865-3741-BBDF-77747ECC8D0B}"/>
-              </a:ext>
-            </a:extLst>
-          </p:cNvPr>
-          <p:cNvSpPr>
-            <a:spLocks noGrp="1" noChangeArrowheads="1"/>
-          </p:cNvSpPr>
-          <p:nvPr>
-            <p:ph type="title"/>
-            <p:custDataLst>
-              <p:tags r:id="rId1"/>
-            </p:custDataLst>
-          </p:nvPr>
-        </p:nvSpPr>
-        <p:spPr/>
-        <p:txBody>
-          <a:bodyPr/>
-          <a:lstStyle/>
-          <a:p>
-            <a:r>
-              <a:rPr lang="en-US" altLang="en-US">
-                <a:ea typeface="ＭＳ Ｐゴシック" panose="020B0600070205080204" pitchFamily="34" charset="-128"/>
-              </a:rPr>
-              <a:t>The 3-CNF Problem</a:t>
-            </a:r>
-          </a:p>
-        </p:txBody>
-      </p:sp>
-      <p:sp>
-        <p:nvSpPr>
-          <p:cNvPr id="26626" name="Rectangle 3">
-            <a:extLst>
-              <a:ext uri="{FF2B5EF4-FFF2-40B4-BE49-F238E27FC236}">
-                <a16:creationId xmlns:a16="http://schemas.microsoft.com/office/drawing/2014/main" id="{C11A355F-7E96-914D-9499-4F72520C556E}"/>
-              </a:ext>
-            </a:extLst>
-          </p:cNvPr>
-          <p:cNvSpPr>
-            <a:spLocks noGrp="1" noChangeArrowheads="1"/>
-          </p:cNvSpPr>
-          <p:nvPr>
-            <p:ph type="body" idx="1"/>
-            <p:custDataLst>
-              <p:tags r:id="rId2"/>
-            </p:custDataLst>
-          </p:nvPr>
-        </p:nvSpPr>
-        <p:spPr/>
-        <p:txBody>
-          <a:bodyPr/>
-          <a:lstStyle/>
-          <a:p>
-            <a:pPr>
-              <a:lnSpc>
-                <a:spcPct val="90000"/>
-              </a:lnSpc>
-            </a:pPr>
-            <a:r>
-              <a:rPr lang="en-US" altLang="en-US" dirty="0">
-                <a:ea typeface="ＭＳ Ｐゴシック" panose="020B0600070205080204" pitchFamily="34" charset="-128"/>
-              </a:rPr>
-              <a:t>Satisfiability of Boolean formulas in 3-CNF form (the </a:t>
-            </a:r>
-            <a:r>
-              <a:rPr lang="en-US" altLang="en-US" i="1" dirty="0">
-                <a:solidFill>
-                  <a:schemeClr val="tx2"/>
-                </a:solidFill>
-                <a:ea typeface="ＭＳ Ｐゴシック" panose="020B0600070205080204" pitchFamily="34" charset="-128"/>
-              </a:rPr>
-              <a:t>3-CNF Problem</a:t>
-            </a:r>
-            <a:r>
-              <a:rPr lang="en-US" altLang="en-US" dirty="0">
-                <a:ea typeface="ＭＳ Ｐゴシック" panose="020B0600070205080204" pitchFamily="34" charset="-128"/>
-              </a:rPr>
-              <a:t>) is NP-Complete</a:t>
-            </a:r>
-          </a:p>
-          <a:p>
-            <a:pPr lvl="1">
-              <a:lnSpc>
-                <a:spcPct val="90000"/>
-              </a:lnSpc>
-            </a:pPr>
-            <a:r>
-              <a:rPr lang="en-US" altLang="en-US" dirty="0">
-                <a:ea typeface="ＭＳ Ｐゴシック" panose="020B0600070205080204" pitchFamily="34" charset="-128"/>
-              </a:rPr>
-              <a:t>Proof: Also done by Cook (“part 2” of Cook’s theorem)</a:t>
-            </a:r>
-          </a:p>
-          <a:p>
-            <a:pPr lvl="1">
-              <a:lnSpc>
-                <a:spcPct val="90000"/>
-              </a:lnSpc>
-            </a:pPr>
-            <a:r>
-              <a:rPr lang="en-US" altLang="en-US" dirty="0">
-                <a:ea typeface="ＭＳ Ｐゴシック" panose="020B0600070205080204" pitchFamily="34" charset="-128"/>
-                <a:sym typeface="Symbol" pitchFamily="2" charset="2"/>
-              </a:rPr>
-              <a:t>But it’s not that hard to show SAT </a:t>
-            </a:r>
-            <a:r>
-              <a:rPr lang="en-US" altLang="en-US" baseline="-25000" dirty="0">
-                <a:ea typeface="ＭＳ Ｐゴシック" panose="020B0600070205080204" pitchFamily="34" charset="-128"/>
-                <a:sym typeface="Symbol" pitchFamily="2" charset="2"/>
-              </a:rPr>
-              <a:t>p</a:t>
-            </a:r>
-            <a:r>
-              <a:rPr lang="en-US" altLang="en-US" dirty="0">
-                <a:ea typeface="ＭＳ Ｐゴシック" panose="020B0600070205080204" pitchFamily="34" charset="-128"/>
-                <a:sym typeface="Symbol" pitchFamily="2" charset="2"/>
-              </a:rPr>
-              <a:t> 3-CNF</a:t>
-            </a:r>
-            <a:endParaRPr lang="en-US" altLang="en-US" dirty="0">
-              <a:ea typeface="ＭＳ Ｐゴシック" panose="020B0600070205080204" pitchFamily="34" charset="-128"/>
-            </a:endParaRPr>
-          </a:p>
-          <a:p>
-            <a:pPr>
-              <a:lnSpc>
-                <a:spcPct val="90000"/>
-              </a:lnSpc>
-            </a:pPr>
-            <a:r>
-              <a:rPr lang="en-US" altLang="en-US" dirty="0">
-                <a:ea typeface="ＭＳ Ｐゴシック" panose="020B0600070205080204" pitchFamily="34" charset="-128"/>
-              </a:rPr>
-              <a:t>The reason we care about the 3-CNF problem is that it is relatively easy to reduce to others </a:t>
-            </a:r>
-          </a:p>
-          <a:p>
-            <a:pPr lvl="1">
-              <a:lnSpc>
-                <a:spcPct val="90000"/>
-              </a:lnSpc>
-            </a:pPr>
-            <a:r>
-              <a:rPr lang="en-US" altLang="en-US" dirty="0">
-                <a:ea typeface="ＭＳ Ｐゴシック" panose="020B0600070205080204" pitchFamily="34" charset="-128"/>
-              </a:rPr>
-              <a:t>Thus by proving 3-CNF is NP-Complete we can prove many seemingly unrelated problems are NP-Complete</a:t>
-            </a:r>
-          </a:p>
-        </p:txBody>
-      </p:sp>
-    </p:spTree>
-    <p:extLst>
-      <p:ext uri="{BB962C8B-B14F-4D97-AF65-F5344CB8AC3E}">
-        <p14:creationId xmlns:p14="http://schemas.microsoft.com/office/powerpoint/2010/main" val="2780942345"/>
       </p:ext>
     </p:extLst>
   </p:cSld>
@@ -20489,12 +20435,21 @@
       </p:grpSpPr>
       <p:sp>
         <p:nvSpPr>
-          <p:cNvPr id="2" name="Title 1"/>
+          <p:cNvPr id="26625" name="Rectangle 2">
+            <a:extLst>
+              <a:ext uri="{FF2B5EF4-FFF2-40B4-BE49-F238E27FC236}">
+                <a16:creationId xmlns:a16="http://schemas.microsoft.com/office/drawing/2014/main" id="{F080C729-7865-3741-BBDF-77747ECC8D0B}"/>
+              </a:ext>
+            </a:extLst>
+          </p:cNvPr>
           <p:cNvSpPr>
-            <a:spLocks noGrp="1"/>
+            <a:spLocks noGrp="1" noChangeArrowheads="1"/>
           </p:cNvSpPr>
           <p:nvPr>
             <p:ph type="title"/>
+            <p:custDataLst>
+              <p:tags r:id="rId1"/>
+            </p:custDataLst>
           </p:nvPr>
         </p:nvSpPr>
         <p:spPr/>
@@ -20503,20 +20458,31 @@
           <a:lstStyle/>
           <a:p>
             <a:r>
-              <a:rPr lang="en-US" dirty="0"/>
-              <a:t>Showing 3-SAT is NP-complete</a:t>
+              <a:rPr lang="en-US" altLang="en-US">
+                <a:ea typeface="ＭＳ Ｐゴシック" panose="020B0600070205080204" pitchFamily="34" charset="-128"/>
+              </a:rPr>
+              <a:t>The 3-CNF Problem</a:t>
             </a:r>
           </a:p>
         </p:txBody>
       </p:sp>
       <p:sp>
         <p:nvSpPr>
-          <p:cNvPr id="4" name="Slide Number Placeholder 3"/>
+          <p:cNvPr id="26626" name="Rectangle 3">
+            <a:extLst>
+              <a:ext uri="{FF2B5EF4-FFF2-40B4-BE49-F238E27FC236}">
+                <a16:creationId xmlns:a16="http://schemas.microsoft.com/office/drawing/2014/main" id="{C11A355F-7E96-914D-9499-4F72520C556E}"/>
+              </a:ext>
+            </a:extLst>
+          </p:cNvPr>
           <p:cNvSpPr>
-            <a:spLocks noGrp="1"/>
+            <a:spLocks noGrp="1" noChangeArrowheads="1"/>
           </p:cNvSpPr>
           <p:nvPr>
-            <p:ph type="sldNum" sz="quarter" idx="12"/>
+            <p:ph type="body" idx="1"/>
+            <p:custDataLst>
+              <p:tags r:id="rId2"/>
+            </p:custDataLst>
           </p:nvPr>
         </p:nvSpPr>
         <p:spPr/>
@@ -20524,201 +20490,109 @@
           <a:bodyPr/>
           <a:lstStyle/>
           <a:p>
-            <a:fld id="{A8D2B1A1-9A82-492A-87A6-500459A044C8}" type="slidenum">
-              <a:rPr lang="en-US" smtClean="0"/>
-              <a:pPr/>
-              <a:t>30</a:t>
-            </a:fld>
-            <a:endParaRPr lang="en-US"/>
-          </a:p>
-        </p:txBody>
-      </p:sp>
-      <p:sp>
-        <p:nvSpPr>
-          <p:cNvPr id="3" name="Content Placeholder 2"/>
-          <p:cNvSpPr>
-            <a:spLocks noGrp="1"/>
-          </p:cNvSpPr>
-          <p:nvPr>
-            <p:ph sz="quarter" idx="1"/>
-          </p:nvPr>
-        </p:nvSpPr>
-        <p:spPr/>
-        <p:txBody>
-          <a:bodyPr>
-            <a:normAutofit fontScale="85000" lnSpcReduction="20000"/>
-          </a:bodyPr>
-          <a:lstStyle/>
-          <a:p>
-            <a:r>
-              <a:rPr lang="en-US" dirty="0"/>
-              <a:t>First, we must show it’s in NP</a:t>
-            </a:r>
-          </a:p>
-          <a:p>
-            <a:pPr lvl="1"/>
-            <a:r>
-              <a:rPr lang="en-US" dirty="0"/>
-              <a:t>A NTM can decide it in polynomial time</a:t>
-            </a:r>
-          </a:p>
-          <a:p>
-            <a:pPr lvl="1"/>
-            <a:r>
-              <a:rPr lang="en-US" dirty="0"/>
-              <a:t>Rephrased: it can be verified by a DTM in polynomial time</a:t>
-            </a:r>
-          </a:p>
-          <a:p>
-            <a:pPr lvl="2"/>
-            <a:r>
-              <a:rPr lang="en-US" dirty="0"/>
-              <a:t>The equivalence of those two statements is on slide 30</a:t>
-            </a:r>
-          </a:p>
-          <a:p>
-            <a:pPr lvl="2"/>
-            <a:r>
-              <a:rPr lang="en-US" dirty="0"/>
-              <a:t>This second one is easy to show</a:t>
-            </a:r>
-          </a:p>
-          <a:p>
-            <a:pPr lvl="2"/>
-            <a:r>
-              <a:rPr lang="en-US" dirty="0"/>
-              <a:t>A formal proof would require showing </a:t>
-            </a:r>
-            <a:r>
-              <a:rPr lang="en-US" i="1" dirty="0"/>
-              <a:t>how</a:t>
-            </a:r>
-            <a:r>
-              <a:rPr lang="en-US" dirty="0"/>
-              <a:t>, which I’ll do verbally</a:t>
-            </a:r>
-          </a:p>
-          <a:p>
-            <a:r>
-              <a:rPr lang="en-US" dirty="0"/>
-              <a:t>Next we must show that 3-SAT is NP-hard: that we can reduce an NP-complete problem </a:t>
-            </a:r>
-            <a:r>
-              <a:rPr lang="en-US" i="1" dirty="0"/>
-              <a:t>to</a:t>
-            </a:r>
-            <a:r>
-              <a:rPr lang="en-US" dirty="0"/>
-              <a:t> 3-SAT</a:t>
-            </a:r>
-          </a:p>
-          <a:p>
-            <a:pPr lvl="1"/>
-            <a:r>
-              <a:rPr lang="en-US" dirty="0"/>
-              <a:t>Not surprisingly, we choose SAT</a:t>
-            </a:r>
-          </a:p>
-          <a:p>
-            <a:pPr lvl="1"/>
-            <a:endParaRPr lang="en-US" dirty="0"/>
-          </a:p>
-          <a:p>
-            <a:r>
-              <a:rPr lang="en-US" dirty="0"/>
-              <a:t>We’ll consider the following formula:</a:t>
-            </a:r>
-          </a:p>
-          <a:p>
-            <a:r>
-              <a:rPr lang="en-US" dirty="0">
-                <a:sym typeface="Symbol"/>
-              </a:rPr>
-              <a:t> = ((x</a:t>
-            </a:r>
-            <a:r>
-              <a:rPr lang="en-US" baseline="-25000" dirty="0">
-                <a:sym typeface="Symbol"/>
-              </a:rPr>
-              <a:t>1</a:t>
-            </a:r>
-            <a:r>
-              <a:rPr lang="en-US" dirty="0">
-                <a:sym typeface="Symbol"/>
-              </a:rPr>
-              <a:t>  x</a:t>
-            </a:r>
-            <a:r>
-              <a:rPr lang="en-US" baseline="-25000" dirty="0">
-                <a:sym typeface="Symbol"/>
-              </a:rPr>
-              <a:t>2</a:t>
-            </a:r>
-            <a:r>
-              <a:rPr lang="en-US" dirty="0">
-                <a:sym typeface="Symbol"/>
-              </a:rPr>
-              <a:t>)  ((x</a:t>
-            </a:r>
-            <a:r>
-              <a:rPr lang="en-US" baseline="-25000" dirty="0">
-                <a:sym typeface="Symbol"/>
-              </a:rPr>
-              <a:t>1</a:t>
-            </a:r>
-            <a:r>
-              <a:rPr lang="en-US" dirty="0">
-                <a:sym typeface="Symbol"/>
-              </a:rPr>
-              <a:t>  x</a:t>
-            </a:r>
-            <a:r>
-              <a:rPr lang="en-US" baseline="-25000" dirty="0">
-                <a:sym typeface="Symbol"/>
-              </a:rPr>
-              <a:t>3</a:t>
-            </a:r>
-            <a:r>
-              <a:rPr lang="en-US" dirty="0">
-                <a:sym typeface="Symbol"/>
-              </a:rPr>
-              <a:t>)  x</a:t>
-            </a:r>
-            <a:r>
-              <a:rPr lang="en-US" baseline="-25000" dirty="0">
-                <a:sym typeface="Symbol"/>
-              </a:rPr>
-              <a:t>4</a:t>
-            </a:r>
-            <a:r>
-              <a:rPr lang="en-US" dirty="0">
-                <a:sym typeface="Symbol"/>
-              </a:rPr>
-              <a:t>))  x</a:t>
-            </a:r>
-            <a:r>
-              <a:rPr lang="en-US" baseline="-25000" dirty="0">
-                <a:sym typeface="Symbol"/>
-              </a:rPr>
-              <a:t>2</a:t>
-            </a:r>
-            <a:r>
-              <a:rPr lang="en-US" dirty="0">
-                <a:sym typeface="Symbol"/>
-              </a:rPr>
-              <a:t> </a:t>
-            </a:r>
-            <a:endParaRPr lang="en-US" dirty="0"/>
-          </a:p>
-          <a:p>
-            <a:endParaRPr lang="en-US" dirty="0"/>
+            <a:pPr>
+              <a:lnSpc>
+                <a:spcPct val="90000"/>
+              </a:lnSpc>
+            </a:pPr>
+            <a:r>
+              <a:rPr lang="en-US" altLang="en-US" dirty="0">
+                <a:ea typeface="ＭＳ Ｐゴシック" panose="020B0600070205080204" pitchFamily="34" charset="-128"/>
+              </a:rPr>
+              <a:t>Satisfiability of Boolean formulas in 3-CNF form (the </a:t>
+            </a:r>
+            <a:r>
+              <a:rPr lang="en-US" altLang="en-US" i="1" dirty="0">
+                <a:solidFill>
+                  <a:schemeClr val="tx2"/>
+                </a:solidFill>
+                <a:ea typeface="ＭＳ Ｐゴシック" panose="020B0600070205080204" pitchFamily="34" charset="-128"/>
+              </a:rPr>
+              <a:t>3-CNF Problem</a:t>
+            </a:r>
+            <a:r>
+              <a:rPr lang="en-US" altLang="en-US" dirty="0">
+                <a:ea typeface="ＭＳ Ｐゴシック" panose="020B0600070205080204" pitchFamily="34" charset="-128"/>
+              </a:rPr>
+              <a:t>) is NP-Complete</a:t>
+            </a:r>
+          </a:p>
+          <a:p>
+            <a:pPr lvl="1">
+              <a:lnSpc>
+                <a:spcPct val="90000"/>
+              </a:lnSpc>
+            </a:pPr>
+            <a:r>
+              <a:rPr lang="en-US" altLang="en-US" dirty="0">
+                <a:ea typeface="ＭＳ Ｐゴシック" panose="020B0600070205080204" pitchFamily="34" charset="-128"/>
+              </a:rPr>
+              <a:t>Proof: Also done by Cook (“part 2” of Cook’s theorem)</a:t>
+            </a:r>
+          </a:p>
+          <a:p>
+            <a:pPr lvl="1">
+              <a:lnSpc>
+                <a:spcPct val="90000"/>
+              </a:lnSpc>
+            </a:pPr>
+            <a:r>
+              <a:rPr lang="en-US" altLang="en-US" dirty="0">
+                <a:ea typeface="ＭＳ Ｐゴシック" panose="020B0600070205080204" pitchFamily="34" charset="-128"/>
+                <a:sym typeface="Symbol" pitchFamily="2" charset="2"/>
+              </a:rPr>
+              <a:t>But it’s not that hard to show SAT </a:t>
+            </a:r>
+            <a:r>
+              <a:rPr lang="en-US" altLang="en-US" baseline="-25000" dirty="0">
+                <a:ea typeface="ＭＳ Ｐゴシック" panose="020B0600070205080204" pitchFamily="34" charset="-128"/>
+                <a:sym typeface="Symbol" pitchFamily="2" charset="2"/>
+              </a:rPr>
+              <a:t>p</a:t>
+            </a:r>
+            <a:r>
+              <a:rPr lang="en-US" altLang="en-US" dirty="0">
+                <a:ea typeface="ＭＳ Ｐゴシック" panose="020B0600070205080204" pitchFamily="34" charset="-128"/>
+                <a:sym typeface="Symbol" pitchFamily="2" charset="2"/>
+              </a:rPr>
+              <a:t> 3-CNF</a:t>
+            </a:r>
+            <a:endParaRPr lang="en-US" altLang="en-US" dirty="0">
+              <a:ea typeface="ＭＳ Ｐゴシック" panose="020B0600070205080204" pitchFamily="34" charset="-128"/>
+            </a:endParaRPr>
+          </a:p>
+          <a:p>
+            <a:pPr>
+              <a:lnSpc>
+                <a:spcPct val="90000"/>
+              </a:lnSpc>
+            </a:pPr>
+            <a:r>
+              <a:rPr lang="en-US" altLang="en-US" dirty="0">
+                <a:ea typeface="ＭＳ Ｐゴシック" panose="020B0600070205080204" pitchFamily="34" charset="-128"/>
+              </a:rPr>
+              <a:t>The reason we care about the 3-CNF problem is that it is relatively easy to reduce to others </a:t>
+            </a:r>
+          </a:p>
+          <a:p>
+            <a:pPr lvl="1">
+              <a:lnSpc>
+                <a:spcPct val="90000"/>
+              </a:lnSpc>
+            </a:pPr>
+            <a:r>
+              <a:rPr lang="en-US" altLang="en-US" dirty="0">
+                <a:ea typeface="ＭＳ Ｐゴシック" panose="020B0600070205080204" pitchFamily="34" charset="-128"/>
+              </a:rPr>
+              <a:t>Thus by proving 3-CNF is NP-Complete we can prove many seemingly unrelated problems are NP-Complete</a:t>
+            </a:r>
           </a:p>
         </p:txBody>
       </p:sp>
     </p:spTree>
     <p:extLst>
       <p:ext uri="{BB962C8B-B14F-4D97-AF65-F5344CB8AC3E}">
-        <p14:creationId xmlns:p14="http://schemas.microsoft.com/office/powerpoint/2010/main" val="1477414987"/>
+        <p14:creationId xmlns:p14="http://schemas.microsoft.com/office/powerpoint/2010/main" val="2780942345"/>
       </p:ext>
     </p:extLst>
   </p:cSld>
@@ -20747,7 +20621,7 @@
       </p:grpSpPr>
       <p:sp>
         <p:nvSpPr>
-          <p:cNvPr id="5" name="Title 4"/>
+          <p:cNvPr id="2" name="Title 1"/>
           <p:cNvSpPr>
             <a:spLocks noGrp="1"/>
           </p:cNvSpPr>
@@ -20762,7 +20636,7 @@
           <a:p>
             <a:r>
               <a:rPr lang="en-US" dirty="0"/>
-              <a:t>Converting SAT to 3-SAT, step 1</a:t>
+              <a:t>Showing 3-SAT is NP-complete</a:t>
             </a:r>
           </a:p>
         </p:txBody>
@@ -20793,7 +20667,7 @@
       </p:sp>
       <p:sp>
         <p:nvSpPr>
-          <p:cNvPr id="6" name="Content Placeholder 5"/>
+          <p:cNvPr id="3" name="Content Placeholder 2"/>
           <p:cNvSpPr>
             <a:spLocks noGrp="1"/>
           </p:cNvSpPr>
@@ -20801,19 +20675,93 @@
             <p:ph sz="quarter" idx="1"/>
           </p:nvPr>
         </p:nvSpPr>
-        <p:spPr>
-          <a:xfrm>
-            <a:off x="304800" y="1904177"/>
-            <a:ext cx="7162800" cy="4496623"/>
-          </a:xfrm>
-        </p:spPr>
+        <p:spPr/>
         <p:txBody>
           <a:bodyPr>
-            <a:normAutofit/>
+            <a:normAutofit fontScale="85000" lnSpcReduction="20000"/>
           </a:bodyPr>
           <a:lstStyle/>
           <a:p>
-            <a:pPr algn="just"/>
+            <a:r>
+              <a:rPr lang="en-US" dirty="0"/>
+              <a:t>First, we must show it’s in NP</a:t>
+            </a:r>
+          </a:p>
+          <a:p>
+            <a:pPr lvl="1"/>
+            <a:r>
+              <a:rPr lang="en-US" dirty="0"/>
+              <a:t>A NTM can decide it in polynomial time</a:t>
+            </a:r>
+          </a:p>
+          <a:p>
+            <a:pPr lvl="1"/>
+            <a:r>
+              <a:rPr lang="en-US" dirty="0"/>
+              <a:t>Rephrased: it can be verified by a DTM in polynomial time</a:t>
+            </a:r>
+          </a:p>
+          <a:p>
+            <a:pPr lvl="2"/>
+            <a:r>
+              <a:rPr lang="en-US" dirty="0"/>
+              <a:t>The equivalence of those two statements is on slide 30</a:t>
+            </a:r>
+          </a:p>
+          <a:p>
+            <a:pPr lvl="2"/>
+            <a:r>
+              <a:rPr lang="en-US" dirty="0"/>
+              <a:t>This second one is easy to show</a:t>
+            </a:r>
+          </a:p>
+          <a:p>
+            <a:pPr lvl="2"/>
+            <a:r>
+              <a:rPr lang="en-US" dirty="0"/>
+              <a:t>A formal proof would require showing </a:t>
+            </a:r>
+            <a:r>
+              <a:rPr lang="en-US" i="1" dirty="0"/>
+              <a:t>how</a:t>
+            </a:r>
+            <a:r>
+              <a:rPr lang="en-US" dirty="0"/>
+              <a:t>, which I’ll do verbally</a:t>
+            </a:r>
+          </a:p>
+          <a:p>
+            <a:r>
+              <a:rPr lang="en-US" dirty="0"/>
+              <a:t>Next we must show that 3-SAT is NP-hard: that we can reduce an NP-complete problem </a:t>
+            </a:r>
+            <a:r>
+              <a:rPr lang="en-US" i="1" dirty="0"/>
+              <a:t>to</a:t>
+            </a:r>
+            <a:r>
+              <a:rPr lang="en-US" dirty="0"/>
+              <a:t> 3-SAT</a:t>
+            </a:r>
+          </a:p>
+          <a:p>
+            <a:pPr lvl="1"/>
+            <a:r>
+              <a:rPr lang="en-US" dirty="0"/>
+              <a:t>Not surprisingly, we choose SAT</a:t>
+            </a:r>
+          </a:p>
+          <a:p>
+            <a:pPr lvl="1"/>
+            <a:endParaRPr lang="en-US" dirty="0"/>
+          </a:p>
+          <a:p>
+            <a:r>
+              <a:rPr lang="en-US" dirty="0"/>
+              <a:t>We’ll consider the following formula:</a:t>
+            </a:r>
+          </a:p>
+          <a:p>
             <a:r>
               <a:rPr lang="en-US" dirty="0">
                 <a:sym typeface="Symbol"/>
@@ -20895,81 +20843,14 @@
             <a:endParaRPr lang="en-US" dirty="0"/>
           </a:p>
           <a:p>
-            <a:pPr algn="just"/>
             <a:endParaRPr lang="en-US" dirty="0"/>
-          </a:p>
-          <a:p>
-            <a:pPr algn="just"/>
-            <a:endParaRPr lang="en-US" dirty="0"/>
-          </a:p>
-          <a:p>
-            <a:pPr algn="just"/>
-            <a:r>
-              <a:rPr lang="en-US" dirty="0"/>
-              <a:t>We </a:t>
-            </a:r>
-            <a:r>
-              <a:rPr lang="en-US" i="1" dirty="0"/>
-              <a:t>parse</a:t>
-            </a:r>
-            <a:r>
-              <a:rPr lang="en-US" dirty="0"/>
-              <a:t> the expression into an expression tree</a:t>
-            </a:r>
-          </a:p>
-          <a:p>
-            <a:pPr lvl="1" algn="just"/>
-            <a:r>
-              <a:rPr lang="en-US" dirty="0"/>
-              <a:t>Standard Algorithm Applies</a:t>
-            </a:r>
-          </a:p>
-          <a:p>
-            <a:pPr algn="just"/>
-            <a:r>
-              <a:rPr lang="en-US" dirty="0"/>
-              <a:t>Since each operator (other than </a:t>
-            </a:r>
-            <a:r>
-              <a:rPr lang="en-US" dirty="0">
-                <a:sym typeface="Symbol"/>
-              </a:rPr>
-              <a:t></a:t>
-            </a:r>
-            <a:r>
-              <a:rPr lang="en-US" dirty="0"/>
-              <a:t>) is binary, it will be a binary tree</a:t>
-            </a:r>
           </a:p>
         </p:txBody>
       </p:sp>
-      <p:pic>
-        <p:nvPicPr>
-          <p:cNvPr id="8" name="Content Placeholder 7" descr="cormen-fig-34-11.png"/>
-          <p:cNvPicPr>
-            <a:picLocks noGrp="1" noChangeAspect="1"/>
-          </p:cNvPicPr>
-          <p:nvPr>
-            <p:ph sz="quarter" idx="2"/>
-          </p:nvPr>
-        </p:nvPicPr>
-        <p:blipFill>
-          <a:blip r:embed="rId2" cstate="print"/>
-          <a:stretch>
-            <a:fillRect/>
-          </a:stretch>
-        </p:blipFill>
-        <p:spPr>
-          <a:xfrm>
-            <a:off x="7507097" y="2209800"/>
-            <a:ext cx="4041775" cy="3773725"/>
-          </a:xfrm>
-        </p:spPr>
-      </p:pic>
     </p:spTree>
     <p:extLst>
       <p:ext uri="{BB962C8B-B14F-4D97-AF65-F5344CB8AC3E}">
-        <p14:creationId xmlns:p14="http://schemas.microsoft.com/office/powerpoint/2010/main" val="641961724"/>
+        <p14:creationId xmlns:p14="http://schemas.microsoft.com/office/powerpoint/2010/main" val="1477414987"/>
       </p:ext>
     </p:extLst>
   </p:cSld>
@@ -21013,7 +20894,7 @@
           <a:p>
             <a:r>
               <a:rPr lang="en-US" dirty="0"/>
-              <a:t>Converting SAT to 3-SAT, step 2</a:t>
+              <a:t>Converting SAT to 3-SAT, step 1</a:t>
             </a:r>
           </a:p>
         </p:txBody>
@@ -21037,6 +20918,257 @@
               <a:rPr lang="en-US" smtClean="0"/>
               <a:pPr/>
               <a:t>32</a:t>
+            </a:fld>
+            <a:endParaRPr lang="en-US"/>
+          </a:p>
+        </p:txBody>
+      </p:sp>
+      <p:sp>
+        <p:nvSpPr>
+          <p:cNvPr id="6" name="Content Placeholder 5"/>
+          <p:cNvSpPr>
+            <a:spLocks noGrp="1"/>
+          </p:cNvSpPr>
+          <p:nvPr>
+            <p:ph sz="quarter" idx="1"/>
+          </p:nvPr>
+        </p:nvSpPr>
+        <p:spPr>
+          <a:xfrm>
+            <a:off x="304800" y="1904177"/>
+            <a:ext cx="7162800" cy="4496623"/>
+          </a:xfrm>
+        </p:spPr>
+        <p:txBody>
+          <a:bodyPr>
+            <a:normAutofit/>
+          </a:bodyPr>
+          <a:lstStyle/>
+          <a:p>
+            <a:pPr algn="just"/>
+            <a:r>
+              <a:rPr lang="en-US" dirty="0">
+                <a:sym typeface="Symbol"/>
+              </a:rPr>
+              <a:t> = ((x</a:t>
+            </a:r>
+            <a:r>
+              <a:rPr lang="en-US" baseline="-25000" dirty="0">
+                <a:sym typeface="Symbol"/>
+              </a:rPr>
+              <a:t>1</a:t>
+            </a:r>
+            <a:r>
+              <a:rPr lang="en-US" dirty="0">
+                <a:sym typeface="Symbol"/>
+              </a:rPr>
+              <a:t>  x</a:t>
+            </a:r>
+            <a:r>
+              <a:rPr lang="en-US" baseline="-25000" dirty="0">
+                <a:sym typeface="Symbol"/>
+              </a:rPr>
+              <a:t>2</a:t>
+            </a:r>
+            <a:r>
+              <a:rPr lang="en-US" dirty="0">
+                <a:sym typeface="Symbol"/>
+              </a:rPr>
+              <a:t>)  ((x</a:t>
+            </a:r>
+            <a:r>
+              <a:rPr lang="en-US" baseline="-25000" dirty="0">
+                <a:sym typeface="Symbol"/>
+              </a:rPr>
+              <a:t>1</a:t>
+            </a:r>
+            <a:r>
+              <a:rPr lang="en-US" dirty="0">
+                <a:sym typeface="Symbol"/>
+              </a:rPr>
+              <a:t>  x</a:t>
+            </a:r>
+            <a:r>
+              <a:rPr lang="en-US" baseline="-25000" dirty="0">
+                <a:sym typeface="Symbol"/>
+              </a:rPr>
+              <a:t>3</a:t>
+            </a:r>
+            <a:r>
+              <a:rPr lang="en-US" dirty="0">
+                <a:sym typeface="Symbol"/>
+              </a:rPr>
+              <a:t>)  x</a:t>
+            </a:r>
+            <a:r>
+              <a:rPr lang="en-US" baseline="-25000" dirty="0">
+                <a:sym typeface="Symbol"/>
+              </a:rPr>
+              <a:t>4</a:t>
+            </a:r>
+            <a:r>
+              <a:rPr lang="en-US" dirty="0">
+                <a:sym typeface="Symbol"/>
+              </a:rPr>
+              <a:t>))  x</a:t>
+            </a:r>
+            <a:r>
+              <a:rPr lang="en-US" baseline="-25000" dirty="0">
+                <a:sym typeface="Symbol"/>
+              </a:rPr>
+              <a:t>2</a:t>
+            </a:r>
+            <a:r>
+              <a:rPr lang="en-US" dirty="0">
+                <a:sym typeface="Symbol"/>
+              </a:rPr>
+              <a:t> </a:t>
+            </a:r>
+            <a:endParaRPr lang="en-US" dirty="0"/>
+          </a:p>
+          <a:p>
+            <a:pPr algn="just"/>
+            <a:endParaRPr lang="en-US" dirty="0"/>
+          </a:p>
+          <a:p>
+            <a:pPr algn="just"/>
+            <a:endParaRPr lang="en-US" dirty="0"/>
+          </a:p>
+          <a:p>
+            <a:pPr algn="just"/>
+            <a:r>
+              <a:rPr lang="en-US" dirty="0"/>
+              <a:t>We </a:t>
+            </a:r>
+            <a:r>
+              <a:rPr lang="en-US" i="1" dirty="0"/>
+              <a:t>parse</a:t>
+            </a:r>
+            <a:r>
+              <a:rPr lang="en-US" dirty="0"/>
+              <a:t> the expression into an expression tree</a:t>
+            </a:r>
+          </a:p>
+          <a:p>
+            <a:pPr lvl="1" algn="just"/>
+            <a:r>
+              <a:rPr lang="en-US" dirty="0"/>
+              <a:t>Standard Algorithm Applies</a:t>
+            </a:r>
+          </a:p>
+          <a:p>
+            <a:pPr algn="just"/>
+            <a:r>
+              <a:rPr lang="en-US" dirty="0"/>
+              <a:t>Since each operator (other than </a:t>
+            </a:r>
+            <a:r>
+              <a:rPr lang="en-US" dirty="0">
+                <a:sym typeface="Symbol"/>
+              </a:rPr>
+              <a:t></a:t>
+            </a:r>
+            <a:r>
+              <a:rPr lang="en-US" dirty="0"/>
+              <a:t>) is binary, it will be a binary tree</a:t>
+            </a:r>
+          </a:p>
+        </p:txBody>
+      </p:sp>
+      <p:pic>
+        <p:nvPicPr>
+          <p:cNvPr id="8" name="Content Placeholder 7" descr="cormen-fig-34-11.png"/>
+          <p:cNvPicPr>
+            <a:picLocks noGrp="1" noChangeAspect="1"/>
+          </p:cNvPicPr>
+          <p:nvPr>
+            <p:ph sz="quarter" idx="2"/>
+          </p:nvPr>
+        </p:nvPicPr>
+        <p:blipFill>
+          <a:blip r:embed="rId2" cstate="print"/>
+          <a:stretch>
+            <a:fillRect/>
+          </a:stretch>
+        </p:blipFill>
+        <p:spPr>
+          <a:xfrm>
+            <a:off x="7507097" y="2209800"/>
+            <a:ext cx="4041775" cy="3773725"/>
+          </a:xfrm>
+        </p:spPr>
+      </p:pic>
+    </p:spTree>
+    <p:extLst>
+      <p:ext uri="{BB962C8B-B14F-4D97-AF65-F5344CB8AC3E}">
+        <p14:creationId xmlns:p14="http://schemas.microsoft.com/office/powerpoint/2010/main" val="641961724"/>
+      </p:ext>
+    </p:extLst>
+  </p:cSld>
+  <p:clrMapOvr>
+    <a:masterClrMapping/>
+  </p:clrMapOvr>
+</p:sld>
+</file>
+
+<file path=ppt/slides/slide33.xml><?xml version="1.0" encoding="utf-8"?>
+<p:sld xmlns:a="http://schemas.openxmlformats.org/drawingml/2006/main" xmlns:r="http://schemas.openxmlformats.org/officeDocument/2006/relationships" xmlns:p="http://schemas.openxmlformats.org/presentationml/2006/main">
+  <p:cSld>
+    <p:spTree>
+      <p:nvGrpSpPr>
+        <p:cNvPr id="1" name=""/>
+        <p:cNvGrpSpPr/>
+        <p:nvPr/>
+      </p:nvGrpSpPr>
+      <p:grpSpPr>
+        <a:xfrm>
+          <a:off x="0" y="0"/>
+          <a:ext cx="0" cy="0"/>
+          <a:chOff x="0" y="0"/>
+          <a:chExt cx="0" cy="0"/>
+        </a:xfrm>
+      </p:grpSpPr>
+      <p:sp>
+        <p:nvSpPr>
+          <p:cNvPr id="5" name="Title 4"/>
+          <p:cNvSpPr>
+            <a:spLocks noGrp="1"/>
+          </p:cNvSpPr>
+          <p:nvPr>
+            <p:ph type="title"/>
+          </p:nvPr>
+        </p:nvSpPr>
+        <p:spPr/>
+        <p:txBody>
+          <a:bodyPr/>
+          <a:lstStyle/>
+          <a:p>
+            <a:r>
+              <a:rPr lang="en-US" dirty="0"/>
+              <a:t>Converting SAT to 3-SAT, step 2</a:t>
+            </a:r>
+          </a:p>
+        </p:txBody>
+      </p:sp>
+      <p:sp>
+        <p:nvSpPr>
+          <p:cNvPr id="4" name="Slide Number Placeholder 3"/>
+          <p:cNvSpPr>
+            <a:spLocks noGrp="1"/>
+          </p:cNvSpPr>
+          <p:nvPr>
+            <p:ph type="sldNum" sz="quarter" idx="12"/>
+          </p:nvPr>
+        </p:nvSpPr>
+        <p:spPr/>
+        <p:txBody>
+          <a:bodyPr/>
+          <a:lstStyle/>
+          <a:p>
+            <a:fld id="{A8D2B1A1-9A82-492A-87A6-500459A044C8}" type="slidenum">
+              <a:rPr lang="en-US" smtClean="0"/>
+              <a:pPr/>
+              <a:t>33</a:t>
             </a:fld>
             <a:endParaRPr lang="en-US"/>
           </a:p>
@@ -21427,7 +21559,7 @@
 </p:sld>
 </file>
 
-<file path=ppt/slides/slide33.xml><?xml version="1.0" encoding="utf-8"?>
+<file path=ppt/slides/slide34.xml><?xml version="1.0" encoding="utf-8"?>
 <p:sld xmlns:a="http://schemas.openxmlformats.org/drawingml/2006/main" xmlns:r="http://schemas.openxmlformats.org/officeDocument/2006/relationships" xmlns:p="http://schemas.openxmlformats.org/presentationml/2006/main">
   <p:cSld>
     <p:spTree>
@@ -21484,7 +21616,7 @@
             <a:fld id="{A8D2B1A1-9A82-492A-87A6-500459A044C8}" type="slidenum">
               <a:rPr lang="en-US" smtClean="0"/>
               <a:pPr/>
-              <a:t>33</a:t>
+              <a:t>34</a:t>
             </a:fld>
             <a:endParaRPr lang="en-US"/>
           </a:p>
@@ -22757,7 +22889,7 @@
 </p:sld>
 </file>
 
-<file path=ppt/slides/slide34.xml><?xml version="1.0" encoding="utf-8"?>
+<file path=ppt/slides/slide35.xml><?xml version="1.0" encoding="utf-8"?>
 <p:sld xmlns:a="http://schemas.openxmlformats.org/drawingml/2006/main" xmlns:r="http://schemas.openxmlformats.org/officeDocument/2006/relationships" xmlns:p="http://schemas.openxmlformats.org/presentationml/2006/main">
   <p:cSld>
     <p:spTree>
@@ -22815,7 +22947,7 @@
             <a:fld id="{A8D2B1A1-9A82-492A-87A6-500459A044C8}" type="slidenum">
               <a:rPr lang="en-US" smtClean="0"/>
               <a:pPr/>
-              <a:t>34</a:t>
+              <a:t>35</a:t>
             </a:fld>
             <a:endParaRPr lang="en-US"/>
           </a:p>
@@ -23800,7 +23932,7 @@
 </p:sld>
 </file>
 
-<file path=ppt/slides/slide35.xml><?xml version="1.0" encoding="utf-8"?>
+<file path=ppt/slides/slide36.xml><?xml version="1.0" encoding="utf-8"?>
 <p:sld xmlns:a="http://schemas.openxmlformats.org/drawingml/2006/main" xmlns:r="http://schemas.openxmlformats.org/officeDocument/2006/relationships" xmlns:p="http://schemas.openxmlformats.org/presentationml/2006/main">
   <p:cSld>
     <p:spTree>
@@ -23857,7 +23989,7 @@
             <a:fld id="{A8D2B1A1-9A82-492A-87A6-500459A044C8}" type="slidenum">
               <a:rPr lang="en-US" smtClean="0"/>
               <a:pPr/>
-              <a:t>35</a:t>
+              <a:t>36</a:t>
             </a:fld>
             <a:endParaRPr lang="en-US"/>
           </a:p>
@@ -24978,7 +25110,7 @@
 </p:sld>
 </file>
 
-<file path=ppt/slides/slide36.xml><?xml version="1.0" encoding="utf-8"?>
+<file path=ppt/slides/slide37.xml><?xml version="1.0" encoding="utf-8"?>
 <p:sld xmlns:a="http://schemas.openxmlformats.org/drawingml/2006/main" xmlns:r="http://schemas.openxmlformats.org/officeDocument/2006/relationships" xmlns:p="http://schemas.openxmlformats.org/presentationml/2006/main">
   <p:cSld>
     <p:spTree>
@@ -25036,7 +25168,7 @@
             <a:fld id="{A8D2B1A1-9A82-492A-87A6-500459A044C8}" type="slidenum">
               <a:rPr lang="en-US" smtClean="0"/>
               <a:pPr/>
-              <a:t>36</a:t>
+              <a:t>37</a:t>
             </a:fld>
             <a:endParaRPr lang="en-US"/>
           </a:p>
@@ -25300,7 +25432,7 @@
 </p:sld>
 </file>
 
-<file path=ppt/slides/slide37.xml><?xml version="1.0" encoding="utf-8"?>
+<file path=ppt/slides/slide38.xml><?xml version="1.0" encoding="utf-8"?>
 <p:sld xmlns:a="http://schemas.openxmlformats.org/drawingml/2006/main" xmlns:r="http://schemas.openxmlformats.org/officeDocument/2006/relationships" xmlns:p="http://schemas.openxmlformats.org/presentationml/2006/main">
   <p:cSld>
     <p:spTree>
@@ -25357,7 +25489,7 @@
             <a:fld id="{A8D2B1A1-9A82-492A-87A6-500459A044C8}" type="slidenum">
               <a:rPr lang="en-US" smtClean="0"/>
               <a:pPr/>
-              <a:t>37</a:t>
+              <a:t>38</a:t>
             </a:fld>
             <a:endParaRPr lang="en-US"/>
           </a:p>
@@ -25411,7 +25543,7 @@
 </p:sld>
 </file>
 
-<file path=ppt/slides/slide38.xml><?xml version="1.0" encoding="utf-8"?>
+<file path=ppt/slides/slide39.xml><?xml version="1.0" encoding="utf-8"?>
 <p:sld xmlns:a="http://schemas.openxmlformats.org/drawingml/2006/main" xmlns:r="http://schemas.openxmlformats.org/officeDocument/2006/relationships" xmlns:p="http://schemas.openxmlformats.org/presentationml/2006/main">
   <p:cSld>
     <p:spTree>
@@ -27155,115 +27287,6 @@
     <p:extLst>
       <p:ext uri="{BB962C8B-B14F-4D97-AF65-F5344CB8AC3E}">
         <p14:creationId xmlns:p14="http://schemas.microsoft.com/office/powerpoint/2010/main" val="3585888690"/>
-      </p:ext>
-    </p:extLst>
-  </p:cSld>
-  <p:clrMapOvr>
-    <a:masterClrMapping/>
-  </p:clrMapOvr>
-</p:sld>
-</file>
-
-<file path=ppt/slides/slide39.xml><?xml version="1.0" encoding="utf-8"?>
-<p:sld xmlns:a="http://schemas.openxmlformats.org/drawingml/2006/main" xmlns:r="http://schemas.openxmlformats.org/officeDocument/2006/relationships" xmlns:p="http://schemas.openxmlformats.org/presentationml/2006/main">
-  <p:cSld>
-    <p:spTree>
-      <p:nvGrpSpPr>
-        <p:cNvPr id="1" name=""/>
-        <p:cNvGrpSpPr/>
-        <p:nvPr/>
-      </p:nvGrpSpPr>
-      <p:grpSpPr>
-        <a:xfrm>
-          <a:off x="0" y="0"/>
-          <a:ext cx="0" cy="0"/>
-          <a:chOff x="0" y="0"/>
-          <a:chExt cx="0" cy="0"/>
-        </a:xfrm>
-      </p:grpSpPr>
-      <p:sp>
-        <p:nvSpPr>
-          <p:cNvPr id="2" name="Title 1">
-            <a:extLst>
-              <a:ext uri="{FF2B5EF4-FFF2-40B4-BE49-F238E27FC236}">
-                <a16:creationId xmlns:a16="http://schemas.microsoft.com/office/drawing/2014/main" id="{C30AE763-F4AB-9043-94F1-039891F72748}"/>
-              </a:ext>
-            </a:extLst>
-          </p:cNvPr>
-          <p:cNvSpPr>
-            <a:spLocks noGrp="1"/>
-          </p:cNvSpPr>
-          <p:nvPr>
-            <p:ph type="title"/>
-          </p:nvPr>
-        </p:nvSpPr>
-        <p:spPr/>
-        <p:txBody>
-          <a:bodyPr/>
-          <a:lstStyle/>
-          <a:p>
-            <a:endParaRPr lang="en-US"/>
-          </a:p>
-        </p:txBody>
-      </p:sp>
-      <p:sp>
-        <p:nvSpPr>
-          <p:cNvPr id="3" name="Content Placeholder 2">
-            <a:extLst>
-              <a:ext uri="{FF2B5EF4-FFF2-40B4-BE49-F238E27FC236}">
-                <a16:creationId xmlns:a16="http://schemas.microsoft.com/office/drawing/2014/main" id="{FFA1F2F1-2D56-9543-A86E-6C59BD4FAA75}"/>
-              </a:ext>
-            </a:extLst>
-          </p:cNvPr>
-          <p:cNvSpPr>
-            <a:spLocks noGrp="1"/>
-          </p:cNvSpPr>
-          <p:nvPr>
-            <p:ph idx="1"/>
-          </p:nvPr>
-        </p:nvSpPr>
-        <p:spPr/>
-        <p:txBody>
-          <a:bodyPr/>
-          <a:lstStyle/>
-          <a:p>
-            <a:endParaRPr lang="en-US"/>
-          </a:p>
-        </p:txBody>
-      </p:sp>
-      <p:sp>
-        <p:nvSpPr>
-          <p:cNvPr id="4" name="Slide Number Placeholder 3">
-            <a:extLst>
-              <a:ext uri="{FF2B5EF4-FFF2-40B4-BE49-F238E27FC236}">
-                <a16:creationId xmlns:a16="http://schemas.microsoft.com/office/drawing/2014/main" id="{24A4529D-355D-E541-A79F-491C57D5D540}"/>
-              </a:ext>
-            </a:extLst>
-          </p:cNvPr>
-          <p:cNvSpPr>
-            <a:spLocks noGrp="1"/>
-          </p:cNvSpPr>
-          <p:nvPr>
-            <p:ph type="sldNum" sz="quarter" idx="12"/>
-          </p:nvPr>
-        </p:nvSpPr>
-        <p:spPr/>
-        <p:txBody>
-          <a:bodyPr/>
-          <a:lstStyle/>
-          <a:p>
-            <a:fld id="{86BADE50-950A-4D58-BFB2-FA2C6A8B385D}" type="slidenum">
-              <a:rPr lang="en-US" smtClean="0"/>
-              <a:t>39</a:t>
-            </a:fld>
-            <a:endParaRPr lang="en-US"/>
-          </a:p>
-        </p:txBody>
-      </p:sp>
-    </p:spTree>
-    <p:extLst>
-      <p:ext uri="{BB962C8B-B14F-4D97-AF65-F5344CB8AC3E}">
-        <p14:creationId xmlns:p14="http://schemas.microsoft.com/office/powerpoint/2010/main" val="3407134460"/>
       </p:ext>
     </p:extLst>
   </p:cSld>
@@ -30184,6 +30207,115 @@
       </p:grpSpPr>
       <p:sp>
         <p:nvSpPr>
+          <p:cNvPr id="2" name="Title 1">
+            <a:extLst>
+              <a:ext uri="{FF2B5EF4-FFF2-40B4-BE49-F238E27FC236}">
+                <a16:creationId xmlns:a16="http://schemas.microsoft.com/office/drawing/2014/main" id="{C30AE763-F4AB-9043-94F1-039891F72748}"/>
+              </a:ext>
+            </a:extLst>
+          </p:cNvPr>
+          <p:cNvSpPr>
+            <a:spLocks noGrp="1"/>
+          </p:cNvSpPr>
+          <p:nvPr>
+            <p:ph type="title"/>
+          </p:nvPr>
+        </p:nvSpPr>
+        <p:spPr/>
+        <p:txBody>
+          <a:bodyPr/>
+          <a:lstStyle/>
+          <a:p>
+            <a:endParaRPr lang="en-US"/>
+          </a:p>
+        </p:txBody>
+      </p:sp>
+      <p:sp>
+        <p:nvSpPr>
+          <p:cNvPr id="3" name="Content Placeholder 2">
+            <a:extLst>
+              <a:ext uri="{FF2B5EF4-FFF2-40B4-BE49-F238E27FC236}">
+                <a16:creationId xmlns:a16="http://schemas.microsoft.com/office/drawing/2014/main" id="{FFA1F2F1-2D56-9543-A86E-6C59BD4FAA75}"/>
+              </a:ext>
+            </a:extLst>
+          </p:cNvPr>
+          <p:cNvSpPr>
+            <a:spLocks noGrp="1"/>
+          </p:cNvSpPr>
+          <p:nvPr>
+            <p:ph idx="1"/>
+          </p:nvPr>
+        </p:nvSpPr>
+        <p:spPr/>
+        <p:txBody>
+          <a:bodyPr/>
+          <a:lstStyle/>
+          <a:p>
+            <a:endParaRPr lang="en-US"/>
+          </a:p>
+        </p:txBody>
+      </p:sp>
+      <p:sp>
+        <p:nvSpPr>
+          <p:cNvPr id="4" name="Slide Number Placeholder 3">
+            <a:extLst>
+              <a:ext uri="{FF2B5EF4-FFF2-40B4-BE49-F238E27FC236}">
+                <a16:creationId xmlns:a16="http://schemas.microsoft.com/office/drawing/2014/main" id="{24A4529D-355D-E541-A79F-491C57D5D540}"/>
+              </a:ext>
+            </a:extLst>
+          </p:cNvPr>
+          <p:cNvSpPr>
+            <a:spLocks noGrp="1"/>
+          </p:cNvSpPr>
+          <p:nvPr>
+            <p:ph type="sldNum" sz="quarter" idx="12"/>
+          </p:nvPr>
+        </p:nvSpPr>
+        <p:spPr/>
+        <p:txBody>
+          <a:bodyPr/>
+          <a:lstStyle/>
+          <a:p>
+            <a:fld id="{86BADE50-950A-4D58-BFB2-FA2C6A8B385D}" type="slidenum">
+              <a:rPr lang="en-US" smtClean="0"/>
+              <a:t>40</a:t>
+            </a:fld>
+            <a:endParaRPr lang="en-US"/>
+          </a:p>
+        </p:txBody>
+      </p:sp>
+    </p:spTree>
+    <p:extLst>
+      <p:ext uri="{BB962C8B-B14F-4D97-AF65-F5344CB8AC3E}">
+        <p14:creationId xmlns:p14="http://schemas.microsoft.com/office/powerpoint/2010/main" val="3407134460"/>
+      </p:ext>
+    </p:extLst>
+  </p:cSld>
+  <p:clrMapOvr>
+    <a:masterClrMapping/>
+  </p:clrMapOvr>
+</p:sld>
+</file>
+
+<file path=ppt/slides/slide41.xml><?xml version="1.0" encoding="utf-8"?>
+<p:sld xmlns:a="http://schemas.openxmlformats.org/drawingml/2006/main" xmlns:r="http://schemas.openxmlformats.org/officeDocument/2006/relationships" xmlns:p="http://schemas.openxmlformats.org/presentationml/2006/main">
+  <p:cSld>
+    <p:spTree>
+      <p:nvGrpSpPr>
+        <p:cNvPr id="1" name=""/>
+        <p:cNvGrpSpPr/>
+        <p:nvPr/>
+      </p:nvGrpSpPr>
+      <p:grpSpPr>
+        <a:xfrm>
+          <a:off x="0" y="0"/>
+          <a:ext cx="0" cy="0"/>
+          <a:chOff x="0" y="0"/>
+          <a:chExt cx="0" cy="0"/>
+        </a:xfrm>
+      </p:grpSpPr>
+      <p:sp>
+        <p:nvSpPr>
           <p:cNvPr id="44035" name="Rectangle 2"/>
           <p:cNvSpPr>
             <a:spLocks noGrp="1" noChangeArrowheads="1"/>
@@ -30532,7 +30664,7 @@
 </p:sld>
 </file>
 
-<file path=ppt/slides/slide41.xml><?xml version="1.0" encoding="utf-8"?>
+<file path=ppt/slides/slide42.xml><?xml version="1.0" encoding="utf-8"?>
 <p:sld xmlns:a="http://schemas.openxmlformats.org/drawingml/2006/main" xmlns:r="http://schemas.openxmlformats.org/officeDocument/2006/relationships" xmlns:p="http://schemas.openxmlformats.org/presentationml/2006/main">
   <p:cSld>
     <p:spTree>
@@ -31739,8 +31871,8 @@
           </p:sp>
         </mc:Fallback>
       </mc:AlternateContent>
-      <mc:AlternateContent xmlns:mc="http://schemas.openxmlformats.org/markup-compatibility/2006" xmlns:a14="http://schemas.microsoft.com/office/drawing/2010/main">
-        <mc:Choice Requires="a14">
+      <mc:AlternateContent xmlns:mc="http://schemas.openxmlformats.org/markup-compatibility/2006">
+        <mc:Choice xmlns:a14="http://schemas.microsoft.com/office/drawing/2010/main" Requires="a14">
           <p:sp>
             <p:nvSpPr>
               <p:cNvPr id="3" name="Content Placeholder 2"/>
@@ -31871,19 +32003,22 @@
                     </m:r>
                   </m:oMath>
                 </a14:m>
-                <a:endParaRPr lang="en-US" dirty="0"/>
+                <a:r>
+                  <a:rPr lang="en-US" dirty="0"/>
+                  <a:t>; Keep node and edges removed</a:t>
+                </a:r>
               </a:p>
               <a:p>
                 <a:pPr lvl="1"/>
                 <a:r>
                   <a:rPr lang="en-US" dirty="0"/>
-                  <a:t>Else, it wasn’t</a:t>
+                  <a:t>Else, it wasn’t; Put node and edges back in</a:t>
                 </a:r>
               </a:p>
             </p:txBody>
           </p:sp>
         </mc:Choice>
-        <mc:Fallback xmlns="">
+        <mc:Fallback>
           <p:sp>
             <p:nvSpPr>
               <p:cNvPr id="3" name="Content Placeholder 2"/>
@@ -31898,7 +32033,7 @@
               <a:blipFill>
                 <a:blip r:embed="rId3"/>
                 <a:stretch>
-                  <a:fillRect l="-1387"/>
+                  <a:fillRect l="-1389"/>
                 </a:stretch>
               </a:blipFill>
             </p:spPr>
@@ -31940,8 +32075,8 @@
           </a:p>
         </p:txBody>
       </p:sp>
-      <mc:AlternateContent xmlns:mc="http://schemas.openxmlformats.org/markup-compatibility/2006" xmlns:a14="http://schemas.microsoft.com/office/drawing/2010/main">
-        <mc:Choice Requires="a14">
+      <mc:AlternateContent xmlns:mc="http://schemas.openxmlformats.org/markup-compatibility/2006">
+        <mc:Choice xmlns:a14="http://schemas.microsoft.com/office/drawing/2010/main" Requires="a14">
           <p:sp>
             <p:nvSpPr>
               <p:cNvPr id="5" name="Rounded Rectangular Callout 4">
@@ -31956,7 +32091,7 @@
             </p:nvSpPr>
             <p:spPr>
               <a:xfrm>
-                <a:off x="6705600" y="4800600"/>
+                <a:off x="8839200" y="4800600"/>
                 <a:ext cx="3352800" cy="1555751"/>
               </a:xfrm>
               <a:prstGeom prst="wedgeRoundRectCallout">
@@ -32008,7 +32143,7 @@
             </p:txBody>
           </p:sp>
         </mc:Choice>
-        <mc:Fallback xmlns="">
+        <mc:Fallback>
           <p:sp>
             <p:nvSpPr>
               <p:cNvPr id="5" name="Rounded Rectangular Callout 4">
@@ -32025,7 +32160,7 @@
             </p:nvSpPr>
             <p:spPr>
               <a:xfrm>
-                <a:off x="6705600" y="4800600"/>
+                <a:off x="8839200" y="4800600"/>
                 <a:ext cx="3352800" cy="1555751"/>
               </a:xfrm>
               <a:prstGeom prst="wedgeRoundRectCallout">
@@ -33357,7 +33492,7 @@
             <a:lstStyle/>
             <a:p>
               <a:pPr algn="ctr"/>
-              <a:endParaRPr lang="en-US"/>
+              <a:endParaRPr lang="en-US" dirty="0"/>
             </a:p>
           </p:txBody>
         </p:sp>
@@ -34937,8 +35072,8 @@
         </p:nvSpPr>
         <p:spPr>
           <a:xfrm>
-            <a:off x="8648700" y="1987672"/>
-            <a:ext cx="1066800" cy="461665"/>
+            <a:off x="8581147" y="2389379"/>
+            <a:ext cx="3018365" cy="1569660"/>
           </a:xfrm>
           <a:prstGeom prst="rect">
             <a:avLst/>
@@ -34954,6 +35089,16 @@
             <a:r>
               <a:rPr lang="en-US" sz="2400" dirty="0"/>
               <a:t>No!</a:t>
+            </a:r>
+            <a:br>
+              <a:rPr lang="en-US" sz="2400" dirty="0"/>
+            </a:br>
+            <a:br>
+              <a:rPr lang="en-US" sz="2400" dirty="0"/>
+            </a:br>
+            <a:r>
+              <a:rPr lang="en-US" sz="2400" i="1" dirty="0"/>
+              <a:t>This node is NOT in the vertex cover</a:t>
             </a:r>
           </a:p>
         </p:txBody>
@@ -35224,10 +35369,10 @@
         </p:nvGrpSpPr>
         <p:grpSpPr>
           <a:xfrm>
-            <a:off x="2181226" y="1481300"/>
-            <a:ext cx="5514975" cy="4914248"/>
-            <a:chOff x="657225" y="1481300"/>
-            <a:chExt cx="5514975" cy="4914248"/>
+            <a:off x="3349488" y="1481300"/>
+            <a:ext cx="4346713" cy="4914248"/>
+            <a:chOff x="1825487" y="1481300"/>
+            <a:chExt cx="4346713" cy="4914248"/>
           </a:xfrm>
         </p:grpSpPr>
         <p:cxnSp>
@@ -35326,100 +35471,6 @@
             <a:ln w="76200">
               <a:solidFill>
                 <a:schemeClr val="tx1"/>
-              </a:solidFill>
-            </a:ln>
-          </p:spPr>
-          <p:style>
-            <a:lnRef idx="1">
-              <a:schemeClr val="accent1"/>
-            </a:lnRef>
-            <a:fillRef idx="0">
-              <a:schemeClr val="accent1"/>
-            </a:fillRef>
-            <a:effectRef idx="0">
-              <a:schemeClr val="accent1"/>
-            </a:effectRef>
-            <a:fontRef idx="minor">
-              <a:schemeClr val="tx1"/>
-            </a:fontRef>
-          </p:style>
-        </p:cxnSp>
-        <p:cxnSp>
-          <p:nvCxnSpPr>
-            <p:cNvPr id="21" name="Straight Connector 20"/>
-            <p:cNvCxnSpPr>
-              <a:stCxn id="28" idx="2"/>
-              <a:endCxn id="10" idx="0"/>
-            </p:cNvCxnSpPr>
-            <p:nvPr/>
-          </p:nvCxnSpPr>
-          <p:spPr>
-            <a:xfrm>
-              <a:off x="885825" y="3032235"/>
-              <a:ext cx="1168262" cy="1692165"/>
-            </a:xfrm>
-            <a:prstGeom prst="line">
-              <a:avLst/>
-            </a:prstGeom>
-            <a:solidFill>
-              <a:schemeClr val="tx2">
-                <a:lumMod val="60000"/>
-                <a:lumOff val="40000"/>
-                <a:alpha val="60000"/>
-              </a:schemeClr>
-            </a:solidFill>
-            <a:ln w="76200">
-              <a:solidFill>
-                <a:schemeClr val="tx1">
-                  <a:alpha val="28000"/>
-                </a:schemeClr>
-              </a:solidFill>
-            </a:ln>
-          </p:spPr>
-          <p:style>
-            <a:lnRef idx="1">
-              <a:schemeClr val="accent1"/>
-            </a:lnRef>
-            <a:fillRef idx="0">
-              <a:schemeClr val="accent1"/>
-            </a:fillRef>
-            <a:effectRef idx="0">
-              <a:schemeClr val="accent1"/>
-            </a:effectRef>
-            <a:fontRef idx="minor">
-              <a:schemeClr val="tx1"/>
-            </a:fontRef>
-          </p:style>
-        </p:cxnSp>
-        <p:cxnSp>
-          <p:nvCxnSpPr>
-            <p:cNvPr id="37" name="Straight Connector 36"/>
-            <p:cNvCxnSpPr>
-              <a:stCxn id="28" idx="3"/>
-              <a:endCxn id="29" idx="1"/>
-            </p:cNvCxnSpPr>
-            <p:nvPr/>
-          </p:nvCxnSpPr>
-          <p:spPr>
-            <a:xfrm flipV="1">
-              <a:off x="1114425" y="2447104"/>
-              <a:ext cx="1734926" cy="356531"/>
-            </a:xfrm>
-            <a:prstGeom prst="line">
-              <a:avLst/>
-            </a:prstGeom>
-            <a:solidFill>
-              <a:schemeClr val="tx2">
-                <a:lumMod val="60000"/>
-                <a:lumOff val="40000"/>
-                <a:alpha val="60000"/>
-              </a:schemeClr>
-            </a:solidFill>
-            <a:ln w="76200">
-              <a:solidFill>
-                <a:schemeClr val="tx1">
-                  <a:alpha val="28000"/>
-                </a:schemeClr>
               </a:solidFill>
             </a:ln>
           </p:spPr>
@@ -36116,60 +36167,6 @@
         </p:sp>
         <p:sp>
           <p:nvSpPr>
-            <p:cNvPr id="28" name="Rectangle 27"/>
-            <p:cNvSpPr/>
-            <p:nvPr/>
-          </p:nvSpPr>
-          <p:spPr>
-            <a:xfrm>
-              <a:off x="657225" y="2575035"/>
-              <a:ext cx="457200" cy="457200"/>
-            </a:xfrm>
-            <a:prstGeom prst="rect">
-              <a:avLst/>
-            </a:prstGeom>
-            <a:solidFill>
-              <a:schemeClr val="tx2">
-                <a:lumMod val="60000"/>
-                <a:lumOff val="40000"/>
-                <a:alpha val="60000"/>
-              </a:schemeClr>
-            </a:solidFill>
-            <a:ln>
-              <a:solidFill>
-                <a:schemeClr val="tx1">
-                  <a:alpha val="28000"/>
-                </a:schemeClr>
-              </a:solidFill>
-            </a:ln>
-          </p:spPr>
-          <p:style>
-            <a:lnRef idx="2">
-              <a:schemeClr val="accent1">
-                <a:shade val="50000"/>
-              </a:schemeClr>
-            </a:lnRef>
-            <a:fillRef idx="1">
-              <a:schemeClr val="accent1"/>
-            </a:fillRef>
-            <a:effectRef idx="0">
-              <a:schemeClr val="accent1"/>
-            </a:effectRef>
-            <a:fontRef idx="minor">
-              <a:schemeClr val="lt1"/>
-            </a:fontRef>
-          </p:style>
-          <p:txBody>
-            <a:bodyPr rtlCol="0" anchor="ctr"/>
-            <a:lstStyle/>
-            <a:p>
-              <a:pPr algn="ctr"/>
-              <a:endParaRPr lang="en-US"/>
-            </a:p>
-          </p:txBody>
-        </p:sp>
-        <p:sp>
-          <p:nvSpPr>
             <p:cNvPr id="29" name="Rectangle 28"/>
             <p:cNvSpPr/>
             <p:nvPr/>
@@ -36216,7 +36213,10 @@
             <a:lstStyle/>
             <a:p>
               <a:pPr algn="ctr"/>
-              <a:endParaRPr lang="en-US"/>
+              <a:r>
+                <a:rPr lang="en-US" dirty="0"/>
+                <a:t>     </a:t>
+              </a:r>
             </a:p>
           </p:txBody>
         </p:sp>
@@ -36422,8 +36422,8 @@
         </p:nvSpPr>
         <p:spPr>
           <a:xfrm>
-            <a:off x="8648700" y="1987672"/>
-            <a:ext cx="1066800" cy="461665"/>
+            <a:off x="8628043" y="2614278"/>
+            <a:ext cx="3040600" cy="1569660"/>
           </a:xfrm>
           <a:prstGeom prst="rect">
             <a:avLst/>
@@ -36440,18 +36440,131 @@
               <a:rPr lang="en-US" sz="2400" dirty="0"/>
               <a:t>Yes!</a:t>
             </a:r>
+            <a:br>
+              <a:rPr lang="en-US" sz="2400" dirty="0"/>
+            </a:br>
+            <a:br>
+              <a:rPr lang="en-US" sz="2400" dirty="0"/>
+            </a:br>
+            <a:r>
+              <a:rPr lang="en-US" sz="2400" i="1" dirty="0"/>
+              <a:t>This node IS in the vertex cover</a:t>
+            </a:r>
           </a:p>
         </p:txBody>
       </p:sp>
+      <p:cxnSp>
+        <p:nvCxnSpPr>
+          <p:cNvPr id="33" name="Straight Connector 32">
+            <a:extLst>
+              <a:ext uri="{FF2B5EF4-FFF2-40B4-BE49-F238E27FC236}">
+                <a16:creationId xmlns:a16="http://schemas.microsoft.com/office/drawing/2014/main" id="{91B57E9D-2D35-9E4D-8BAB-77FC74D3018A}"/>
+              </a:ext>
+            </a:extLst>
+          </p:cNvPr>
+          <p:cNvCxnSpPr>
+            <a:stCxn id="35" idx="2"/>
+          </p:cNvCxnSpPr>
+          <p:nvPr/>
+        </p:nvCxnSpPr>
+        <p:spPr>
+          <a:xfrm>
+            <a:off x="2409826" y="3032235"/>
+            <a:ext cx="1168262" cy="1692165"/>
+          </a:xfrm>
+          <a:prstGeom prst="line">
+            <a:avLst/>
+          </a:prstGeom>
+          <a:ln w="76200">
+            <a:solidFill>
+              <a:schemeClr val="tx1"/>
+            </a:solidFill>
+          </a:ln>
+        </p:spPr>
+        <p:style>
+          <a:lnRef idx="1">
+            <a:schemeClr val="accent1"/>
+          </a:lnRef>
+          <a:fillRef idx="0">
+            <a:schemeClr val="accent1"/>
+          </a:fillRef>
+          <a:effectRef idx="0">
+            <a:schemeClr val="accent1"/>
+          </a:effectRef>
+          <a:fontRef idx="minor">
+            <a:schemeClr val="tx1"/>
+          </a:fontRef>
+        </p:style>
+      </p:cxnSp>
       <p:sp>
         <p:nvSpPr>
-          <p:cNvPr id="3" name="&quot;No&quot; Symbol 2"/>
+          <p:cNvPr id="35" name="Rectangle 34">
+            <a:extLst>
+              <a:ext uri="{FF2B5EF4-FFF2-40B4-BE49-F238E27FC236}">
+                <a16:creationId xmlns:a16="http://schemas.microsoft.com/office/drawing/2014/main" id="{41E87126-950B-244A-BEAD-0814ABEC16DE}"/>
+              </a:ext>
+            </a:extLst>
+          </p:cNvPr>
           <p:cNvSpPr/>
           <p:nvPr/>
         </p:nvSpPr>
         <p:spPr>
           <a:xfrm>
-            <a:off x="2055848" y="2451300"/>
+            <a:off x="2181226" y="2575035"/>
+            <a:ext cx="457200" cy="457200"/>
+          </a:xfrm>
+          <a:prstGeom prst="rect">
+            <a:avLst/>
+          </a:prstGeom>
+          <a:solidFill>
+            <a:schemeClr val="tx2">
+              <a:lumMod val="60000"/>
+              <a:lumOff val="40000"/>
+            </a:schemeClr>
+          </a:solidFill>
+          <a:ln>
+            <a:solidFill>
+              <a:schemeClr val="tx2">
+                <a:lumMod val="60000"/>
+                <a:lumOff val="40000"/>
+              </a:schemeClr>
+            </a:solidFill>
+          </a:ln>
+        </p:spPr>
+        <p:style>
+          <a:lnRef idx="2">
+            <a:schemeClr val="accent1">
+              <a:shade val="50000"/>
+            </a:schemeClr>
+          </a:lnRef>
+          <a:fillRef idx="1">
+            <a:schemeClr val="accent1"/>
+          </a:fillRef>
+          <a:effectRef idx="0">
+            <a:schemeClr val="accent1"/>
+          </a:effectRef>
+          <a:fontRef idx="minor">
+            <a:schemeClr val="lt1"/>
+          </a:fontRef>
+        </p:style>
+        <p:txBody>
+          <a:bodyPr rtlCol="0" anchor="ctr"/>
+          <a:lstStyle/>
+          <a:p>
+            <a:pPr algn="ctr"/>
+            <a:endParaRPr lang="en-US"/>
+          </a:p>
+        </p:txBody>
+      </p:sp>
+      <p:sp>
+        <p:nvSpPr>
+          <p:cNvPr id="32" name="&quot;No&quot; Symbol 31"/>
+          <p:cNvSpPr/>
+          <p:nvPr/>
+        </p:nvSpPr>
+        <p:spPr>
+          <a:xfrm>
+            <a:off x="4245045" y="2103860"/>
             <a:ext cx="707955" cy="707955"/>
           </a:xfrm>
           <a:prstGeom prst="noSmoking">
@@ -36499,62 +36612,56 @@
           </a:p>
         </p:txBody>
       </p:sp>
-      <p:sp>
-        <p:nvSpPr>
-          <p:cNvPr id="32" name="&quot;No&quot; Symbol 31"/>
-          <p:cNvSpPr/>
+      <p:cxnSp>
+        <p:nvCxnSpPr>
+          <p:cNvPr id="36" name="Straight Connector 35">
+            <a:extLst>
+              <a:ext uri="{FF2B5EF4-FFF2-40B4-BE49-F238E27FC236}">
+                <a16:creationId xmlns:a16="http://schemas.microsoft.com/office/drawing/2014/main" id="{BC17925C-3FA6-3D45-960C-D084C38A7450}"/>
+              </a:ext>
+            </a:extLst>
+          </p:cNvPr>
+          <p:cNvCxnSpPr/>
           <p:nvPr/>
-        </p:nvSpPr>
+        </p:nvCxnSpPr>
         <p:spPr>
-          <a:xfrm>
-            <a:off x="4247974" y="2100419"/>
-            <a:ext cx="707955" cy="707955"/>
+          <a:xfrm flipV="1">
+            <a:off x="2638426" y="2447104"/>
+            <a:ext cx="1734926" cy="356531"/>
           </a:xfrm>
-          <a:prstGeom prst="noSmoking">
-            <a:avLst>
-              <a:gd name="adj" fmla="val 9278"/>
-            </a:avLst>
+          <a:prstGeom prst="line">
+            <a:avLst/>
           </a:prstGeom>
           <a:solidFill>
-            <a:srgbClr val="FFFF00"/>
+            <a:schemeClr val="tx2">
+              <a:lumMod val="60000"/>
+              <a:lumOff val="40000"/>
+              <a:alpha val="60000"/>
+            </a:schemeClr>
           </a:solidFill>
-          <a:ln>
+          <a:ln w="76200">
             <a:solidFill>
-              <a:schemeClr val="accent6">
-                <a:lumMod val="75000"/>
+              <a:schemeClr val="tx1">
+                <a:alpha val="23000"/>
               </a:schemeClr>
             </a:solidFill>
           </a:ln>
         </p:spPr>
         <p:style>
-          <a:lnRef idx="2">
-            <a:schemeClr val="accent1">
-              <a:shade val="50000"/>
-            </a:schemeClr>
+          <a:lnRef idx="1">
+            <a:schemeClr val="accent1"/>
           </a:lnRef>
-          <a:fillRef idx="1">
+          <a:fillRef idx="0">
             <a:schemeClr val="accent1"/>
           </a:fillRef>
           <a:effectRef idx="0">
             <a:schemeClr val="accent1"/>
           </a:effectRef>
           <a:fontRef idx="minor">
-            <a:schemeClr val="lt1"/>
+            <a:schemeClr val="tx1"/>
           </a:fontRef>
         </p:style>
-        <p:txBody>
-          <a:bodyPr rtlCol="0" anchor="ctr"/>
-          <a:lstStyle/>
-          <a:p>
-            <a:pPr algn="ctr"/>
-            <a:endParaRPr lang="en-US">
-              <a:solidFill>
-                <a:schemeClr val="tx1"/>
-              </a:solidFill>
-            </a:endParaRPr>
-          </a:p>
-        </p:txBody>
-      </p:sp>
+      </p:cxnSp>
     </p:spTree>
     <p:extLst>
       <p:ext uri="{BB962C8B-B14F-4D97-AF65-F5344CB8AC3E}">

--- a/slides/07-NPCIntro.pptx
+++ b/slides/07-NPCIntro.pptx
@@ -249,7 +249,7 @@
           <a:p>
             <a:fld id="{9A9F7FD5-2840-4607-A4CD-0A8A66D9D61D}" type="datetimeFigureOut">
               <a:rPr lang="en-US" smtClean="0"/>
-              <a:t>11/10/22</a:t>
+              <a:t>11/11/22</a:t>
             </a:fld>
             <a:endParaRPr lang="en-US"/>
           </a:p>
@@ -942,7 +942,7 @@
           <a:p>
             <a:fld id="{088A2421-D2CD-4522-A1BA-E4F59ED821B7}" type="datetime1">
               <a:rPr lang="en-US" smtClean="0"/>
-              <a:t>11/10/22</a:t>
+              <a:t>11/11/22</a:t>
             </a:fld>
             <a:endParaRPr lang="en-US"/>
           </a:p>
@@ -1217,7 +1217,7 @@
           <a:p>
             <a:fld id="{DA91928D-0C55-4D8D-9D16-4C05754E5356}" type="datetime1">
               <a:rPr lang="en-US" smtClean="0"/>
-              <a:t>11/10/22</a:t>
+              <a:t>11/11/22</a:t>
             </a:fld>
             <a:endParaRPr lang="en-US"/>
           </a:p>
@@ -1472,7 +1472,7 @@
           <a:p>
             <a:fld id="{584CEDDD-253B-4C38-A621-35D8BA950C17}" type="datetime1">
               <a:rPr lang="en-US" smtClean="0"/>
-              <a:t>11/10/22</a:t>
+              <a:t>11/11/22</a:t>
             </a:fld>
             <a:endParaRPr lang="en-US"/>
           </a:p>
@@ -1640,7 +1640,7 @@
           <a:p>
             <a:fld id="{BF0967E4-28CB-45C9-B82C-D6B22AD4F0EB}" type="datetime1">
               <a:rPr lang="en-US" smtClean="0"/>
-              <a:t>11/10/22</a:t>
+              <a:t>11/11/22</a:t>
             </a:fld>
             <a:endParaRPr lang="en-US"/>
           </a:p>
@@ -1818,7 +1818,7 @@
           <a:p>
             <a:fld id="{2454C693-B405-44E1-A127-B7CE8B45C1E1}" type="datetime1">
               <a:rPr lang="en-US" smtClean="0"/>
-              <a:t>11/10/22</a:t>
+              <a:t>11/11/22</a:t>
             </a:fld>
             <a:endParaRPr lang="en-US"/>
           </a:p>
@@ -2070,7 +2070,7 @@
           <a:p>
             <a:fld id="{26B28102-2E91-4DD7-8E8B-98B790A12701}" type="datetime1">
               <a:rPr lang="en-US" smtClean="0"/>
-              <a:t>11/10/22</a:t>
+              <a:t>11/11/22</a:t>
             </a:fld>
             <a:endParaRPr lang="en-US"/>
           </a:p>
@@ -2328,7 +2328,7 @@
           <a:p>
             <a:fld id="{0B5AF985-6D44-417A-9881-D208468CBA07}" type="datetime1">
               <a:rPr lang="en-US" smtClean="0"/>
-              <a:t>11/10/22</a:t>
+              <a:t>11/11/22</a:t>
             </a:fld>
             <a:endParaRPr lang="en-US"/>
           </a:p>
@@ -2585,7 +2585,7 @@
           <a:p>
             <a:fld id="{26B28102-2E91-4DD7-8E8B-98B790A12701}" type="datetime1">
               <a:rPr lang="en-US" smtClean="0"/>
-              <a:t>11/10/22</a:t>
+              <a:t>11/11/22</a:t>
             </a:fld>
             <a:endParaRPr lang="en-US"/>
           </a:p>
@@ -2831,7 +2831,7 @@
           <a:p>
             <a:fld id="{3A604A86-E8D2-4E57-8D6D-61E2D175474B}" type="datetime1">
               <a:rPr lang="en-US" smtClean="0"/>
-              <a:t>11/10/22</a:t>
+              <a:t>11/11/22</a:t>
             </a:fld>
             <a:endParaRPr lang="en-US"/>
           </a:p>
@@ -3194,7 +3194,7 @@
           <a:p>
             <a:fld id="{DC921DF3-1FB0-45DC-97EF-461960E13574}" type="datetime1">
               <a:rPr lang="en-US" smtClean="0"/>
-              <a:t>11/10/22</a:t>
+              <a:t>11/11/22</a:t>
             </a:fld>
             <a:endParaRPr lang="en-US"/>
           </a:p>
@@ -3686,7 +3686,7 @@
           <a:p>
             <a:fld id="{092B088E-2809-46D8-B43F-738015D878CC}" type="datetime1">
               <a:rPr lang="en-US" smtClean="0"/>
-              <a:t>11/10/22</a:t>
+              <a:t>11/11/22</a:t>
             </a:fld>
             <a:endParaRPr lang="en-US"/>
           </a:p>
@@ -3881,7 +3881,7 @@
           <a:p>
             <a:fld id="{8208D42A-BC08-426E-9E11-483BA9D61AF6}" type="datetime1">
               <a:rPr lang="en-US" smtClean="0"/>
-              <a:t>11/10/22</a:t>
+              <a:t>11/11/22</a:t>
             </a:fld>
             <a:endParaRPr lang="en-US"/>
           </a:p>
@@ -4081,7 +4081,7 @@
           <a:p>
             <a:fld id="{26B28102-2E91-4DD7-8E8B-98B790A12701}" type="datetime1">
               <a:rPr lang="en-US" smtClean="0"/>
-              <a:t>11/10/22</a:t>
+              <a:t>11/11/22</a:t>
             </a:fld>
             <a:endParaRPr lang="en-US"/>
           </a:p>
@@ -4177,7 +4177,7 @@
           <a:p>
             <a:fld id="{37D5C786-44E1-4BD5-AD14-75F3EA166B5A}" type="datetime1">
               <a:rPr lang="en-US" smtClean="0"/>
-              <a:t>11/10/22</a:t>
+              <a:t>11/11/22</a:t>
             </a:fld>
             <a:endParaRPr lang="en-US"/>
           </a:p>
@@ -4388,7 +4388,7 @@
           <a:p>
             <a:fld id="{26B28102-2E91-4DD7-8E8B-98B790A12701}" type="datetime1">
               <a:rPr lang="en-US" smtClean="0"/>
-              <a:t>11/10/22</a:t>
+              <a:t>11/11/22</a:t>
             </a:fld>
             <a:endParaRPr lang="en-US"/>
           </a:p>
@@ -4941,8 +4941,8 @@
           <a:chExt cx="0" cy="0"/>
         </a:xfrm>
       </p:grpSpPr>
-      <mc:AlternateContent xmlns:mc="http://schemas.openxmlformats.org/markup-compatibility/2006">
-        <mc:Choice xmlns:a14="http://schemas.microsoft.com/office/drawing/2010/main" Requires="a14">
+      <mc:AlternateContent xmlns:mc="http://schemas.openxmlformats.org/markup-compatibility/2006" xmlns:a14="http://schemas.microsoft.com/office/drawing/2010/main">
+        <mc:Choice Requires="a14">
           <p:sp>
             <p:nvSpPr>
               <p:cNvPr id="2" name="Title 1"/>
@@ -4978,7 +4978,7 @@
             </p:txBody>
           </p:sp>
         </mc:Choice>
-        <mc:Fallback>
+        <mc:Fallback xmlns="">
           <p:sp>
             <p:nvSpPr>
               <p:cNvPr id="2" name="Title 1"/>
@@ -5871,8 +5871,8 @@
           </p:txBody>
         </p:sp>
       </p:grpSp>
-      <mc:AlternateContent xmlns:mc="http://schemas.openxmlformats.org/markup-compatibility/2006">
-        <mc:Choice xmlns:a14="http://schemas.microsoft.com/office/drawing/2010/main" Requires="a14">
+      <mc:AlternateContent xmlns:mc="http://schemas.openxmlformats.org/markup-compatibility/2006" xmlns:a14="http://schemas.microsoft.com/office/drawing/2010/main">
+        <mc:Choice Requires="a14">
           <p:sp>
             <p:nvSpPr>
               <p:cNvPr id="90" name="TextBox 89"/>
@@ -5917,7 +5917,7 @@
             </p:txBody>
           </p:sp>
         </mc:Choice>
-        <mc:Fallback>
+        <mc:Fallback xmlns="">
           <p:sp>
             <p:nvSpPr>
               <p:cNvPr id="90" name="TextBox 89"/>
@@ -30865,6 +30865,19 @@
               <a:t>Yes!  Of course!</a:t>
             </a:r>
           </a:p>
+          <a:p>
+            <a:pPr lvl="1">
+              <a:lnSpc>
+                <a:spcPct val="90000"/>
+              </a:lnSpc>
+            </a:pPr>
+            <a:r>
+              <a:rPr lang="en-US" altLang="en-US" sz="2400" dirty="0">
+                <a:ea typeface="ＭＳ Ｐゴシック" panose="020B0600070205080204" pitchFamily="34" charset="-128"/>
+              </a:rPr>
+              <a:t>Any problem that has an exponential size output would apply!</a:t>
+            </a:r>
+          </a:p>
         </p:txBody>
       </p:sp>
     </p:spTree>
@@ -31952,7 +31965,7 @@
                 <a:pPr lvl="1"/>
                 <a:r>
                   <a:rPr lang="en-US" dirty="0"/>
-                  <a:t>If so, then that removed node was part of the </a:t>
+                  <a:t>If so, then that removed node was part of some </a:t>
                 </a:r>
                 <a14:m>
                   <m:oMath xmlns:m="http://schemas.openxmlformats.org/officeDocument/2006/math">
@@ -32003,16 +32016,27 @@
                     </m:r>
                   </m:oMath>
                 </a14:m>
+                <a:endParaRPr lang="en-US" b="0" dirty="0"/>
+              </a:p>
+              <a:p>
+                <a:pPr lvl="2"/>
                 <a:r>
                   <a:rPr lang="en-US" dirty="0"/>
-                  <a:t>; Keep node and edges removed</a:t>
+                  <a:t>Keep node and edges removed</a:t>
                 </a:r>
               </a:p>
               <a:p>
                 <a:pPr lvl="1"/>
                 <a:r>
                   <a:rPr lang="en-US" dirty="0"/>
-                  <a:t>Else, it wasn’t; Put node and edges back in</a:t>
+                  <a:t>Else, it isn’t part of ANY k vertex cover;</a:t>
+                </a:r>
+              </a:p>
+              <a:p>
+                <a:pPr lvl="2"/>
+                <a:r>
+                  <a:rPr lang="en-US" dirty="0"/>
+                  <a:t>Put node and edges back in</a:t>
                 </a:r>
               </a:p>
             </p:txBody>
@@ -32075,8 +32099,8 @@
           </a:p>
         </p:txBody>
       </p:sp>
-      <mc:AlternateContent xmlns:mc="http://schemas.openxmlformats.org/markup-compatibility/2006">
-        <mc:Choice xmlns:a14="http://schemas.microsoft.com/office/drawing/2010/main" Requires="a14">
+      <mc:AlternateContent xmlns:mc="http://schemas.openxmlformats.org/markup-compatibility/2006" xmlns:a14="http://schemas.microsoft.com/office/drawing/2010/main">
+        <mc:Choice Requires="a14">
           <p:sp>
             <p:nvSpPr>
               <p:cNvPr id="5" name="Rounded Rectangular Callout 4">
@@ -32143,7 +32167,7 @@
             </p:txBody>
           </p:sp>
         </mc:Choice>
-        <mc:Fallback>
+        <mc:Fallback xmlns="">
           <p:sp>
             <p:nvSpPr>
               <p:cNvPr id="5" name="Rounded Rectangular Callout 4">
